--- a/cloud/webpack-ppt/培训 - webpack.pptx
+++ b/cloud/webpack-ppt/培训 - webpack.pptx
@@ -5,48 +5,59 @@
     <p:sldMasterId id="2147483648" r:id="rId1"/>
   </p:sldMasterIdLst>
   <p:notesMasterIdLst>
-    <p:notesMasterId r:id="rId41"/>
+    <p:notesMasterId r:id="rId52"/>
   </p:notesMasterIdLst>
   <p:sldIdLst>
     <p:sldId id="256" r:id="rId3"/>
     <p:sldId id="306" r:id="rId4"/>
     <p:sldId id="257" r:id="rId5"/>
-    <p:sldId id="261" r:id="rId6"/>
-    <p:sldId id="258" r:id="rId7"/>
-    <p:sldId id="259" r:id="rId8"/>
-    <p:sldId id="262" r:id="rId9"/>
-    <p:sldId id="266" r:id="rId10"/>
-    <p:sldId id="267" r:id="rId11"/>
-    <p:sldId id="270" r:id="rId12"/>
-    <p:sldId id="272" r:id="rId13"/>
-    <p:sldId id="273" r:id="rId14"/>
-    <p:sldId id="275" r:id="rId15"/>
-    <p:sldId id="276" r:id="rId16"/>
-    <p:sldId id="342" r:id="rId17"/>
-    <p:sldId id="277" r:id="rId18"/>
-    <p:sldId id="280" r:id="rId19"/>
-    <p:sldId id="278" r:id="rId20"/>
-    <p:sldId id="279" r:id="rId21"/>
-    <p:sldId id="284" r:id="rId22"/>
-    <p:sldId id="281" r:id="rId23"/>
-    <p:sldId id="290" r:id="rId24"/>
-    <p:sldId id="282" r:id="rId25"/>
-    <p:sldId id="289" r:id="rId26"/>
-    <p:sldId id="286" r:id="rId27"/>
-    <p:sldId id="292" r:id="rId28"/>
-    <p:sldId id="287" r:id="rId29"/>
-    <p:sldId id="288" r:id="rId30"/>
-    <p:sldId id="294" r:id="rId31"/>
-    <p:sldId id="283" r:id="rId32"/>
-    <p:sldId id="295" r:id="rId33"/>
-    <p:sldId id="366" r:id="rId34"/>
-    <p:sldId id="296" r:id="rId35"/>
-    <p:sldId id="302" r:id="rId36"/>
-    <p:sldId id="303" r:id="rId37"/>
-    <p:sldId id="304" r:id="rId38"/>
-    <p:sldId id="305" r:id="rId39"/>
-    <p:sldId id="297" r:id="rId40"/>
-    <p:sldId id="308" r:id="rId42"/>
+    <p:sldId id="376" r:id="rId6"/>
+    <p:sldId id="261" r:id="rId7"/>
+    <p:sldId id="258" r:id="rId8"/>
+    <p:sldId id="259" r:id="rId9"/>
+    <p:sldId id="262" r:id="rId10"/>
+    <p:sldId id="374" r:id="rId11"/>
+    <p:sldId id="377" r:id="rId12"/>
+    <p:sldId id="375" r:id="rId13"/>
+    <p:sldId id="378" r:id="rId14"/>
+    <p:sldId id="386" r:id="rId15"/>
+    <p:sldId id="379" r:id="rId16"/>
+    <p:sldId id="266" r:id="rId17"/>
+    <p:sldId id="267" r:id="rId18"/>
+    <p:sldId id="270" r:id="rId19"/>
+    <p:sldId id="272" r:id="rId20"/>
+    <p:sldId id="273" r:id="rId21"/>
+    <p:sldId id="275" r:id="rId22"/>
+    <p:sldId id="276" r:id="rId23"/>
+    <p:sldId id="382" r:id="rId24"/>
+    <p:sldId id="383" r:id="rId25"/>
+    <p:sldId id="384" r:id="rId26"/>
+    <p:sldId id="277" r:id="rId27"/>
+    <p:sldId id="385" r:id="rId28"/>
+    <p:sldId id="280" r:id="rId29"/>
+    <p:sldId id="278" r:id="rId30"/>
+    <p:sldId id="279" r:id="rId31"/>
+    <p:sldId id="284" r:id="rId32"/>
+    <p:sldId id="281" r:id="rId33"/>
+    <p:sldId id="290" r:id="rId34"/>
+    <p:sldId id="282" r:id="rId35"/>
+    <p:sldId id="289" r:id="rId36"/>
+    <p:sldId id="286" r:id="rId37"/>
+    <p:sldId id="292" r:id="rId38"/>
+    <p:sldId id="287" r:id="rId39"/>
+    <p:sldId id="288" r:id="rId40"/>
+    <p:sldId id="294" r:id="rId41"/>
+    <p:sldId id="283" r:id="rId42"/>
+    <p:sldId id="295" r:id="rId43"/>
+    <p:sldId id="387" r:id="rId44"/>
+    <p:sldId id="366" r:id="rId45"/>
+    <p:sldId id="296" r:id="rId46"/>
+    <p:sldId id="302" r:id="rId47"/>
+    <p:sldId id="303" r:id="rId48"/>
+    <p:sldId id="304" r:id="rId49"/>
+    <p:sldId id="305" r:id="rId50"/>
+    <p:sldId id="297" r:id="rId51"/>
+    <p:sldId id="308" r:id="rId53"/>
   </p:sldIdLst>
   <p:sldSz cx="12192000" cy="6858000"/>
   <p:notesSz cx="6858000" cy="9144000"/>
@@ -3422,40 +3433,51 @@
         <p:txBody>
           <a:bodyPr/>
           <a:p>
-            <a:r>
-              <a:rPr lang="zh-CN" altLang="en-US"/>
-              <a:t>传统文件依赖（官网示范）</a:t>
-            </a:r>
-            <a:endParaRPr lang="zh-CN" altLang="en-US"/>
-          </a:p>
-        </p:txBody>
-      </p:sp>
-      <p:pic>
-        <p:nvPicPr>
-          <p:cNvPr id="4" name="内容占位符 3" descr="bootstrap依赖"/>
-          <p:cNvPicPr>
-            <a:picLocks noChangeAspect="1"/>
-          </p:cNvPicPr>
+            <a:endParaRPr lang="zh-CN" altLang="en-US"/>
+          </a:p>
+        </p:txBody>
+      </p:sp>
+      <p:sp>
+        <p:nvSpPr>
+          <p:cNvPr id="3" name="内容占位符 2"/>
+          <p:cNvSpPr>
+            <a:spLocks noGrp="1"/>
+          </p:cNvSpPr>
           <p:nvPr>
             <p:ph idx="1"/>
           </p:nvPr>
-        </p:nvPicPr>
-        <p:blipFill>
-          <a:blip r:embed="rId1"/>
-          <a:stretch>
-            <a:fillRect/>
-          </a:stretch>
-        </p:blipFill>
-        <p:spPr>
-          <a:xfrm>
-            <a:off x="1471295" y="1981835"/>
-            <a:ext cx="9248775" cy="4038600"/>
-          </a:xfrm>
-          <a:prstGeom prst="rect">
-            <a:avLst/>
-          </a:prstGeom>
-        </p:spPr>
-      </p:pic>
+        </p:nvSpPr>
+        <p:spPr/>
+        <p:txBody>
+          <a:bodyPr/>
+          <a:p>
+            <a:pPr algn="ctr"/>
+            <a:endParaRPr lang="zh-CN" altLang="en-US" sz="4400"/>
+          </a:p>
+          <a:p>
+            <a:pPr algn="ctr"/>
+            <a:endParaRPr lang="zh-CN" altLang="en-US" sz="4400"/>
+          </a:p>
+          <a:p>
+            <a:pPr marL="0" indent="0" algn="ctr">
+              <a:buNone/>
+            </a:pPr>
+            <a:r>
+              <a:rPr lang="zh-CN" altLang="en-US" sz="4400">
+                <a:solidFill>
+                  <a:srgbClr val="FF0000"/>
+                </a:solidFill>
+              </a:rPr>
+              <a:t>我们来看看其他语言的方便之处！</a:t>
+            </a:r>
+            <a:endParaRPr lang="zh-CN" altLang="en-US" sz="4400">
+              <a:solidFill>
+                <a:srgbClr val="FF0000"/>
+              </a:solidFill>
+            </a:endParaRPr>
+          </a:p>
+        </p:txBody>
+      </p:sp>
     </p:spTree>
   </p:cSld>
   <p:clrMapOvr>
@@ -3489,8 +3511,12 @@
           <a:bodyPr/>
           <a:p>
             <a:r>
-              <a:rPr lang="zh-CN" altLang="en-US"/>
-              <a:t>我的故事</a:t>
+              <a:rPr lang="en-US" altLang="zh-CN"/>
+              <a:t>1.1 - LESS/SCSS</a:t>
+            </a:r>
+            <a:r>
+              <a:rPr lang="zh-CN" altLang="en-US"/>
+              <a:t>之可嵌套性</a:t>
             </a:r>
             <a:endParaRPr lang="zh-CN" altLang="en-US"/>
           </a:p>
@@ -3510,24 +3536,58 @@
         <p:txBody>
           <a:bodyPr/>
           <a:p>
-            <a:r>
-              <a:rPr lang="zh-CN" altLang="en-US"/>
-              <a:t>在刚开始学习程序的时候，我并不觉得多写一行代码，多引一个文件会是什么问题。在我当时的要求里面，学会能用就行。并没有考虑到带来的复杂后果。</a:t>
-            </a:r>
-            <a:endParaRPr lang="zh-CN" altLang="en-US"/>
-          </a:p>
-          <a:p>
-            <a:endParaRPr lang="zh-CN" altLang="en-US"/>
-          </a:p>
-          <a:p>
-            <a:r>
-              <a:rPr lang="zh-CN" altLang="en-US"/>
-              <a:t>然而。。。</a:t>
-            </a:r>
-            <a:endParaRPr lang="zh-CN" altLang="en-US"/>
-          </a:p>
-        </p:txBody>
-      </p:sp>
+            <a:endParaRPr lang="zh-CN" altLang="en-US"/>
+          </a:p>
+        </p:txBody>
+      </p:sp>
+      <p:pic>
+        <p:nvPicPr>
+          <p:cNvPr id="4" name="图片 3" descr="css"/>
+          <p:cNvPicPr>
+            <a:picLocks noChangeAspect="1"/>
+          </p:cNvPicPr>
+          <p:nvPr/>
+        </p:nvPicPr>
+        <p:blipFill>
+          <a:blip r:embed="rId1"/>
+          <a:stretch>
+            <a:fillRect/>
+          </a:stretch>
+        </p:blipFill>
+        <p:spPr>
+          <a:xfrm>
+            <a:off x="838200" y="2402205"/>
+            <a:ext cx="3804920" cy="3775075"/>
+          </a:xfrm>
+          <a:prstGeom prst="rect">
+            <a:avLst/>
+          </a:prstGeom>
+        </p:spPr>
+      </p:pic>
+      <p:pic>
+        <p:nvPicPr>
+          <p:cNvPr id="5" name="图片 4" descr="less"/>
+          <p:cNvPicPr>
+            <a:picLocks noChangeAspect="1"/>
+          </p:cNvPicPr>
+          <p:nvPr/>
+        </p:nvPicPr>
+        <p:blipFill>
+          <a:blip r:embed="rId2"/>
+          <a:stretch>
+            <a:fillRect/>
+          </a:stretch>
+        </p:blipFill>
+        <p:spPr>
+          <a:xfrm>
+            <a:off x="7671435" y="2321560"/>
+            <a:ext cx="3682365" cy="3855720"/>
+          </a:xfrm>
+          <a:prstGeom prst="rect">
+            <a:avLst/>
+          </a:prstGeom>
+        </p:spPr>
+      </p:pic>
     </p:spTree>
   </p:cSld>
   <p:clrMapOvr>
@@ -3537,6 +3597,822 @@
 </file>
 
 <file path=ppt/slides/slide12.xml><?xml version="1.0" encoding="utf-8"?>
+<p:sld xmlns:a="http://schemas.openxmlformats.org/drawingml/2006/main" xmlns:r="http://schemas.openxmlformats.org/officeDocument/2006/relationships" xmlns:p="http://schemas.openxmlformats.org/presentationml/2006/main">
+  <p:cSld>
+    <p:spTree>
+      <p:nvGrpSpPr>
+        <p:cNvPr id="1" name=""/>
+        <p:cNvGrpSpPr/>
+        <p:nvPr/>
+      </p:nvGrpSpPr>
+      <p:grpSpPr/>
+      <p:sp>
+        <p:nvSpPr>
+          <p:cNvPr id="2" name="标题 1"/>
+          <p:cNvSpPr>
+            <a:spLocks noGrp="1"/>
+          </p:cNvSpPr>
+          <p:nvPr>
+            <p:ph type="title"/>
+          </p:nvPr>
+        </p:nvSpPr>
+        <p:spPr/>
+        <p:txBody>
+          <a:bodyPr>
+            <a:normAutofit/>
+          </a:bodyPr>
+          <a:p>
+            <a:r>
+              <a:rPr lang="en-US" altLang="zh-CN">
+                <a:sym typeface="+mn-ea"/>
+              </a:rPr>
+              <a:t>1.2 - LESS/SCSS</a:t>
+            </a:r>
+            <a:r>
+              <a:rPr lang="zh-CN" altLang="en-US">
+                <a:sym typeface="+mn-ea"/>
+              </a:rPr>
+              <a:t>之变量</a:t>
+            </a:r>
+            <a:r>
+              <a:rPr lang="en-US" altLang="zh-CN">
+                <a:sym typeface="+mn-ea"/>
+              </a:rPr>
+              <a:t>1</a:t>
+            </a:r>
+            <a:endParaRPr lang="en-US" altLang="zh-CN">
+              <a:sym typeface="+mn-ea"/>
+            </a:endParaRPr>
+          </a:p>
+        </p:txBody>
+      </p:sp>
+      <p:sp>
+        <p:nvSpPr>
+          <p:cNvPr id="3" name="内容占位符 2"/>
+          <p:cNvSpPr>
+            <a:spLocks noGrp="1"/>
+          </p:cNvSpPr>
+          <p:nvPr>
+            <p:ph idx="1"/>
+          </p:nvPr>
+        </p:nvSpPr>
+        <p:spPr/>
+        <p:txBody>
+          <a:bodyPr/>
+          <a:p>
+            <a:endParaRPr lang="zh-CN" altLang="en-US"/>
+          </a:p>
+        </p:txBody>
+      </p:sp>
+      <p:pic>
+        <p:nvPicPr>
+          <p:cNvPr id="4" name="图片 3" descr="color"/>
+          <p:cNvPicPr>
+            <a:picLocks noChangeAspect="1"/>
+          </p:cNvPicPr>
+          <p:nvPr/>
+        </p:nvPicPr>
+        <p:blipFill>
+          <a:blip r:embed="rId1"/>
+          <a:stretch>
+            <a:fillRect/>
+          </a:stretch>
+        </p:blipFill>
+        <p:spPr>
+          <a:xfrm>
+            <a:off x="838200" y="2350770"/>
+            <a:ext cx="3978275" cy="3829050"/>
+          </a:xfrm>
+          <a:prstGeom prst="rect">
+            <a:avLst/>
+          </a:prstGeom>
+        </p:spPr>
+      </p:pic>
+      <p:pic>
+        <p:nvPicPr>
+          <p:cNvPr id="5" name="图片 4" descr="color-less"/>
+          <p:cNvPicPr>
+            <a:picLocks noChangeAspect="1"/>
+          </p:cNvPicPr>
+          <p:nvPr/>
+        </p:nvPicPr>
+        <p:blipFill>
+          <a:blip r:embed="rId2"/>
+          <a:stretch>
+            <a:fillRect/>
+          </a:stretch>
+        </p:blipFill>
+        <p:spPr>
+          <a:xfrm>
+            <a:off x="7419340" y="2325370"/>
+            <a:ext cx="3934460" cy="3851910"/>
+          </a:xfrm>
+          <a:prstGeom prst="rect">
+            <a:avLst/>
+          </a:prstGeom>
+        </p:spPr>
+      </p:pic>
+    </p:spTree>
+  </p:cSld>
+  <p:clrMapOvr>
+    <a:masterClrMapping/>
+  </p:clrMapOvr>
+</p:sld>
+</file>
+
+<file path=ppt/slides/slide13.xml><?xml version="1.0" encoding="utf-8"?>
+<p:sld xmlns:a="http://schemas.openxmlformats.org/drawingml/2006/main" xmlns:r="http://schemas.openxmlformats.org/officeDocument/2006/relationships" xmlns:p="http://schemas.openxmlformats.org/presentationml/2006/main">
+  <p:cSld>
+    <p:spTree>
+      <p:nvGrpSpPr>
+        <p:cNvPr id="1" name=""/>
+        <p:cNvGrpSpPr/>
+        <p:nvPr/>
+      </p:nvGrpSpPr>
+      <p:grpSpPr/>
+      <p:sp>
+        <p:nvSpPr>
+          <p:cNvPr id="2" name="标题 1"/>
+          <p:cNvSpPr>
+            <a:spLocks noGrp="1"/>
+          </p:cNvSpPr>
+          <p:nvPr>
+            <p:ph type="title"/>
+          </p:nvPr>
+        </p:nvSpPr>
+        <p:spPr/>
+        <p:txBody>
+          <a:bodyPr/>
+          <a:p>
+            <a:endParaRPr lang="zh-CN" altLang="en-US"/>
+          </a:p>
+        </p:txBody>
+      </p:sp>
+      <p:sp>
+        <p:nvSpPr>
+          <p:cNvPr id="3" name="内容占位符 2"/>
+          <p:cNvSpPr>
+            <a:spLocks noGrp="1"/>
+          </p:cNvSpPr>
+          <p:nvPr>
+            <p:ph idx="1"/>
+          </p:nvPr>
+        </p:nvSpPr>
+        <p:spPr/>
+        <p:txBody>
+          <a:bodyPr/>
+          <a:p>
+            <a:endParaRPr lang="zh-CN" altLang="en-US"/>
+          </a:p>
+        </p:txBody>
+      </p:sp>
+      <p:pic>
+        <p:nvPicPr>
+          <p:cNvPr id="4" name="图片 3" descr="theme"/>
+          <p:cNvPicPr>
+            <a:picLocks noChangeAspect="1"/>
+          </p:cNvPicPr>
+          <p:nvPr/>
+        </p:nvPicPr>
+        <p:blipFill>
+          <a:blip r:embed="rId1"/>
+          <a:stretch>
+            <a:fillRect/>
+          </a:stretch>
+        </p:blipFill>
+        <p:spPr>
+          <a:xfrm>
+            <a:off x="838200" y="365125"/>
+            <a:ext cx="10668635" cy="4851400"/>
+          </a:xfrm>
+          <a:prstGeom prst="rect">
+            <a:avLst/>
+          </a:prstGeom>
+        </p:spPr>
+      </p:pic>
+    </p:spTree>
+  </p:cSld>
+  <p:clrMapOvr>
+    <a:masterClrMapping/>
+  </p:clrMapOvr>
+</p:sld>
+</file>
+
+<file path=ppt/slides/slide14.xml><?xml version="1.0" encoding="utf-8"?>
+<p:sld xmlns:a="http://schemas.openxmlformats.org/drawingml/2006/main" xmlns:r="http://schemas.openxmlformats.org/officeDocument/2006/relationships" xmlns:p="http://schemas.openxmlformats.org/presentationml/2006/main">
+  <p:cSld>
+    <p:spTree>
+      <p:nvGrpSpPr>
+        <p:cNvPr id="1" name=""/>
+        <p:cNvGrpSpPr/>
+        <p:nvPr/>
+      </p:nvGrpSpPr>
+      <p:grpSpPr/>
+      <p:sp>
+        <p:nvSpPr>
+          <p:cNvPr id="2" name="标题 1"/>
+          <p:cNvSpPr>
+            <a:spLocks noGrp="1"/>
+          </p:cNvSpPr>
+          <p:nvPr>
+            <p:ph type="title"/>
+          </p:nvPr>
+        </p:nvSpPr>
+        <p:spPr/>
+        <p:txBody>
+          <a:bodyPr>
+            <a:normAutofit/>
+          </a:bodyPr>
+          <a:p>
+            <a:r>
+              <a:rPr lang="en-US" altLang="zh-CN">
+                <a:sym typeface="+mn-ea"/>
+              </a:rPr>
+              <a:t>1.3 - LESS/SCSS</a:t>
+            </a:r>
+            <a:r>
+              <a:rPr lang="zh-CN" altLang="en-US">
+                <a:sym typeface="+mn-ea"/>
+              </a:rPr>
+              <a:t>之变量</a:t>
+            </a:r>
+            <a:r>
+              <a:rPr lang="en-US" altLang="zh-CN">
+                <a:sym typeface="+mn-ea"/>
+              </a:rPr>
+              <a:t>2</a:t>
+            </a:r>
+            <a:endParaRPr lang="en-US" altLang="zh-CN">
+              <a:sym typeface="+mn-ea"/>
+            </a:endParaRPr>
+          </a:p>
+        </p:txBody>
+      </p:sp>
+      <p:sp>
+        <p:nvSpPr>
+          <p:cNvPr id="3" name="内容占位符 2"/>
+          <p:cNvSpPr>
+            <a:spLocks noGrp="1"/>
+          </p:cNvSpPr>
+          <p:nvPr>
+            <p:ph idx="1"/>
+          </p:nvPr>
+        </p:nvSpPr>
+        <p:spPr/>
+        <p:txBody>
+          <a:bodyPr/>
+          <a:p>
+            <a:endParaRPr lang="zh-CN" altLang="en-US"/>
+          </a:p>
+        </p:txBody>
+      </p:sp>
+      <p:pic>
+        <p:nvPicPr>
+          <p:cNvPr id="5" name="图片 4" descr="margin.less"/>
+          <p:cNvPicPr>
+            <a:picLocks noChangeAspect="1"/>
+          </p:cNvPicPr>
+          <p:nvPr/>
+        </p:nvPicPr>
+        <p:blipFill>
+          <a:blip r:embed="rId1"/>
+          <a:stretch>
+            <a:fillRect/>
+          </a:stretch>
+        </p:blipFill>
+        <p:spPr>
+          <a:xfrm>
+            <a:off x="6887210" y="1825625"/>
+            <a:ext cx="4466590" cy="4231005"/>
+          </a:xfrm>
+          <a:prstGeom prst="rect">
+            <a:avLst/>
+          </a:prstGeom>
+        </p:spPr>
+      </p:pic>
+      <p:pic>
+        <p:nvPicPr>
+          <p:cNvPr id="6" name="图片 5" descr="margin.css"/>
+          <p:cNvPicPr>
+            <a:picLocks noChangeAspect="1"/>
+          </p:cNvPicPr>
+          <p:nvPr/>
+        </p:nvPicPr>
+        <p:blipFill>
+          <a:blip r:embed="rId2"/>
+          <a:stretch>
+            <a:fillRect/>
+          </a:stretch>
+        </p:blipFill>
+        <p:spPr>
+          <a:xfrm>
+            <a:off x="838200" y="1825625"/>
+            <a:ext cx="5343525" cy="4124325"/>
+          </a:xfrm>
+          <a:prstGeom prst="rect">
+            <a:avLst/>
+          </a:prstGeom>
+        </p:spPr>
+      </p:pic>
+    </p:spTree>
+  </p:cSld>
+  <p:clrMapOvr>
+    <a:masterClrMapping/>
+  </p:clrMapOvr>
+</p:sld>
+</file>
+
+<file path=ppt/slides/slide15.xml><?xml version="1.0" encoding="utf-8"?>
+<p:sld xmlns:a="http://schemas.openxmlformats.org/drawingml/2006/main" xmlns:r="http://schemas.openxmlformats.org/officeDocument/2006/relationships" xmlns:p="http://schemas.openxmlformats.org/presentationml/2006/main">
+  <p:cSld>
+    <p:bg>
+      <p:bgPr>
+        <a:noFill/>
+        <a:effectLst/>
+      </p:bgPr>
+    </p:bg>
+    <p:spTree>
+      <p:nvGrpSpPr>
+        <p:cNvPr id="1" name=""/>
+        <p:cNvGrpSpPr/>
+        <p:nvPr/>
+      </p:nvGrpSpPr>
+      <p:grpSpPr/>
+      <p:sp>
+        <p:nvSpPr>
+          <p:cNvPr id="2" name="标题 1"/>
+          <p:cNvSpPr>
+            <a:spLocks noGrp="1"/>
+          </p:cNvSpPr>
+          <p:nvPr>
+            <p:ph type="title"/>
+          </p:nvPr>
+        </p:nvSpPr>
+        <p:spPr/>
+        <p:txBody>
+          <a:bodyPr/>
+          <a:p>
+            <a:r>
+              <a:rPr lang="en-US" altLang="zh-CN"/>
+              <a:t>1.4 - JS</a:t>
+            </a:r>
+            <a:r>
+              <a:rPr lang="zh-CN" altLang="en-US"/>
+              <a:t>依赖关系</a:t>
+            </a:r>
+            <a:endParaRPr lang="zh-CN" altLang="en-US"/>
+          </a:p>
+        </p:txBody>
+      </p:sp>
+      <p:sp>
+        <p:nvSpPr>
+          <p:cNvPr id="3" name="内容占位符 2"/>
+          <p:cNvSpPr>
+            <a:spLocks noGrp="1"/>
+          </p:cNvSpPr>
+          <p:nvPr>
+            <p:ph idx="1"/>
+          </p:nvPr>
+        </p:nvSpPr>
+        <p:spPr/>
+        <p:txBody>
+          <a:bodyPr/>
+          <a:p>
+            <a:endParaRPr lang="zh-CN" altLang="en-US"/>
+          </a:p>
+        </p:txBody>
+      </p:sp>
+      <p:pic>
+        <p:nvPicPr>
+          <p:cNvPr id="4" name="图片 3" descr="依赖"/>
+          <p:cNvPicPr>
+            <a:picLocks noChangeAspect="1"/>
+          </p:cNvPicPr>
+          <p:nvPr/>
+        </p:nvPicPr>
+        <p:blipFill>
+          <a:blip r:embed="rId1"/>
+          <a:stretch>
+            <a:fillRect/>
+          </a:stretch>
+        </p:blipFill>
+        <p:spPr>
+          <a:xfrm>
+            <a:off x="838200" y="1825625"/>
+            <a:ext cx="7164070" cy="4351655"/>
+          </a:xfrm>
+          <a:prstGeom prst="rect">
+            <a:avLst/>
+          </a:prstGeom>
+        </p:spPr>
+      </p:pic>
+    </p:spTree>
+  </p:cSld>
+  <p:clrMapOvr>
+    <a:masterClrMapping/>
+  </p:clrMapOvr>
+</p:sld>
+</file>
+
+<file path=ppt/slides/slide16.xml><?xml version="1.0" encoding="utf-8"?>
+<p:sld xmlns:a="http://schemas.openxmlformats.org/drawingml/2006/main" xmlns:r="http://schemas.openxmlformats.org/officeDocument/2006/relationships" xmlns:p="http://schemas.openxmlformats.org/presentationml/2006/main">
+  <p:cSld>
+    <p:spTree>
+      <p:nvGrpSpPr>
+        <p:cNvPr id="1" name=""/>
+        <p:cNvGrpSpPr/>
+        <p:nvPr/>
+      </p:nvGrpSpPr>
+      <p:grpSpPr/>
+      <p:sp>
+        <p:nvSpPr>
+          <p:cNvPr id="2" name="标题 1"/>
+          <p:cNvSpPr>
+            <a:spLocks noGrp="1"/>
+          </p:cNvSpPr>
+          <p:nvPr>
+            <p:ph type="title"/>
+          </p:nvPr>
+        </p:nvSpPr>
+        <p:spPr/>
+        <p:txBody>
+          <a:bodyPr/>
+          <a:p>
+            <a:r>
+              <a:rPr lang="zh-CN" altLang="en-US"/>
+              <a:t>文件依赖关系</a:t>
+            </a:r>
+            <a:endParaRPr lang="zh-CN" altLang="en-US"/>
+          </a:p>
+        </p:txBody>
+      </p:sp>
+      <p:sp>
+        <p:nvSpPr>
+          <p:cNvPr id="3" name="内容占位符 2"/>
+          <p:cNvSpPr>
+            <a:spLocks noGrp="1"/>
+          </p:cNvSpPr>
+          <p:nvPr>
+            <p:ph sz="half" idx="1"/>
+          </p:nvPr>
+        </p:nvSpPr>
+        <p:spPr/>
+        <p:txBody>
+          <a:bodyPr/>
+          <a:p>
+            <a:r>
+              <a:rPr lang="zh-CN" altLang="en-US"/>
+              <a:t>传统依赖</a:t>
+            </a:r>
+            <a:br>
+              <a:rPr lang="zh-CN" altLang="en-US"/>
+            </a:br>
+            <a:endParaRPr lang="zh-CN" altLang="en-US" sz="2400"/>
+          </a:p>
+          <a:p>
+            <a:endParaRPr lang="zh-CN" altLang="en-US" sz="2400"/>
+          </a:p>
+          <a:p>
+            <a:endParaRPr lang="zh-CN" altLang="en-US" sz="2400"/>
+          </a:p>
+          <a:p>
+            <a:endParaRPr lang="zh-CN" altLang="en-US" sz="2400"/>
+          </a:p>
+          <a:p>
+            <a:endParaRPr lang="zh-CN" altLang="en-US"/>
+          </a:p>
+          <a:p>
+            <a:r>
+              <a:rPr lang="en-US" altLang="zh-CN" sz="1400" b="1"/>
+              <a:t>1.index.html</a:t>
+            </a:r>
+            <a:r>
+              <a:rPr lang="zh-CN" altLang="en-US" sz="1400" b="1"/>
+              <a:t>文件为了只是想用</a:t>
+            </a:r>
+            <a:r>
+              <a:rPr lang="en-US" altLang="zh-CN" sz="1400" b="1"/>
+              <a:t>bootstrap.js</a:t>
+            </a:r>
+            <a:r>
+              <a:rPr lang="zh-CN" altLang="en-US" sz="1400" b="1"/>
+              <a:t>，但是要先去引用</a:t>
+            </a:r>
+            <a:r>
+              <a:rPr lang="en-US" altLang="zh-CN" sz="1400" b="1"/>
+              <a:t>jquery.js</a:t>
+            </a:r>
+            <a:r>
+              <a:rPr lang="zh-CN" altLang="en-US" sz="1400" b="1"/>
+              <a:t>文件。并且还要搞清楚依赖关系（先</a:t>
+            </a:r>
+            <a:r>
+              <a:rPr lang="en-US" altLang="zh-CN" sz="1400" b="1"/>
+              <a:t>jq</a:t>
+            </a:r>
+            <a:r>
+              <a:rPr lang="zh-CN" altLang="en-US" sz="1400" b="1"/>
+              <a:t>再</a:t>
+            </a:r>
+            <a:r>
+              <a:rPr lang="en-US" altLang="zh-CN" sz="1400" b="1"/>
+              <a:t>bootstrap</a:t>
+            </a:r>
+            <a:r>
+              <a:rPr lang="zh-CN" altLang="en-US" sz="1400" b="1"/>
+              <a:t>）</a:t>
+            </a:r>
+            <a:endParaRPr lang="zh-CN" altLang="en-US" sz="1400" b="1"/>
+          </a:p>
+        </p:txBody>
+      </p:sp>
+      <p:sp>
+        <p:nvSpPr>
+          <p:cNvPr id="4" name="内容占位符 3"/>
+          <p:cNvSpPr>
+            <a:spLocks noGrp="1"/>
+          </p:cNvSpPr>
+          <p:nvPr>
+            <p:ph sz="half" idx="2"/>
+          </p:nvPr>
+        </p:nvSpPr>
+        <p:spPr/>
+        <p:txBody>
+          <a:bodyPr/>
+          <a:p>
+            <a:r>
+              <a:rPr lang="zh-CN" altLang="en-US"/>
+              <a:t>期望的依赖</a:t>
+            </a:r>
+            <a:endParaRPr lang="zh-CN" altLang="en-US"/>
+          </a:p>
+          <a:p>
+            <a:endParaRPr lang="zh-CN" altLang="en-US" sz="2400"/>
+          </a:p>
+          <a:p>
+            <a:endParaRPr lang="zh-CN" altLang="en-US" sz="2400"/>
+          </a:p>
+          <a:p>
+            <a:endParaRPr lang="zh-CN" altLang="en-US" sz="2400"/>
+          </a:p>
+          <a:p>
+            <a:endParaRPr lang="zh-CN" altLang="en-US" sz="2400" b="1"/>
+          </a:p>
+          <a:p>
+            <a:endParaRPr lang="zh-CN" altLang="en-US" b="1"/>
+          </a:p>
+          <a:p>
+            <a:r>
+              <a:rPr lang="en-US" altLang="zh-CN" sz="1400" b="1"/>
+              <a:t>index.html</a:t>
+            </a:r>
+            <a:r>
+              <a:rPr lang="zh-CN" altLang="en-US" sz="1400" b="1"/>
+              <a:t>文件想用</a:t>
+            </a:r>
+            <a:r>
+              <a:rPr lang="en-US" altLang="zh-CN" sz="1400" b="1"/>
+              <a:t>bootstrap.js</a:t>
+            </a:r>
+            <a:r>
+              <a:rPr lang="zh-CN" altLang="en-US" sz="1400" b="1"/>
+              <a:t>。只需要去引用</a:t>
+            </a:r>
+            <a:r>
+              <a:rPr lang="en-US" altLang="zh-CN" sz="1400" b="1"/>
+              <a:t>bootstrap.js</a:t>
+            </a:r>
+            <a:r>
+              <a:rPr lang="zh-CN" altLang="en-US" sz="1400" b="1"/>
+              <a:t>。</a:t>
+            </a:r>
+            <a:r>
+              <a:rPr lang="en-US" altLang="zh-CN" sz="1400" b="1"/>
+              <a:t>bootstrap.js</a:t>
+            </a:r>
+            <a:r>
+              <a:rPr lang="zh-CN" altLang="en-US" sz="1400" b="1"/>
+              <a:t>自己去找</a:t>
+            </a:r>
+            <a:r>
+              <a:rPr lang="en-US" altLang="zh-CN" sz="1400" b="1"/>
+              <a:t>jquery.js</a:t>
+            </a:r>
+            <a:endParaRPr lang="en-US" altLang="zh-CN" sz="1400" b="1"/>
+          </a:p>
+        </p:txBody>
+      </p:sp>
+      <p:pic>
+        <p:nvPicPr>
+          <p:cNvPr id="5" name="图片 4" descr="传统依赖"/>
+          <p:cNvPicPr>
+            <a:picLocks noChangeAspect="1"/>
+          </p:cNvPicPr>
+          <p:nvPr/>
+        </p:nvPicPr>
+        <p:blipFill>
+          <a:blip r:embed="rId1"/>
+          <a:stretch>
+            <a:fillRect/>
+          </a:stretch>
+        </p:blipFill>
+        <p:spPr>
+          <a:xfrm>
+            <a:off x="838200" y="2619375"/>
+            <a:ext cx="3305175" cy="1619250"/>
+          </a:xfrm>
+          <a:prstGeom prst="rect">
+            <a:avLst/>
+          </a:prstGeom>
+        </p:spPr>
+      </p:pic>
+      <p:pic>
+        <p:nvPicPr>
+          <p:cNvPr id="6" name="图片 5" descr="自己找依赖"/>
+          <p:cNvPicPr>
+            <a:picLocks noChangeAspect="1"/>
+          </p:cNvPicPr>
+          <p:nvPr/>
+        </p:nvPicPr>
+        <p:blipFill>
+          <a:blip r:embed="rId2"/>
+          <a:stretch>
+            <a:fillRect/>
+          </a:stretch>
+        </p:blipFill>
+        <p:spPr>
+          <a:xfrm>
+            <a:off x="6172200" y="2788285"/>
+            <a:ext cx="5448300" cy="800100"/>
+          </a:xfrm>
+          <a:prstGeom prst="rect">
+            <a:avLst/>
+          </a:prstGeom>
+        </p:spPr>
+      </p:pic>
+    </p:spTree>
+  </p:cSld>
+  <p:clrMapOvr>
+    <a:masterClrMapping/>
+  </p:clrMapOvr>
+</p:sld>
+</file>
+
+<file path=ppt/slides/slide17.xml><?xml version="1.0" encoding="utf-8"?>
+<p:sld xmlns:a="http://schemas.openxmlformats.org/drawingml/2006/main" xmlns:r="http://schemas.openxmlformats.org/officeDocument/2006/relationships" xmlns:p="http://schemas.openxmlformats.org/presentationml/2006/main">
+  <p:cSld>
+    <p:spTree>
+      <p:nvGrpSpPr>
+        <p:cNvPr id="1" name=""/>
+        <p:cNvGrpSpPr/>
+        <p:nvPr/>
+      </p:nvGrpSpPr>
+      <p:grpSpPr/>
+      <p:sp>
+        <p:nvSpPr>
+          <p:cNvPr id="2" name="标题 1"/>
+          <p:cNvSpPr>
+            <a:spLocks noGrp="1"/>
+          </p:cNvSpPr>
+          <p:nvPr>
+            <p:ph type="title"/>
+          </p:nvPr>
+        </p:nvSpPr>
+        <p:spPr/>
+        <p:txBody>
+          <a:bodyPr/>
+          <a:p>
+            <a:r>
+              <a:rPr lang="en-US" altLang="zh-CN"/>
+              <a:t>bootstrap</a:t>
+            </a:r>
+            <a:r>
+              <a:rPr lang="zh-CN" altLang="en-US"/>
+              <a:t>官网示范</a:t>
+            </a:r>
+            <a:endParaRPr lang="zh-CN" altLang="en-US"/>
+          </a:p>
+        </p:txBody>
+      </p:sp>
+      <p:pic>
+        <p:nvPicPr>
+          <p:cNvPr id="4" name="内容占位符 3" descr="bootstrap依赖"/>
+          <p:cNvPicPr>
+            <a:picLocks noChangeAspect="1"/>
+          </p:cNvPicPr>
+          <p:nvPr>
+            <p:ph idx="1"/>
+          </p:nvPr>
+        </p:nvPicPr>
+        <p:blipFill>
+          <a:blip r:embed="rId1"/>
+          <a:stretch>
+            <a:fillRect/>
+          </a:stretch>
+        </p:blipFill>
+        <p:spPr>
+          <a:xfrm>
+            <a:off x="947420" y="1691005"/>
+            <a:ext cx="9248775" cy="4038600"/>
+          </a:xfrm>
+          <a:prstGeom prst="rect">
+            <a:avLst/>
+          </a:prstGeom>
+        </p:spPr>
+      </p:pic>
+    </p:spTree>
+  </p:cSld>
+  <p:clrMapOvr>
+    <a:masterClrMapping/>
+  </p:clrMapOvr>
+</p:sld>
+</file>
+
+<file path=ppt/slides/slide18.xml><?xml version="1.0" encoding="utf-8"?>
+<p:sld xmlns:a="http://schemas.openxmlformats.org/drawingml/2006/main" xmlns:r="http://schemas.openxmlformats.org/officeDocument/2006/relationships" xmlns:p="http://schemas.openxmlformats.org/presentationml/2006/main">
+  <p:cSld>
+    <p:spTree>
+      <p:nvGrpSpPr>
+        <p:cNvPr id="1" name=""/>
+        <p:cNvGrpSpPr/>
+        <p:nvPr/>
+      </p:nvGrpSpPr>
+      <p:grpSpPr/>
+      <p:sp>
+        <p:nvSpPr>
+          <p:cNvPr id="2" name="标题 1"/>
+          <p:cNvSpPr>
+            <a:spLocks noGrp="1"/>
+          </p:cNvSpPr>
+          <p:nvPr>
+            <p:ph type="title"/>
+          </p:nvPr>
+        </p:nvSpPr>
+        <p:spPr/>
+        <p:txBody>
+          <a:bodyPr/>
+          <a:p>
+            <a:r>
+              <a:rPr lang="zh-CN" altLang="en-US"/>
+              <a:t>我的故事</a:t>
+            </a:r>
+            <a:endParaRPr lang="zh-CN" altLang="en-US"/>
+          </a:p>
+        </p:txBody>
+      </p:sp>
+      <p:sp>
+        <p:nvSpPr>
+          <p:cNvPr id="3" name="内容占位符 2"/>
+          <p:cNvSpPr>
+            <a:spLocks noGrp="1"/>
+          </p:cNvSpPr>
+          <p:nvPr>
+            <p:ph idx="1"/>
+          </p:nvPr>
+        </p:nvSpPr>
+        <p:spPr/>
+        <p:txBody>
+          <a:bodyPr/>
+          <a:p>
+            <a:r>
+              <a:rPr lang="zh-CN" altLang="en-US"/>
+              <a:t>在刚开始学习程序的时候，我并不觉得多写一行代码，</a:t>
+            </a:r>
+            <a:r>
+              <a:rPr lang="zh-CN" altLang="en-US">
+                <a:solidFill>
+                  <a:srgbClr val="FF0000"/>
+                </a:solidFill>
+              </a:rPr>
+              <a:t>多引一个文件会有什么问题？</a:t>
+            </a:r>
+            <a:r>
+              <a:rPr lang="zh-CN" altLang="en-US"/>
+              <a:t>在我当时的要求里面，学会能用就行。并没有考虑到带来的复杂后果。</a:t>
+            </a:r>
+            <a:endParaRPr lang="zh-CN" altLang="en-US"/>
+          </a:p>
+          <a:p>
+            <a:endParaRPr lang="zh-CN" altLang="en-US"/>
+          </a:p>
+          <a:p>
+            <a:r>
+              <a:rPr lang="zh-CN" altLang="en-US"/>
+              <a:t>然而。。。</a:t>
+            </a:r>
+            <a:endParaRPr lang="zh-CN" altLang="en-US"/>
+          </a:p>
+        </p:txBody>
+      </p:sp>
+    </p:spTree>
+  </p:cSld>
+  <p:clrMapOvr>
+    <a:masterClrMapping/>
+  </p:clrMapOvr>
+</p:sld>
+</file>
+
+<file path=ppt/slides/slide19.xml><?xml version="1.0" encoding="utf-8"?>
 <p:sld xmlns:a="http://schemas.openxmlformats.org/drawingml/2006/main" xmlns:r="http://schemas.openxmlformats.org/officeDocument/2006/relationships" xmlns:p="http://schemas.openxmlformats.org/presentationml/2006/main">
   <p:cSld>
     <p:spTree>
@@ -3602,7 +4478,7 @@
 </p:sld>
 </file>
 
-<file path=ppt/slides/slide13.xml><?xml version="1.0" encoding="utf-8"?>
+<file path=ppt/slides/slide2.xml><?xml version="1.0" encoding="utf-8"?>
 <p:sld xmlns:a="http://schemas.openxmlformats.org/drawingml/2006/main" xmlns:r="http://schemas.openxmlformats.org/officeDocument/2006/relationships" xmlns:p="http://schemas.openxmlformats.org/presentationml/2006/main">
   <p:cSld>
     <p:spTree>
@@ -3626,6 +4502,10 @@
         <p:txBody>
           <a:bodyPr/>
           <a:p>
+            <a:r>
+              <a:rPr lang="zh-CN" altLang="en-US"/>
+              <a:t>引言</a:t>
+            </a:r>
             <a:endParaRPr lang="zh-CN" altLang="en-US"/>
           </a:p>
         </p:txBody>
@@ -3642,44 +4522,185 @@
         </p:nvSpPr>
         <p:spPr/>
         <p:txBody>
-          <a:bodyPr/>
-          <a:p>
-            <a:r>
-              <a:rPr lang="zh-CN" altLang="en-US"/>
-              <a:t>可以看见，在真正的项目中，要引用的开源框架，开源插件是很多的，再加上自己写的工具库，就显得引用</a:t>
-            </a:r>
-            <a:r>
-              <a:rPr lang="zh-CN" altLang="en-US">
-                <a:solidFill>
-                  <a:srgbClr val="FF0000"/>
-                </a:solidFill>
-              </a:rPr>
-              <a:t>文件很多</a:t>
-            </a:r>
-            <a:r>
-              <a:rPr lang="zh-CN" altLang="en-US"/>
+          <a:bodyPr>
+            <a:normAutofit lnSpcReduction="10000"/>
+          </a:bodyPr>
+          <a:p>
+            <a:r>
+              <a:rPr lang="zh-CN" altLang="en-US"/>
+              <a:t>我这几年反复的学习过很多次</a:t>
+            </a:r>
+            <a:r>
+              <a:rPr lang="en-US" altLang="zh-CN"/>
+              <a:t>webpack</a:t>
+            </a:r>
+            <a:r>
+              <a:rPr lang="zh-CN" altLang="en-US"/>
+              <a:t>。但是都没学透彻。经历和原因如下：</a:t>
+            </a:r>
+            <a:endParaRPr lang="zh-CN" altLang="en-US" sz="2000"/>
+          </a:p>
+          <a:p>
+            <a:pPr marL="514350" indent="-514350">
+              <a:buAutoNum type="arabicPeriod"/>
+            </a:pPr>
+            <a:r>
+              <a:rPr lang="zh-CN" altLang="en-US" sz="2000"/>
+              <a:t>只了解</a:t>
+            </a:r>
+            <a:r>
+              <a:rPr lang="en-US" altLang="zh-CN" sz="2000"/>
+              <a:t>html</a:t>
+            </a:r>
+            <a:r>
+              <a:rPr lang="zh-CN" altLang="en-US" sz="2000"/>
               <a:t>，</a:t>
             </a:r>
             <a:r>
-              <a:rPr lang="zh-CN" altLang="en-US">
+              <a:rPr lang="en-US" altLang="zh-CN" sz="2000"/>
+              <a:t>css</a:t>
+            </a:r>
+            <a:r>
+              <a:rPr lang="zh-CN" altLang="en-US" sz="2000"/>
+              <a:t>，</a:t>
+            </a:r>
+            <a:r>
+              <a:rPr lang="en-US" altLang="zh-CN" sz="2000"/>
+              <a:t>js</a:t>
+            </a:r>
+            <a:r>
+              <a:rPr lang="zh-CN" altLang="en-US" sz="2000"/>
+              <a:t>；不了解任何其他技术（</a:t>
+            </a:r>
+            <a:r>
+              <a:rPr lang="en-US" altLang="zh-CN" sz="2000"/>
+              <a:t>less/scss/es6/ts/vue)</a:t>
+            </a:r>
+            <a:endParaRPr lang="en-US" altLang="zh-CN" sz="2000"/>
+          </a:p>
+          <a:p>
+            <a:pPr marL="514350" indent="-514350">
+              <a:buAutoNum type="arabicPeriod"/>
+            </a:pPr>
+            <a:r>
+              <a:rPr lang="zh-CN" altLang="en-US" sz="2000"/>
+              <a:t>不了解代码设计；如：</a:t>
+            </a:r>
+            <a:r>
+              <a:rPr lang="zh-CN" altLang="en-US" sz="2000">
                 <a:sym typeface="+mn-ea"/>
               </a:rPr>
-              <a:t>并且顺序要</a:t>
-            </a:r>
-            <a:r>
-              <a:rPr lang="zh-CN" altLang="en-US">
-                <a:solidFill>
-                  <a:srgbClr val="FF0000"/>
-                </a:solidFill>
+              <a:t>代码优化，设计模式；</a:t>
+            </a:r>
+            <a:endParaRPr lang="zh-CN" altLang="en-US" sz="2000">
+              <a:sym typeface="+mn-ea"/>
+            </a:endParaRPr>
+          </a:p>
+          <a:p>
+            <a:pPr marL="514350" indent="-514350">
+              <a:buAutoNum type="arabicPeriod"/>
+            </a:pPr>
+            <a:r>
+              <a:rPr lang="zh-CN" altLang="en-US" sz="2000">
                 <a:sym typeface="+mn-ea"/>
               </a:rPr>
-              <a:t>逐一对应</a:t>
-            </a:r>
-            <a:r>
-              <a:rPr lang="zh-CN" altLang="en-US"/>
-              <a:t>。特别有一次需求里，需要删除某一个依赖，本来只需要删除这一个依赖文件即可，但是我又是一个不喜欢文件中留有冗余代码的人。所以就要删除两个甚至更多的文件。这些工作都相对的增加了工作的复杂度。</a:t>
-            </a:r>
-            <a:endParaRPr lang="zh-CN" altLang="en-US"/>
+              <a:t>太多干扰；如：</a:t>
+            </a:r>
+            <a:r>
+              <a:rPr lang="en-US" altLang="zh-CN" sz="2000">
+                <a:sym typeface="+mn-ea"/>
+              </a:rPr>
+              <a:t>grunt</a:t>
+            </a:r>
+            <a:r>
+              <a:rPr lang="zh-CN" altLang="en-US" sz="2000">
+                <a:sym typeface="+mn-ea"/>
+              </a:rPr>
+              <a:t>，</a:t>
+            </a:r>
+            <a:r>
+              <a:rPr lang="en-US" altLang="zh-CN" sz="2000">
+                <a:sym typeface="+mn-ea"/>
+              </a:rPr>
+              <a:t>gulp</a:t>
+            </a:r>
+            <a:r>
+              <a:rPr lang="zh-CN" altLang="en-US" sz="2000">
+                <a:sym typeface="+mn-ea"/>
+              </a:rPr>
+              <a:t>，</a:t>
+            </a:r>
+            <a:r>
+              <a:rPr lang="en-US" altLang="zh-CN" sz="2000">
+                <a:sym typeface="+mn-ea"/>
+              </a:rPr>
+              <a:t>AMD</a:t>
+            </a:r>
+            <a:r>
+              <a:rPr lang="zh-CN" altLang="en-US" sz="2000">
+                <a:sym typeface="+mn-ea"/>
+              </a:rPr>
+              <a:t>，</a:t>
+            </a:r>
+            <a:r>
+              <a:rPr lang="en-US" altLang="zh-CN" sz="2000">
+                <a:sym typeface="+mn-ea"/>
+              </a:rPr>
+              <a:t>CMD</a:t>
+            </a:r>
+            <a:r>
+              <a:rPr lang="zh-CN" altLang="en-US" sz="2000">
+                <a:sym typeface="+mn-ea"/>
+              </a:rPr>
+              <a:t>；他们是什么关系？</a:t>
+            </a:r>
+            <a:endParaRPr lang="zh-CN" altLang="en-US" sz="2000">
+              <a:sym typeface="+mn-ea"/>
+            </a:endParaRPr>
+          </a:p>
+          <a:p>
+            <a:pPr marL="514350" indent="-514350">
+              <a:buAutoNum type="arabicPeriod"/>
+            </a:pPr>
+            <a:r>
+              <a:rPr lang="zh-CN" altLang="en-US" sz="2000">
+                <a:sym typeface="+mn-ea"/>
+              </a:rPr>
+              <a:t>最后，能用</a:t>
+            </a:r>
+            <a:r>
+              <a:rPr lang="en-US" altLang="zh-CN" sz="2000">
+                <a:sym typeface="+mn-ea"/>
+              </a:rPr>
+              <a:t>vue-cli</a:t>
+            </a:r>
+            <a:r>
+              <a:rPr lang="zh-CN" altLang="en-US" sz="2000">
+                <a:sym typeface="+mn-ea"/>
+              </a:rPr>
+              <a:t>直接搭建项目了。能直接跑通一个项目了。说所以也就没有具体关心</a:t>
+            </a:r>
+            <a:r>
+              <a:rPr lang="en-US" altLang="zh-CN" sz="2000">
+                <a:sym typeface="+mn-ea"/>
+              </a:rPr>
+              <a:t>webpack</a:t>
+            </a:r>
+            <a:r>
+              <a:rPr lang="zh-CN" altLang="en-US" sz="2000">
+                <a:sym typeface="+mn-ea"/>
+              </a:rPr>
+              <a:t>及其配置；更别说优化了。</a:t>
+            </a:r>
+            <a:endParaRPr lang="zh-CN" altLang="en-US" sz="2000">
+              <a:sym typeface="+mn-ea"/>
+            </a:endParaRPr>
+          </a:p>
+          <a:p>
+            <a:pPr marL="514350" indent="-514350">
+              <a:buAutoNum type="arabicPeriod"/>
+            </a:pPr>
+            <a:endParaRPr lang="zh-CN" altLang="en-US" sz="2000"/>
           </a:p>
         </p:txBody>
       </p:sp>
@@ -3691,7 +4712,96 @@
 </p:sld>
 </file>
 
-<file path=ppt/slides/slide14.xml><?xml version="1.0" encoding="utf-8"?>
+<file path=ppt/slides/slide20.xml><?xml version="1.0" encoding="utf-8"?>
+<p:sld xmlns:a="http://schemas.openxmlformats.org/drawingml/2006/main" xmlns:r="http://schemas.openxmlformats.org/officeDocument/2006/relationships" xmlns:p="http://schemas.openxmlformats.org/presentationml/2006/main">
+  <p:cSld>
+    <p:spTree>
+      <p:nvGrpSpPr>
+        <p:cNvPr id="1" name=""/>
+        <p:cNvGrpSpPr/>
+        <p:nvPr/>
+      </p:nvGrpSpPr>
+      <p:grpSpPr/>
+      <p:sp>
+        <p:nvSpPr>
+          <p:cNvPr id="2" name="标题 1"/>
+          <p:cNvSpPr>
+            <a:spLocks noGrp="1"/>
+          </p:cNvSpPr>
+          <p:nvPr>
+            <p:ph type="title"/>
+          </p:nvPr>
+        </p:nvSpPr>
+        <p:spPr/>
+        <p:txBody>
+          <a:bodyPr/>
+          <a:p>
+            <a:endParaRPr lang="zh-CN" altLang="en-US"/>
+          </a:p>
+        </p:txBody>
+      </p:sp>
+      <p:sp>
+        <p:nvSpPr>
+          <p:cNvPr id="3" name="内容占位符 2"/>
+          <p:cNvSpPr>
+            <a:spLocks noGrp="1"/>
+          </p:cNvSpPr>
+          <p:nvPr>
+            <p:ph idx="1"/>
+          </p:nvPr>
+        </p:nvSpPr>
+        <p:spPr/>
+        <p:txBody>
+          <a:bodyPr/>
+          <a:p>
+            <a:r>
+              <a:rPr lang="zh-CN" altLang="en-US"/>
+              <a:t>可以看见，在真正的项目中，要引用的开源框架，开源插件是很多的，再加上自己写的工具库，就显得引用</a:t>
+            </a:r>
+            <a:r>
+              <a:rPr lang="zh-CN" altLang="en-US">
+                <a:solidFill>
+                  <a:srgbClr val="FF0000"/>
+                </a:solidFill>
+              </a:rPr>
+              <a:t>文件很多</a:t>
+            </a:r>
+            <a:r>
+              <a:rPr lang="zh-CN" altLang="en-US"/>
+              <a:t>，</a:t>
+            </a:r>
+            <a:r>
+              <a:rPr lang="zh-CN" altLang="en-US">
+                <a:sym typeface="+mn-ea"/>
+              </a:rPr>
+              <a:t>并且顺序要</a:t>
+            </a:r>
+            <a:r>
+              <a:rPr lang="zh-CN" altLang="en-US">
+                <a:solidFill>
+                  <a:srgbClr val="FF0000"/>
+                </a:solidFill>
+                <a:sym typeface="+mn-ea"/>
+              </a:rPr>
+              <a:t>逐一对应</a:t>
+            </a:r>
+            <a:r>
+              <a:rPr lang="zh-CN" altLang="en-US"/>
+              <a:t>。特别有一次需求里，需要删除某一个依赖，本来只需要删除这一个依赖文件即可，但是我又是一个不喜欢文件中留有冗余代码的人。所以就要删除两个甚至更多的文件。这些工作都相对的增加了工作的复杂度。</a:t>
+            </a:r>
+            <a:endParaRPr lang="zh-CN" altLang="en-US"/>
+          </a:p>
+        </p:txBody>
+      </p:sp>
+    </p:spTree>
+  </p:cSld>
+  <p:clrMapOvr>
+    <a:masterClrMapping/>
+  </p:clrMapOvr>
+</p:sld>
+</file>
+
+<file path=ppt/slides/slide21.xml><?xml version="1.0" encoding="utf-8"?>
 <p:sld xmlns:a="http://schemas.openxmlformats.org/drawingml/2006/main" xmlns:r="http://schemas.openxmlformats.org/officeDocument/2006/relationships" xmlns:p="http://schemas.openxmlformats.org/presentationml/2006/main">
   <p:cSld>
     <p:spTree>
@@ -3878,7 +4988,7 @@
 </p:sld>
 </file>
 
-<file path=ppt/slides/slide15.xml><?xml version="1.0" encoding="utf-8"?>
+<file path=ppt/slides/slide22.xml><?xml version="1.0" encoding="utf-8"?>
 <p:sld xmlns:a="http://schemas.openxmlformats.org/drawingml/2006/main" xmlns:r="http://schemas.openxmlformats.org/officeDocument/2006/relationships" xmlns:p="http://schemas.openxmlformats.org/presentationml/2006/main">
   <p:cSld>
     <p:spTree>
@@ -3902,10 +5012,6 @@
         <p:txBody>
           <a:bodyPr/>
           <a:p>
-            <a:r>
-              <a:rPr lang="zh-CN" altLang="en-US"/>
-              <a:t>模块化有点</a:t>
-            </a:r>
             <a:endParaRPr lang="zh-CN" altLang="en-US"/>
           </a:p>
         </p:txBody>
@@ -3926,21 +5032,7 @@
           <a:p>
             <a:r>
               <a:rPr lang="zh-CN" altLang="en-US"/>
-              <a:t>作用域封装</a:t>
-            </a:r>
-            <a:endParaRPr lang="zh-CN" altLang="en-US"/>
-          </a:p>
-          <a:p>
-            <a:r>
-              <a:rPr lang="zh-CN" altLang="en-US"/>
-              <a:t>重用性</a:t>
-            </a:r>
-            <a:endParaRPr lang="zh-CN" altLang="en-US"/>
-          </a:p>
-          <a:p>
-            <a:r>
-              <a:rPr lang="zh-CN" altLang="en-US"/>
-              <a:t>解除耦合</a:t>
+              <a:t>然而，当我们应该各种各样的语言及其翻译工具的时候，又会出现以下问题。</a:t>
             </a:r>
             <a:endParaRPr lang="zh-CN" altLang="en-US"/>
           </a:p>
@@ -3954,7 +5046,7 @@
 </p:sld>
 </file>
 
-<file path=ppt/slides/slide16.xml><?xml version="1.0" encoding="utf-8"?>
+<file path=ppt/slides/slide23.xml><?xml version="1.0" encoding="utf-8"?>
 <p:sld xmlns:a="http://schemas.openxmlformats.org/drawingml/2006/main" xmlns:r="http://schemas.openxmlformats.org/officeDocument/2006/relationships" xmlns:p="http://schemas.openxmlformats.org/presentationml/2006/main">
   <p:cSld>
     <p:spTree>
@@ -3974,151 +5066,60 @@
             <p:ph type="title"/>
           </p:nvPr>
         </p:nvSpPr>
+        <p:spPr/>
+        <p:txBody>
+          <a:bodyPr/>
+          <a:p>
+            <a:r>
+              <a:rPr lang="zh-CN" altLang="en-US" sz="3200"/>
+              <a:t>减轻痛苦的同时，却增加了工作。</a:t>
+            </a:r>
+            <a:endParaRPr lang="zh-CN" altLang="en-US" sz="3200"/>
+          </a:p>
+        </p:txBody>
+      </p:sp>
+      <p:sp>
+        <p:nvSpPr>
+          <p:cNvPr id="3" name="内容占位符 2"/>
+          <p:cNvSpPr>
+            <a:spLocks noGrp="1"/>
+          </p:cNvSpPr>
+          <p:nvPr>
+            <p:ph idx="1"/>
+          </p:nvPr>
+        </p:nvSpPr>
+        <p:spPr/>
+        <p:txBody>
+          <a:bodyPr/>
+          <a:p>
+            <a:endParaRPr lang="zh-CN" altLang="en-US"/>
+          </a:p>
+        </p:txBody>
+      </p:sp>
+      <p:pic>
+        <p:nvPicPr>
+          <p:cNvPr id="5" name="图片 4" descr="构建工具图"/>
+          <p:cNvPicPr>
+            <a:picLocks noChangeAspect="1"/>
+          </p:cNvPicPr>
+          <p:nvPr/>
+        </p:nvPicPr>
+        <p:blipFill>
+          <a:blip r:embed="rId1"/>
+          <a:stretch>
+            <a:fillRect/>
+          </a:stretch>
+        </p:blipFill>
         <p:spPr>
           <a:xfrm>
-            <a:off x="838200" y="356870"/>
-            <a:ext cx="10515600" cy="1325563"/>
+            <a:off x="838200" y="1527175"/>
+            <a:ext cx="8443595" cy="4474845"/>
           </a:xfrm>
+          <a:prstGeom prst="rect">
+            <a:avLst/>
+          </a:prstGeom>
         </p:spPr>
-        <p:txBody>
-          <a:bodyPr/>
-          <a:p>
-            <a:endParaRPr lang="zh-CN" altLang="en-US"/>
-          </a:p>
-        </p:txBody>
-      </p:sp>
-      <p:sp>
-        <p:nvSpPr>
-          <p:cNvPr id="3" name="内容占位符 2"/>
-          <p:cNvSpPr>
-            <a:spLocks noGrp="1"/>
-          </p:cNvSpPr>
-          <p:nvPr>
-            <p:ph idx="1"/>
-          </p:nvPr>
-        </p:nvSpPr>
-        <p:spPr/>
-        <p:txBody>
-          <a:bodyPr/>
-          <a:p>
-            <a:r>
-              <a:rPr lang="zh-CN" altLang="en-US"/>
-              <a:t>刚才已经从模块化思维，阐述了我们从代码优化角度，用构建工具的好处。</a:t>
-            </a:r>
-            <a:endParaRPr lang="zh-CN" altLang="en-US"/>
-          </a:p>
-          <a:p>
-            <a:endParaRPr lang="zh-CN" altLang="en-US"/>
-          </a:p>
-          <a:p>
-            <a:r>
-              <a:rPr lang="zh-CN" altLang="en-US"/>
-              <a:t>其他原因：</a:t>
-            </a:r>
-            <a:endParaRPr lang="zh-CN" altLang="en-US"/>
-          </a:p>
-          <a:p>
-            <a:pPr lvl="1"/>
-            <a:r>
-              <a:rPr lang="zh-CN" altLang="en-US"/>
-              <a:t>新框架： </a:t>
-            </a:r>
-            <a:r>
-              <a:rPr lang="en-US" altLang="zh-CN"/>
-              <a:t>Vue</a:t>
-            </a:r>
-            <a:r>
-              <a:rPr lang="zh-CN" altLang="en-US"/>
-              <a:t>；</a:t>
-            </a:r>
-            <a:r>
-              <a:rPr lang="en-US" altLang="zh-CN"/>
-              <a:t>React</a:t>
-            </a:r>
-            <a:r>
-              <a:rPr lang="zh-CN" altLang="en-US"/>
-              <a:t>；</a:t>
-            </a:r>
-            <a:r>
-              <a:rPr lang="en-US" altLang="zh-CN"/>
-              <a:t>Angular</a:t>
-            </a:r>
-            <a:r>
-              <a:rPr lang="zh-CN" altLang="en-US"/>
-              <a:t>；</a:t>
-            </a:r>
-            <a:endParaRPr lang="zh-CN" altLang="en-US"/>
-          </a:p>
-          <a:p>
-            <a:pPr lvl="1"/>
-            <a:r>
-              <a:rPr lang="zh-CN" altLang="en-US"/>
-              <a:t>新语言（</a:t>
-            </a:r>
-            <a:r>
-              <a:rPr lang="zh-CN" altLang="en-US">
-                <a:solidFill>
-                  <a:srgbClr val="FF0000"/>
-                </a:solidFill>
-              </a:rPr>
-              <a:t>翻译官</a:t>
-            </a:r>
-            <a:r>
-              <a:rPr lang="zh-CN" altLang="en-US"/>
-              <a:t>功能）：</a:t>
-            </a:r>
-            <a:r>
-              <a:rPr lang="en-US" altLang="zh-CN"/>
-              <a:t>ES6</a:t>
-            </a:r>
-            <a:r>
-              <a:rPr lang="zh-CN" altLang="en-US"/>
-              <a:t>；</a:t>
-            </a:r>
-            <a:r>
-              <a:rPr lang="en-US" altLang="zh-CN"/>
-              <a:t>Typescript</a:t>
-            </a:r>
-            <a:r>
-              <a:rPr lang="zh-CN" altLang="en-US"/>
-              <a:t>（类型校验能力）</a:t>
-            </a:r>
-            <a:r>
-              <a:rPr lang="zh-CN" altLang="en-US"/>
-              <a:t>；</a:t>
-            </a:r>
-            <a:r>
-              <a:rPr lang="en-US" altLang="zh-CN"/>
-              <a:t>Flow</a:t>
-            </a:r>
-            <a:r>
-              <a:rPr lang="zh-CN" altLang="en-US"/>
-              <a:t>；</a:t>
-            </a:r>
-            <a:r>
-              <a:rPr lang="en-US" altLang="zh-CN"/>
-              <a:t>SCSS/LESS</a:t>
-            </a:r>
-            <a:r>
-              <a:rPr lang="zh-CN" altLang="en-US"/>
-              <a:t>等等；</a:t>
-            </a:r>
-            <a:endParaRPr lang="zh-CN" altLang="en-US"/>
-          </a:p>
-          <a:p>
-            <a:pPr lvl="1"/>
-            <a:r>
-              <a:rPr lang="zh-CN" altLang="en-US"/>
-              <a:t>性能优化：缓存，多线程，</a:t>
-            </a:r>
-            <a:r>
-              <a:rPr lang="en-US" altLang="zh-CN"/>
-              <a:t>tree-shaking;</a:t>
-            </a:r>
-            <a:endParaRPr lang="en-US" altLang="zh-CN"/>
-          </a:p>
-        </p:txBody>
-      </p:sp>
+      </p:pic>
     </p:spTree>
   </p:cSld>
   <p:clrMapOvr>
@@ -4127,7 +5128,7 @@
 </p:sld>
 </file>
 
-<file path=ppt/slides/slide17.xml><?xml version="1.0" encoding="utf-8"?>
+<file path=ppt/slides/slide24.xml><?xml version="1.0" encoding="utf-8"?>
 <p:sld xmlns:a="http://schemas.openxmlformats.org/drawingml/2006/main" xmlns:r="http://schemas.openxmlformats.org/officeDocument/2006/relationships" xmlns:p="http://schemas.openxmlformats.org/presentationml/2006/main">
   <p:cSld>
     <p:spTree>
@@ -4151,10 +5152,6 @@
         <p:txBody>
           <a:bodyPr/>
           <a:p>
-            <a:r>
-              <a:rPr lang="zh-CN" altLang="en-US"/>
-              <a:t>初识构建工具</a:t>
-            </a:r>
             <a:endParaRPr lang="zh-CN" altLang="en-US"/>
           </a:p>
         </p:txBody>
@@ -4173,69 +5170,34 @@
         <p:txBody>
           <a:bodyPr/>
           <a:p>
-            <a:pPr marL="457200" lvl="1" indent="0">
-              <a:buNone/>
-            </a:pPr>
-            <a:r>
-              <a:rPr lang="zh-CN" altLang="en-US"/>
-              <a:t>在我初识</a:t>
-            </a:r>
-            <a:r>
-              <a:rPr lang="en-US" altLang="zh-CN"/>
-              <a:t>web</a:t>
-            </a:r>
-            <a:r>
-              <a:rPr lang="zh-CN" altLang="en-US"/>
-              <a:t>前端的时候，听到过几个前端构建工具。如</a:t>
-            </a:r>
-            <a:r>
-              <a:rPr lang="en-US" altLang="zh-CN"/>
-              <a:t>grunt</a:t>
-            </a:r>
-            <a:r>
-              <a:rPr lang="zh-CN" altLang="en-US"/>
-              <a:t>，</a:t>
-            </a:r>
-            <a:r>
-              <a:rPr lang="en-US" altLang="zh-CN"/>
-              <a:t>glup</a:t>
-            </a:r>
-            <a:r>
-              <a:rPr lang="zh-CN" altLang="en-US"/>
-              <a:t>，</a:t>
-            </a:r>
-            <a:r>
-              <a:rPr lang="en-US" altLang="zh-CN"/>
-              <a:t>webpack</a:t>
-            </a:r>
-            <a:r>
-              <a:rPr lang="zh-CN" altLang="en-US"/>
-              <a:t>。我当时连为什么要用这些工具都不知道！更不知道到底要选哪一个！于是都学习了下，都是一知半解，最终都忘掉。</a:t>
-            </a:r>
-            <a:endParaRPr lang="zh-CN" altLang="en-US"/>
-          </a:p>
-          <a:p>
-            <a:pPr marL="457200" lvl="1" indent="0">
-              <a:buNone/>
-            </a:pPr>
-            <a:endParaRPr lang="zh-CN" altLang="en-US"/>
-          </a:p>
-          <a:p>
-            <a:pPr marL="457200" lvl="1" indent="0">
-              <a:buNone/>
-            </a:pPr>
-            <a:r>
-              <a:rPr lang="zh-CN" altLang="en-US"/>
-              <a:t>所以，我们这里先对其他构建工具了解下，列举出各个工具的优缺点。这样可以让我们更好的去理解</a:t>
-            </a:r>
-            <a:r>
-              <a:rPr lang="en-US" altLang="zh-CN"/>
-              <a:t>webpack</a:t>
-            </a:r>
-            <a:endParaRPr lang="en-US" altLang="zh-CN"/>
-          </a:p>
-        </p:txBody>
-      </p:sp>
+            <a:endParaRPr lang="zh-CN" altLang="en-US"/>
+          </a:p>
+        </p:txBody>
+      </p:sp>
+      <p:pic>
+        <p:nvPicPr>
+          <p:cNvPr id="5" name="图片 4" descr="构建工具图"/>
+          <p:cNvPicPr>
+            <a:picLocks noChangeAspect="1"/>
+          </p:cNvPicPr>
+          <p:nvPr/>
+        </p:nvPicPr>
+        <p:blipFill>
+          <a:blip r:embed="rId1"/>
+          <a:stretch>
+            <a:fillRect/>
+          </a:stretch>
+        </p:blipFill>
+        <p:spPr>
+          <a:xfrm>
+            <a:off x="838200" y="365125"/>
+            <a:ext cx="10170160" cy="5811520"/>
+          </a:xfrm>
+          <a:prstGeom prst="rect">
+            <a:avLst/>
+          </a:prstGeom>
+        </p:spPr>
+      </p:pic>
     </p:spTree>
   </p:cSld>
   <p:clrMapOvr>
@@ -4244,7 +5206,7 @@
 </p:sld>
 </file>
 
-<file path=ppt/slides/slide18.xml><?xml version="1.0" encoding="utf-8"?>
+<file path=ppt/slides/slide25.xml><?xml version="1.0" encoding="utf-8"?>
 <p:sld xmlns:a="http://schemas.openxmlformats.org/drawingml/2006/main" xmlns:r="http://schemas.openxmlformats.org/officeDocument/2006/relationships" xmlns:p="http://schemas.openxmlformats.org/presentationml/2006/main">
   <p:cSld>
     <p:spTree>
@@ -4264,274 +5226,200 @@
             <p:ph type="title"/>
           </p:nvPr>
         </p:nvSpPr>
-        <p:spPr/>
-        <p:txBody>
-          <a:bodyPr>
-            <a:normAutofit/>
-          </a:bodyPr>
-          <a:p>
+        <p:spPr>
+          <a:xfrm>
+            <a:off x="838200" y="356870"/>
+            <a:ext cx="10515600" cy="1325563"/>
+          </a:xfrm>
+        </p:spPr>
+        <p:txBody>
+          <a:bodyPr/>
+          <a:p>
+            <a:endParaRPr lang="zh-CN" altLang="en-US"/>
+          </a:p>
+        </p:txBody>
+      </p:sp>
+      <p:sp>
+        <p:nvSpPr>
+          <p:cNvPr id="3" name="内容占位符 2"/>
+          <p:cNvSpPr>
+            <a:spLocks noGrp="1"/>
+          </p:cNvSpPr>
+          <p:nvPr>
+            <p:ph idx="1"/>
+          </p:nvPr>
+        </p:nvSpPr>
+        <p:spPr/>
+        <p:txBody>
+          <a:bodyPr/>
+          <a:p>
+            <a:r>
+              <a:rPr lang="zh-CN" altLang="en-US"/>
+              <a:t>刚才已经从代码优化，可维护性，模块化思维的角度，阐述了构建工具的好处。</a:t>
+            </a:r>
+            <a:endParaRPr lang="zh-CN" altLang="en-US"/>
+          </a:p>
+          <a:p>
+            <a:endParaRPr lang="zh-CN" altLang="en-US"/>
+          </a:p>
+          <a:p>
+            <a:r>
+              <a:rPr lang="zh-CN" altLang="en-US"/>
+              <a:t>其他原因：</a:t>
+            </a:r>
+            <a:endParaRPr lang="zh-CN" altLang="en-US"/>
+          </a:p>
+          <a:p>
+            <a:pPr lvl="1"/>
+            <a:r>
+              <a:rPr lang="zh-CN" altLang="en-US"/>
+              <a:t>新框架： </a:t>
+            </a:r>
+            <a:r>
+              <a:rPr lang="en-US" altLang="zh-CN"/>
+              <a:t>Vue</a:t>
+            </a:r>
+            <a:r>
+              <a:rPr lang="zh-CN" altLang="en-US"/>
+              <a:t>（</a:t>
+            </a:r>
+            <a:r>
+              <a:rPr lang="en-US" altLang="zh-CN"/>
+              <a:t>.vue</a:t>
+            </a:r>
+            <a:r>
+              <a:rPr lang="zh-CN" altLang="en-US"/>
+              <a:t>）；</a:t>
+            </a:r>
+            <a:r>
+              <a:rPr lang="en-US" altLang="zh-CN"/>
+              <a:t>React</a:t>
+            </a:r>
+            <a:r>
+              <a:rPr lang="zh-CN" altLang="en-US"/>
+              <a:t>（</a:t>
+            </a:r>
+            <a:r>
+              <a:rPr lang="en-US" altLang="zh-CN"/>
+              <a:t>.</a:t>
+            </a:r>
+            <a:r>
+              <a:rPr lang="en-US" altLang="zh-CN"/>
+              <a:t>jsx</a:t>
+            </a:r>
+            <a:r>
+              <a:rPr lang="zh-CN" altLang="en-US"/>
+              <a:t>）</a:t>
+            </a:r>
+            <a:r>
+              <a:rPr lang="zh-CN" altLang="en-US"/>
+              <a:t>；</a:t>
+            </a:r>
+            <a:r>
+              <a:rPr lang="en-US" altLang="zh-CN"/>
+              <a:t>Angular</a:t>
+            </a:r>
+            <a:r>
+              <a:rPr lang="zh-CN" altLang="en-US"/>
+              <a:t>；</a:t>
+            </a:r>
+            <a:endParaRPr lang="zh-CN" altLang="en-US"/>
+          </a:p>
+          <a:p>
+            <a:pPr lvl="1"/>
+            <a:r>
+              <a:rPr lang="zh-CN" altLang="en-US"/>
+              <a:t>新语言（</a:t>
+            </a:r>
             <a:r>
               <a:rPr lang="zh-CN" altLang="en-US">
-                <a:sym typeface="+mn-ea"/>
-              </a:rPr>
-              <a:t>听过的构建工具</a:t>
-            </a:r>
-            <a:endParaRPr lang="en-US" altLang="zh-CN"/>
-          </a:p>
-        </p:txBody>
-      </p:sp>
-      <p:sp>
-        <p:nvSpPr>
-          <p:cNvPr id="3" name="内容占位符 2"/>
-          <p:cNvSpPr>
-            <a:spLocks noGrp="1"/>
-          </p:cNvSpPr>
-          <p:nvPr>
-            <p:ph idx="1"/>
-          </p:nvPr>
-        </p:nvSpPr>
-        <p:spPr/>
-        <p:txBody>
-          <a:bodyPr>
-            <a:normAutofit lnSpcReduction="10000"/>
-          </a:bodyPr>
-          <a:p>
-            <a:pPr marL="514350" indent="-514350">
-              <a:buAutoNum type="arabicPeriod"/>
-            </a:pPr>
-            <a:r>
-              <a:rPr lang="en-US" altLang="zh-CN">
-                <a:solidFill>
-                  <a:schemeClr val="accent6"/>
-                </a:solidFill>
-              </a:rPr>
-              <a:t>Grunt</a:t>
-            </a:r>
-            <a:r>
-              <a:rPr lang="zh-CN" altLang="en-US">
-                <a:solidFill>
-                  <a:schemeClr val="accent6"/>
-                </a:solidFill>
-              </a:rPr>
-              <a:t>（见的比较多）</a:t>
-            </a:r>
-            <a:endParaRPr lang="en-US" altLang="zh-CN">
-              <a:solidFill>
-                <a:schemeClr val="accent6"/>
-              </a:solidFill>
-            </a:endParaRPr>
-          </a:p>
-          <a:p>
-            <a:pPr marL="514350" indent="-514350">
-              <a:buAutoNum type="arabicPeriod"/>
-            </a:pPr>
-            <a:r>
-              <a:rPr lang="en-US" altLang="zh-CN">
-                <a:solidFill>
-                  <a:schemeClr val="accent6"/>
-                </a:solidFill>
-              </a:rPr>
-              <a:t>Gulp</a:t>
-            </a:r>
-            <a:r>
-              <a:rPr lang="zh-CN" altLang="en-US">
-                <a:solidFill>
-                  <a:schemeClr val="accent6"/>
-                </a:solidFill>
-                <a:sym typeface="+mn-ea"/>
-              </a:rPr>
-              <a:t>（见的比较多）</a:t>
-            </a:r>
-            <a:endParaRPr lang="en-US" altLang="zh-CN">
-              <a:solidFill>
-                <a:schemeClr val="accent6"/>
-              </a:solidFill>
-            </a:endParaRPr>
-          </a:p>
-          <a:p>
-            <a:pPr marL="514350" indent="-514350">
-              <a:buAutoNum type="arabicPeriod"/>
-            </a:pPr>
-            <a:r>
-              <a:rPr lang="en-US" altLang="zh-CN">
-                <a:solidFill>
-                  <a:srgbClr val="FFC000"/>
-                </a:solidFill>
-              </a:rPr>
-              <a:t>browserify</a:t>
-            </a:r>
-            <a:r>
-              <a:rPr lang="zh-CN" altLang="en-US">
-                <a:solidFill>
-                  <a:srgbClr val="FFC000"/>
-                </a:solidFill>
-                <a:sym typeface="+mn-ea"/>
-              </a:rPr>
-              <a:t>（见的比较少）</a:t>
-            </a:r>
-            <a:endParaRPr lang="en-US" altLang="zh-CN">
-              <a:solidFill>
-                <a:srgbClr val="FFC000"/>
-              </a:solidFill>
-            </a:endParaRPr>
-          </a:p>
-          <a:p>
-            <a:pPr marL="514350" indent="-514350">
-              <a:buAutoNum type="arabicPeriod"/>
-            </a:pPr>
-            <a:r>
-              <a:rPr lang="en-US" altLang="zh-CN">
-                <a:solidFill>
-                  <a:schemeClr val="bg1">
-                    <a:lumMod val="50000"/>
-                  </a:schemeClr>
-                </a:solidFill>
-              </a:rPr>
-              <a:t>Parcel</a:t>
-            </a:r>
-            <a:r>
-              <a:rPr lang="zh-CN" altLang="en-US">
-                <a:solidFill>
-                  <a:schemeClr val="bg1">
-                    <a:lumMod val="50000"/>
-                  </a:schemeClr>
-                </a:solidFill>
-              </a:rPr>
-              <a:t>（完全没听过）</a:t>
-            </a:r>
-            <a:endParaRPr lang="en-US" altLang="zh-CN">
-              <a:solidFill>
-                <a:schemeClr val="bg1">
-                  <a:lumMod val="50000"/>
-                </a:schemeClr>
-              </a:solidFill>
-            </a:endParaRPr>
-          </a:p>
-          <a:p>
-            <a:pPr marL="514350" indent="-514350">
-              <a:buAutoNum type="arabicPeriod"/>
-            </a:pPr>
-            <a:r>
-              <a:rPr lang="en-US" altLang="zh-CN">
-                <a:solidFill>
-                  <a:schemeClr val="bg1">
-                    <a:lumMod val="50000"/>
-                  </a:schemeClr>
-                </a:solidFill>
-              </a:rPr>
-              <a:t>Fis3</a:t>
-            </a:r>
-            <a:r>
-              <a:rPr lang="zh-CN" altLang="en-US">
-                <a:solidFill>
-                  <a:schemeClr val="bg1">
-                    <a:lumMod val="50000"/>
-                  </a:schemeClr>
-                </a:solidFill>
-                <a:sym typeface="+mn-ea"/>
-              </a:rPr>
-              <a:t>（完全没听过）</a:t>
-            </a:r>
-            <a:endParaRPr lang="en-US" altLang="zh-CN">
-              <a:solidFill>
-                <a:schemeClr val="bg1">
-                  <a:lumMod val="50000"/>
-                </a:schemeClr>
-              </a:solidFill>
-            </a:endParaRPr>
-          </a:p>
-          <a:p>
-            <a:pPr marL="514350" indent="-514350">
-              <a:buAutoNum type="arabicPeriod"/>
-            </a:pPr>
-            <a:r>
-              <a:rPr lang="en-US" altLang="zh-CN">
-                <a:solidFill>
-                  <a:schemeClr val="bg1">
-                    <a:lumMod val="50000"/>
-                  </a:schemeClr>
-                </a:solidFill>
-              </a:rPr>
-              <a:t>yeoman</a:t>
-            </a:r>
-            <a:r>
-              <a:rPr lang="zh-CN" altLang="en-US">
-                <a:solidFill>
-                  <a:schemeClr val="bg1">
-                    <a:lumMod val="50000"/>
-                  </a:schemeClr>
-                </a:solidFill>
-                <a:sym typeface="+mn-ea"/>
-              </a:rPr>
-              <a:t>（完全没听过）</a:t>
-            </a:r>
-            <a:endParaRPr lang="en-US" altLang="zh-CN">
-              <a:solidFill>
-                <a:schemeClr val="bg1">
-                  <a:lumMod val="50000"/>
-                </a:schemeClr>
-              </a:solidFill>
-            </a:endParaRPr>
-          </a:p>
-          <a:p>
-            <a:pPr marL="514350" indent="-514350">
-              <a:buAutoNum type="arabicPeriod"/>
-            </a:pPr>
-            <a:r>
-              <a:rPr lang="en-US" altLang="zh-CN">
-                <a:solidFill>
-                  <a:schemeClr val="bg1">
-                    <a:lumMod val="50000"/>
-                  </a:schemeClr>
-                </a:solidFill>
-                <a:sym typeface="+mn-ea"/>
-              </a:rPr>
-              <a:t>Rollup</a:t>
-            </a:r>
-            <a:r>
-              <a:rPr lang="zh-CN" altLang="en-US">
-                <a:solidFill>
-                  <a:schemeClr val="bg1">
-                    <a:lumMod val="50000"/>
-                  </a:schemeClr>
-                </a:solidFill>
-                <a:sym typeface="+mn-ea"/>
-              </a:rPr>
-              <a:t>（完全没听过）</a:t>
-            </a:r>
-            <a:endParaRPr lang="en-US" altLang="zh-CN">
-              <a:solidFill>
-                <a:schemeClr val="bg1">
-                  <a:lumMod val="50000"/>
-                </a:schemeClr>
-              </a:solidFill>
-            </a:endParaRPr>
-          </a:p>
-          <a:p>
-            <a:pPr marL="514350" indent="-514350">
-              <a:buAutoNum type="arabicPeriod"/>
-            </a:pPr>
-            <a:r>
-              <a:rPr lang="en-US" altLang="zh-CN">
                 <a:solidFill>
                   <a:srgbClr val="FF0000"/>
                 </a:solidFill>
               </a:rPr>
-              <a:t>Webpack</a:t>
-            </a:r>
-            <a:endParaRPr lang="en-US" altLang="zh-CN">
-              <a:solidFill>
-                <a:srgbClr val="FF0000"/>
-              </a:solidFill>
-            </a:endParaRPr>
-          </a:p>
-          <a:p>
-            <a:pPr marL="514350" indent="-514350"/>
-            <a:endParaRPr lang="en-US" altLang="zh-CN">
-              <a:solidFill>
-                <a:srgbClr val="FF0000"/>
-              </a:solidFill>
-            </a:endParaRPr>
+              <a:t>翻译官</a:t>
+            </a:r>
+            <a:r>
+              <a:rPr lang="zh-CN" altLang="en-US"/>
+              <a:t>功能）：</a:t>
+            </a:r>
+            <a:r>
+              <a:rPr lang="en-US" altLang="zh-CN"/>
+              <a:t>ES6</a:t>
+            </a:r>
+            <a:r>
+              <a:rPr lang="zh-CN" altLang="en-US"/>
+              <a:t>（</a:t>
+            </a:r>
+            <a:r>
+              <a:rPr lang="zh-CN" altLang="en-US">
+                <a:solidFill>
+                  <a:srgbClr val="FF0000"/>
+                </a:solidFill>
+              </a:rPr>
+              <a:t>新语法</a:t>
+            </a:r>
+            <a:r>
+              <a:rPr lang="zh-CN" altLang="en-US"/>
+              <a:t>）</a:t>
+            </a:r>
+            <a:r>
+              <a:rPr lang="zh-CN" altLang="en-US"/>
+              <a:t>；</a:t>
+            </a:r>
+            <a:r>
+              <a:rPr lang="en-US" altLang="zh-CN"/>
+              <a:t>Typescript</a:t>
+            </a:r>
+            <a:r>
+              <a:rPr lang="zh-CN" altLang="en-US"/>
+              <a:t>（</a:t>
+            </a:r>
+            <a:r>
+              <a:rPr lang="zh-CN" altLang="en-US">
+                <a:solidFill>
+                  <a:srgbClr val="FF0000"/>
+                </a:solidFill>
+              </a:rPr>
+              <a:t>类型校验</a:t>
+            </a:r>
+            <a:r>
+              <a:rPr lang="zh-CN" altLang="en-US"/>
+              <a:t>能力）</a:t>
+            </a:r>
+            <a:r>
+              <a:rPr lang="zh-CN" altLang="en-US"/>
+              <a:t>；</a:t>
+            </a:r>
+            <a:r>
+              <a:rPr lang="en-US" altLang="zh-CN"/>
+              <a:t>Flow</a:t>
+            </a:r>
+            <a:r>
+              <a:rPr lang="zh-CN" altLang="en-US"/>
+              <a:t>；</a:t>
+            </a:r>
+            <a:r>
+              <a:rPr lang="en-US" altLang="zh-CN"/>
+              <a:t>SCSS/LESS</a:t>
+            </a:r>
+            <a:r>
+              <a:rPr lang="zh-CN" altLang="en-US"/>
+              <a:t>等等；</a:t>
+            </a:r>
+            <a:endParaRPr lang="zh-CN" altLang="en-US"/>
+          </a:p>
+          <a:p>
+            <a:pPr lvl="1"/>
+            <a:r>
+              <a:rPr lang="zh-CN" altLang="en-US"/>
+              <a:t>性能优化：缓存，多线程，</a:t>
+            </a:r>
+            <a:r>
+              <a:rPr lang="en-US" altLang="zh-CN"/>
+              <a:t>tree-shaking;</a:t>
+            </a:r>
+            <a:endParaRPr lang="en-US" altLang="zh-CN"/>
           </a:p>
         </p:txBody>
       </p:sp>
@@ -4543,7 +5431,536 @@
 </p:sld>
 </file>
 
-<file path=ppt/slides/slide19.xml><?xml version="1.0" encoding="utf-8"?>
+<file path=ppt/slides/slide26.xml><?xml version="1.0" encoding="utf-8"?>
+<p:sld xmlns:a="http://schemas.openxmlformats.org/drawingml/2006/main" xmlns:r="http://schemas.openxmlformats.org/officeDocument/2006/relationships" xmlns:p="http://schemas.openxmlformats.org/presentationml/2006/main">
+  <p:cSld>
+    <p:spTree>
+      <p:nvGrpSpPr>
+        <p:cNvPr id="1" name=""/>
+        <p:cNvGrpSpPr/>
+        <p:nvPr/>
+      </p:nvGrpSpPr>
+      <p:grpSpPr/>
+      <p:sp>
+        <p:nvSpPr>
+          <p:cNvPr id="2" name="标题 1"/>
+          <p:cNvSpPr>
+            <a:spLocks noGrp="1"/>
+          </p:cNvSpPr>
+          <p:nvPr>
+            <p:ph type="title"/>
+          </p:nvPr>
+        </p:nvSpPr>
+        <p:spPr/>
+        <p:txBody>
+          <a:bodyPr/>
+          <a:p>
+            <a:endParaRPr lang="zh-CN" altLang="en-US"/>
+          </a:p>
+        </p:txBody>
+      </p:sp>
+      <p:sp>
+        <p:nvSpPr>
+          <p:cNvPr id="3" name="内容占位符 2"/>
+          <p:cNvSpPr>
+            <a:spLocks noGrp="1"/>
+          </p:cNvSpPr>
+          <p:nvPr>
+            <p:ph idx="1"/>
+          </p:nvPr>
+        </p:nvSpPr>
+        <p:spPr/>
+        <p:txBody>
+          <a:bodyPr/>
+          <a:p>
+            <a:pPr marL="0" indent="0" algn="ctr">
+              <a:buNone/>
+            </a:pPr>
+            <a:endParaRPr lang="zh-CN" altLang="en-US" sz="4400">
+              <a:sym typeface="+mn-ea"/>
+            </a:endParaRPr>
+          </a:p>
+          <a:p>
+            <a:pPr marL="0" indent="0" algn="ctr">
+              <a:buNone/>
+            </a:pPr>
+            <a:endParaRPr lang="zh-CN" altLang="en-US" sz="4400">
+              <a:sym typeface="+mn-ea"/>
+            </a:endParaRPr>
+          </a:p>
+          <a:p>
+            <a:pPr marL="0" indent="0" algn="ctr">
+              <a:buNone/>
+            </a:pPr>
+            <a:r>
+              <a:rPr lang="zh-CN" sz="4400">
+                <a:sym typeface="+mn-ea"/>
+              </a:rPr>
+              <a:t>第二章</a:t>
+            </a:r>
+            <a:endParaRPr lang="zh-CN" sz="4400">
+              <a:sym typeface="+mn-ea"/>
+            </a:endParaRPr>
+          </a:p>
+          <a:p>
+            <a:pPr marL="0" indent="0" algn="ctr">
+              <a:buNone/>
+            </a:pPr>
+            <a:r>
+              <a:rPr lang="zh-CN" altLang="en-US" sz="4400">
+                <a:sym typeface="+mn-ea"/>
+              </a:rPr>
+              <a:t>初识构建工具</a:t>
+            </a:r>
+            <a:endParaRPr lang="zh-CN" altLang="en-US" sz="4400"/>
+          </a:p>
+          <a:p>
+            <a:pPr algn="ctr"/>
+            <a:endParaRPr lang="zh-CN" altLang="en-US" sz="4400"/>
+          </a:p>
+        </p:txBody>
+      </p:sp>
+    </p:spTree>
+  </p:cSld>
+  <p:clrMapOvr>
+    <a:masterClrMapping/>
+  </p:clrMapOvr>
+</p:sld>
+</file>
+
+<file path=ppt/slides/slide27.xml><?xml version="1.0" encoding="utf-8"?>
+<p:sld xmlns:a="http://schemas.openxmlformats.org/drawingml/2006/main" xmlns:r="http://schemas.openxmlformats.org/officeDocument/2006/relationships" xmlns:p="http://schemas.openxmlformats.org/presentationml/2006/main">
+  <p:cSld>
+    <p:spTree>
+      <p:nvGrpSpPr>
+        <p:cNvPr id="1" name=""/>
+        <p:cNvGrpSpPr/>
+        <p:nvPr/>
+      </p:nvGrpSpPr>
+      <p:grpSpPr/>
+      <p:sp>
+        <p:nvSpPr>
+          <p:cNvPr id="2" name="标题 1"/>
+          <p:cNvSpPr>
+            <a:spLocks noGrp="1"/>
+          </p:cNvSpPr>
+          <p:nvPr>
+            <p:ph type="title"/>
+          </p:nvPr>
+        </p:nvSpPr>
+        <p:spPr/>
+        <p:txBody>
+          <a:bodyPr/>
+          <a:p>
+            <a:endParaRPr lang="zh-CN" altLang="en-US"/>
+          </a:p>
+        </p:txBody>
+      </p:sp>
+      <p:sp>
+        <p:nvSpPr>
+          <p:cNvPr id="3" name="内容占位符 2"/>
+          <p:cNvSpPr>
+            <a:spLocks noGrp="1"/>
+          </p:cNvSpPr>
+          <p:nvPr>
+            <p:ph idx="1"/>
+          </p:nvPr>
+        </p:nvSpPr>
+        <p:spPr/>
+        <p:txBody>
+          <a:bodyPr/>
+          <a:p>
+            <a:pPr marL="457200" lvl="1" indent="0">
+              <a:buNone/>
+            </a:pPr>
+            <a:r>
+              <a:rPr lang="zh-CN" altLang="en-US"/>
+              <a:t>在我初识</a:t>
+            </a:r>
+            <a:r>
+              <a:rPr lang="en-US" altLang="zh-CN"/>
+              <a:t>web</a:t>
+            </a:r>
+            <a:r>
+              <a:rPr lang="zh-CN" altLang="en-US"/>
+              <a:t>前端的时候，听到过几个前端构建工具。如</a:t>
+            </a:r>
+            <a:r>
+              <a:rPr lang="en-US" altLang="zh-CN"/>
+              <a:t>grunt</a:t>
+            </a:r>
+            <a:r>
+              <a:rPr lang="zh-CN" altLang="en-US"/>
+              <a:t>，</a:t>
+            </a:r>
+            <a:r>
+              <a:rPr lang="en-US" altLang="zh-CN"/>
+              <a:t>glup</a:t>
+            </a:r>
+            <a:r>
+              <a:rPr lang="zh-CN" altLang="en-US"/>
+              <a:t>，</a:t>
+            </a:r>
+            <a:r>
+              <a:rPr lang="en-US" altLang="zh-CN"/>
+              <a:t>webpack</a:t>
+            </a:r>
+            <a:r>
+              <a:rPr lang="zh-CN" altLang="en-US"/>
+              <a:t>。我当时连为什么要用这些工具都不知道！更不知道到底要选哪一个！于是都学习了下，都是一知半解，最终都忘掉。</a:t>
+            </a:r>
+            <a:endParaRPr lang="zh-CN" altLang="en-US"/>
+          </a:p>
+          <a:p>
+            <a:pPr marL="457200" lvl="1" indent="0">
+              <a:buNone/>
+            </a:pPr>
+            <a:endParaRPr lang="zh-CN" altLang="en-US"/>
+          </a:p>
+          <a:p>
+            <a:pPr marL="457200" lvl="1" indent="0">
+              <a:buNone/>
+            </a:pPr>
+            <a:r>
+              <a:rPr lang="zh-CN" altLang="en-US"/>
+              <a:t>所以，我们这里先对其他构建工具了解下，列举出各个工具的优缺点。这样可以让我们更好的去理解</a:t>
+            </a:r>
+            <a:r>
+              <a:rPr lang="en-US" altLang="zh-CN"/>
+              <a:t>webpack</a:t>
+            </a:r>
+            <a:endParaRPr lang="en-US" altLang="zh-CN"/>
+          </a:p>
+        </p:txBody>
+      </p:sp>
+    </p:spTree>
+  </p:cSld>
+  <p:clrMapOvr>
+    <a:masterClrMapping/>
+  </p:clrMapOvr>
+</p:sld>
+</file>
+
+<file path=ppt/slides/slide28.xml><?xml version="1.0" encoding="utf-8"?>
+<p:sld xmlns:a="http://schemas.openxmlformats.org/drawingml/2006/main" xmlns:r="http://schemas.openxmlformats.org/officeDocument/2006/relationships" xmlns:p="http://schemas.openxmlformats.org/presentationml/2006/main">
+  <p:cSld>
+    <p:spTree>
+      <p:nvGrpSpPr>
+        <p:cNvPr id="1" name=""/>
+        <p:cNvGrpSpPr/>
+        <p:nvPr/>
+      </p:nvGrpSpPr>
+      <p:grpSpPr/>
+      <p:sp>
+        <p:nvSpPr>
+          <p:cNvPr id="2" name="标题 1"/>
+          <p:cNvSpPr>
+            <a:spLocks noGrp="1"/>
+          </p:cNvSpPr>
+          <p:nvPr>
+            <p:ph type="title"/>
+          </p:nvPr>
+        </p:nvSpPr>
+        <p:spPr/>
+        <p:txBody>
+          <a:bodyPr>
+            <a:normAutofit/>
+          </a:bodyPr>
+          <a:p>
+            <a:r>
+              <a:rPr lang="zh-CN" altLang="en-US">
+                <a:sym typeface="+mn-ea"/>
+              </a:rPr>
+              <a:t>听过的构建工具  （</a:t>
+            </a:r>
+            <a:r>
+              <a:rPr lang="en-US" altLang="zh-CN">
+                <a:sym typeface="+mn-ea"/>
+              </a:rPr>
+              <a:t>PS === </a:t>
+            </a:r>
+            <a:r>
+              <a:rPr lang="zh-CN" altLang="en-US">
+                <a:sym typeface="+mn-ea"/>
+              </a:rPr>
+              <a:t>游戏机</a:t>
+            </a:r>
+            <a:r>
+              <a:rPr lang="zh-CN" altLang="en-US">
+                <a:sym typeface="+mn-ea"/>
+              </a:rPr>
+              <a:t>）</a:t>
+            </a:r>
+            <a:endParaRPr lang="zh-CN" altLang="en-US">
+              <a:sym typeface="+mn-ea"/>
+            </a:endParaRPr>
+          </a:p>
+        </p:txBody>
+      </p:sp>
+      <p:sp>
+        <p:nvSpPr>
+          <p:cNvPr id="3" name="内容占位符 2"/>
+          <p:cNvSpPr>
+            <a:spLocks noGrp="1"/>
+          </p:cNvSpPr>
+          <p:nvPr>
+            <p:ph idx="1"/>
+          </p:nvPr>
+        </p:nvSpPr>
+        <p:spPr/>
+        <p:txBody>
+          <a:bodyPr>
+            <a:normAutofit lnSpcReduction="10000"/>
+          </a:bodyPr>
+          <a:p>
+            <a:pPr marL="514350" indent="-514350">
+              <a:buAutoNum type="arabicPeriod"/>
+            </a:pPr>
+            <a:r>
+              <a:rPr lang="en-US" altLang="zh-CN">
+                <a:solidFill>
+                  <a:schemeClr val="accent6"/>
+                </a:solidFill>
+              </a:rPr>
+              <a:t>Grunt</a:t>
+            </a:r>
+            <a:r>
+              <a:rPr lang="zh-CN" altLang="en-US">
+                <a:solidFill>
+                  <a:schemeClr val="accent6"/>
+                </a:solidFill>
+              </a:rPr>
+              <a:t>（见的比较多）</a:t>
+            </a:r>
+            <a:endParaRPr lang="en-US" altLang="zh-CN">
+              <a:solidFill>
+                <a:schemeClr val="accent6"/>
+              </a:solidFill>
+            </a:endParaRPr>
+          </a:p>
+          <a:p>
+            <a:pPr marL="514350" indent="-514350">
+              <a:buAutoNum type="arabicPeriod"/>
+            </a:pPr>
+            <a:r>
+              <a:rPr lang="en-US" altLang="zh-CN">
+                <a:solidFill>
+                  <a:schemeClr val="accent6"/>
+                </a:solidFill>
+              </a:rPr>
+              <a:t>Gulp</a:t>
+            </a:r>
+            <a:r>
+              <a:rPr lang="zh-CN" altLang="en-US">
+                <a:solidFill>
+                  <a:schemeClr val="accent6"/>
+                </a:solidFill>
+                <a:sym typeface="+mn-ea"/>
+              </a:rPr>
+              <a:t>（见的比较多）</a:t>
+            </a:r>
+            <a:endParaRPr lang="en-US" altLang="zh-CN">
+              <a:solidFill>
+                <a:schemeClr val="accent6"/>
+              </a:solidFill>
+            </a:endParaRPr>
+          </a:p>
+          <a:p>
+            <a:pPr marL="514350" indent="-514350">
+              <a:buAutoNum type="arabicPeriod"/>
+            </a:pPr>
+            <a:r>
+              <a:rPr lang="en-US" altLang="zh-CN">
+                <a:solidFill>
+                  <a:srgbClr val="FFC000"/>
+                </a:solidFill>
+              </a:rPr>
+              <a:t>browserify</a:t>
+            </a:r>
+            <a:r>
+              <a:rPr lang="zh-CN" altLang="en-US">
+                <a:solidFill>
+                  <a:srgbClr val="FFC000"/>
+                </a:solidFill>
+                <a:sym typeface="+mn-ea"/>
+              </a:rPr>
+              <a:t>（见的比较少）</a:t>
+            </a:r>
+            <a:endParaRPr lang="en-US" altLang="zh-CN">
+              <a:solidFill>
+                <a:srgbClr val="FFC000"/>
+              </a:solidFill>
+            </a:endParaRPr>
+          </a:p>
+          <a:p>
+            <a:pPr marL="514350" indent="-514350">
+              <a:buAutoNum type="arabicPeriod"/>
+            </a:pPr>
+            <a:r>
+              <a:rPr lang="en-US" altLang="zh-CN">
+                <a:solidFill>
+                  <a:schemeClr val="bg1">
+                    <a:lumMod val="50000"/>
+                  </a:schemeClr>
+                </a:solidFill>
+              </a:rPr>
+              <a:t>Parcel</a:t>
+            </a:r>
+            <a:r>
+              <a:rPr lang="zh-CN" altLang="en-US">
+                <a:solidFill>
+                  <a:schemeClr val="bg1">
+                    <a:lumMod val="50000"/>
+                  </a:schemeClr>
+                </a:solidFill>
+              </a:rPr>
+              <a:t>（完全没听过）</a:t>
+            </a:r>
+            <a:endParaRPr lang="en-US" altLang="zh-CN">
+              <a:solidFill>
+                <a:schemeClr val="bg1">
+                  <a:lumMod val="50000"/>
+                </a:schemeClr>
+              </a:solidFill>
+            </a:endParaRPr>
+          </a:p>
+          <a:p>
+            <a:pPr marL="514350" indent="-514350">
+              <a:buAutoNum type="arabicPeriod"/>
+            </a:pPr>
+            <a:r>
+              <a:rPr lang="en-US" altLang="zh-CN">
+                <a:solidFill>
+                  <a:schemeClr val="bg1">
+                    <a:lumMod val="50000"/>
+                  </a:schemeClr>
+                </a:solidFill>
+              </a:rPr>
+              <a:t>Fis3</a:t>
+            </a:r>
+            <a:r>
+              <a:rPr lang="zh-CN" altLang="en-US">
+                <a:solidFill>
+                  <a:schemeClr val="bg1">
+                    <a:lumMod val="50000"/>
+                  </a:schemeClr>
+                </a:solidFill>
+                <a:sym typeface="+mn-ea"/>
+              </a:rPr>
+              <a:t>（完全没听过）</a:t>
+            </a:r>
+            <a:endParaRPr lang="en-US" altLang="zh-CN">
+              <a:solidFill>
+                <a:schemeClr val="bg1">
+                  <a:lumMod val="50000"/>
+                </a:schemeClr>
+              </a:solidFill>
+            </a:endParaRPr>
+          </a:p>
+          <a:p>
+            <a:pPr marL="514350" indent="-514350">
+              <a:buAutoNum type="arabicPeriod"/>
+            </a:pPr>
+            <a:r>
+              <a:rPr lang="en-US" altLang="zh-CN">
+                <a:solidFill>
+                  <a:schemeClr val="bg1">
+                    <a:lumMod val="50000"/>
+                  </a:schemeClr>
+                </a:solidFill>
+              </a:rPr>
+              <a:t>yeoman</a:t>
+            </a:r>
+            <a:r>
+              <a:rPr lang="zh-CN" altLang="en-US">
+                <a:solidFill>
+                  <a:schemeClr val="bg1">
+                    <a:lumMod val="50000"/>
+                  </a:schemeClr>
+                </a:solidFill>
+                <a:sym typeface="+mn-ea"/>
+              </a:rPr>
+              <a:t>（完全没听过）</a:t>
+            </a:r>
+            <a:endParaRPr lang="en-US" altLang="zh-CN">
+              <a:solidFill>
+                <a:schemeClr val="bg1">
+                  <a:lumMod val="50000"/>
+                </a:schemeClr>
+              </a:solidFill>
+            </a:endParaRPr>
+          </a:p>
+          <a:p>
+            <a:pPr marL="514350" indent="-514350">
+              <a:buAutoNum type="arabicPeriod"/>
+            </a:pPr>
+            <a:r>
+              <a:rPr lang="en-US" altLang="zh-CN">
+                <a:solidFill>
+                  <a:schemeClr val="bg1">
+                    <a:lumMod val="50000"/>
+                  </a:schemeClr>
+                </a:solidFill>
+                <a:sym typeface="+mn-ea"/>
+              </a:rPr>
+              <a:t>Rollup</a:t>
+            </a:r>
+            <a:r>
+              <a:rPr lang="zh-CN" altLang="en-US">
+                <a:solidFill>
+                  <a:schemeClr val="bg1">
+                    <a:lumMod val="50000"/>
+                  </a:schemeClr>
+                </a:solidFill>
+                <a:sym typeface="+mn-ea"/>
+              </a:rPr>
+              <a:t>（完全没听过）</a:t>
+            </a:r>
+            <a:endParaRPr lang="en-US" altLang="zh-CN">
+              <a:solidFill>
+                <a:schemeClr val="bg1">
+                  <a:lumMod val="50000"/>
+                </a:schemeClr>
+              </a:solidFill>
+            </a:endParaRPr>
+          </a:p>
+          <a:p>
+            <a:pPr marL="514350" indent="-514350">
+              <a:buAutoNum type="arabicPeriod"/>
+            </a:pPr>
+            <a:r>
+              <a:rPr lang="en-US" altLang="zh-CN">
+                <a:solidFill>
+                  <a:srgbClr val="FF0000"/>
+                </a:solidFill>
+              </a:rPr>
+              <a:t>Webpack</a:t>
+            </a:r>
+            <a:endParaRPr lang="en-US" altLang="zh-CN">
+              <a:solidFill>
+                <a:srgbClr val="FF0000"/>
+              </a:solidFill>
+            </a:endParaRPr>
+          </a:p>
+          <a:p>
+            <a:pPr marL="514350" indent="-514350"/>
+            <a:endParaRPr lang="en-US" altLang="zh-CN">
+              <a:solidFill>
+                <a:srgbClr val="FF0000"/>
+              </a:solidFill>
+            </a:endParaRPr>
+          </a:p>
+        </p:txBody>
+      </p:sp>
+    </p:spTree>
+  </p:cSld>
+  <p:clrMapOvr>
+    <a:masterClrMapping/>
+  </p:clrMapOvr>
+</p:sld>
+</file>
+
+<file path=ppt/slides/slide29.xml><?xml version="1.0" encoding="utf-8"?>
 <p:sld xmlns:a="http://schemas.openxmlformats.org/drawingml/2006/main" xmlns:r="http://schemas.openxmlformats.org/officeDocument/2006/relationships" xmlns:p="http://schemas.openxmlformats.org/presentationml/2006/main">
   <p:cSld>
     <p:spTree>
@@ -4627,7 +6044,7 @@
 </p:sld>
 </file>
 
-<file path=ppt/slides/slide2.xml><?xml version="1.0" encoding="utf-8"?>
+<file path=ppt/slides/slide3.xml><?xml version="1.0" encoding="utf-8"?>
 <p:sld xmlns:a="http://schemas.openxmlformats.org/drawingml/2006/main" xmlns:r="http://schemas.openxmlformats.org/officeDocument/2006/relationships" xmlns:p="http://schemas.openxmlformats.org/presentationml/2006/main">
   <p:cSld>
     <p:spTree>
@@ -4653,7 +6070,7 @@
           <a:p>
             <a:r>
               <a:rPr lang="zh-CN" altLang="en-US"/>
-              <a:t>引言</a:t>
+              <a:t>大纲</a:t>
             </a:r>
             <a:endParaRPr lang="zh-CN" altLang="en-US"/>
           </a:p>
@@ -4671,11 +6088,138 @@
         </p:nvSpPr>
         <p:spPr/>
         <p:txBody>
-          <a:bodyPr/>
-          <a:p>
-            <a:r>
-              <a:rPr lang="zh-CN" altLang="en-US"/>
-              <a:t>我这几年反复的学习过很多次</a:t>
+          <a:bodyPr>
+            <a:normAutofit fontScale="90000" lnSpcReduction="20000"/>
+          </a:bodyPr>
+          <a:p>
+            <a:r>
+              <a:rPr lang="zh-CN" altLang="en-US"/>
+              <a:t>一：为什么要用</a:t>
+            </a:r>
+            <a:r>
+              <a:rPr lang="zh-CN" altLang="en-US">
+                <a:sym typeface="+mn-ea"/>
+              </a:rPr>
+              <a:t>构建工具</a:t>
+            </a:r>
+            <a:r>
+              <a:rPr lang="zh-CN" altLang="en-US"/>
+              <a:t>？</a:t>
+            </a:r>
+            <a:endParaRPr lang="zh-CN" altLang="en-US"/>
+          </a:p>
+          <a:p>
+            <a:pPr lvl="1"/>
+            <a:r>
+              <a:rPr lang="zh-CN" altLang="en-US">
+                <a:sym typeface="+mn-ea"/>
+              </a:rPr>
+              <a:t>传统的网页结构</a:t>
+            </a:r>
+            <a:endParaRPr lang="en-US" altLang="zh-CN"/>
+          </a:p>
+          <a:p>
+            <a:pPr lvl="1"/>
+            <a:r>
+              <a:rPr lang="zh-CN" altLang="en-US">
+                <a:sym typeface="+mn-ea"/>
+              </a:rPr>
+              <a:t>新技术（模块化</a:t>
+            </a:r>
+            <a:r>
+              <a:rPr lang="en-US" altLang="zh-CN">
+                <a:sym typeface="+mn-ea"/>
+              </a:rPr>
+              <a:t>+</a:t>
+            </a:r>
+            <a:r>
+              <a:rPr lang="zh-CN" altLang="en-US">
+                <a:sym typeface="+mn-ea"/>
+              </a:rPr>
+              <a:t>新语言</a:t>
+            </a:r>
+            <a:r>
+              <a:rPr lang="en-US" altLang="zh-CN">
+                <a:sym typeface="+mn-ea"/>
+              </a:rPr>
+              <a:t>+</a:t>
+            </a:r>
+            <a:r>
+              <a:rPr lang="zh-CN" altLang="en-US">
+                <a:sym typeface="+mn-ea"/>
+              </a:rPr>
+              <a:t>框架）</a:t>
+            </a:r>
+            <a:endParaRPr lang="en-US" altLang="zh-CN"/>
+          </a:p>
+          <a:p>
+            <a:pPr lvl="1"/>
+            <a:endParaRPr lang="en-US" altLang="zh-CN"/>
+          </a:p>
+          <a:p>
+            <a:r>
+              <a:rPr lang="zh-CN" altLang="en-US">
+                <a:sym typeface="+mn-ea"/>
+              </a:rPr>
+              <a:t>二：构建工具</a:t>
+            </a:r>
+            <a:endParaRPr lang="zh-CN" altLang="en-US">
+              <a:sym typeface="+mn-ea"/>
+            </a:endParaRPr>
+          </a:p>
+          <a:p>
+            <a:pPr lvl="1"/>
+            <a:r>
+              <a:rPr lang="zh-CN" altLang="en-US">
+                <a:sym typeface="+mn-ea"/>
+              </a:rPr>
+              <a:t>有哪些？</a:t>
+            </a:r>
+            <a:endParaRPr lang="zh-CN" altLang="en-US">
+              <a:sym typeface="+mn-ea"/>
+            </a:endParaRPr>
+          </a:p>
+          <a:p>
+            <a:pPr lvl="1"/>
+            <a:r>
+              <a:rPr lang="zh-CN" altLang="en-US">
+                <a:sym typeface="+mn-ea"/>
+              </a:rPr>
+              <a:t>优缺点？</a:t>
+            </a:r>
+            <a:endParaRPr lang="zh-CN" altLang="en-US">
+              <a:sym typeface="+mn-ea"/>
+            </a:endParaRPr>
+          </a:p>
+          <a:p>
+            <a:pPr lvl="1"/>
+            <a:r>
+              <a:rPr lang="zh-CN" altLang="en-US">
+                <a:sym typeface="+mn-ea"/>
+              </a:rPr>
+              <a:t>为什么要用</a:t>
+            </a:r>
+            <a:r>
+              <a:rPr lang="en-US" altLang="zh-CN">
+                <a:sym typeface="+mn-ea"/>
+              </a:rPr>
+              <a:t>webpack</a:t>
+            </a:r>
+            <a:r>
+              <a:rPr lang="zh-CN" altLang="en-US">
+                <a:sym typeface="+mn-ea"/>
+              </a:rPr>
+              <a:t>？</a:t>
+            </a:r>
+            <a:endParaRPr lang="en-US" altLang="zh-CN"/>
+          </a:p>
+          <a:p>
+            <a:endParaRPr lang="en-US" altLang="zh-CN"/>
+          </a:p>
+          <a:p>
+            <a:r>
+              <a:rPr lang="zh-CN" altLang="en-US"/>
+              <a:t>三：</a:t>
             </a:r>
             <a:r>
               <a:rPr lang="en-US" altLang="zh-CN"/>
@@ -4683,147 +6227,31 @@
             </a:r>
             <a:r>
               <a:rPr lang="zh-CN" altLang="en-US"/>
-              <a:t>。但是都没学透彻。经历和原因如下：</a:t>
-            </a:r>
-            <a:endParaRPr lang="zh-CN" altLang="en-US"/>
-          </a:p>
-          <a:p>
-            <a:pPr marL="514350" indent="-514350">
-              <a:buAutoNum type="arabicPeriod"/>
-            </a:pPr>
-            <a:r>
-              <a:rPr lang="zh-CN" altLang="en-US" sz="2000"/>
-              <a:t>只是偶然的看到别人说到这么个知识点，至于为什么需要，完全不知道，因为当时连</a:t>
-            </a:r>
-            <a:r>
-              <a:rPr lang="en-US" altLang="zh-CN" sz="2000"/>
-              <a:t>css</a:t>
-            </a:r>
-            <a:r>
-              <a:rPr lang="zh-CN" altLang="en-US" sz="2000"/>
-              <a:t>和</a:t>
-            </a:r>
-            <a:r>
-              <a:rPr lang="en-US" altLang="zh-CN" sz="2000"/>
-              <a:t>js</a:t>
-            </a:r>
-            <a:r>
-              <a:rPr lang="zh-CN" altLang="en-US" sz="2000"/>
-              <a:t>的扩展语言</a:t>
-            </a:r>
-            <a:r>
-              <a:rPr lang="en-US" altLang="zh-CN" sz="2000"/>
-              <a:t>less</a:t>
-            </a:r>
-            <a:r>
-              <a:rPr lang="zh-CN" altLang="en-US" sz="2000"/>
-              <a:t>，</a:t>
-            </a:r>
-            <a:r>
-              <a:rPr lang="en-US" altLang="zh-CN" sz="2000"/>
-              <a:t>scss</a:t>
-            </a:r>
-            <a:r>
-              <a:rPr lang="zh-CN" altLang="en-US" sz="2000"/>
-              <a:t>和框架</a:t>
-            </a:r>
-            <a:r>
-              <a:rPr lang="en-US" altLang="zh-CN" sz="2000"/>
-              <a:t>vue</a:t>
-            </a:r>
-            <a:r>
-              <a:rPr lang="zh-CN" altLang="en-US" sz="2000"/>
-              <a:t>，</a:t>
-            </a:r>
-            <a:r>
-              <a:rPr lang="en-US" altLang="zh-CN" sz="2000"/>
-              <a:t>react</a:t>
-            </a:r>
-            <a:r>
-              <a:rPr lang="zh-CN" altLang="en-US" sz="2000"/>
-              <a:t>都不了解，用不到。</a:t>
-            </a:r>
-            <a:endParaRPr lang="zh-CN" altLang="en-US" sz="2000"/>
-          </a:p>
-          <a:p>
-            <a:pPr marL="514350" indent="-514350">
-              <a:buAutoNum type="arabicPeriod"/>
-            </a:pPr>
-            <a:r>
-              <a:rPr lang="zh-CN" altLang="en-US" sz="2000"/>
-              <a:t>不完全了解前端的周边技术和要求。比如</a:t>
-            </a:r>
-            <a:r>
-              <a:rPr lang="en-US" altLang="zh-CN" sz="2000"/>
-              <a:t>es6</a:t>
-            </a:r>
-            <a:r>
-              <a:rPr lang="zh-CN" altLang="en-US" sz="2000"/>
-              <a:t>，浏览器能懂一部分，那么用还是不用？用的话，</a:t>
-            </a:r>
-            <a:r>
-              <a:rPr lang="en-US" altLang="zh-CN" sz="2000"/>
-              <a:t>babel</a:t>
-            </a:r>
-            <a:r>
-              <a:rPr lang="zh-CN" altLang="en-US" sz="2000"/>
-              <a:t>是干什么的？到底用</a:t>
-            </a:r>
-            <a:r>
-              <a:rPr lang="en-US" altLang="zh-CN" sz="2000"/>
-              <a:t>gulp</a:t>
-            </a:r>
-            <a:r>
-              <a:rPr lang="zh-CN" altLang="en-US" sz="2000"/>
-              <a:t>还是</a:t>
-            </a:r>
-            <a:r>
-              <a:rPr lang="en-US" altLang="zh-CN" sz="2000"/>
-              <a:t>grunt</a:t>
-            </a:r>
-            <a:r>
-              <a:rPr lang="zh-CN" altLang="en-US" sz="2000"/>
-              <a:t>？网上都有教程，并且在学习</a:t>
-            </a:r>
-            <a:r>
-              <a:rPr lang="en-US" altLang="zh-CN" sz="2000"/>
-              <a:t>webpack</a:t>
-            </a:r>
-            <a:r>
-              <a:rPr lang="zh-CN" altLang="en-US" sz="2000"/>
-              <a:t>的时候都经常提到，学还是不学？这些英文名称的技术是交集关系还是依赖关系？完全不懂</a:t>
-            </a:r>
-            <a:r>
-              <a:rPr lang="en-US" altLang="zh-CN" sz="2000"/>
-              <a:t>!</a:t>
-            </a:r>
-            <a:endParaRPr lang="zh-CN" altLang="en-US" sz="2000"/>
-          </a:p>
-          <a:p>
-            <a:pPr marL="514350" indent="-514350">
-              <a:buAutoNum type="arabicPeriod"/>
-            </a:pPr>
-            <a:r>
-              <a:rPr lang="zh-CN" altLang="en-US" sz="2000"/>
-              <a:t>再后来，能用</a:t>
-            </a:r>
-            <a:r>
-              <a:rPr lang="en-US" altLang="zh-CN" sz="2000"/>
-              <a:t>vue-cli</a:t>
-            </a:r>
-            <a:r>
-              <a:rPr lang="zh-CN" altLang="en-US" sz="2000"/>
-              <a:t>直接搭建项目了。能直接跑通一个项目了。所以也就没有具体关心</a:t>
-            </a:r>
-            <a:r>
-              <a:rPr lang="en-US" altLang="zh-CN" sz="2000"/>
-              <a:t>webpack</a:t>
-            </a:r>
-            <a:r>
-              <a:rPr lang="zh-CN" altLang="en-US" sz="2000"/>
-              <a:t>及其配置；更别说优化了。</a:t>
-            </a:r>
-            <a:endParaRPr lang="zh-CN" altLang="en-US" sz="2000"/>
+              <a:t>的配置属性（很多很细，用到了去查就行。这里不详讲）</a:t>
+            </a:r>
+            <a:endParaRPr lang="zh-CN" altLang="en-US"/>
+          </a:p>
+          <a:p>
+            <a:endParaRPr lang="zh-CN" altLang="en-US"/>
+          </a:p>
+          <a:p>
+            <a:r>
+              <a:rPr lang="zh-CN" altLang="en-US"/>
+              <a:t>四：联系实际工作（代理服务器，服务器打包（</a:t>
+            </a:r>
+            <a:r>
+              <a:rPr lang="en-US" altLang="zh-CN"/>
+              <a:t>jenkins</a:t>
+            </a:r>
+            <a:r>
+              <a:rPr lang="zh-CN" altLang="en-US"/>
+              <a:t>结合</a:t>
+            </a:r>
+            <a:r>
+              <a:rPr lang="zh-CN" altLang="en-US"/>
+              <a:t>））</a:t>
+            </a:r>
+            <a:endParaRPr lang="zh-CN" altLang="en-US"/>
           </a:p>
         </p:txBody>
       </p:sp>
@@ -4835,7 +6263,7 @@
 </p:sld>
 </file>
 
-<file path=ppt/slides/slide20.xml><?xml version="1.0" encoding="utf-8"?>
+<file path=ppt/slides/slide30.xml><?xml version="1.0" encoding="utf-8"?>
 <p:sld xmlns:a="http://schemas.openxmlformats.org/drawingml/2006/main" xmlns:r="http://schemas.openxmlformats.org/officeDocument/2006/relationships" xmlns:p="http://schemas.openxmlformats.org/presentationml/2006/main">
   <p:cSld>
     <p:spTree>
@@ -4958,7 +6386,7 @@
 </p:sld>
 </file>
 
-<file path=ppt/slides/slide21.xml><?xml version="1.0" encoding="utf-8"?>
+<file path=ppt/slides/slide31.xml><?xml version="1.0" encoding="utf-8"?>
 <p:sld xmlns:a="http://schemas.openxmlformats.org/drawingml/2006/main" xmlns:r="http://schemas.openxmlformats.org/officeDocument/2006/relationships" xmlns:p="http://schemas.openxmlformats.org/presentationml/2006/main">
   <p:cSld>
     <p:spTree>
@@ -5040,7 +6468,7 @@
 </p:sld>
 </file>
 
-<file path=ppt/slides/slide22.xml><?xml version="1.0" encoding="utf-8"?>
+<file path=ppt/slides/slide32.xml><?xml version="1.0" encoding="utf-8"?>
 <p:sld xmlns:a="http://schemas.openxmlformats.org/drawingml/2006/main" xmlns:r="http://schemas.openxmlformats.org/officeDocument/2006/relationships" xmlns:p="http://schemas.openxmlformats.org/presentationml/2006/main">
   <p:cSld>
     <p:spTree>
@@ -5189,7 +6617,7 @@
 </p:sld>
 </file>
 
-<file path=ppt/slides/slide23.xml><?xml version="1.0" encoding="utf-8"?>
+<file path=ppt/slides/slide33.xml><?xml version="1.0" encoding="utf-8"?>
 <p:sld xmlns:a="http://schemas.openxmlformats.org/drawingml/2006/main" xmlns:r="http://schemas.openxmlformats.org/officeDocument/2006/relationships" xmlns:p="http://schemas.openxmlformats.org/presentationml/2006/main">
   <p:cSld>
     <p:spTree>
@@ -5271,7 +6699,7 @@
 </p:sld>
 </file>
 
-<file path=ppt/slides/slide24.xml><?xml version="1.0" encoding="utf-8"?>
+<file path=ppt/slides/slide34.xml><?xml version="1.0" encoding="utf-8"?>
 <p:sld xmlns:a="http://schemas.openxmlformats.org/drawingml/2006/main" xmlns:r="http://schemas.openxmlformats.org/officeDocument/2006/relationships" xmlns:p="http://schemas.openxmlformats.org/presentationml/2006/main">
   <p:cSld>
     <p:spTree>
@@ -5353,7 +6781,7 @@
 </p:sld>
 </file>
 
-<file path=ppt/slides/slide25.xml><?xml version="1.0" encoding="utf-8"?>
+<file path=ppt/slides/slide35.xml><?xml version="1.0" encoding="utf-8"?>
 <p:sld xmlns:a="http://schemas.openxmlformats.org/drawingml/2006/main" xmlns:r="http://schemas.openxmlformats.org/officeDocument/2006/relationships" xmlns:p="http://schemas.openxmlformats.org/presentationml/2006/main">
   <p:cSld>
     <p:spTree>
@@ -5435,7 +6863,7 @@
 </p:sld>
 </file>
 
-<file path=ppt/slides/slide26.xml><?xml version="1.0" encoding="utf-8"?>
+<file path=ppt/slides/slide36.xml><?xml version="1.0" encoding="utf-8"?>
 <p:sld xmlns:a="http://schemas.openxmlformats.org/drawingml/2006/main" xmlns:r="http://schemas.openxmlformats.org/officeDocument/2006/relationships" xmlns:p="http://schemas.openxmlformats.org/presentationml/2006/main">
   <p:cSld>
     <p:spTree>
@@ -5618,7 +7046,7 @@
 </p:sld>
 </file>
 
-<file path=ppt/slides/slide27.xml><?xml version="1.0" encoding="utf-8"?>
+<file path=ppt/slides/slide37.xml><?xml version="1.0" encoding="utf-8"?>
 <p:sld xmlns:a="http://schemas.openxmlformats.org/drawingml/2006/main" xmlns:r="http://schemas.openxmlformats.org/officeDocument/2006/relationships" xmlns:p="http://schemas.openxmlformats.org/presentationml/2006/main">
   <p:cSld>
     <p:spTree>
@@ -5700,7 +7128,7 @@
 </p:sld>
 </file>
 
-<file path=ppt/slides/slide28.xml><?xml version="1.0" encoding="utf-8"?>
+<file path=ppt/slides/slide38.xml><?xml version="1.0" encoding="utf-8"?>
 <p:sld xmlns:a="http://schemas.openxmlformats.org/drawingml/2006/main" xmlns:r="http://schemas.openxmlformats.org/officeDocument/2006/relationships" xmlns:p="http://schemas.openxmlformats.org/presentationml/2006/main">
   <p:cSld>
     <p:spTree>
@@ -5782,7 +7210,7 @@
 </p:sld>
 </file>
 
-<file path=ppt/slides/slide29.xml><?xml version="1.0" encoding="utf-8"?>
+<file path=ppt/slides/slide39.xml><?xml version="1.0" encoding="utf-8"?>
 <p:sld xmlns:a="http://schemas.openxmlformats.org/drawingml/2006/main" xmlns:r="http://schemas.openxmlformats.org/officeDocument/2006/relationships" xmlns:p="http://schemas.openxmlformats.org/presentationml/2006/main">
   <p:cSld>
     <p:spTree>
@@ -5905,7 +7333,7 @@
 </p:sld>
 </file>
 
-<file path=ppt/slides/slide3.xml><?xml version="1.0" encoding="utf-8"?>
+<file path=ppt/slides/slide4.xml><?xml version="1.0" encoding="utf-8"?>
 <p:sld xmlns:a="http://schemas.openxmlformats.org/drawingml/2006/main" xmlns:r="http://schemas.openxmlformats.org/officeDocument/2006/relationships" xmlns:p="http://schemas.openxmlformats.org/presentationml/2006/main">
   <p:cSld>
     <p:spTree>
@@ -5925,192 +7353,28 @@
             <p:ph type="title"/>
           </p:nvPr>
         </p:nvSpPr>
-        <p:spPr/>
-        <p:txBody>
-          <a:bodyPr/>
-          <a:p>
-            <a:r>
-              <a:rPr lang="zh-CN" altLang="en-US"/>
-              <a:t>大纲</a:t>
-            </a:r>
-            <a:endParaRPr lang="zh-CN" altLang="en-US"/>
-          </a:p>
-        </p:txBody>
-      </p:sp>
-      <p:sp>
-        <p:nvSpPr>
-          <p:cNvPr id="3" name="内容占位符 2"/>
-          <p:cNvSpPr>
-            <a:spLocks noGrp="1"/>
-          </p:cNvSpPr>
-          <p:nvPr>
-            <p:ph idx="1"/>
-          </p:nvPr>
-        </p:nvSpPr>
-        <p:spPr/>
-        <p:txBody>
-          <a:bodyPr>
-            <a:normAutofit fontScale="90000" lnSpcReduction="20000"/>
-          </a:bodyPr>
-          <a:p>
-            <a:r>
-              <a:rPr lang="zh-CN" altLang="en-US"/>
-              <a:t>一：为什么要用</a:t>
-            </a:r>
-            <a:r>
-              <a:rPr lang="zh-CN" altLang="en-US">
+        <p:spPr>
+          <a:xfrm>
+            <a:off x="838200" y="1793240"/>
+            <a:ext cx="10515600" cy="2534920"/>
+          </a:xfrm>
+        </p:spPr>
+        <p:txBody>
+          <a:bodyPr/>
+          <a:p>
+            <a:pPr algn="ctr"/>
+            <a:r>
+              <a:rPr lang="zh-CN">
                 <a:sym typeface="+mn-ea"/>
               </a:rPr>
-              <a:t>构建工具</a:t>
-            </a:r>
-            <a:r>
-              <a:rPr lang="zh-CN" altLang="en-US"/>
-              <a:t>？</a:t>
-            </a:r>
-            <a:endParaRPr lang="zh-CN" altLang="en-US"/>
-          </a:p>
-          <a:p>
-            <a:pPr lvl="1"/>
-            <a:r>
-              <a:rPr lang="zh-CN" altLang="en-US">
-                <a:sym typeface="+mn-ea"/>
-              </a:rPr>
-              <a:t>传统的网页结构</a:t>
-            </a:r>
-            <a:endParaRPr lang="en-US" altLang="zh-CN"/>
-          </a:p>
-          <a:p>
-            <a:pPr lvl="1"/>
-            <a:r>
-              <a:rPr lang="zh-CN" altLang="en-US">
-                <a:sym typeface="+mn-ea"/>
-              </a:rPr>
-              <a:t>新技术（模块化</a:t>
-            </a:r>
-            <a:r>
-              <a:rPr lang="en-US" altLang="zh-CN">
-                <a:sym typeface="+mn-ea"/>
-              </a:rPr>
-              <a:t>+</a:t>
-            </a:r>
-            <a:r>
-              <a:rPr lang="zh-CN" altLang="en-US">
-                <a:sym typeface="+mn-ea"/>
-              </a:rPr>
-              <a:t>新语言</a:t>
-            </a:r>
-            <a:r>
-              <a:rPr lang="en-US" altLang="zh-CN">
-                <a:sym typeface="+mn-ea"/>
-              </a:rPr>
-              <a:t>+</a:t>
-            </a:r>
-            <a:r>
-              <a:rPr lang="zh-CN" altLang="en-US">
-                <a:sym typeface="+mn-ea"/>
-              </a:rPr>
-              <a:t>框架）</a:t>
-            </a:r>
-            <a:endParaRPr lang="en-US" altLang="zh-CN"/>
-          </a:p>
-          <a:p>
-            <a:pPr lvl="1"/>
-            <a:endParaRPr lang="en-US" altLang="zh-CN"/>
-          </a:p>
-          <a:p>
-            <a:r>
-              <a:rPr lang="zh-CN" altLang="en-US">
-                <a:sym typeface="+mn-ea"/>
-              </a:rPr>
-              <a:t>二：构建工具</a:t>
-            </a:r>
-            <a:endParaRPr lang="zh-CN" altLang="en-US">
-              <a:sym typeface="+mn-ea"/>
-            </a:endParaRPr>
-          </a:p>
-          <a:p>
-            <a:pPr lvl="1"/>
-            <a:r>
-              <a:rPr lang="zh-CN" altLang="en-US">
-                <a:sym typeface="+mn-ea"/>
-              </a:rPr>
-              <a:t>有哪些？</a:t>
-            </a:r>
-            <a:endParaRPr lang="zh-CN" altLang="en-US">
-              <a:sym typeface="+mn-ea"/>
-            </a:endParaRPr>
-          </a:p>
-          <a:p>
-            <a:pPr lvl="1"/>
-            <a:r>
-              <a:rPr lang="zh-CN" altLang="en-US">
-                <a:sym typeface="+mn-ea"/>
-              </a:rPr>
-              <a:t>优缺点？</a:t>
-            </a:r>
-            <a:endParaRPr lang="zh-CN" altLang="en-US">
-              <a:sym typeface="+mn-ea"/>
-            </a:endParaRPr>
-          </a:p>
-          <a:p>
-            <a:pPr lvl="1"/>
-            <a:r>
-              <a:rPr lang="zh-CN" altLang="en-US">
-                <a:sym typeface="+mn-ea"/>
-              </a:rPr>
-              <a:t>为什么要用</a:t>
-            </a:r>
-            <a:r>
-              <a:rPr lang="en-US" altLang="zh-CN">
-                <a:sym typeface="+mn-ea"/>
-              </a:rPr>
-              <a:t>webpack</a:t>
-            </a:r>
-            <a:r>
-              <a:rPr lang="zh-CN" altLang="en-US">
-                <a:sym typeface="+mn-ea"/>
-              </a:rPr>
-              <a:t>？</a:t>
-            </a:r>
-            <a:endParaRPr lang="en-US" altLang="zh-CN"/>
-          </a:p>
-          <a:p>
-            <a:endParaRPr lang="en-US" altLang="zh-CN"/>
-          </a:p>
-          <a:p>
-            <a:r>
-              <a:rPr lang="zh-CN" altLang="en-US"/>
-              <a:t>三：</a:t>
-            </a:r>
-            <a:r>
-              <a:rPr lang="en-US" altLang="zh-CN"/>
-              <a:t>webpack</a:t>
-            </a:r>
-            <a:r>
-              <a:rPr lang="zh-CN" altLang="en-US"/>
-              <a:t>的配置属性（很多很细，用到了去查就行。这里不讲）</a:t>
-            </a:r>
-            <a:endParaRPr lang="zh-CN" altLang="en-US"/>
-          </a:p>
-          <a:p>
-            <a:endParaRPr lang="zh-CN" altLang="en-US"/>
-          </a:p>
-          <a:p>
-            <a:r>
-              <a:rPr lang="zh-CN" altLang="en-US"/>
-              <a:t>四：联系实际工作（代理服务器，服务器打包（</a:t>
-            </a:r>
-            <a:r>
-              <a:rPr lang="en-US" altLang="zh-CN"/>
-              <a:t>jenkins</a:t>
-            </a:r>
-            <a:r>
-              <a:rPr lang="zh-CN" altLang="en-US"/>
-              <a:t>结合</a:t>
-            </a:r>
-            <a:r>
-              <a:rPr lang="zh-CN" altLang="en-US"/>
-              <a:t>））</a:t>
+              <a:t>第一章</a:t>
+            </a:r>
+            <a:br>
+              <a:rPr lang="zh-CN" altLang="en-US"/>
+            </a:br>
+            <a:r>
+              <a:rPr lang="zh-CN" altLang="en-US"/>
+              <a:t>为什么要用构建工具</a:t>
             </a:r>
             <a:endParaRPr lang="zh-CN" altLang="en-US"/>
           </a:p>
@@ -6124,7 +7388,7 @@
 </p:sld>
 </file>
 
-<file path=ppt/slides/slide30.xml><?xml version="1.0" encoding="utf-8"?>
+<file path=ppt/slides/slide40.xml><?xml version="1.0" encoding="utf-8"?>
 <p:sld xmlns:a="http://schemas.openxmlformats.org/drawingml/2006/main" xmlns:r="http://schemas.openxmlformats.org/officeDocument/2006/relationships" xmlns:p="http://schemas.openxmlformats.org/presentationml/2006/main">
   <p:cSld>
     <p:spTree>
@@ -6150,9 +7414,13 @@
           <a:p>
             <a:r>
               <a:rPr lang="en-US" altLang="zh-CN"/>
-              <a:t>Webpack</a:t>
-            </a:r>
-            <a:endParaRPr lang="en-US" altLang="zh-CN"/>
+              <a:t>Webpack === </a:t>
+            </a:r>
+            <a:r>
+              <a:rPr lang="zh-CN" altLang="en-US"/>
+              <a:t>构建工具</a:t>
+            </a:r>
+            <a:endParaRPr lang="zh-CN" altLang="en-US"/>
           </a:p>
         </p:txBody>
       </p:sp>
@@ -6233,7 +7501,7 @@
 </p:sld>
 </file>
 
-<file path=ppt/slides/slide31.xml><?xml version="1.0" encoding="utf-8"?>
+<file path=ppt/slides/slide41.xml><?xml version="1.0" encoding="utf-8"?>
 <p:sld xmlns:a="http://schemas.openxmlformats.org/drawingml/2006/main" xmlns:r="http://schemas.openxmlformats.org/officeDocument/2006/relationships" xmlns:p="http://schemas.openxmlformats.org/presentationml/2006/main">
   <p:cSld>
     <p:spTree>
@@ -6340,7 +7608,7 @@
 </p:sld>
 </file>
 
-<file path=ppt/slides/slide32.xml><?xml version="1.0" encoding="utf-8"?>
+<file path=ppt/slides/slide42.xml><?xml version="1.0" encoding="utf-8"?>
 <p:sld xmlns:a="http://schemas.openxmlformats.org/drawingml/2006/main" xmlns:r="http://schemas.openxmlformats.org/officeDocument/2006/relationships" xmlns:p="http://schemas.openxmlformats.org/presentationml/2006/main">
   <p:cSld>
     <p:spTree>
@@ -6364,82 +7632,62 @@
         <p:txBody>
           <a:bodyPr/>
           <a:p>
-            <a:r>
-              <a:rPr lang="en-US" altLang="zh-CN"/>
+            <a:endParaRPr lang="zh-CN" altLang="en-US"/>
+          </a:p>
+        </p:txBody>
+      </p:sp>
+      <p:sp>
+        <p:nvSpPr>
+          <p:cNvPr id="3" name="内容占位符 2"/>
+          <p:cNvSpPr>
+            <a:spLocks noGrp="1"/>
+          </p:cNvSpPr>
+          <p:nvPr>
+            <p:ph idx="1"/>
+          </p:nvPr>
+        </p:nvSpPr>
+        <p:spPr/>
+        <p:txBody>
+          <a:bodyPr/>
+          <a:p>
+            <a:pPr marL="0" indent="0" algn="ctr">
+              <a:buNone/>
+            </a:pPr>
+            <a:endParaRPr lang="zh-CN" altLang="en-US" sz="4400">
+              <a:sym typeface="+mn-ea"/>
+            </a:endParaRPr>
+          </a:p>
+          <a:p>
+            <a:pPr marL="0" indent="0" algn="ctr">
+              <a:buNone/>
+            </a:pPr>
+            <a:r>
+              <a:rPr lang="zh-CN" altLang="en-US" sz="4400">
+                <a:sym typeface="+mn-ea"/>
+              </a:rPr>
+              <a:t>第三章</a:t>
+            </a:r>
+            <a:endParaRPr lang="en-US" altLang="zh-CN" sz="4400">
+              <a:sym typeface="+mn-ea"/>
+            </a:endParaRPr>
+          </a:p>
+          <a:p>
+            <a:pPr marL="0" indent="0" algn="ctr">
+              <a:buNone/>
+            </a:pPr>
+            <a:r>
+              <a:rPr lang="en-US" altLang="zh-CN" sz="4400">
+                <a:sym typeface="+mn-ea"/>
+              </a:rPr>
               <a:t>webpack</a:t>
             </a:r>
             <a:r>
-              <a:rPr lang="zh-CN" altLang="en-US"/>
+              <a:rPr lang="zh-CN" altLang="en-US" sz="4400">
+                <a:sym typeface="+mn-ea"/>
+              </a:rPr>
               <a:t>打包核心</a:t>
             </a:r>
-            <a:r>
-              <a:rPr lang="zh-CN" altLang="en-US" sz="2000">
-                <a:solidFill>
-                  <a:schemeClr val="accent1"/>
-                </a:solidFill>
-              </a:rPr>
-              <a:t>（不细讲）</a:t>
-            </a:r>
-            <a:endParaRPr lang="zh-CN" altLang="en-US" sz="2000">
-              <a:solidFill>
-                <a:schemeClr val="accent1"/>
-              </a:solidFill>
-            </a:endParaRPr>
-          </a:p>
-        </p:txBody>
-      </p:sp>
-      <p:sp>
-        <p:nvSpPr>
-          <p:cNvPr id="3" name="内容占位符 2"/>
-          <p:cNvSpPr>
-            <a:spLocks noGrp="1"/>
-          </p:cNvSpPr>
-          <p:nvPr>
-            <p:ph idx="1"/>
-          </p:nvPr>
-        </p:nvSpPr>
-        <p:spPr/>
-        <p:txBody>
-          <a:bodyPr/>
-          <a:p>
-            <a:pPr marL="514350" indent="-514350">
-              <a:buAutoNum type="arabicPeriod"/>
-            </a:pPr>
-            <a:r>
-              <a:rPr lang="zh-CN" altLang="en-US"/>
-              <a:t>从入口文件开始，分析依赖树；</a:t>
-            </a:r>
-            <a:endParaRPr lang="zh-CN" altLang="en-US"/>
-          </a:p>
-          <a:p>
-            <a:pPr marL="514350" indent="-514350">
-              <a:buAutoNum type="arabicPeriod"/>
-            </a:pPr>
-            <a:r>
-              <a:rPr lang="zh-CN" altLang="en-US"/>
-              <a:t>将依赖的模块包装起来，放到一个数组中等待调用；</a:t>
-            </a:r>
-            <a:endParaRPr lang="zh-CN" altLang="en-US"/>
-          </a:p>
-          <a:p>
-            <a:pPr marL="514350" indent="-514350">
-              <a:buAutoNum type="arabicPeriod"/>
-            </a:pPr>
-            <a:r>
-              <a:rPr lang="zh-CN" altLang="en-US"/>
-              <a:t>实现模块加载方法，并把它放在模块执行环境中，确保模块相互调用。</a:t>
-            </a:r>
-            <a:endParaRPr lang="zh-CN" altLang="en-US"/>
-          </a:p>
-          <a:p>
-            <a:pPr marL="514350" indent="-514350">
-              <a:buAutoNum type="arabicPeriod"/>
-            </a:pPr>
-            <a:r>
-              <a:rPr lang="zh-CN" altLang="en-US"/>
-              <a:t>把执行入口文件的逻辑放到一个函数表达式中，并立即执行这个函数。</a:t>
-            </a:r>
-            <a:endParaRPr lang="zh-CN" altLang="en-US"/>
+            <a:endParaRPr lang="zh-CN" altLang="en-US" sz="4400"/>
           </a:p>
         </p:txBody>
       </p:sp>
@@ -6451,7 +7699,7 @@
 </p:sld>
 </file>
 
-<file path=ppt/slides/slide33.xml><?xml version="1.0" encoding="utf-8"?>
+<file path=ppt/slides/slide43.xml><?xml version="1.0" encoding="utf-8"?>
 <p:sld xmlns:a="http://schemas.openxmlformats.org/drawingml/2006/main" xmlns:r="http://schemas.openxmlformats.org/officeDocument/2006/relationships" xmlns:p="http://schemas.openxmlformats.org/presentationml/2006/main">
   <p:cSld>
     <p:spTree>
@@ -6471,24 +7719,39 @@
             <p:ph type="title"/>
           </p:nvPr>
         </p:nvSpPr>
-        <p:spPr>
-          <a:xfrm>
-            <a:off x="838200" y="365125"/>
-            <a:ext cx="10515600" cy="1325563"/>
-          </a:xfrm>
-        </p:spPr>
-        <p:txBody>
-          <a:bodyPr/>
-          <a:p>
-            <a:r>
-              <a:rPr lang="en-US" altLang="zh-CN"/>
-              <a:t>Webpack配</a:t>
-            </a:r>
-            <a:r>
-              <a:rPr lang="zh-CN" altLang="en-US"/>
-              <a:t>置</a:t>
-            </a:r>
-            <a:endParaRPr lang="zh-CN" altLang="en-US"/>
+        <p:spPr/>
+        <p:txBody>
+          <a:bodyPr/>
+          <a:p>
+            <a:r>
+              <a:rPr lang="zh-CN" altLang="en-US">
+                <a:ln/>
+                <a:solidFill>
+                  <a:schemeClr val="tx1"/>
+                </a:solidFill>
+                <a:effectLst>
+                  <a:outerShdw blurRad="38100" dist="19050" dir="2700000" algn="tl" rotWithShape="0">
+                    <a:schemeClr val="dk1">
+                      <a:alpha val="40000"/>
+                    </a:schemeClr>
+                  </a:outerShdw>
+                </a:effectLst>
+              </a:rPr>
+              <a:t>打包核心</a:t>
+            </a:r>
+            <a:endParaRPr lang="zh-CN" altLang="en-US">
+              <a:ln/>
+              <a:solidFill>
+                <a:schemeClr val="tx1"/>
+              </a:solidFill>
+              <a:effectLst>
+                <a:outerShdw blurRad="38100" dist="19050" dir="2700000" algn="tl" rotWithShape="0">
+                  <a:schemeClr val="dk1">
+                    <a:alpha val="40000"/>
+                  </a:schemeClr>
+                </a:outerShdw>
+              </a:effectLst>
+            </a:endParaRPr>
           </a:p>
         </p:txBody>
       </p:sp>
@@ -6499,36 +7762,49 @@
             <a:spLocks noGrp="1"/>
           </p:cNvSpPr>
           <p:nvPr>
-            <p:ph sz="half" idx="1"/>
-          </p:nvPr>
-        </p:nvSpPr>
-        <p:spPr>
-          <a:xfrm>
-            <a:off x="838200" y="1825625"/>
-            <a:ext cx="10810240" cy="4351655"/>
-          </a:xfrm>
-        </p:spPr>
-        <p:txBody>
-          <a:bodyPr/>
-          <a:p>
-            <a:r>
-              <a:rPr lang="zh-CN" altLang="en-US"/>
-              <a:t>边看</a:t>
-            </a:r>
-            <a:r>
-              <a:rPr lang="en-US" altLang="zh-CN"/>
-              <a:t>webpack.config.js</a:t>
-            </a:r>
-            <a:r>
-              <a:rPr lang="zh-CN" altLang="en-US"/>
-              <a:t>文件，边讲</a:t>
-            </a:r>
-            <a:endParaRPr lang="zh-CN" altLang="en-US"/>
-          </a:p>
-          <a:p>
-            <a:r>
-              <a:rPr lang="zh-CN" altLang="en-US"/>
-              <a:t>https://webpack.docschina.org/concepts/</a:t>
+            <p:ph idx="1"/>
+          </p:nvPr>
+        </p:nvSpPr>
+        <p:spPr/>
+        <p:txBody>
+          <a:bodyPr/>
+          <a:p>
+            <a:pPr marL="514350" indent="-514350">
+              <a:buAutoNum type="arabicPeriod"/>
+            </a:pPr>
+            <a:r>
+              <a:rPr lang="zh-CN" altLang="en-US"/>
+              <a:t>从入口文件开始，分析依赖树；</a:t>
+            </a:r>
+            <a:endParaRPr lang="zh-CN" altLang="en-US"/>
+          </a:p>
+          <a:p>
+            <a:pPr marL="514350" indent="-514350">
+              <a:buAutoNum type="arabicPeriod"/>
+            </a:pPr>
+            <a:r>
+              <a:rPr lang="zh-CN" altLang="en-US"/>
+              <a:t>将依赖的模块包装起来，放到一个数组中等待调用；</a:t>
+            </a:r>
+            <a:endParaRPr lang="zh-CN" altLang="en-US"/>
+          </a:p>
+          <a:p>
+            <a:pPr marL="514350" indent="-514350">
+              <a:buAutoNum type="arabicPeriod"/>
+            </a:pPr>
+            <a:r>
+              <a:rPr lang="zh-CN" altLang="en-US"/>
+              <a:t>实现模块加载方法，并把它放在模块执行环境中，确保模块相互调用。</a:t>
+            </a:r>
+            <a:endParaRPr lang="zh-CN" altLang="en-US"/>
+          </a:p>
+          <a:p>
+            <a:pPr marL="514350" indent="-514350">
+              <a:buAutoNum type="arabicPeriod"/>
+            </a:pPr>
+            <a:r>
+              <a:rPr lang="zh-CN" altLang="en-US"/>
+              <a:t>把执行入口文件的逻辑放到一个函数表达式中，并立即执行这个函数。</a:t>
             </a:r>
             <a:endParaRPr lang="zh-CN" altLang="en-US"/>
           </a:p>
@@ -6542,7 +7818,98 @@
 </p:sld>
 </file>
 
-<file path=ppt/slides/slide34.xml><?xml version="1.0" encoding="utf-8"?>
+<file path=ppt/slides/slide44.xml><?xml version="1.0" encoding="utf-8"?>
+<p:sld xmlns:a="http://schemas.openxmlformats.org/drawingml/2006/main" xmlns:r="http://schemas.openxmlformats.org/officeDocument/2006/relationships" xmlns:p="http://schemas.openxmlformats.org/presentationml/2006/main">
+  <p:cSld>
+    <p:spTree>
+      <p:nvGrpSpPr>
+        <p:cNvPr id="1" name=""/>
+        <p:cNvGrpSpPr/>
+        <p:nvPr/>
+      </p:nvGrpSpPr>
+      <p:grpSpPr/>
+      <p:sp>
+        <p:nvSpPr>
+          <p:cNvPr id="2" name="标题 1"/>
+          <p:cNvSpPr>
+            <a:spLocks noGrp="1"/>
+          </p:cNvSpPr>
+          <p:nvPr>
+            <p:ph type="title"/>
+          </p:nvPr>
+        </p:nvSpPr>
+        <p:spPr>
+          <a:xfrm>
+            <a:off x="838200" y="365125"/>
+            <a:ext cx="10515600" cy="1325563"/>
+          </a:xfrm>
+        </p:spPr>
+        <p:txBody>
+          <a:bodyPr/>
+          <a:p>
+            <a:r>
+              <a:rPr lang="en-US" altLang="zh-CN"/>
+              <a:t>Webpack配</a:t>
+            </a:r>
+            <a:r>
+              <a:rPr lang="zh-CN" altLang="en-US"/>
+              <a:t>置</a:t>
+            </a:r>
+            <a:endParaRPr lang="zh-CN" altLang="en-US"/>
+          </a:p>
+        </p:txBody>
+      </p:sp>
+      <p:sp>
+        <p:nvSpPr>
+          <p:cNvPr id="3" name="内容占位符 2"/>
+          <p:cNvSpPr>
+            <a:spLocks noGrp="1"/>
+          </p:cNvSpPr>
+          <p:nvPr>
+            <p:ph sz="half" idx="1"/>
+          </p:nvPr>
+        </p:nvSpPr>
+        <p:spPr>
+          <a:xfrm>
+            <a:off x="838200" y="1825625"/>
+            <a:ext cx="10810240" cy="4351655"/>
+          </a:xfrm>
+        </p:spPr>
+        <p:txBody>
+          <a:bodyPr/>
+          <a:p>
+            <a:r>
+              <a:rPr lang="zh-CN" altLang="en-US"/>
+              <a:t>边看</a:t>
+            </a:r>
+            <a:r>
+              <a:rPr lang="en-US" altLang="zh-CN"/>
+              <a:t>webpack.config.js</a:t>
+            </a:r>
+            <a:r>
+              <a:rPr lang="zh-CN" altLang="en-US"/>
+              <a:t>文件，边讲</a:t>
+            </a:r>
+            <a:endParaRPr lang="zh-CN" altLang="en-US"/>
+          </a:p>
+          <a:p>
+            <a:r>
+              <a:rPr lang="zh-CN" altLang="en-US"/>
+              <a:t>https://webpack.docschina.org/concepts/</a:t>
+            </a:r>
+            <a:endParaRPr lang="zh-CN" altLang="en-US"/>
+          </a:p>
+        </p:txBody>
+      </p:sp>
+    </p:spTree>
+  </p:cSld>
+  <p:clrMapOvr>
+    <a:masterClrMapping/>
+  </p:clrMapOvr>
+</p:sld>
+</file>
+
+<file path=ppt/slides/slide45.xml><?xml version="1.0" encoding="utf-8"?>
 <p:sld xmlns:a="http://schemas.openxmlformats.org/drawingml/2006/main" xmlns:r="http://schemas.openxmlformats.org/officeDocument/2006/relationships" xmlns:p="http://schemas.openxmlformats.org/presentationml/2006/main">
   <p:cSld>
     <p:spTree>
@@ -6658,7 +8025,7 @@
 </p:sld>
 </file>
 
-<file path=ppt/slides/slide35.xml><?xml version="1.0" encoding="utf-8"?>
+<file path=ppt/slides/slide46.xml><?xml version="1.0" encoding="utf-8"?>
 <p:sld xmlns:a="http://schemas.openxmlformats.org/drawingml/2006/main" xmlns:r="http://schemas.openxmlformats.org/officeDocument/2006/relationships" xmlns:p="http://schemas.openxmlformats.org/presentationml/2006/main">
   <p:cSld>
     <p:spTree>
@@ -6756,7 +8123,7 @@
 </p:sld>
 </file>
 
-<file path=ppt/slides/slide36.xml><?xml version="1.0" encoding="utf-8"?>
+<file path=ppt/slides/slide47.xml><?xml version="1.0" encoding="utf-8"?>
 <p:sld xmlns:a="http://schemas.openxmlformats.org/drawingml/2006/main" xmlns:r="http://schemas.openxmlformats.org/officeDocument/2006/relationships" xmlns:p="http://schemas.openxmlformats.org/presentationml/2006/main">
   <p:cSld>
     <p:spTree>
@@ -6978,7 +8345,7 @@
 </p:sld>
 </file>
 
-<file path=ppt/slides/slide37.xml><?xml version="1.0" encoding="utf-8"?>
+<file path=ppt/slides/slide48.xml><?xml version="1.0" encoding="utf-8"?>
 <p:sld xmlns:a="http://schemas.openxmlformats.org/drawingml/2006/main" xmlns:r="http://schemas.openxmlformats.org/officeDocument/2006/relationships" xmlns:p="http://schemas.openxmlformats.org/presentationml/2006/main">
   <p:cSld>
     <p:spTree>
@@ -7075,7 +8442,7 @@
 </p:sld>
 </file>
 
-<file path=ppt/slides/slide38.xml><?xml version="1.0" encoding="utf-8"?>
+<file path=ppt/slides/slide49.xml><?xml version="1.0" encoding="utf-8"?>
 <p:sld xmlns:a="http://schemas.openxmlformats.org/drawingml/2006/main" xmlns:r="http://schemas.openxmlformats.org/officeDocument/2006/relationships" xmlns:p="http://schemas.openxmlformats.org/presentationml/2006/main">
   <p:cSld>
     <p:spTree>
@@ -7155,222 +8522,6 @@
           </a:p>
         </p:txBody>
       </p:sp>
-    </p:spTree>
-  </p:cSld>
-  <p:clrMapOvr>
-    <a:masterClrMapping/>
-  </p:clrMapOvr>
-</p:sld>
-</file>
-
-<file path=ppt/slides/slide39.xml><?xml version="1.0" encoding="utf-8"?>
-<p:sld xmlns:a="http://schemas.openxmlformats.org/drawingml/2006/main" xmlns:r="http://schemas.openxmlformats.org/officeDocument/2006/relationships" xmlns:p="http://schemas.openxmlformats.org/presentationml/2006/main">
-  <p:cSld>
-    <p:spTree>
-      <p:nvGrpSpPr>
-        <p:cNvPr id="1" name=""/>
-        <p:cNvGrpSpPr/>
-        <p:nvPr/>
-      </p:nvGrpSpPr>
-      <p:grpSpPr/>
-      <p:sp>
-        <p:nvSpPr>
-          <p:cNvPr id="2" name="标题 1"/>
-          <p:cNvSpPr>
-            <a:spLocks noGrp="1"/>
-          </p:cNvSpPr>
-          <p:nvPr>
-            <p:ph type="title"/>
-          </p:nvPr>
-        </p:nvSpPr>
-        <p:spPr/>
-        <p:txBody>
-          <a:bodyPr/>
-          <a:p>
-            <a:endParaRPr lang="zh-CN" altLang="en-US"/>
-          </a:p>
-        </p:txBody>
-      </p:sp>
-      <p:sp>
-        <p:nvSpPr>
-          <p:cNvPr id="3" name="内容占位符 2"/>
-          <p:cNvSpPr>
-            <a:spLocks noGrp="1"/>
-          </p:cNvSpPr>
-          <p:nvPr>
-            <p:ph idx="1"/>
-          </p:nvPr>
-        </p:nvSpPr>
-        <p:spPr/>
-        <p:txBody>
-          <a:bodyPr/>
-          <a:p>
-            <a:endParaRPr lang="zh-CN" altLang="en-US"/>
-          </a:p>
-        </p:txBody>
-      </p:sp>
-    </p:spTree>
-  </p:cSld>
-  <p:clrMapOvr>
-    <a:masterClrMapping/>
-  </p:clrMapOvr>
-</p:sld>
-</file>
-
-<file path=ppt/slides/slide4.xml><?xml version="1.0" encoding="utf-8"?>
-<p:sld xmlns:a="http://schemas.openxmlformats.org/drawingml/2006/main" xmlns:r="http://schemas.openxmlformats.org/officeDocument/2006/relationships" xmlns:p="http://schemas.openxmlformats.org/presentationml/2006/main">
-  <p:cSld>
-    <p:spTree>
-      <p:nvGrpSpPr>
-        <p:cNvPr id="1" name=""/>
-        <p:cNvGrpSpPr/>
-        <p:nvPr/>
-      </p:nvGrpSpPr>
-      <p:grpSpPr/>
-      <p:sp>
-        <p:nvSpPr>
-          <p:cNvPr id="2" name="标题 1"/>
-          <p:cNvSpPr>
-            <a:spLocks noGrp="1"/>
-          </p:cNvSpPr>
-          <p:nvPr>
-            <p:ph type="title"/>
-          </p:nvPr>
-        </p:nvSpPr>
-        <p:spPr/>
-        <p:txBody>
-          <a:bodyPr/>
-          <a:p>
-            <a:pPr algn="ctr"/>
-            <a:r>
-              <a:rPr lang="zh-CN" altLang="en-US"/>
-              <a:t>传统网页（原始网页）</a:t>
-            </a:r>
-            <a:endParaRPr lang="zh-CN" altLang="en-US"/>
-          </a:p>
-        </p:txBody>
-      </p:sp>
-      <p:sp>
-        <p:nvSpPr>
-          <p:cNvPr id="3" name="内容占位符 2"/>
-          <p:cNvSpPr>
-            <a:spLocks noGrp="1"/>
-          </p:cNvSpPr>
-          <p:nvPr>
-            <p:ph idx="1"/>
-          </p:nvPr>
-        </p:nvSpPr>
-        <p:spPr/>
-        <p:txBody>
-          <a:bodyPr/>
-          <a:p>
-            <a:r>
-              <a:rPr lang="zh-CN" altLang="en-US"/>
-              <a:t>浏览器只认识</a:t>
-            </a:r>
-            <a:endParaRPr lang="zh-CN" altLang="en-US"/>
-          </a:p>
-          <a:p>
-            <a:r>
-              <a:rPr lang="en-US" altLang="zh-CN"/>
-              <a:t>HTML - </a:t>
-            </a:r>
-            <a:r>
-              <a:rPr lang="zh-CN" altLang="en-US"/>
-              <a:t>有没有</a:t>
-            </a:r>
-            <a:endParaRPr lang="en-US" altLang="zh-CN"/>
-          </a:p>
-          <a:p>
-            <a:r>
-              <a:rPr lang="en-US" altLang="zh-CN">
-                <a:sym typeface="+mn-ea"/>
-              </a:rPr>
-              <a:t>CSS - </a:t>
-            </a:r>
-            <a:r>
-              <a:rPr lang="zh-CN" altLang="en-US">
-                <a:sym typeface="+mn-ea"/>
-              </a:rPr>
-              <a:t>样式</a:t>
-            </a:r>
-            <a:endParaRPr lang="en-US" altLang="zh-CN">
-              <a:sym typeface="+mn-ea"/>
-            </a:endParaRPr>
-          </a:p>
-          <a:p>
-            <a:r>
-              <a:rPr lang="en-US" altLang="zh-CN">
-                <a:sym typeface="+mn-ea"/>
-              </a:rPr>
-              <a:t>Javascript</a:t>
-            </a:r>
-            <a:r>
-              <a:rPr lang="zh-CN" altLang="en-US">
-                <a:sym typeface="+mn-ea"/>
-              </a:rPr>
-              <a:t>（</a:t>
-            </a:r>
-            <a:r>
-              <a:rPr lang="en-US" altLang="zh-CN">
-                <a:sym typeface="+mn-ea"/>
-              </a:rPr>
-              <a:t>ES5 ↓</a:t>
-            </a:r>
-            <a:r>
-              <a:rPr lang="zh-CN" altLang="en-US">
-                <a:sym typeface="+mn-ea"/>
-              </a:rPr>
-              <a:t>）</a:t>
-            </a:r>
-            <a:r>
-              <a:rPr lang="en-US" altLang="zh-CN">
-                <a:sym typeface="+mn-ea"/>
-              </a:rPr>
-              <a:t> - </a:t>
-            </a:r>
-            <a:r>
-              <a:rPr lang="zh-CN" altLang="en-US">
-                <a:sym typeface="+mn-ea"/>
-              </a:rPr>
-              <a:t>逻辑</a:t>
-            </a:r>
-            <a:endParaRPr lang="en-US" altLang="zh-CN">
-              <a:sym typeface="+mn-ea"/>
-            </a:endParaRPr>
-          </a:p>
-          <a:p>
-            <a:endParaRPr lang="en-US" altLang="zh-CN"/>
-          </a:p>
-          <a:p>
-            <a:endParaRPr lang="en-US" altLang="zh-CN"/>
-          </a:p>
-        </p:txBody>
-      </p:sp>
-      <p:pic>
-        <p:nvPicPr>
-          <p:cNvPr id="4" name="图片 3" descr="1"/>
-          <p:cNvPicPr>
-            <a:picLocks noChangeAspect="1"/>
-          </p:cNvPicPr>
-          <p:nvPr/>
-        </p:nvPicPr>
-        <p:blipFill>
-          <a:blip r:embed="rId1"/>
-          <a:stretch>
-            <a:fillRect/>
-          </a:stretch>
-        </p:blipFill>
-        <p:spPr>
-          <a:xfrm>
-            <a:off x="7493635" y="3903345"/>
-            <a:ext cx="3860165" cy="2273935"/>
-          </a:xfrm>
-          <a:prstGeom prst="rect">
-            <a:avLst/>
-          </a:prstGeom>
-        </p:spPr>
-      </p:pic>
     </p:spTree>
   </p:cSld>
   <p:clrMapOvr>
@@ -7389,15 +8540,136 @@
         <p:nvPr/>
       </p:nvGrpSpPr>
       <p:grpSpPr/>
+      <p:sp>
+        <p:nvSpPr>
+          <p:cNvPr id="2" name="标题 1"/>
+          <p:cNvSpPr>
+            <a:spLocks noGrp="1"/>
+          </p:cNvSpPr>
+          <p:nvPr>
+            <p:ph type="title"/>
+          </p:nvPr>
+        </p:nvSpPr>
+        <p:spPr/>
+        <p:txBody>
+          <a:bodyPr/>
+          <a:p>
+            <a:pPr algn="ctr"/>
+            <a:r>
+              <a:rPr lang="zh-CN" altLang="en-US"/>
+              <a:t>传统网页（原始网页）</a:t>
+            </a:r>
+            <a:endParaRPr lang="zh-CN" altLang="en-US"/>
+          </a:p>
+        </p:txBody>
+      </p:sp>
+      <p:sp>
+        <p:nvSpPr>
+          <p:cNvPr id="3" name="内容占位符 2"/>
+          <p:cNvSpPr>
+            <a:spLocks noGrp="1"/>
+          </p:cNvSpPr>
+          <p:nvPr>
+            <p:ph idx="1"/>
+          </p:nvPr>
+        </p:nvSpPr>
+        <p:spPr/>
+        <p:txBody>
+          <a:bodyPr/>
+          <a:p>
+            <a:r>
+              <a:rPr lang="zh-CN" altLang="en-US"/>
+              <a:t>浏览器只认识：</a:t>
+            </a:r>
+            <a:endParaRPr lang="zh-CN" altLang="en-US"/>
+          </a:p>
+          <a:p>
+            <a:pPr lvl="1"/>
+            <a:r>
+              <a:rPr lang="en-US" altLang="zh-CN"/>
+              <a:t>HTML - </a:t>
+            </a:r>
+            <a:r>
+              <a:rPr lang="zh-CN" altLang="en-US"/>
+              <a:t>有没有（有没有对话框，有没有抽屉等）</a:t>
+            </a:r>
+            <a:endParaRPr lang="en-US" altLang="zh-CN"/>
+          </a:p>
+          <a:p>
+            <a:pPr lvl="1"/>
+            <a:r>
+              <a:rPr lang="en-US" altLang="zh-CN">
+                <a:sym typeface="+mn-ea"/>
+              </a:rPr>
+              <a:t>CSS - </a:t>
+            </a:r>
+            <a:r>
+              <a:rPr lang="zh-CN" altLang="en-US">
+                <a:sym typeface="+mn-ea"/>
+              </a:rPr>
+              <a:t>样式</a:t>
+            </a:r>
+            <a:endParaRPr lang="en-US" altLang="zh-CN">
+              <a:sym typeface="+mn-ea"/>
+            </a:endParaRPr>
+          </a:p>
+          <a:p>
+            <a:pPr lvl="1"/>
+            <a:r>
+              <a:rPr lang="en-US" altLang="zh-CN">
+                <a:sym typeface="+mn-ea"/>
+              </a:rPr>
+              <a:t>Javascript</a:t>
+            </a:r>
+            <a:r>
+              <a:rPr lang="zh-CN" altLang="en-US">
+                <a:sym typeface="+mn-ea"/>
+              </a:rPr>
+              <a:t>（</a:t>
+            </a:r>
+            <a:r>
+              <a:rPr lang="en-US" altLang="zh-CN">
+                <a:sym typeface="+mn-ea"/>
+              </a:rPr>
+              <a:t>ES5 ↓</a:t>
+            </a:r>
+            <a:r>
+              <a:rPr lang="zh-CN" altLang="en-US">
+                <a:sym typeface="+mn-ea"/>
+              </a:rPr>
+              <a:t>）</a:t>
+            </a:r>
+            <a:r>
+              <a:rPr lang="en-US" altLang="zh-CN">
+                <a:sym typeface="+mn-ea"/>
+              </a:rPr>
+              <a:t> - </a:t>
+            </a:r>
+            <a:r>
+              <a:rPr lang="zh-CN" altLang="en-US">
+                <a:sym typeface="+mn-ea"/>
+              </a:rPr>
+              <a:t>逻辑</a:t>
+            </a:r>
+            <a:endParaRPr lang="en-US" altLang="zh-CN">
+              <a:sym typeface="+mn-ea"/>
+            </a:endParaRPr>
+          </a:p>
+          <a:p>
+            <a:endParaRPr lang="en-US" altLang="zh-CN"/>
+          </a:p>
+          <a:p>
+            <a:endParaRPr lang="en-US" altLang="zh-CN"/>
+          </a:p>
+        </p:txBody>
+      </p:sp>
       <p:pic>
         <p:nvPicPr>
-          <p:cNvPr id="32" name="内容占位符 31" descr="file"/>
+          <p:cNvPr id="4" name="图片 3" descr="1"/>
           <p:cNvPicPr>
             <a:picLocks noChangeAspect="1"/>
           </p:cNvPicPr>
-          <p:nvPr>
-            <p:ph idx="1"/>
-          </p:nvPr>
+          <p:nvPr/>
         </p:nvPicPr>
         <p:blipFill>
           <a:blip r:embed="rId1"/>
@@ -7407,8 +8679,106 @@
         </p:blipFill>
         <p:spPr>
           <a:xfrm>
-            <a:off x="2632075" y="288925"/>
-            <a:ext cx="6926580" cy="6294120"/>
+            <a:off x="3643630" y="3705860"/>
+            <a:ext cx="3860165" cy="2273935"/>
+          </a:xfrm>
+          <a:prstGeom prst="rect">
+            <a:avLst/>
+          </a:prstGeom>
+        </p:spPr>
+      </p:pic>
+    </p:spTree>
+  </p:cSld>
+  <p:clrMapOvr>
+    <a:masterClrMapping/>
+  </p:clrMapOvr>
+</p:sld>
+</file>
+
+<file path=ppt/slides/slide50.xml><?xml version="1.0" encoding="utf-8"?>
+<p:sld xmlns:a="http://schemas.openxmlformats.org/drawingml/2006/main" xmlns:r="http://schemas.openxmlformats.org/officeDocument/2006/relationships" xmlns:p="http://schemas.openxmlformats.org/presentationml/2006/main">
+  <p:cSld>
+    <p:spTree>
+      <p:nvGrpSpPr>
+        <p:cNvPr id="1" name=""/>
+        <p:cNvGrpSpPr/>
+        <p:nvPr/>
+      </p:nvGrpSpPr>
+      <p:grpSpPr/>
+      <p:sp>
+        <p:nvSpPr>
+          <p:cNvPr id="2" name="标题 1"/>
+          <p:cNvSpPr>
+            <a:spLocks noGrp="1"/>
+          </p:cNvSpPr>
+          <p:nvPr>
+            <p:ph type="title"/>
+          </p:nvPr>
+        </p:nvSpPr>
+        <p:spPr/>
+        <p:txBody>
+          <a:bodyPr/>
+          <a:p>
+            <a:endParaRPr lang="zh-CN" altLang="en-US"/>
+          </a:p>
+        </p:txBody>
+      </p:sp>
+      <p:sp>
+        <p:nvSpPr>
+          <p:cNvPr id="3" name="内容占位符 2"/>
+          <p:cNvSpPr>
+            <a:spLocks noGrp="1"/>
+          </p:cNvSpPr>
+          <p:nvPr>
+            <p:ph idx="1"/>
+          </p:nvPr>
+        </p:nvSpPr>
+        <p:spPr/>
+        <p:txBody>
+          <a:bodyPr/>
+          <a:p>
+            <a:endParaRPr lang="zh-CN" altLang="en-US"/>
+          </a:p>
+        </p:txBody>
+      </p:sp>
+    </p:spTree>
+  </p:cSld>
+  <p:clrMapOvr>
+    <a:masterClrMapping/>
+  </p:clrMapOvr>
+</p:sld>
+</file>
+
+<file path=ppt/slides/slide6.xml><?xml version="1.0" encoding="utf-8"?>
+<p:sld xmlns:a="http://schemas.openxmlformats.org/drawingml/2006/main" xmlns:r="http://schemas.openxmlformats.org/officeDocument/2006/relationships" xmlns:p="http://schemas.openxmlformats.org/presentationml/2006/main">
+  <p:cSld>
+    <p:spTree>
+      <p:nvGrpSpPr>
+        <p:cNvPr id="1" name=""/>
+        <p:cNvGrpSpPr/>
+        <p:nvPr/>
+      </p:nvGrpSpPr>
+      <p:grpSpPr/>
+      <p:pic>
+        <p:nvPicPr>
+          <p:cNvPr id="32" name="内容占位符 31" descr="file"/>
+          <p:cNvPicPr>
+            <a:picLocks noChangeAspect="1"/>
+          </p:cNvPicPr>
+          <p:nvPr>
+            <p:ph idx="1"/>
+          </p:nvPr>
+        </p:nvPicPr>
+        <p:blipFill>
+          <a:blip r:embed="rId1"/>
+          <a:stretch>
+            <a:fillRect/>
+          </a:stretch>
+        </p:blipFill>
+        <p:spPr>
+          <a:xfrm>
+            <a:off x="5175885" y="308610"/>
+            <a:ext cx="6127750" cy="5568315"/>
           </a:xfrm>
           <a:prstGeom prst="rect">
             <a:avLst/>
@@ -7622,9 +8992,33 @@
           </a:p>
         </p:txBody>
       </p:sp>
+      <p:pic>
+        <p:nvPicPr>
+          <p:cNvPr id="3" name="图片 2" descr="index.html"/>
+          <p:cNvPicPr>
+            <a:picLocks noChangeAspect="1"/>
+          </p:cNvPicPr>
+          <p:nvPr/>
+        </p:nvPicPr>
+        <p:blipFill>
+          <a:blip r:embed="rId5"/>
+          <a:stretch>
+            <a:fillRect/>
+          </a:stretch>
+        </p:blipFill>
+        <p:spPr>
+          <a:xfrm>
+            <a:off x="140970" y="308610"/>
+            <a:ext cx="4704080" cy="1082675"/>
+          </a:xfrm>
+          <a:prstGeom prst="rect">
+            <a:avLst/>
+          </a:prstGeom>
+        </p:spPr>
+      </p:pic>
     </p:spTree>
     <p:custDataLst>
-      <p:tags r:id="rId5"/>
+      <p:tags r:id="rId6"/>
     </p:custDataLst>
   </p:cSld>
   <p:clrMapOvr>
@@ -7949,7 +9343,7 @@
 </p:sld>
 </file>
 
-<file path=ppt/slides/slide6.xml><?xml version="1.0" encoding="utf-8"?>
+<file path=ppt/slides/slide7.xml><?xml version="1.0" encoding="utf-8"?>
 <p:sld xmlns:a="http://schemas.openxmlformats.org/drawingml/2006/main" xmlns:r="http://schemas.openxmlformats.org/officeDocument/2006/relationships" xmlns:p="http://schemas.openxmlformats.org/presentationml/2006/main">
   <p:cSld>
     <p:spTree>
@@ -8015,7 +9409,7 @@
 </p:sld>
 </file>
 
-<file path=ppt/slides/slide7.xml><?xml version="1.0" encoding="utf-8"?>
+<file path=ppt/slides/slide8.xml><?xml version="1.0" encoding="utf-8"?>
 <p:sld xmlns:a="http://schemas.openxmlformats.org/drawingml/2006/main" xmlns:r="http://schemas.openxmlformats.org/officeDocument/2006/relationships" xmlns:p="http://schemas.openxmlformats.org/presentationml/2006/main">
   <p:cSld>
     <p:spTree>
@@ -8062,6 +9456,29 @@
           <a:bodyPr/>
           <a:p>
             <a:r>
+              <a:rPr lang="en-US" altLang="zh-CN"/>
+              <a:t>CSS</a:t>
+            </a:r>
+            <a:endParaRPr lang="en-US" altLang="zh-CN"/>
+          </a:p>
+          <a:p>
+            <a:pPr lvl="1"/>
+            <a:r>
+              <a:rPr lang="zh-CN" altLang="en-US"/>
+              <a:t>没有预处理语言</a:t>
+            </a:r>
+            <a:endParaRPr lang="zh-CN" altLang="en-US"/>
+          </a:p>
+          <a:p>
+            <a:r>
+              <a:rPr lang="en-US" altLang="zh-CN"/>
+              <a:t>JS</a:t>
+            </a:r>
+            <a:endParaRPr lang="zh-CN" altLang="en-US"/>
+          </a:p>
+          <a:p>
+            <a:pPr lvl="1"/>
+            <a:r>
               <a:rPr lang="zh-CN" altLang="en-US"/>
               <a:t>文件依赖关系 </a:t>
             </a:r>
@@ -8076,6 +9493,7 @@
             <a:endParaRPr lang="zh-CN" altLang="en-US"/>
           </a:p>
           <a:p>
+            <a:pPr lvl="1"/>
             <a:r>
               <a:rPr lang="zh-CN" altLang="en-US"/>
               <a:t>加载文件多  </a:t>
@@ -8091,6 +9509,7 @@
             <a:endParaRPr lang="zh-CN" altLang="en-US"/>
           </a:p>
           <a:p>
+            <a:pPr lvl="1"/>
             <a:r>
               <a:rPr lang="zh-CN" altLang="en-US"/>
               <a:t>作用域</a:t>
@@ -8098,6 +9517,7 @@
             <a:endParaRPr lang="zh-CN" altLang="en-US"/>
           </a:p>
           <a:p>
+            <a:pPr lvl="1"/>
             <a:r>
               <a:rPr lang="zh-CN" altLang="en-US">
                 <a:sym typeface="+mn-ea"/>
@@ -8116,101 +9536,51 @@
               </a:rPr>
               <a:t>网页内容稍微多点，命名就混乱</a:t>
             </a:r>
-            <a:endParaRPr lang="zh-CN" altLang="en-US"/>
-          </a:p>
-          <a:p>
-            <a:endParaRPr lang="zh-CN" altLang="en-US"/>
-          </a:p>
-        </p:txBody>
-      </p:sp>
-    </p:spTree>
-  </p:cSld>
-  <p:clrMapOvr>
-    <a:masterClrMapping/>
-  </p:clrMapOvr>
-</p:sld>
-</file>
-
-<file path=ppt/slides/slide8.xml><?xml version="1.0" encoding="utf-8"?>
-<p:sld xmlns:a="http://schemas.openxmlformats.org/drawingml/2006/main" xmlns:r="http://schemas.openxmlformats.org/officeDocument/2006/relationships" xmlns:p="http://schemas.openxmlformats.org/presentationml/2006/main">
-  <p:cSld>
-    <p:bg>
-      <p:bgPr>
-        <a:noFill/>
-        <a:effectLst/>
-      </p:bgPr>
-    </p:bg>
-    <p:spTree>
-      <p:nvGrpSpPr>
-        <p:cNvPr id="1" name=""/>
-        <p:cNvGrpSpPr/>
-        <p:nvPr/>
-      </p:nvGrpSpPr>
-      <p:grpSpPr/>
-      <p:sp>
-        <p:nvSpPr>
-          <p:cNvPr id="2" name="标题 1"/>
-          <p:cNvSpPr>
-            <a:spLocks noGrp="1"/>
-          </p:cNvSpPr>
-          <p:nvPr>
-            <p:ph type="title"/>
-          </p:nvPr>
-        </p:nvSpPr>
-        <p:spPr/>
-        <p:txBody>
-          <a:bodyPr/>
-          <a:p>
-            <a:r>
-              <a:rPr lang="zh-CN" altLang="en-US"/>
-              <a:t>期望的依赖关系</a:t>
-            </a:r>
-            <a:endParaRPr lang="zh-CN" altLang="en-US"/>
-          </a:p>
-        </p:txBody>
-      </p:sp>
-      <p:sp>
-        <p:nvSpPr>
-          <p:cNvPr id="3" name="内容占位符 2"/>
-          <p:cNvSpPr>
-            <a:spLocks noGrp="1"/>
-          </p:cNvSpPr>
-          <p:nvPr>
-            <p:ph idx="1"/>
-          </p:nvPr>
-        </p:nvSpPr>
-        <p:spPr/>
-        <p:txBody>
-          <a:bodyPr/>
-          <a:p>
-            <a:endParaRPr lang="zh-CN" altLang="en-US"/>
-          </a:p>
-        </p:txBody>
-      </p:sp>
-      <p:pic>
-        <p:nvPicPr>
-          <p:cNvPr id="4" name="图片 3" descr="依赖"/>
-          <p:cNvPicPr>
-            <a:picLocks noChangeAspect="1"/>
-          </p:cNvPicPr>
-          <p:nvPr/>
-        </p:nvPicPr>
-        <p:blipFill>
-          <a:blip r:embed="rId1"/>
-          <a:stretch>
-            <a:fillRect/>
-          </a:stretch>
-        </p:blipFill>
-        <p:spPr>
-          <a:xfrm>
-            <a:off x="838200" y="1825625"/>
-            <a:ext cx="7164070" cy="4351655"/>
-          </a:xfrm>
-          <a:prstGeom prst="rect">
-            <a:avLst/>
-          </a:prstGeom>
-        </p:spPr>
-      </p:pic>
+            <a:endParaRPr lang="zh-CN" altLang="en-US">
+              <a:sym typeface="+mn-ea"/>
+            </a:endParaRPr>
+          </a:p>
+          <a:p>
+            <a:pPr lvl="1"/>
+            <a:endParaRPr lang="zh-CN" altLang="en-US">
+              <a:sym typeface="+mn-ea"/>
+            </a:endParaRPr>
+          </a:p>
+          <a:p>
+            <a:pPr marL="457200" lvl="1" indent="0">
+              <a:buNone/>
+            </a:pPr>
+            <a:r>
+              <a:rPr lang="en-US" altLang="zh-CN">
+                <a:solidFill>
+                  <a:schemeClr val="accent1"/>
+                </a:solidFill>
+              </a:rPr>
+              <a:t>	</a:t>
+            </a:r>
+            <a:r>
+              <a:rPr lang="zh-CN" altLang="en-US">
+                <a:solidFill>
+                  <a:schemeClr val="accent1"/>
+                </a:solidFill>
+              </a:rPr>
+              <a:t>接下来举例说明</a:t>
+            </a:r>
+            <a:endParaRPr lang="zh-CN" altLang="en-US">
+              <a:solidFill>
+                <a:schemeClr val="accent1"/>
+              </a:solidFill>
+            </a:endParaRPr>
+          </a:p>
+          <a:p>
+            <a:endParaRPr lang="zh-CN" altLang="en-US">
+              <a:solidFill>
+                <a:schemeClr val="accent1"/>
+              </a:solidFill>
+            </a:endParaRPr>
+          </a:p>
+        </p:txBody>
+      </p:sp>
     </p:spTree>
   </p:cSld>
   <p:clrMapOvr>
@@ -8231,185 +9601,75 @@
       <p:grpSpPr/>
       <p:sp>
         <p:nvSpPr>
-          <p:cNvPr id="2" name="标题 1"/>
-          <p:cNvSpPr>
-            <a:spLocks noGrp="1"/>
-          </p:cNvSpPr>
-          <p:nvPr>
-            <p:ph type="title"/>
-          </p:nvPr>
-        </p:nvSpPr>
-        <p:spPr/>
-        <p:txBody>
-          <a:bodyPr/>
-          <a:p>
-            <a:r>
-              <a:rPr lang="zh-CN" altLang="en-US"/>
-              <a:t>文件依赖关系</a:t>
-            </a:r>
-            <a:endParaRPr lang="zh-CN" altLang="en-US"/>
-          </a:p>
-        </p:txBody>
-      </p:sp>
-      <p:sp>
-        <p:nvSpPr>
           <p:cNvPr id="3" name="内容占位符 2"/>
           <p:cNvSpPr>
             <a:spLocks noGrp="1"/>
           </p:cNvSpPr>
           <p:nvPr>
-            <p:ph sz="half" idx="1"/>
-          </p:nvPr>
-        </p:nvSpPr>
-        <p:spPr/>
-        <p:txBody>
-          <a:bodyPr/>
-          <a:p>
-            <a:r>
-              <a:rPr lang="zh-CN" altLang="en-US"/>
-              <a:t>传统依赖</a:t>
-            </a:r>
-            <a:br>
-              <a:rPr lang="zh-CN" altLang="en-US"/>
-            </a:br>
-            <a:endParaRPr lang="zh-CN" altLang="en-US" sz="2400"/>
-          </a:p>
-          <a:p>
-            <a:endParaRPr lang="zh-CN" altLang="en-US" sz="2400"/>
-          </a:p>
-          <a:p>
-            <a:endParaRPr lang="zh-CN" altLang="en-US" sz="2400"/>
-          </a:p>
-          <a:p>
-            <a:endParaRPr lang="zh-CN" altLang="en-US" sz="2400"/>
-          </a:p>
-          <a:p>
-            <a:endParaRPr lang="zh-CN" altLang="en-US"/>
-          </a:p>
-          <a:p>
-            <a:r>
-              <a:rPr lang="en-US" altLang="zh-CN" sz="1400" b="1"/>
-              <a:t>1.index.html</a:t>
-            </a:r>
-            <a:r>
-              <a:rPr lang="zh-CN" altLang="en-US" sz="1400" b="1"/>
-              <a:t>文件为了只是想用</a:t>
-            </a:r>
-            <a:r>
-              <a:rPr lang="en-US" altLang="zh-CN" sz="1400" b="1"/>
-              <a:t>bootstrap.js</a:t>
-            </a:r>
-            <a:r>
-              <a:rPr lang="zh-CN" altLang="en-US" sz="1400" b="1"/>
-              <a:t>，但是要先去引用</a:t>
-            </a:r>
-            <a:r>
-              <a:rPr lang="en-US" altLang="zh-CN" sz="1400" b="1"/>
-              <a:t>jquery.js</a:t>
-            </a:r>
-            <a:r>
-              <a:rPr lang="zh-CN" altLang="en-US" sz="1400" b="1"/>
-              <a:t>文件。并且还要搞清楚依赖关系（先</a:t>
-            </a:r>
-            <a:r>
-              <a:rPr lang="en-US" altLang="zh-CN" sz="1400" b="1"/>
-              <a:t>jq</a:t>
-            </a:r>
-            <a:r>
-              <a:rPr lang="zh-CN" altLang="en-US" sz="1400" b="1"/>
-              <a:t>再</a:t>
-            </a:r>
-            <a:r>
-              <a:rPr lang="en-US" altLang="zh-CN" sz="1400" b="1"/>
-              <a:t>bootstrap</a:t>
-            </a:r>
-            <a:r>
-              <a:rPr lang="zh-CN" altLang="en-US" sz="1400" b="1"/>
-              <a:t>）</a:t>
-            </a:r>
-            <a:endParaRPr lang="zh-CN" altLang="en-US" sz="1400" b="1"/>
-          </a:p>
-        </p:txBody>
-      </p:sp>
-      <p:sp>
-        <p:nvSpPr>
-          <p:cNvPr id="4" name="内容占位符 3"/>
-          <p:cNvSpPr>
-            <a:spLocks noGrp="1"/>
-          </p:cNvSpPr>
-          <p:nvPr>
-            <p:ph sz="half" idx="2"/>
-          </p:nvPr>
-        </p:nvSpPr>
-        <p:spPr/>
-        <p:txBody>
-          <a:bodyPr/>
-          <a:p>
-            <a:r>
-              <a:rPr lang="zh-CN" altLang="en-US"/>
-              <a:t>期望的依赖</a:t>
-            </a:r>
-            <a:endParaRPr lang="zh-CN" altLang="en-US"/>
-          </a:p>
-          <a:p>
-            <a:endParaRPr lang="zh-CN" altLang="en-US" sz="2400"/>
-          </a:p>
-          <a:p>
-            <a:endParaRPr lang="zh-CN" altLang="en-US" sz="2400"/>
-          </a:p>
-          <a:p>
-            <a:endParaRPr lang="zh-CN" altLang="en-US" sz="2400"/>
-          </a:p>
-          <a:p>
-            <a:endParaRPr lang="zh-CN" altLang="en-US" sz="2400" b="1"/>
-          </a:p>
-          <a:p>
-            <a:endParaRPr lang="zh-CN" altLang="en-US" b="1"/>
-          </a:p>
-          <a:p>
-            <a:r>
-              <a:rPr lang="en-US" altLang="zh-CN" sz="1400" b="1"/>
-              <a:t>index.html</a:t>
-            </a:r>
-            <a:r>
-              <a:rPr lang="zh-CN" altLang="en-US" sz="1400" b="1"/>
-              <a:t>文件想用</a:t>
-            </a:r>
-            <a:r>
-              <a:rPr lang="en-US" altLang="zh-CN" sz="1400" b="1"/>
-              <a:t>bootstrap.js</a:t>
-            </a:r>
-            <a:r>
-              <a:rPr lang="zh-CN" altLang="en-US" sz="1400" b="1"/>
-              <a:t>。只需要去引用</a:t>
-            </a:r>
-            <a:r>
-              <a:rPr lang="en-US" altLang="zh-CN" sz="1400" b="1"/>
-              <a:t>bootstrap.js</a:t>
-            </a:r>
-            <a:r>
-              <a:rPr lang="zh-CN" altLang="en-US" sz="1400" b="1"/>
-              <a:t>。</a:t>
-            </a:r>
-            <a:r>
-              <a:rPr lang="en-US" altLang="zh-CN" sz="1400" b="1"/>
-              <a:t>bootstrap.js</a:t>
-            </a:r>
-            <a:r>
-              <a:rPr lang="zh-CN" altLang="en-US" sz="1400" b="1"/>
-              <a:t>自己去找</a:t>
-            </a:r>
-            <a:r>
-              <a:rPr lang="en-US" altLang="zh-CN" sz="1400" b="1"/>
-              <a:t>jquery.js</a:t>
-            </a:r>
-            <a:endParaRPr lang="en-US" altLang="zh-CN" sz="1400" b="1"/>
+            <p:ph idx="1"/>
+          </p:nvPr>
+        </p:nvSpPr>
+        <p:spPr>
+          <a:xfrm>
+            <a:off x="838200" y="356235"/>
+            <a:ext cx="10515600" cy="5821045"/>
+          </a:xfrm>
+        </p:spPr>
+        <p:txBody>
+          <a:bodyPr/>
+          <a:p>
+            <a:r>
+              <a:rPr lang="zh-CN" altLang="en-US"/>
+              <a:t>程序员必须要写浏览器认识的东西！</a:t>
+            </a:r>
+            <a:endParaRPr lang="zh-CN" altLang="en-US"/>
+          </a:p>
+          <a:p>
+            <a:pPr marL="0" lvl="2" indent="0">
+              <a:buNone/>
+            </a:pPr>
+            <a:r>
+              <a:rPr lang="en-US" altLang="zh-CN">
+                <a:sym typeface="+mn-ea"/>
+              </a:rPr>
+              <a:t>	</a:t>
+            </a:r>
+            <a:r>
+              <a:rPr lang="zh-CN" altLang="en-US">
+                <a:sym typeface="+mn-ea"/>
+              </a:rPr>
+              <a:t>语言的好坏都要接受，不然浏览器不懂，</a:t>
+            </a:r>
+            <a:r>
+              <a:rPr lang="zh-CN" altLang="en-US">
+                <a:solidFill>
+                  <a:schemeClr val="accent1"/>
+                </a:solidFill>
+                <a:sym typeface="+mn-ea"/>
+              </a:rPr>
+              <a:t>这不方便</a:t>
+            </a:r>
+            <a:endParaRPr lang="zh-CN" altLang="en-US">
+              <a:solidFill>
+                <a:schemeClr val="accent1"/>
+              </a:solidFill>
+            </a:endParaRPr>
+          </a:p>
+          <a:p>
+            <a:pPr marL="914400" lvl="2" indent="0">
+              <a:buNone/>
+            </a:pPr>
+            <a:endParaRPr lang="zh-CN" altLang="en-US">
+              <a:solidFill>
+                <a:schemeClr val="accent1"/>
+              </a:solidFill>
+            </a:endParaRPr>
           </a:p>
         </p:txBody>
       </p:sp>
       <p:pic>
         <p:nvPicPr>
-          <p:cNvPr id="5" name="图片 4" descr="传统依赖"/>
+          <p:cNvPr id="6" name="图片 5" descr="最低端"/>
           <p:cNvPicPr>
             <a:picLocks noChangeAspect="1"/>
           </p:cNvPicPr>
@@ -8423,32 +9683,8 @@
         </p:blipFill>
         <p:spPr>
           <a:xfrm>
-            <a:off x="838200" y="2619375"/>
-            <a:ext cx="3305175" cy="1619250"/>
-          </a:xfrm>
-          <a:prstGeom prst="rect">
-            <a:avLst/>
-          </a:prstGeom>
-        </p:spPr>
-      </p:pic>
-      <p:pic>
-        <p:nvPicPr>
-          <p:cNvPr id="6" name="图片 5" descr="自己找依赖"/>
-          <p:cNvPicPr>
-            <a:picLocks noChangeAspect="1"/>
-          </p:cNvPicPr>
-          <p:nvPr/>
-        </p:nvPicPr>
-        <p:blipFill>
-          <a:blip r:embed="rId2"/>
-          <a:stretch>
-            <a:fillRect/>
-          </a:stretch>
-        </p:blipFill>
-        <p:spPr>
-          <a:xfrm>
-            <a:off x="6172200" y="2788285"/>
-            <a:ext cx="5448300" cy="800100"/>
+            <a:off x="855345" y="1464310"/>
+            <a:ext cx="10498455" cy="5093335"/>
           </a:xfrm>
           <a:prstGeom prst="rect">
             <a:avLst/>

--- a/cloud/webpack-ppt/培训 - webpack.pptx
+++ b/cloud/webpack-ppt/培训 - webpack.pptx
@@ -5,7 +5,7 @@
     <p:sldMasterId id="2147483648" r:id="rId1"/>
   </p:sldMasterIdLst>
   <p:notesMasterIdLst>
-    <p:notesMasterId r:id="rId52"/>
+    <p:notesMasterId r:id="rId55"/>
   </p:notesMasterIdLst>
   <p:sldIdLst>
     <p:sldId id="256" r:id="rId3"/>
@@ -50,14 +50,22 @@
     <p:sldId id="283" r:id="rId42"/>
     <p:sldId id="295" r:id="rId43"/>
     <p:sldId id="387" r:id="rId44"/>
-    <p:sldId id="366" r:id="rId45"/>
-    <p:sldId id="296" r:id="rId46"/>
-    <p:sldId id="302" r:id="rId47"/>
-    <p:sldId id="303" r:id="rId48"/>
-    <p:sldId id="304" r:id="rId49"/>
-    <p:sldId id="305" r:id="rId50"/>
-    <p:sldId id="297" r:id="rId51"/>
-    <p:sldId id="308" r:id="rId53"/>
+    <p:sldId id="424" r:id="rId45"/>
+    <p:sldId id="366" r:id="rId46"/>
+    <p:sldId id="296" r:id="rId47"/>
+    <p:sldId id="302" r:id="rId48"/>
+    <p:sldId id="303" r:id="rId49"/>
+    <p:sldId id="304" r:id="rId50"/>
+    <p:sldId id="305" r:id="rId51"/>
+    <p:sldId id="425" r:id="rId52"/>
+    <p:sldId id="428" r:id="rId53"/>
+    <p:sldId id="297" r:id="rId54"/>
+    <p:sldId id="429" r:id="rId56"/>
+    <p:sldId id="433" r:id="rId57"/>
+    <p:sldId id="430" r:id="rId58"/>
+    <p:sldId id="431" r:id="rId59"/>
+    <p:sldId id="432" r:id="rId60"/>
+    <p:sldId id="308" r:id="rId61"/>
   </p:sldIdLst>
   <p:sldSz cx="12192000" cy="6858000"/>
   <p:notesSz cx="6858000" cy="9144000"/>
@@ -3357,6 +3365,30 @@
         <p:nvPr/>
       </p:nvGrpSpPr>
       <p:grpSpPr/>
+      <p:pic>
+        <p:nvPicPr>
+          <p:cNvPr id="4" name="图片 3" descr="TB1c0gRekfb_uJkHFJHXXb4vFXa_!!0-item_pic.jpg_430x430q90"/>
+          <p:cNvPicPr>
+            <a:picLocks noChangeAspect="1"/>
+          </p:cNvPicPr>
+          <p:nvPr/>
+        </p:nvPicPr>
+        <p:blipFill>
+          <a:blip r:embed="rId1"/>
+          <a:stretch>
+            <a:fillRect/>
+          </a:stretch>
+        </p:blipFill>
+        <p:spPr>
+          <a:xfrm>
+            <a:off x="1374140" y="1579880"/>
+            <a:ext cx="3266440" cy="3266440"/>
+          </a:xfrm>
+          <a:prstGeom prst="rect">
+            <a:avLst/>
+          </a:prstGeom>
+        </p:spPr>
+      </p:pic>
       <p:sp>
         <p:nvSpPr>
           <p:cNvPr id="2" name="标题 1"/>
@@ -3371,6 +3403,7 @@
         <p:txBody>
           <a:bodyPr/>
           <a:p>
+            <a:pPr algn="r"/>
             <a:r>
               <a:rPr lang="zh-CN" altLang="en-US"/>
               <a:t>深入浅出</a:t>
@@ -3397,6 +3430,21 @@
         <p:txBody>
           <a:bodyPr/>
           <a:p>
+            <a:pPr algn="r"/>
+            <a:r>
+              <a:rPr lang="zh-CN" altLang="en-US"/>
+              <a:t>《</a:t>
+            </a:r>
+            <a:r>
+              <a:rPr lang="zh-CN" altLang="en-US">
+                <a:sym typeface="+mn-ea"/>
+              </a:rPr>
+              <a:t>浅入到不放弃</a:t>
+            </a:r>
+            <a:r>
+              <a:rPr lang="zh-CN" altLang="en-US"/>
+              <a:t>》</a:t>
+            </a:r>
             <a:endParaRPr lang="zh-CN" altLang="en-US"/>
           </a:p>
         </p:txBody>
@@ -6289,7 +6337,7 @@
           <a:p>
             <a:r>
               <a:rPr lang="en-US" altLang="zh-CN"/>
-              <a:t>Grunt</a:t>
+              <a:t>1.Grunt</a:t>
             </a:r>
             <a:endParaRPr lang="en-US" altLang="zh-CN"/>
           </a:p>
@@ -6412,7 +6460,7 @@
           <a:p>
             <a:r>
               <a:rPr lang="en-US" altLang="zh-CN"/>
-              <a:t>Gulp</a:t>
+              <a:t>2.Gulp</a:t>
             </a:r>
             <a:endParaRPr lang="en-US" altLang="zh-CN"/>
           </a:p>
@@ -6642,6 +6690,10 @@
           <a:bodyPr/>
           <a:p>
             <a:r>
+              <a:rPr lang="en-US" altLang="zh-CN"/>
+              <a:t>3.</a:t>
+            </a:r>
+            <a:r>
               <a:rPr lang="zh-CN" altLang="en-US"/>
               <a:t>browserify</a:t>
             </a:r>
@@ -6724,6 +6776,10 @@
           <a:bodyPr/>
           <a:p>
             <a:r>
+              <a:rPr lang="en-US" altLang="zh-CN"/>
+              <a:t>4.</a:t>
+            </a:r>
+            <a:r>
               <a:rPr lang="zh-CN" altLang="en-US"/>
               <a:t>Parcel</a:t>
             </a:r>
@@ -6807,7 +6863,7 @@
           <a:p>
             <a:r>
               <a:rPr lang="en-US" altLang="zh-CN"/>
-              <a:t>FIS3</a:t>
+              <a:t>5.FIS3</a:t>
             </a:r>
             <a:endParaRPr lang="en-US" altLang="zh-CN"/>
           </a:p>
@@ -7071,6 +7127,10 @@
           <a:bodyPr/>
           <a:p>
             <a:r>
+              <a:rPr lang="en-US" altLang="zh-CN"/>
+              <a:t>6.</a:t>
+            </a:r>
+            <a:r>
               <a:rPr lang="zh-CN" altLang="en-US"/>
               <a:t>yeoman</a:t>
             </a:r>
@@ -7153,6 +7213,10 @@
           <a:bodyPr/>
           <a:p>
             <a:r>
+              <a:rPr lang="en-US" altLang="zh-CN"/>
+              <a:t>7.</a:t>
+            </a:r>
+            <a:r>
               <a:rPr lang="zh-CN" altLang="en-US"/>
               <a:t>Rollup</a:t>
             </a:r>
@@ -7414,7 +7478,7 @@
           <a:p>
             <a:r>
               <a:rPr lang="en-US" altLang="zh-CN"/>
-              <a:t>Webpack === </a:t>
+              <a:t>8.Webpack === </a:t>
             </a:r>
             <a:r>
               <a:rPr lang="zh-CN" altLang="en-US"/>
@@ -7681,12 +7745,6 @@
               </a:rPr>
               <a:t>webpack</a:t>
             </a:r>
-            <a:r>
-              <a:rPr lang="zh-CN" altLang="en-US" sz="4400">
-                <a:sym typeface="+mn-ea"/>
-              </a:rPr>
-              <a:t>打包核心</a:t>
-            </a:r>
             <a:endParaRPr lang="zh-CN" altLang="en-US" sz="4400"/>
           </a:p>
         </p:txBody>
@@ -7724,34 +7782,14 @@
           <a:bodyPr/>
           <a:p>
             <a:r>
-              <a:rPr lang="zh-CN" altLang="en-US">
-                <a:ln/>
-                <a:solidFill>
-                  <a:schemeClr val="tx1"/>
-                </a:solidFill>
-                <a:effectLst>
-                  <a:outerShdw blurRad="38100" dist="19050" dir="2700000" algn="tl" rotWithShape="0">
-                    <a:schemeClr val="dk1">
-                      <a:alpha val="40000"/>
-                    </a:schemeClr>
-                  </a:outerShdw>
-                </a:effectLst>
-              </a:rPr>
-              <a:t>打包核心</a:t>
-            </a:r>
-            <a:endParaRPr lang="zh-CN" altLang="en-US">
-              <a:ln/>
-              <a:solidFill>
-                <a:schemeClr val="tx1"/>
-              </a:solidFill>
-              <a:effectLst>
-                <a:outerShdw blurRad="38100" dist="19050" dir="2700000" algn="tl" rotWithShape="0">
-                  <a:schemeClr val="dk1">
-                    <a:alpha val="40000"/>
-                  </a:schemeClr>
-                </a:outerShdw>
-              </a:effectLst>
-            </a:endParaRPr>
+              <a:rPr lang="en-US" altLang="zh-CN"/>
+              <a:t>3.1</a:t>
+            </a:r>
+            <a:r>
+              <a:rPr lang="zh-CN" altLang="en-US"/>
+              <a:t>安装</a:t>
+            </a:r>
+            <a:endParaRPr lang="zh-CN" altLang="en-US"/>
           </a:p>
         </p:txBody>
       </p:sp>
@@ -7769,47 +7807,64 @@
         <p:txBody>
           <a:bodyPr/>
           <a:p>
-            <a:pPr marL="514350" indent="-514350">
-              <a:buAutoNum type="arabicPeriod"/>
-            </a:pPr>
-            <a:r>
-              <a:rPr lang="zh-CN" altLang="en-US"/>
-              <a:t>从入口文件开始，分析依赖树；</a:t>
-            </a:r>
-            <a:endParaRPr lang="zh-CN" altLang="en-US"/>
-          </a:p>
-          <a:p>
-            <a:pPr marL="514350" indent="-514350">
-              <a:buAutoNum type="arabicPeriod"/>
-            </a:pPr>
-            <a:r>
-              <a:rPr lang="zh-CN" altLang="en-US"/>
-              <a:t>将依赖的模块包装起来，放到一个数组中等待调用；</a:t>
-            </a:r>
-            <a:endParaRPr lang="zh-CN" altLang="en-US"/>
-          </a:p>
-          <a:p>
-            <a:pPr marL="514350" indent="-514350">
-              <a:buAutoNum type="arabicPeriod"/>
-            </a:pPr>
-            <a:r>
-              <a:rPr lang="zh-CN" altLang="en-US"/>
-              <a:t>实现模块加载方法，并把它放在模块执行环境中，确保模块相互调用。</a:t>
-            </a:r>
-            <a:endParaRPr lang="zh-CN" altLang="en-US"/>
-          </a:p>
-          <a:p>
-            <a:pPr marL="514350" indent="-514350">
-              <a:buAutoNum type="arabicPeriod"/>
-            </a:pPr>
-            <a:r>
-              <a:rPr lang="zh-CN" altLang="en-US"/>
-              <a:t>把执行入口文件的逻辑放到一个函数表达式中，并立即执行这个函数。</a:t>
-            </a:r>
-            <a:endParaRPr lang="zh-CN" altLang="en-US"/>
-          </a:p>
-        </p:txBody>
-      </p:sp>
+            <a:endParaRPr lang="en-US" altLang="zh-CN"/>
+          </a:p>
+          <a:p>
+            <a:endParaRPr lang="en-US" altLang="zh-CN"/>
+          </a:p>
+          <a:p>
+            <a:endParaRPr lang="en-US" altLang="zh-CN"/>
+          </a:p>
+        </p:txBody>
+      </p:sp>
+      <p:pic>
+        <p:nvPicPr>
+          <p:cNvPr id="4" name="图片 3" descr="node"/>
+          <p:cNvPicPr>
+            <a:picLocks noChangeAspect="1"/>
+          </p:cNvPicPr>
+          <p:nvPr/>
+        </p:nvPicPr>
+        <p:blipFill>
+          <a:blip r:embed="rId1"/>
+          <a:stretch>
+            <a:fillRect/>
+          </a:stretch>
+        </p:blipFill>
+        <p:spPr>
+          <a:xfrm>
+            <a:off x="838200" y="1825625"/>
+            <a:ext cx="1605915" cy="1073150"/>
+          </a:xfrm>
+          <a:prstGeom prst="rect">
+            <a:avLst/>
+          </a:prstGeom>
+        </p:spPr>
+      </p:pic>
+      <p:pic>
+        <p:nvPicPr>
+          <p:cNvPr id="5" name="图片 4" descr="2"/>
+          <p:cNvPicPr>
+            <a:picLocks noChangeAspect="1"/>
+          </p:cNvPicPr>
+          <p:nvPr/>
+        </p:nvPicPr>
+        <p:blipFill>
+          <a:blip r:embed="rId2"/>
+          <a:stretch>
+            <a:fillRect/>
+          </a:stretch>
+        </p:blipFill>
+        <p:spPr>
+          <a:xfrm>
+            <a:off x="838200" y="3278505"/>
+            <a:ext cx="3914775" cy="1133475"/>
+          </a:xfrm>
+          <a:prstGeom prst="rect">
+            <a:avLst/>
+          </a:prstGeom>
+        </p:spPr>
+      </p:pic>
     </p:spTree>
   </p:cSld>
   <p:clrMapOvr>
@@ -7838,24 +7893,52 @@
             <p:ph type="title"/>
           </p:nvPr>
         </p:nvSpPr>
-        <p:spPr>
-          <a:xfrm>
-            <a:off x="838200" y="365125"/>
-            <a:ext cx="10515600" cy="1325563"/>
-          </a:xfrm>
-        </p:spPr>
-        <p:txBody>
-          <a:bodyPr/>
-          <a:p>
-            <a:r>
-              <a:rPr lang="en-US" altLang="zh-CN"/>
-              <a:t>Webpack配</a:t>
-            </a:r>
-            <a:r>
-              <a:rPr lang="zh-CN" altLang="en-US"/>
-              <a:t>置</a:t>
-            </a:r>
-            <a:endParaRPr lang="zh-CN" altLang="en-US"/>
+        <p:spPr/>
+        <p:txBody>
+          <a:bodyPr/>
+          <a:p>
+            <a:r>
+              <a:rPr lang="en-US" altLang="zh-CN">
+                <a:solidFill>
+                  <a:schemeClr val="tx1"/>
+                </a:solidFill>
+                <a:effectLst>
+                  <a:outerShdw blurRad="38100" dist="19050" dir="2700000" algn="tl" rotWithShape="0">
+                    <a:schemeClr val="dk1">
+                      <a:alpha val="40000"/>
+                    </a:schemeClr>
+                  </a:outerShdw>
+                </a:effectLst>
+              </a:rPr>
+              <a:t>2.</a:t>
+            </a:r>
+            <a:r>
+              <a:rPr lang="zh-CN" altLang="en-US">
+                <a:solidFill>
+                  <a:schemeClr val="tx1"/>
+                </a:solidFill>
+                <a:effectLst>
+                  <a:outerShdw blurRad="38100" dist="19050" dir="2700000" algn="tl" rotWithShape="0">
+                    <a:schemeClr val="dk1">
+                      <a:alpha val="40000"/>
+                    </a:schemeClr>
+                  </a:outerShdw>
+                </a:effectLst>
+              </a:rPr>
+              <a:t>打包核心</a:t>
+            </a:r>
+            <a:endParaRPr lang="zh-CN" altLang="en-US">
+              <a:solidFill>
+                <a:schemeClr val="tx1"/>
+              </a:solidFill>
+              <a:effectLst>
+                <a:outerShdw blurRad="38100" dist="19050" dir="2700000" algn="tl" rotWithShape="0">
+                  <a:schemeClr val="dk1">
+                    <a:alpha val="40000"/>
+                  </a:schemeClr>
+                </a:outerShdw>
+              </a:effectLst>
+            </a:endParaRPr>
           </a:p>
         </p:txBody>
       </p:sp>
@@ -7866,38 +7949,151 @@
             <a:spLocks noGrp="1"/>
           </p:cNvSpPr>
           <p:nvPr>
-            <p:ph sz="half" idx="1"/>
-          </p:nvPr>
-        </p:nvSpPr>
-        <p:spPr>
-          <a:xfrm>
-            <a:off x="838200" y="1825625"/>
-            <a:ext cx="10810240" cy="4351655"/>
-          </a:xfrm>
-        </p:spPr>
-        <p:txBody>
-          <a:bodyPr/>
-          <a:p>
-            <a:r>
-              <a:rPr lang="zh-CN" altLang="en-US"/>
-              <a:t>边看</a:t>
-            </a:r>
-            <a:r>
-              <a:rPr lang="en-US" altLang="zh-CN"/>
-              <a:t>webpack.config.js</a:t>
-            </a:r>
-            <a:r>
-              <a:rPr lang="zh-CN" altLang="en-US"/>
-              <a:t>文件，边讲</a:t>
-            </a:r>
-            <a:endParaRPr lang="zh-CN" altLang="en-US"/>
-          </a:p>
-          <a:p>
-            <a:r>
-              <a:rPr lang="zh-CN" altLang="en-US"/>
-              <a:t>https://webpack.docschina.org/concepts/</a:t>
-            </a:r>
-            <a:endParaRPr lang="zh-CN" altLang="en-US"/>
+            <p:ph idx="1"/>
+          </p:nvPr>
+        </p:nvSpPr>
+        <p:spPr/>
+        <p:txBody>
+          <a:bodyPr/>
+          <a:p>
+            <a:pPr marL="514350" indent="-514350">
+              <a:buAutoNum type="arabicPeriod"/>
+            </a:pPr>
+            <a:r>
+              <a:rPr lang="zh-CN" altLang="en-US"/>
+              <a:t>从</a:t>
+            </a:r>
+            <a:r>
+              <a:rPr lang="zh-CN" altLang="en-US">
+                <a:solidFill>
+                  <a:srgbClr val="FF0000"/>
+                </a:solidFill>
+              </a:rPr>
+              <a:t>入口</a:t>
+            </a:r>
+            <a:r>
+              <a:rPr lang="zh-CN" altLang="en-US"/>
+              <a:t>文件开始，分析</a:t>
+            </a:r>
+            <a:r>
+              <a:rPr lang="zh-CN" altLang="en-US">
+                <a:solidFill>
+                  <a:srgbClr val="FF0000"/>
+                </a:solidFill>
+              </a:rPr>
+              <a:t>依赖树</a:t>
+            </a:r>
+            <a:r>
+              <a:rPr lang="zh-CN" altLang="en-US"/>
+              <a:t>；</a:t>
+            </a:r>
+            <a:endParaRPr lang="zh-CN" altLang="en-US"/>
+          </a:p>
+          <a:p>
+            <a:pPr marL="514350" indent="-514350">
+              <a:buAutoNum type="arabicPeriod"/>
+            </a:pPr>
+            <a:r>
+              <a:rPr lang="zh-CN" altLang="en-US"/>
+              <a:t>将依赖的模块</a:t>
+            </a:r>
+            <a:r>
+              <a:rPr lang="zh-CN" altLang="en-US">
+                <a:solidFill>
+                  <a:srgbClr val="FF0000"/>
+                </a:solidFill>
+              </a:rPr>
+              <a:t>包装</a:t>
+            </a:r>
+            <a:r>
+              <a:rPr lang="zh-CN" altLang="en-US"/>
+              <a:t>起来，放到一个数组中等待调用；</a:t>
+            </a:r>
+            <a:endParaRPr lang="zh-CN" altLang="en-US"/>
+          </a:p>
+          <a:p>
+            <a:pPr marL="514350" indent="-514350">
+              <a:buAutoNum type="arabicPeriod"/>
+            </a:pPr>
+            <a:r>
+              <a:rPr lang="zh-CN" altLang="en-US"/>
+              <a:t>实现模块加载方法，并把它放在模块</a:t>
+            </a:r>
+            <a:r>
+              <a:rPr lang="zh-CN" altLang="en-US">
+                <a:solidFill>
+                  <a:srgbClr val="FF0000"/>
+                </a:solidFill>
+              </a:rPr>
+              <a:t>执行环境</a:t>
+            </a:r>
+            <a:r>
+              <a:rPr lang="zh-CN" altLang="en-US"/>
+              <a:t>中，确保模块相互调用。</a:t>
+            </a:r>
+            <a:endParaRPr lang="zh-CN" altLang="en-US"/>
+          </a:p>
+          <a:p>
+            <a:pPr marL="514350" indent="-514350">
+              <a:buAutoNum type="arabicPeriod"/>
+            </a:pPr>
+            <a:r>
+              <a:rPr lang="zh-CN" altLang="en-US"/>
+              <a:t>把执行入口文件的逻辑放到一个函数表达式中，并</a:t>
+            </a:r>
+            <a:r>
+              <a:rPr lang="zh-CN" altLang="en-US">
+                <a:solidFill>
+                  <a:srgbClr val="FF0000"/>
+                </a:solidFill>
+              </a:rPr>
+              <a:t>立即执行这个函数</a:t>
+            </a:r>
+            <a:r>
+              <a:rPr lang="zh-CN" altLang="en-US"/>
+              <a:t>。</a:t>
+            </a:r>
+            <a:endParaRPr lang="zh-CN" altLang="en-US"/>
+          </a:p>
+          <a:p>
+            <a:pPr marL="514350" indent="-514350">
+              <a:buAutoNum type="arabicPeriod"/>
+            </a:pPr>
+            <a:endParaRPr lang="zh-CN" altLang="en-US"/>
+          </a:p>
+          <a:p>
+            <a:pPr marL="0" indent="0">
+              <a:buNone/>
+            </a:pPr>
+            <a:r>
+              <a:rPr lang="zh-CN" altLang="en-US" sz="2400">
+                <a:ln/>
+                <a:solidFill>
+                  <a:schemeClr val="accent1"/>
+                </a:solidFill>
+                <a:effectLst>
+                  <a:outerShdw blurRad="38100" dist="25400" dir="5400000" algn="ctr" rotWithShape="0">
+                    <a:srgbClr val="6E747A">
+                      <a:alpha val="43000"/>
+                    </a:srgbClr>
+                  </a:outerShdw>
+                </a:effectLst>
+              </a:rPr>
+              <a:t>这里不用深入了解</a:t>
+            </a:r>
+            <a:endParaRPr lang="zh-CN" altLang="en-US" sz="2400">
+              <a:ln/>
+              <a:solidFill>
+                <a:schemeClr val="accent1"/>
+              </a:solidFill>
+              <a:effectLst>
+                <a:outerShdw blurRad="38100" dist="25400" dir="5400000" algn="ctr" rotWithShape="0">
+                  <a:srgbClr val="6E747A">
+                    <a:alpha val="43000"/>
+                  </a:srgbClr>
+                </a:outerShdw>
+              </a:effectLst>
+            </a:endParaRPr>
           </a:p>
         </p:txBody>
       </p:sp>
@@ -7910,6 +8106,97 @@
 </file>
 
 <file path=ppt/slides/slide45.xml><?xml version="1.0" encoding="utf-8"?>
+<p:sld xmlns:a="http://schemas.openxmlformats.org/drawingml/2006/main" xmlns:r="http://schemas.openxmlformats.org/officeDocument/2006/relationships" xmlns:p="http://schemas.openxmlformats.org/presentationml/2006/main">
+  <p:cSld>
+    <p:spTree>
+      <p:nvGrpSpPr>
+        <p:cNvPr id="1" name=""/>
+        <p:cNvGrpSpPr/>
+        <p:nvPr/>
+      </p:nvGrpSpPr>
+      <p:grpSpPr/>
+      <p:sp>
+        <p:nvSpPr>
+          <p:cNvPr id="2" name="标题 1"/>
+          <p:cNvSpPr>
+            <a:spLocks noGrp="1"/>
+          </p:cNvSpPr>
+          <p:nvPr>
+            <p:ph type="title"/>
+          </p:nvPr>
+        </p:nvSpPr>
+        <p:spPr>
+          <a:xfrm>
+            <a:off x="838200" y="365125"/>
+            <a:ext cx="10515600" cy="1325563"/>
+          </a:xfrm>
+        </p:spPr>
+        <p:txBody>
+          <a:bodyPr/>
+          <a:p>
+            <a:r>
+              <a:rPr lang="en-US" altLang="zh-CN"/>
+              <a:t>Webpack配</a:t>
+            </a:r>
+            <a:r>
+              <a:rPr lang="zh-CN" altLang="en-US"/>
+              <a:t>置</a:t>
+            </a:r>
+            <a:endParaRPr lang="zh-CN" altLang="en-US"/>
+          </a:p>
+        </p:txBody>
+      </p:sp>
+      <p:sp>
+        <p:nvSpPr>
+          <p:cNvPr id="3" name="内容占位符 2"/>
+          <p:cNvSpPr>
+            <a:spLocks noGrp="1"/>
+          </p:cNvSpPr>
+          <p:nvPr>
+            <p:ph sz="half" idx="1"/>
+          </p:nvPr>
+        </p:nvSpPr>
+        <p:spPr>
+          <a:xfrm>
+            <a:off x="838200" y="1825625"/>
+            <a:ext cx="10810240" cy="4351655"/>
+          </a:xfrm>
+        </p:spPr>
+        <p:txBody>
+          <a:bodyPr/>
+          <a:p>
+            <a:r>
+              <a:rPr lang="zh-CN" altLang="en-US"/>
+              <a:t>边看</a:t>
+            </a:r>
+            <a:r>
+              <a:rPr lang="en-US" altLang="zh-CN"/>
+              <a:t>webpack.config.js</a:t>
+            </a:r>
+            <a:r>
+              <a:rPr lang="zh-CN" altLang="en-US"/>
+              <a:t>文件，边讲</a:t>
+            </a:r>
+            <a:endParaRPr lang="zh-CN" altLang="en-US"/>
+          </a:p>
+          <a:p>
+            <a:r>
+              <a:rPr lang="zh-CN" altLang="en-US"/>
+              <a:t>https://webpack.docschina.org/concepts/</a:t>
+            </a:r>
+            <a:endParaRPr lang="zh-CN" altLang="en-US"/>
+          </a:p>
+        </p:txBody>
+      </p:sp>
+    </p:spTree>
+  </p:cSld>
+  <p:clrMapOvr>
+    <a:masterClrMapping/>
+  </p:clrMapOvr>
+</p:sld>
+</file>
+
+<file path=ppt/slides/slide46.xml><?xml version="1.0" encoding="utf-8"?>
 <p:sld xmlns:a="http://schemas.openxmlformats.org/drawingml/2006/main" xmlns:r="http://schemas.openxmlformats.org/officeDocument/2006/relationships" xmlns:p="http://schemas.openxmlformats.org/presentationml/2006/main">
   <p:cSld>
     <p:spTree>
@@ -8025,7 +8312,7 @@
 </p:sld>
 </file>
 
-<file path=ppt/slides/slide46.xml><?xml version="1.0" encoding="utf-8"?>
+<file path=ppt/slides/slide47.xml><?xml version="1.0" encoding="utf-8"?>
 <p:sld xmlns:a="http://schemas.openxmlformats.org/drawingml/2006/main" xmlns:r="http://schemas.openxmlformats.org/officeDocument/2006/relationships" xmlns:p="http://schemas.openxmlformats.org/presentationml/2006/main">
   <p:cSld>
     <p:spTree>
@@ -8123,7 +8410,7 @@
 </p:sld>
 </file>
 
-<file path=ppt/slides/slide47.xml><?xml version="1.0" encoding="utf-8"?>
+<file path=ppt/slides/slide48.xml><?xml version="1.0" encoding="utf-8"?>
 <p:sld xmlns:a="http://schemas.openxmlformats.org/drawingml/2006/main" xmlns:r="http://schemas.openxmlformats.org/officeDocument/2006/relationships" xmlns:p="http://schemas.openxmlformats.org/presentationml/2006/main">
   <p:cSld>
     <p:spTree>
@@ -8149,9 +8436,37 @@
           <a:p>
             <a:r>
               <a:rPr lang="zh-CN" altLang="en-US"/>
-              <a:t>loader</a:t>
-            </a:r>
-            <a:endParaRPr lang="zh-CN" altLang="en-US"/>
+              <a:t>loader：</a:t>
+            </a:r>
+            <a:r>
+              <a:rPr lang="zh-CN" altLang="en-US" sz="2400">
+                <a:ln/>
+                <a:solidFill>
+                  <a:schemeClr val="accent1"/>
+                </a:solidFill>
+                <a:effectLst>
+                  <a:outerShdw blurRad="38100" dist="25400" dir="5400000" algn="ctr" rotWithShape="0">
+                    <a:srgbClr val="6E747A">
+                      <a:alpha val="43000"/>
+                    </a:srgbClr>
+                  </a:outerShdw>
+                </a:effectLst>
+              </a:rPr>
+              <a:t>必要的工具，否则代码无法运行</a:t>
+            </a:r>
+            <a:endParaRPr lang="zh-CN" altLang="en-US" sz="2400">
+              <a:ln/>
+              <a:solidFill>
+                <a:schemeClr val="accent1"/>
+              </a:solidFill>
+              <a:effectLst>
+                <a:outerShdw blurRad="38100" dist="25400" dir="5400000" algn="ctr" rotWithShape="0">
+                  <a:srgbClr val="6E747A">
+                    <a:alpha val="43000"/>
+                  </a:srgbClr>
+                </a:outerShdw>
+              </a:effectLst>
+            </a:endParaRPr>
           </a:p>
         </p:txBody>
       </p:sp>
@@ -8345,7 +8660,7 @@
 </p:sld>
 </file>
 
-<file path=ppt/slides/slide48.xml><?xml version="1.0" encoding="utf-8"?>
+<file path=ppt/slides/slide49.xml><?xml version="1.0" encoding="utf-8"?>
 <p:sld xmlns:a="http://schemas.openxmlformats.org/drawingml/2006/main" xmlns:r="http://schemas.openxmlformats.org/officeDocument/2006/relationships" xmlns:p="http://schemas.openxmlformats.org/presentationml/2006/main">
   <p:cSld>
     <p:spTree>
@@ -8371,9 +8686,37 @@
           <a:p>
             <a:r>
               <a:rPr lang="zh-CN" altLang="en-US"/>
-              <a:t>plugin</a:t>
-            </a:r>
-            <a:endParaRPr lang="zh-CN" altLang="en-US"/>
+              <a:t>plugin：</a:t>
+            </a:r>
+            <a:r>
+              <a:rPr lang="zh-CN" altLang="en-US" sz="2400">
+                <a:ln/>
+                <a:solidFill>
+                  <a:schemeClr val="accent1"/>
+                </a:solidFill>
+                <a:effectLst>
+                  <a:outerShdw blurRad="38100" dist="25400" dir="5400000" algn="ctr" rotWithShape="0">
+                    <a:srgbClr val="6E747A">
+                      <a:alpha val="43000"/>
+                    </a:srgbClr>
+                  </a:outerShdw>
+                </a:effectLst>
+              </a:rPr>
+              <a:t>非必要的工具</a:t>
+            </a:r>
+            <a:endParaRPr lang="zh-CN" altLang="en-US" sz="2400">
+              <a:ln/>
+              <a:solidFill>
+                <a:schemeClr val="accent1"/>
+              </a:solidFill>
+              <a:effectLst>
+                <a:outerShdw blurRad="38100" dist="25400" dir="5400000" algn="ctr" rotWithShape="0">
+                  <a:srgbClr val="6E747A">
+                    <a:alpha val="43000"/>
+                  </a:srgbClr>
+                </a:outerShdw>
+              </a:effectLst>
+            </a:endParaRPr>
           </a:p>
         </p:txBody>
       </p:sp>
@@ -8434,94 +8777,6 @@
           </a:prstGeom>
         </p:spPr>
       </p:pic>
-    </p:spTree>
-  </p:cSld>
-  <p:clrMapOvr>
-    <a:masterClrMapping/>
-  </p:clrMapOvr>
-</p:sld>
-</file>
-
-<file path=ppt/slides/slide49.xml><?xml version="1.0" encoding="utf-8"?>
-<p:sld xmlns:a="http://schemas.openxmlformats.org/drawingml/2006/main" xmlns:r="http://schemas.openxmlformats.org/officeDocument/2006/relationships" xmlns:p="http://schemas.openxmlformats.org/presentationml/2006/main">
-  <p:cSld>
-    <p:spTree>
-      <p:nvGrpSpPr>
-        <p:cNvPr id="1" name=""/>
-        <p:cNvGrpSpPr/>
-        <p:nvPr/>
-      </p:nvGrpSpPr>
-      <p:grpSpPr/>
-      <p:sp>
-        <p:nvSpPr>
-          <p:cNvPr id="2" name="标题 1"/>
-          <p:cNvSpPr>
-            <a:spLocks noGrp="1"/>
-          </p:cNvSpPr>
-          <p:nvPr>
-            <p:ph type="title"/>
-          </p:nvPr>
-        </p:nvSpPr>
-        <p:spPr/>
-        <p:txBody>
-          <a:bodyPr>
-            <a:normAutofit/>
-          </a:bodyPr>
-          <a:p>
-            <a:r>
-              <a:rPr lang="en-US" altLang="zh-CN"/>
-              <a:t>webpack</a:t>
-            </a:r>
-            <a:r>
-              <a:rPr lang="zh-CN" altLang="en-US"/>
-              <a:t>最后的打包</a:t>
-            </a:r>
-            <a:endParaRPr lang="zh-CN" altLang="en-US"/>
-          </a:p>
-        </p:txBody>
-      </p:sp>
-      <p:sp>
-        <p:nvSpPr>
-          <p:cNvPr id="3" name="内容占位符 2"/>
-          <p:cNvSpPr>
-            <a:spLocks noGrp="1"/>
-          </p:cNvSpPr>
-          <p:nvPr>
-            <p:ph idx="1"/>
-          </p:nvPr>
-        </p:nvSpPr>
-        <p:spPr/>
-        <p:txBody>
-          <a:bodyPr/>
-          <a:p>
-            <a:r>
-              <a:rPr lang="zh-CN" altLang="en-US"/>
-              <a:t>我当年热更新打包的经历，半夜三更，跑一次</a:t>
-            </a:r>
-            <a:r>
-              <a:rPr lang="en-US" altLang="zh-CN"/>
-              <a:t>3,5</a:t>
-            </a:r>
-            <a:r>
-              <a:rPr lang="zh-CN" altLang="en-US"/>
-              <a:t>分钟。修改一次，老是改错</a:t>
-            </a:r>
-            <a:r>
-              <a:rPr lang="en-US" altLang="zh-CN"/>
-              <a:t>IP</a:t>
-            </a:r>
-            <a:r>
-              <a:rPr lang="zh-CN" altLang="en-US"/>
-              <a:t>，</a:t>
-            </a:r>
-            <a:r>
-              <a:rPr lang="en-US" altLang="zh-CN"/>
-              <a:t>DEBUG.</a:t>
-            </a:r>
-            <a:endParaRPr lang="en-US" altLang="zh-CN"/>
-          </a:p>
-        </p:txBody>
-      </p:sp>
     </p:spTree>
   </p:cSld>
   <p:clrMapOvr>
@@ -8719,6 +8974,10 @@
         <p:txBody>
           <a:bodyPr/>
           <a:p>
+            <a:r>
+              <a:rPr lang="zh-CN" altLang="en-US"/>
+              <a:t>插件：压缩</a:t>
+            </a:r>
             <a:endParaRPr lang="zh-CN" altLang="en-US"/>
           </a:p>
         </p:txBody>
@@ -8730,6 +8989,126 @@
             <a:spLocks noGrp="1"/>
           </p:cNvSpPr>
           <p:nvPr>
+            <p:ph sz="half" idx="1"/>
+          </p:nvPr>
+        </p:nvSpPr>
+        <p:spPr/>
+        <p:txBody>
+          <a:bodyPr/>
+          <a:p>
+            <a:endParaRPr lang="zh-CN" altLang="en-US"/>
+          </a:p>
+        </p:txBody>
+      </p:sp>
+      <p:sp>
+        <p:nvSpPr>
+          <p:cNvPr id="4" name="内容占位符 3"/>
+          <p:cNvSpPr>
+            <a:spLocks noGrp="1"/>
+          </p:cNvSpPr>
+          <p:nvPr>
+            <p:ph sz="half" idx="2"/>
+          </p:nvPr>
+        </p:nvSpPr>
+        <p:spPr/>
+        <p:txBody>
+          <a:bodyPr/>
+          <a:p>
+            <a:endParaRPr lang="zh-CN" altLang="en-US"/>
+          </a:p>
+        </p:txBody>
+      </p:sp>
+      <p:pic>
+        <p:nvPicPr>
+          <p:cNvPr id="5" name="图片 4" descr="看得懂的代码"/>
+          <p:cNvPicPr>
+            <a:picLocks noChangeAspect="1"/>
+          </p:cNvPicPr>
+          <p:nvPr/>
+        </p:nvPicPr>
+        <p:blipFill>
+          <a:blip r:embed="rId1"/>
+          <a:stretch>
+            <a:fillRect/>
+          </a:stretch>
+        </p:blipFill>
+        <p:spPr>
+          <a:xfrm>
+            <a:off x="838200" y="1825625"/>
+            <a:ext cx="4700905" cy="4359910"/>
+          </a:xfrm>
+          <a:prstGeom prst="rect">
+            <a:avLst/>
+          </a:prstGeom>
+        </p:spPr>
+      </p:pic>
+      <p:pic>
+        <p:nvPicPr>
+          <p:cNvPr id="6" name="图片 5" descr="不是给人看的代码"/>
+          <p:cNvPicPr>
+            <a:picLocks noChangeAspect="1"/>
+          </p:cNvPicPr>
+          <p:nvPr/>
+        </p:nvPicPr>
+        <p:blipFill>
+          <a:blip r:embed="rId2"/>
+          <a:stretch>
+            <a:fillRect/>
+          </a:stretch>
+        </p:blipFill>
+        <p:spPr>
+          <a:xfrm>
+            <a:off x="6172200" y="1825625"/>
+            <a:ext cx="4836160" cy="4361180"/>
+          </a:xfrm>
+          <a:prstGeom prst="rect">
+            <a:avLst/>
+          </a:prstGeom>
+        </p:spPr>
+      </p:pic>
+    </p:spTree>
+  </p:cSld>
+  <p:clrMapOvr>
+    <a:masterClrMapping/>
+  </p:clrMapOvr>
+</p:sld>
+</file>
+
+<file path=ppt/slides/slide51.xml><?xml version="1.0" encoding="utf-8"?>
+<p:sld xmlns:a="http://schemas.openxmlformats.org/drawingml/2006/main" xmlns:r="http://schemas.openxmlformats.org/officeDocument/2006/relationships" xmlns:p="http://schemas.openxmlformats.org/presentationml/2006/main">
+  <p:cSld>
+    <p:spTree>
+      <p:nvGrpSpPr>
+        <p:cNvPr id="1" name=""/>
+        <p:cNvGrpSpPr/>
+        <p:nvPr/>
+      </p:nvGrpSpPr>
+      <p:grpSpPr/>
+      <p:sp>
+        <p:nvSpPr>
+          <p:cNvPr id="2" name="标题 1"/>
+          <p:cNvSpPr>
+            <a:spLocks noGrp="1"/>
+          </p:cNvSpPr>
+          <p:nvPr>
+            <p:ph type="title"/>
+          </p:nvPr>
+        </p:nvSpPr>
+        <p:spPr/>
+        <p:txBody>
+          <a:bodyPr/>
+          <a:p>
+            <a:endParaRPr lang="zh-CN" altLang="en-US"/>
+          </a:p>
+        </p:txBody>
+      </p:sp>
+      <p:sp>
+        <p:nvSpPr>
+          <p:cNvPr id="3" name="内容占位符 2"/>
+          <p:cNvSpPr>
+            <a:spLocks noGrp="1"/>
+          </p:cNvSpPr>
+          <p:nvPr>
             <p:ph idx="1"/>
           </p:nvPr>
         </p:nvSpPr>
@@ -8737,6 +9116,640 @@
         <p:txBody>
           <a:bodyPr/>
           <a:p>
+            <a:endParaRPr lang="zh-CN" altLang="en-US"/>
+          </a:p>
+          <a:p>
+            <a:endParaRPr lang="zh-CN" altLang="en-US"/>
+          </a:p>
+          <a:p>
+            <a:pPr marL="0" indent="0">
+              <a:buNone/>
+            </a:pPr>
+            <a:endParaRPr lang="zh-CN" altLang="en-US"/>
+          </a:p>
+          <a:p>
+            <a:pPr marL="0" indent="0" algn="ctr">
+              <a:buNone/>
+            </a:pPr>
+            <a:r>
+              <a:rPr lang="zh-CN" altLang="en-US" sz="4400"/>
+              <a:t>第四章</a:t>
+            </a:r>
+            <a:endParaRPr lang="zh-CN" altLang="en-US" sz="4400"/>
+          </a:p>
+          <a:p>
+            <a:pPr marL="0" indent="0" algn="ctr">
+              <a:buNone/>
+            </a:pPr>
+            <a:r>
+              <a:rPr lang="en-US" altLang="zh-CN" sz="4400"/>
+              <a:t>devServer</a:t>
+            </a:r>
+            <a:endParaRPr lang="en-US" altLang="zh-CN" sz="4400"/>
+          </a:p>
+        </p:txBody>
+      </p:sp>
+    </p:spTree>
+  </p:cSld>
+  <p:clrMapOvr>
+    <a:masterClrMapping/>
+  </p:clrMapOvr>
+</p:sld>
+</file>
+
+<file path=ppt/slides/slide52.xml><?xml version="1.0" encoding="utf-8"?>
+<p:sld xmlns:a="http://schemas.openxmlformats.org/drawingml/2006/main" xmlns:r="http://schemas.openxmlformats.org/officeDocument/2006/relationships" xmlns:p="http://schemas.openxmlformats.org/presentationml/2006/main">
+  <p:cSld>
+    <p:spTree>
+      <p:nvGrpSpPr>
+        <p:cNvPr id="1" name=""/>
+        <p:cNvGrpSpPr/>
+        <p:nvPr/>
+      </p:nvGrpSpPr>
+      <p:grpSpPr/>
+      <p:sp>
+        <p:nvSpPr>
+          <p:cNvPr id="2" name="标题 1"/>
+          <p:cNvSpPr>
+            <a:spLocks noGrp="1"/>
+          </p:cNvSpPr>
+          <p:nvPr>
+            <p:ph type="title"/>
+          </p:nvPr>
+        </p:nvSpPr>
+        <p:spPr/>
+        <p:txBody>
+          <a:bodyPr>
+            <a:normAutofit/>
+          </a:bodyPr>
+          <a:p>
+            <a:r>
+              <a:rPr lang="en-US" altLang="zh-CN"/>
+              <a:t>4.1 - </a:t>
+            </a:r>
+            <a:r>
+              <a:rPr lang="zh-CN"/>
+              <a:t>以前的故事</a:t>
+            </a:r>
+            <a:endParaRPr lang="zh-CN"/>
+          </a:p>
+        </p:txBody>
+      </p:sp>
+      <p:sp>
+        <p:nvSpPr>
+          <p:cNvPr id="3" name="内容占位符 2"/>
+          <p:cNvSpPr>
+            <a:spLocks noGrp="1"/>
+          </p:cNvSpPr>
+          <p:nvPr>
+            <p:ph idx="1"/>
+          </p:nvPr>
+        </p:nvSpPr>
+        <p:spPr/>
+        <p:txBody>
+          <a:bodyPr/>
+          <a:p>
+            <a:r>
+              <a:rPr lang="zh-CN" altLang="en-US"/>
+              <a:t>我当年热更新打包的经历，半夜三更，跑一次</a:t>
+            </a:r>
+            <a:r>
+              <a:rPr lang="en-US" altLang="zh-CN"/>
+              <a:t>3,5</a:t>
+            </a:r>
+            <a:r>
+              <a:rPr lang="zh-CN" altLang="en-US"/>
+              <a:t>分钟。修改一次，老是改错</a:t>
+            </a:r>
+            <a:r>
+              <a:rPr lang="en-US" altLang="zh-CN"/>
+              <a:t>IP</a:t>
+            </a:r>
+            <a:r>
+              <a:rPr lang="zh-CN" altLang="en-US"/>
+              <a:t>，</a:t>
+            </a:r>
+            <a:r>
+              <a:rPr lang="en-US" altLang="zh-CN"/>
+              <a:t>DEBUG.</a:t>
+            </a:r>
+            <a:endParaRPr lang="en-US" altLang="zh-CN"/>
+          </a:p>
+        </p:txBody>
+      </p:sp>
+    </p:spTree>
+  </p:cSld>
+  <p:clrMapOvr>
+    <a:masterClrMapping/>
+  </p:clrMapOvr>
+</p:sld>
+</file>
+
+<file path=ppt/slides/slide53.xml><?xml version="1.0" encoding="utf-8"?>
+<p:sld xmlns:a="http://schemas.openxmlformats.org/drawingml/2006/main" xmlns:r="http://schemas.openxmlformats.org/officeDocument/2006/relationships" xmlns:p="http://schemas.openxmlformats.org/presentationml/2006/main">
+  <p:cSld>
+    <p:spTree>
+      <p:nvGrpSpPr>
+        <p:cNvPr id="1" name=""/>
+        <p:cNvGrpSpPr/>
+        <p:nvPr/>
+      </p:nvGrpSpPr>
+      <p:grpSpPr/>
+      <p:sp>
+        <p:nvSpPr>
+          <p:cNvPr id="2" name="标题 1"/>
+          <p:cNvSpPr>
+            <a:spLocks noGrp="1"/>
+          </p:cNvSpPr>
+          <p:nvPr>
+            <p:ph type="title"/>
+          </p:nvPr>
+        </p:nvSpPr>
+        <p:spPr/>
+        <p:txBody>
+          <a:bodyPr/>
+          <a:p>
+            <a:r>
+              <a:rPr lang="en-US" altLang="zh-CN"/>
+              <a:t>4.2 - </a:t>
+            </a:r>
+            <a:r>
+              <a:rPr lang="zh-CN" altLang="en-US"/>
+              <a:t>功能</a:t>
+            </a:r>
+            <a:endParaRPr lang="zh-CN" altLang="en-US"/>
+          </a:p>
+        </p:txBody>
+      </p:sp>
+      <p:sp>
+        <p:nvSpPr>
+          <p:cNvPr id="3" name="内容占位符 2"/>
+          <p:cNvSpPr>
+            <a:spLocks noGrp="1"/>
+          </p:cNvSpPr>
+          <p:nvPr>
+            <p:ph idx="1"/>
+          </p:nvPr>
+        </p:nvSpPr>
+        <p:spPr/>
+        <p:txBody>
+          <a:bodyPr/>
+          <a:p>
+            <a:r>
+              <a:rPr lang="zh-CN" altLang="en-US"/>
+              <a:t>webpack-dev-server是webpack官方提供的一个小型Express</a:t>
+            </a:r>
+            <a:r>
+              <a:rPr lang="zh-CN" altLang="en-US">
+                <a:solidFill>
+                  <a:srgbClr val="FF0000"/>
+                </a:solidFill>
+              </a:rPr>
+              <a:t>服务器</a:t>
+            </a:r>
+            <a:r>
+              <a:rPr lang="zh-CN" altLang="en-US"/>
+              <a:t>。使用它可以为webpack打包生成的资源文件提供web服务。</a:t>
+            </a:r>
+            <a:endParaRPr lang="zh-CN" altLang="en-US"/>
+          </a:p>
+          <a:p>
+            <a:endParaRPr lang="zh-CN" altLang="en-US"/>
+          </a:p>
+          <a:p>
+            <a:r>
+              <a:rPr lang="zh-CN" altLang="en-US"/>
+              <a:t>为静态文件提供服务</a:t>
+            </a:r>
+            <a:endParaRPr lang="zh-CN" altLang="en-US"/>
+          </a:p>
+          <a:p>
+            <a:r>
+              <a:rPr lang="zh-CN" altLang="en-US"/>
+              <a:t>自动刷新和热替换(HMR)</a:t>
+            </a:r>
+            <a:endParaRPr lang="zh-CN" altLang="en-US"/>
+          </a:p>
+        </p:txBody>
+      </p:sp>
+    </p:spTree>
+  </p:cSld>
+  <p:clrMapOvr>
+    <a:masterClrMapping/>
+  </p:clrMapOvr>
+</p:sld>
+</file>
+
+<file path=ppt/slides/slide54.xml><?xml version="1.0" encoding="utf-8"?>
+<p:sld xmlns:a="http://schemas.openxmlformats.org/drawingml/2006/main" xmlns:r="http://schemas.openxmlformats.org/officeDocument/2006/relationships" xmlns:p="http://schemas.openxmlformats.org/presentationml/2006/main">
+  <p:cSld>
+    <p:spTree>
+      <p:nvGrpSpPr>
+        <p:cNvPr id="1" name=""/>
+        <p:cNvGrpSpPr/>
+        <p:nvPr/>
+      </p:nvGrpSpPr>
+      <p:grpSpPr/>
+      <p:sp>
+        <p:nvSpPr>
+          <p:cNvPr id="2" name="标题 1"/>
+          <p:cNvSpPr>
+            <a:spLocks noGrp="1"/>
+          </p:cNvSpPr>
+          <p:nvPr>
+            <p:ph type="title"/>
+          </p:nvPr>
+        </p:nvSpPr>
+        <p:spPr/>
+        <p:txBody>
+          <a:bodyPr/>
+          <a:p>
+            <a:endParaRPr lang="zh-CN" altLang="en-US"/>
+          </a:p>
+        </p:txBody>
+      </p:sp>
+      <p:sp>
+        <p:nvSpPr>
+          <p:cNvPr id="3" name="内容占位符 2"/>
+          <p:cNvSpPr>
+            <a:spLocks noGrp="1"/>
+          </p:cNvSpPr>
+          <p:nvPr>
+            <p:ph idx="1"/>
+          </p:nvPr>
+        </p:nvSpPr>
+        <p:spPr/>
+        <p:txBody>
+          <a:bodyPr/>
+          <a:p>
+            <a:r>
+              <a:rPr lang="zh-CN" altLang="en-US"/>
+              <a:t>前端有跨域，服务器之间是没有跨域的</a:t>
+            </a:r>
+            <a:endParaRPr lang="zh-CN" altLang="en-US"/>
+          </a:p>
+          <a:p>
+            <a:r>
+              <a:rPr lang="en-US" altLang="zh-CN"/>
+              <a:t>webpack 3.0 </a:t>
+            </a:r>
+            <a:r>
+              <a:rPr lang="zh-CN" altLang="en-US"/>
+              <a:t>和</a:t>
+            </a:r>
+            <a:r>
+              <a:rPr lang="en-US" altLang="zh-CN"/>
+              <a:t>webpack4.0</a:t>
+            </a:r>
+            <a:r>
+              <a:rPr lang="zh-CN" altLang="en-US"/>
+              <a:t>区别</a:t>
+            </a:r>
+            <a:endParaRPr lang="zh-CN" altLang="en-US"/>
+          </a:p>
+          <a:p>
+            <a:r>
+              <a:rPr lang="zh-CN" altLang="en-US"/>
+              <a:t>应用文件和</a:t>
+            </a:r>
+            <a:r>
+              <a:rPr lang="en-US" altLang="zh-CN"/>
+              <a:t>node</a:t>
+            </a:r>
+            <a:r>
+              <a:rPr lang="zh-CN" altLang="en-US"/>
+              <a:t>环境变量</a:t>
+            </a:r>
+            <a:endParaRPr lang="zh-CN" altLang="en-US"/>
+          </a:p>
+        </p:txBody>
+      </p:sp>
+    </p:spTree>
+  </p:cSld>
+  <p:clrMapOvr>
+    <a:masterClrMapping/>
+  </p:clrMapOvr>
+</p:sld>
+</file>
+
+<file path=ppt/slides/slide55.xml><?xml version="1.0" encoding="utf-8"?>
+<p:sld xmlns:a="http://schemas.openxmlformats.org/drawingml/2006/main" xmlns:r="http://schemas.openxmlformats.org/officeDocument/2006/relationships" xmlns:p="http://schemas.openxmlformats.org/presentationml/2006/main">
+  <p:cSld>
+    <p:spTree>
+      <p:nvGrpSpPr>
+        <p:cNvPr id="1" name=""/>
+        <p:cNvGrpSpPr/>
+        <p:nvPr/>
+      </p:nvGrpSpPr>
+      <p:grpSpPr/>
+      <p:sp>
+        <p:nvSpPr>
+          <p:cNvPr id="2" name="标题 1"/>
+          <p:cNvSpPr>
+            <a:spLocks noGrp="1"/>
+          </p:cNvSpPr>
+          <p:nvPr>
+            <p:ph type="title"/>
+          </p:nvPr>
+        </p:nvSpPr>
+        <p:spPr/>
+        <p:txBody>
+          <a:bodyPr/>
+          <a:p>
+            <a:endParaRPr lang="zh-CN" altLang="en-US"/>
+          </a:p>
+        </p:txBody>
+      </p:sp>
+      <p:sp>
+        <p:nvSpPr>
+          <p:cNvPr id="3" name="内容占位符 2"/>
+          <p:cNvSpPr>
+            <a:spLocks noGrp="1"/>
+          </p:cNvSpPr>
+          <p:nvPr>
+            <p:ph idx="1"/>
+          </p:nvPr>
+        </p:nvSpPr>
+        <p:spPr/>
+        <p:txBody>
+          <a:bodyPr/>
+          <a:p>
+            <a:endParaRPr lang="zh-CN" altLang="en-US"/>
+          </a:p>
+        </p:txBody>
+      </p:sp>
+      <p:pic>
+        <p:nvPicPr>
+          <p:cNvPr id="4" name="图片 3" descr="pa"/>
+          <p:cNvPicPr>
+            <a:picLocks noChangeAspect="1"/>
+          </p:cNvPicPr>
+          <p:nvPr/>
+        </p:nvPicPr>
+        <p:blipFill>
+          <a:blip r:embed="rId1"/>
+          <a:stretch>
+            <a:fillRect/>
+          </a:stretch>
+        </p:blipFill>
+        <p:spPr>
+          <a:xfrm>
+            <a:off x="838200" y="365125"/>
+            <a:ext cx="9429750" cy="5812155"/>
+          </a:xfrm>
+          <a:prstGeom prst="rect">
+            <a:avLst/>
+          </a:prstGeom>
+        </p:spPr>
+      </p:pic>
+    </p:spTree>
+  </p:cSld>
+  <p:clrMapOvr>
+    <a:masterClrMapping/>
+  </p:clrMapOvr>
+</p:sld>
+</file>
+
+<file path=ppt/slides/slide56.xml><?xml version="1.0" encoding="utf-8"?>
+<p:sld xmlns:a="http://schemas.openxmlformats.org/drawingml/2006/main" xmlns:r="http://schemas.openxmlformats.org/officeDocument/2006/relationships" xmlns:p="http://schemas.openxmlformats.org/presentationml/2006/main">
+  <p:cSld>
+    <p:spTree>
+      <p:nvGrpSpPr>
+        <p:cNvPr id="1" name=""/>
+        <p:cNvGrpSpPr/>
+        <p:nvPr/>
+      </p:nvGrpSpPr>
+      <p:grpSpPr/>
+      <p:sp>
+        <p:nvSpPr>
+          <p:cNvPr id="2" name="标题 1"/>
+          <p:cNvSpPr>
+            <a:spLocks noGrp="1"/>
+          </p:cNvSpPr>
+          <p:nvPr>
+            <p:ph type="title"/>
+          </p:nvPr>
+        </p:nvSpPr>
+        <p:spPr/>
+        <p:txBody>
+          <a:bodyPr/>
+          <a:p>
+            <a:endParaRPr lang="zh-CN" altLang="en-US"/>
+          </a:p>
+        </p:txBody>
+      </p:sp>
+      <p:sp>
+        <p:nvSpPr>
+          <p:cNvPr id="3" name="内容占位符 2"/>
+          <p:cNvSpPr>
+            <a:spLocks noGrp="1"/>
+          </p:cNvSpPr>
+          <p:nvPr>
+            <p:ph idx="1"/>
+          </p:nvPr>
+        </p:nvSpPr>
+        <p:spPr/>
+        <p:txBody>
+          <a:bodyPr/>
+          <a:p>
+            <a:endParaRPr lang="zh-CN" altLang="en-US"/>
+          </a:p>
+        </p:txBody>
+      </p:sp>
+      <p:pic>
+        <p:nvPicPr>
+          <p:cNvPr id="4" name="图片 3" descr="2"/>
+          <p:cNvPicPr>
+            <a:picLocks noChangeAspect="1"/>
+          </p:cNvPicPr>
+          <p:nvPr/>
+        </p:nvPicPr>
+        <p:blipFill>
+          <a:blip r:embed="rId1"/>
+          <a:stretch>
+            <a:fillRect/>
+          </a:stretch>
+        </p:blipFill>
+        <p:spPr>
+          <a:xfrm>
+            <a:off x="838200" y="328295"/>
+            <a:ext cx="7509510" cy="5848985"/>
+          </a:xfrm>
+          <a:prstGeom prst="rect">
+            <a:avLst/>
+          </a:prstGeom>
+        </p:spPr>
+      </p:pic>
+    </p:spTree>
+  </p:cSld>
+  <p:clrMapOvr>
+    <a:masterClrMapping/>
+  </p:clrMapOvr>
+</p:sld>
+</file>
+
+<file path=ppt/slides/slide57.xml><?xml version="1.0" encoding="utf-8"?>
+<p:sld xmlns:a="http://schemas.openxmlformats.org/drawingml/2006/main" xmlns:r="http://schemas.openxmlformats.org/officeDocument/2006/relationships" xmlns:p="http://schemas.openxmlformats.org/presentationml/2006/main">
+  <p:cSld>
+    <p:spTree>
+      <p:nvGrpSpPr>
+        <p:cNvPr id="1" name=""/>
+        <p:cNvGrpSpPr/>
+        <p:nvPr/>
+      </p:nvGrpSpPr>
+      <p:grpSpPr/>
+      <p:sp>
+        <p:nvSpPr>
+          <p:cNvPr id="2" name="标题 1"/>
+          <p:cNvSpPr>
+            <a:spLocks noGrp="1"/>
+          </p:cNvSpPr>
+          <p:nvPr>
+            <p:ph type="title"/>
+          </p:nvPr>
+        </p:nvSpPr>
+        <p:spPr/>
+        <p:txBody>
+          <a:bodyPr/>
+          <a:p>
+            <a:endParaRPr lang="zh-CN" altLang="en-US"/>
+          </a:p>
+        </p:txBody>
+      </p:sp>
+      <p:sp>
+        <p:nvSpPr>
+          <p:cNvPr id="3" name="内容占位符 2"/>
+          <p:cNvSpPr>
+            <a:spLocks noGrp="1"/>
+          </p:cNvSpPr>
+          <p:nvPr>
+            <p:ph idx="1"/>
+          </p:nvPr>
+        </p:nvSpPr>
+        <p:spPr/>
+        <p:txBody>
+          <a:bodyPr/>
+          <a:p>
+            <a:endParaRPr lang="zh-CN" altLang="en-US"/>
+          </a:p>
+        </p:txBody>
+      </p:sp>
+      <p:pic>
+        <p:nvPicPr>
+          <p:cNvPr id="4" name="图片 3" descr="3"/>
+          <p:cNvPicPr>
+            <a:picLocks noChangeAspect="1"/>
+          </p:cNvPicPr>
+          <p:nvPr/>
+        </p:nvPicPr>
+        <p:blipFill>
+          <a:blip r:embed="rId1"/>
+          <a:stretch>
+            <a:fillRect/>
+          </a:stretch>
+        </p:blipFill>
+        <p:spPr>
+          <a:xfrm>
+            <a:off x="838200" y="365125"/>
+            <a:ext cx="7497445" cy="2747645"/>
+          </a:xfrm>
+          <a:prstGeom prst="rect">
+            <a:avLst/>
+          </a:prstGeom>
+        </p:spPr>
+      </p:pic>
+    </p:spTree>
+  </p:cSld>
+  <p:clrMapOvr>
+    <a:masterClrMapping/>
+  </p:clrMapOvr>
+</p:sld>
+</file>
+
+<file path=ppt/slides/slide58.xml><?xml version="1.0" encoding="utf-8"?>
+<p:sld xmlns:a="http://schemas.openxmlformats.org/drawingml/2006/main" xmlns:r="http://schemas.openxmlformats.org/officeDocument/2006/relationships" xmlns:p="http://schemas.openxmlformats.org/presentationml/2006/main">
+  <p:cSld>
+    <p:spTree>
+      <p:nvGrpSpPr>
+        <p:cNvPr id="1" name=""/>
+        <p:cNvGrpSpPr/>
+        <p:nvPr/>
+      </p:nvGrpSpPr>
+      <p:grpSpPr/>
+      <p:sp>
+        <p:nvSpPr>
+          <p:cNvPr id="2" name="标题 1"/>
+          <p:cNvSpPr>
+            <a:spLocks noGrp="1"/>
+          </p:cNvSpPr>
+          <p:nvPr>
+            <p:ph type="title"/>
+          </p:nvPr>
+        </p:nvSpPr>
+        <p:spPr/>
+        <p:txBody>
+          <a:bodyPr/>
+          <a:p>
+            <a:r>
+              <a:rPr lang="zh-CN" altLang="en-US"/>
+              <a:t>未完待续</a:t>
+            </a:r>
+            <a:endParaRPr lang="zh-CN" altLang="en-US"/>
+          </a:p>
+        </p:txBody>
+      </p:sp>
+      <p:sp>
+        <p:nvSpPr>
+          <p:cNvPr id="3" name="内容占位符 2"/>
+          <p:cNvSpPr>
+            <a:spLocks noGrp="1"/>
+          </p:cNvSpPr>
+          <p:nvPr>
+            <p:ph idx="1"/>
+          </p:nvPr>
+        </p:nvSpPr>
+        <p:spPr/>
+        <p:txBody>
+          <a:bodyPr/>
+          <a:p>
+            <a:r>
+              <a:rPr lang="en-US" altLang="zh-CN"/>
+              <a:t>webpack </a:t>
+            </a:r>
+            <a:r>
+              <a:rPr lang="zh-CN" altLang="en-US"/>
+              <a:t>和 </a:t>
+            </a:r>
+            <a:r>
+              <a:rPr lang="en-US" altLang="zh-CN"/>
+              <a:t>vue-cli</a:t>
+            </a:r>
+            <a:r>
+              <a:rPr lang="zh-CN" altLang="en-US"/>
+              <a:t>？</a:t>
+            </a:r>
+            <a:endParaRPr lang="en-US" altLang="zh-CN"/>
+          </a:p>
+          <a:p>
+            <a:r>
+              <a:rPr lang="en-US" altLang="zh-CN"/>
+              <a:t>webpack4.0 </a:t>
+            </a:r>
+            <a:r>
+              <a:rPr lang="zh-CN" altLang="en-US"/>
+              <a:t>区别？</a:t>
+            </a:r>
+            <a:endParaRPr lang="zh-CN" altLang="en-US"/>
+          </a:p>
+          <a:p>
+            <a:r>
+              <a:rPr lang="en-US" altLang="zh-CN"/>
+              <a:t>wepack</a:t>
+            </a:r>
+            <a:r>
+              <a:rPr lang="zh-CN" altLang="en-US"/>
+              <a:t>优化？</a:t>
+            </a:r>
             <a:endParaRPr lang="zh-CN" altLang="en-US"/>
           </a:p>
         </p:txBody>

--- a/cloud/webpack-ppt/培训 - webpack.pptx
+++ b/cloud/webpack-ppt/培训 - webpack.pptx
@@ -4006,6 +4006,10 @@
             </a:r>
             <a:r>
               <a:rPr lang="zh-CN" altLang="en-US"/>
+              <a:t>之</a:t>
+            </a:r>
+            <a:r>
+              <a:rPr lang="zh-CN" altLang="en-US"/>
               <a:t>依赖关系</a:t>
             </a:r>
             <a:endParaRPr lang="zh-CN" altLang="en-US"/>
@@ -8067,7 +8071,6 @@
             </a:pPr>
             <a:r>
               <a:rPr lang="zh-CN" altLang="en-US" sz="2400">
-                <a:ln/>
                 <a:solidFill>
                   <a:schemeClr val="accent1"/>
                 </a:solidFill>
@@ -8082,7 +8085,6 @@
               <a:t>这里不用深入了解</a:t>
             </a:r>
             <a:endParaRPr lang="zh-CN" altLang="en-US" sz="2400">
-              <a:ln/>
               <a:solidFill>
                 <a:schemeClr val="accent1"/>
               </a:solidFill>
@@ -8440,7 +8442,6 @@
             </a:r>
             <a:r>
               <a:rPr lang="zh-CN" altLang="en-US" sz="2400">
-                <a:ln/>
                 <a:solidFill>
                   <a:schemeClr val="accent1"/>
                 </a:solidFill>
@@ -8455,7 +8456,6 @@
               <a:t>必要的工具，否则代码无法运行</a:t>
             </a:r>
             <a:endParaRPr lang="zh-CN" altLang="en-US" sz="2400">
-              <a:ln/>
               <a:solidFill>
                 <a:schemeClr val="accent1"/>
               </a:solidFill>
@@ -8690,7 +8690,6 @@
             </a:r>
             <a:r>
               <a:rPr lang="zh-CN" altLang="en-US" sz="2400">
-                <a:ln/>
                 <a:solidFill>
                   <a:schemeClr val="accent1"/>
                 </a:solidFill>
@@ -8705,7 +8704,6 @@
               <a:t>非必要的工具</a:t>
             </a:r>
             <a:endParaRPr lang="zh-CN" altLang="en-US" sz="2400">
-              <a:ln/>
               <a:solidFill>
                 <a:schemeClr val="accent1"/>
               </a:solidFill>

--- a/cloud/webpack-ppt/培训 - webpack.pptx
+++ b/cloud/webpack-ppt/培训 - webpack.pptx
@@ -5,7 +5,7 @@
     <p:sldMasterId id="2147483648" r:id="rId1"/>
   </p:sldMasterIdLst>
   <p:notesMasterIdLst>
-    <p:notesMasterId r:id="rId55"/>
+    <p:notesMasterId r:id="rId62"/>
   </p:notesMasterIdLst>
   <p:sldIdLst>
     <p:sldId id="256" r:id="rId3"/>
@@ -21,51 +21,58 @@
     <p:sldId id="375" r:id="rId13"/>
     <p:sldId id="378" r:id="rId14"/>
     <p:sldId id="386" r:id="rId15"/>
-    <p:sldId id="379" r:id="rId16"/>
-    <p:sldId id="266" r:id="rId17"/>
-    <p:sldId id="267" r:id="rId18"/>
-    <p:sldId id="270" r:id="rId19"/>
-    <p:sldId id="272" r:id="rId20"/>
-    <p:sldId id="273" r:id="rId21"/>
-    <p:sldId id="275" r:id="rId22"/>
-    <p:sldId id="276" r:id="rId23"/>
-    <p:sldId id="382" r:id="rId24"/>
-    <p:sldId id="383" r:id="rId25"/>
-    <p:sldId id="384" r:id="rId26"/>
-    <p:sldId id="277" r:id="rId27"/>
-    <p:sldId id="385" r:id="rId28"/>
-    <p:sldId id="280" r:id="rId29"/>
-    <p:sldId id="278" r:id="rId30"/>
-    <p:sldId id="279" r:id="rId31"/>
-    <p:sldId id="284" r:id="rId32"/>
-    <p:sldId id="281" r:id="rId33"/>
-    <p:sldId id="290" r:id="rId34"/>
-    <p:sldId id="282" r:id="rId35"/>
-    <p:sldId id="289" r:id="rId36"/>
-    <p:sldId id="286" r:id="rId37"/>
-    <p:sldId id="292" r:id="rId38"/>
-    <p:sldId id="287" r:id="rId39"/>
-    <p:sldId id="288" r:id="rId40"/>
-    <p:sldId id="294" r:id="rId41"/>
-    <p:sldId id="283" r:id="rId42"/>
-    <p:sldId id="295" r:id="rId43"/>
-    <p:sldId id="387" r:id="rId44"/>
-    <p:sldId id="424" r:id="rId45"/>
-    <p:sldId id="366" r:id="rId46"/>
-    <p:sldId id="296" r:id="rId47"/>
-    <p:sldId id="302" r:id="rId48"/>
-    <p:sldId id="303" r:id="rId49"/>
-    <p:sldId id="304" r:id="rId50"/>
-    <p:sldId id="305" r:id="rId51"/>
-    <p:sldId id="425" r:id="rId52"/>
-    <p:sldId id="428" r:id="rId53"/>
-    <p:sldId id="297" r:id="rId54"/>
-    <p:sldId id="429" r:id="rId56"/>
-    <p:sldId id="433" r:id="rId57"/>
-    <p:sldId id="430" r:id="rId58"/>
-    <p:sldId id="431" r:id="rId59"/>
-    <p:sldId id="432" r:id="rId60"/>
-    <p:sldId id="308" r:id="rId61"/>
+    <p:sldId id="440" r:id="rId16"/>
+    <p:sldId id="379" r:id="rId17"/>
+    <p:sldId id="441" r:id="rId18"/>
+    <p:sldId id="266" r:id="rId19"/>
+    <p:sldId id="267" r:id="rId20"/>
+    <p:sldId id="270" r:id="rId21"/>
+    <p:sldId id="272" r:id="rId22"/>
+    <p:sldId id="273" r:id="rId23"/>
+    <p:sldId id="275" r:id="rId24"/>
+    <p:sldId id="276" r:id="rId25"/>
+    <p:sldId id="442" r:id="rId26"/>
+    <p:sldId id="382" r:id="rId27"/>
+    <p:sldId id="383" r:id="rId28"/>
+    <p:sldId id="384" r:id="rId29"/>
+    <p:sldId id="277" r:id="rId30"/>
+    <p:sldId id="385" r:id="rId31"/>
+    <p:sldId id="280" r:id="rId32"/>
+    <p:sldId id="278" r:id="rId33"/>
+    <p:sldId id="279" r:id="rId34"/>
+    <p:sldId id="284" r:id="rId35"/>
+    <p:sldId id="281" r:id="rId36"/>
+    <p:sldId id="290" r:id="rId37"/>
+    <p:sldId id="282" r:id="rId38"/>
+    <p:sldId id="289" r:id="rId39"/>
+    <p:sldId id="286" r:id="rId40"/>
+    <p:sldId id="292" r:id="rId41"/>
+    <p:sldId id="287" r:id="rId42"/>
+    <p:sldId id="288" r:id="rId43"/>
+    <p:sldId id="294" r:id="rId44"/>
+    <p:sldId id="283" r:id="rId45"/>
+    <p:sldId id="295" r:id="rId46"/>
+    <p:sldId id="387" r:id="rId47"/>
+    <p:sldId id="424" r:id="rId48"/>
+    <p:sldId id="366" r:id="rId49"/>
+    <p:sldId id="443" r:id="rId50"/>
+    <p:sldId id="296" r:id="rId51"/>
+    <p:sldId id="302" r:id="rId52"/>
+    <p:sldId id="303" r:id="rId53"/>
+    <p:sldId id="304" r:id="rId54"/>
+    <p:sldId id="444" r:id="rId55"/>
+    <p:sldId id="445" r:id="rId56"/>
+    <p:sldId id="305" r:id="rId57"/>
+    <p:sldId id="446" r:id="rId58"/>
+    <p:sldId id="425" r:id="rId59"/>
+    <p:sldId id="428" r:id="rId60"/>
+    <p:sldId id="297" r:id="rId61"/>
+    <p:sldId id="429" r:id="rId63"/>
+    <p:sldId id="433" r:id="rId64"/>
+    <p:sldId id="430" r:id="rId65"/>
+    <p:sldId id="431" r:id="rId66"/>
+    <p:sldId id="432" r:id="rId67"/>
+    <p:sldId id="308" r:id="rId68"/>
   </p:sldIdLst>
   <p:sldSz cx="12192000" cy="6858000"/>
   <p:notesSz cx="6858000" cy="9144000"/>
@@ -3868,6 +3875,108 @@
         </p:nvSpPr>
         <p:spPr/>
         <p:txBody>
+          <a:bodyPr/>
+          <a:p>
+            <a:endParaRPr lang="zh-CN" altLang="en-US"/>
+          </a:p>
+        </p:txBody>
+      </p:sp>
+      <p:sp>
+        <p:nvSpPr>
+          <p:cNvPr id="3" name="内容占位符 2"/>
+          <p:cNvSpPr>
+            <a:spLocks noGrp="1"/>
+          </p:cNvSpPr>
+          <p:nvPr>
+            <p:ph idx="1"/>
+          </p:nvPr>
+        </p:nvSpPr>
+        <p:spPr/>
+        <p:txBody>
+          <a:bodyPr/>
+          <a:p>
+            <a:endParaRPr lang="zh-CN" altLang="en-US"/>
+          </a:p>
+        </p:txBody>
+      </p:sp>
+      <p:pic>
+        <p:nvPicPr>
+          <p:cNvPr id="5" name="图片 4" descr="2"/>
+          <p:cNvPicPr>
+            <a:picLocks noChangeAspect="1"/>
+          </p:cNvPicPr>
+          <p:nvPr/>
+        </p:nvPicPr>
+        <p:blipFill>
+          <a:blip r:embed="rId1"/>
+          <a:stretch>
+            <a:fillRect/>
+          </a:stretch>
+        </p:blipFill>
+        <p:spPr>
+          <a:xfrm>
+            <a:off x="838200" y="365125"/>
+            <a:ext cx="7693025" cy="2297430"/>
+          </a:xfrm>
+          <a:prstGeom prst="rect">
+            <a:avLst/>
+          </a:prstGeom>
+        </p:spPr>
+      </p:pic>
+      <p:pic>
+        <p:nvPicPr>
+          <p:cNvPr id="6" name="图片 5" descr="3"/>
+          <p:cNvPicPr>
+            <a:picLocks noChangeAspect="1"/>
+          </p:cNvPicPr>
+          <p:nvPr/>
+        </p:nvPicPr>
+        <p:blipFill>
+          <a:blip r:embed="rId2"/>
+          <a:stretch>
+            <a:fillRect/>
+          </a:stretch>
+        </p:blipFill>
+        <p:spPr>
+          <a:xfrm>
+            <a:off x="838200" y="3125470"/>
+            <a:ext cx="6442075" cy="2628265"/>
+          </a:xfrm>
+          <a:prstGeom prst="rect">
+            <a:avLst/>
+          </a:prstGeom>
+        </p:spPr>
+      </p:pic>
+    </p:spTree>
+  </p:cSld>
+  <p:clrMapOvr>
+    <a:masterClrMapping/>
+  </p:clrMapOvr>
+</p:sld>
+</file>
+
+<file path=ppt/slides/slide15.xml><?xml version="1.0" encoding="utf-8"?>
+<p:sld xmlns:a="http://schemas.openxmlformats.org/drawingml/2006/main" xmlns:r="http://schemas.openxmlformats.org/officeDocument/2006/relationships" xmlns:p="http://schemas.openxmlformats.org/presentationml/2006/main">
+  <p:cSld>
+    <p:spTree>
+      <p:nvGrpSpPr>
+        <p:cNvPr id="1" name=""/>
+        <p:cNvGrpSpPr/>
+        <p:nvPr/>
+      </p:nvGrpSpPr>
+      <p:grpSpPr/>
+      <p:sp>
+        <p:nvSpPr>
+          <p:cNvPr id="2" name="标题 1"/>
+          <p:cNvSpPr>
+            <a:spLocks noGrp="1"/>
+          </p:cNvSpPr>
+          <p:nvPr>
+            <p:ph type="title"/>
+          </p:nvPr>
+        </p:nvSpPr>
+        <p:spPr/>
+        <p:txBody>
           <a:bodyPr>
             <a:normAutofit/>
           </a:bodyPr>
@@ -3970,7 +4079,85 @@
 </p:sld>
 </file>
 
-<file path=ppt/slides/slide15.xml><?xml version="1.0" encoding="utf-8"?>
+<file path=ppt/slides/slide16.xml><?xml version="1.0" encoding="utf-8"?>
+<p:sld xmlns:a="http://schemas.openxmlformats.org/drawingml/2006/main" xmlns:r="http://schemas.openxmlformats.org/officeDocument/2006/relationships" xmlns:p="http://schemas.openxmlformats.org/presentationml/2006/main">
+  <p:cSld>
+    <p:spTree>
+      <p:nvGrpSpPr>
+        <p:cNvPr id="1" name=""/>
+        <p:cNvGrpSpPr/>
+        <p:nvPr/>
+      </p:nvGrpSpPr>
+      <p:grpSpPr/>
+      <p:sp>
+        <p:nvSpPr>
+          <p:cNvPr id="2" name="标题 1"/>
+          <p:cNvSpPr>
+            <a:spLocks noGrp="1"/>
+          </p:cNvSpPr>
+          <p:nvPr>
+            <p:ph type="title"/>
+          </p:nvPr>
+        </p:nvSpPr>
+        <p:spPr/>
+        <p:txBody>
+          <a:bodyPr/>
+          <a:p>
+            <a:endParaRPr lang="zh-CN" altLang="en-US"/>
+          </a:p>
+        </p:txBody>
+      </p:sp>
+      <p:sp>
+        <p:nvSpPr>
+          <p:cNvPr id="3" name="内容占位符 2"/>
+          <p:cNvSpPr>
+            <a:spLocks noGrp="1"/>
+          </p:cNvSpPr>
+          <p:nvPr>
+            <p:ph idx="1"/>
+          </p:nvPr>
+        </p:nvSpPr>
+        <p:spPr/>
+        <p:txBody>
+          <a:bodyPr/>
+          <a:p>
+            <a:endParaRPr lang="zh-CN" altLang="en-US"/>
+          </a:p>
+        </p:txBody>
+      </p:sp>
+      <p:pic>
+        <p:nvPicPr>
+          <p:cNvPr id="4" name="图片 3" descr="4"/>
+          <p:cNvPicPr>
+            <a:picLocks noChangeAspect="1"/>
+          </p:cNvPicPr>
+          <p:nvPr/>
+        </p:nvPicPr>
+        <p:blipFill>
+          <a:blip r:embed="rId1"/>
+          <a:stretch>
+            <a:fillRect/>
+          </a:stretch>
+        </p:blipFill>
+        <p:spPr>
+          <a:xfrm>
+            <a:off x="838200" y="365125"/>
+            <a:ext cx="10593070" cy="5492115"/>
+          </a:xfrm>
+          <a:prstGeom prst="rect">
+            <a:avLst/>
+          </a:prstGeom>
+        </p:spPr>
+      </p:pic>
+    </p:spTree>
+  </p:cSld>
+  <p:clrMapOvr>
+    <a:masterClrMapping/>
+  </p:clrMapOvr>
+</p:sld>
+</file>
+
+<file path=ppt/slides/slide17.xml><?xml version="1.0" encoding="utf-8"?>
 <p:sld xmlns:a="http://schemas.openxmlformats.org/drawingml/2006/main" xmlns:r="http://schemas.openxmlformats.org/officeDocument/2006/relationships" xmlns:p="http://schemas.openxmlformats.org/presentationml/2006/main">
   <p:cSld>
     <p:bg>
@@ -4002,7 +4189,7 @@
           <a:p>
             <a:r>
               <a:rPr lang="en-US" altLang="zh-CN"/>
-              <a:t>1.4 - JS</a:t>
+              <a:t>1.4 - JS - </a:t>
             </a:r>
             <a:r>
               <a:rPr lang="zh-CN" altLang="en-US"/>
@@ -4066,7 +4253,7 @@
 </p:sld>
 </file>
 
-<file path=ppt/slides/slide16.xml><?xml version="1.0" encoding="utf-8"?>
+<file path=ppt/slides/slide18.xml><?xml version="1.0" encoding="utf-8"?>
 <p:sld xmlns:a="http://schemas.openxmlformats.org/drawingml/2006/main" xmlns:r="http://schemas.openxmlformats.org/officeDocument/2006/relationships" xmlns:p="http://schemas.openxmlformats.org/presentationml/2006/main">
   <p:cSld>
     <p:spTree>
@@ -4310,7 +4497,7 @@
 </p:sld>
 </file>
 
-<file path=ppt/slides/slide17.xml><?xml version="1.0" encoding="utf-8"?>
+<file path=ppt/slides/slide19.xml><?xml version="1.0" encoding="utf-8"?>
 <p:sld xmlns:a="http://schemas.openxmlformats.org/drawingml/2006/main" xmlns:r="http://schemas.openxmlformats.org/officeDocument/2006/relationships" xmlns:p="http://schemas.openxmlformats.org/presentationml/2006/main">
   <p:cSld>
     <p:spTree>
@@ -4380,7 +4567,7 @@
 </p:sld>
 </file>
 
-<file path=ppt/slides/slide18.xml><?xml version="1.0" encoding="utf-8"?>
+<file path=ppt/slides/slide2.xml><?xml version="1.0" encoding="utf-8"?>
 <p:sld xmlns:a="http://schemas.openxmlformats.org/drawingml/2006/main" xmlns:r="http://schemas.openxmlformats.org/officeDocument/2006/relationships" xmlns:p="http://schemas.openxmlformats.org/presentationml/2006/main">
   <p:cSld>
     <p:spTree>
@@ -4406,7 +4593,7 @@
           <a:p>
             <a:r>
               <a:rPr lang="zh-CN" altLang="en-US"/>
-              <a:t>我的故事</a:t>
+              <a:t>引言</a:t>
             </a:r>
             <a:endParaRPr lang="zh-CN" altLang="en-US"/>
           </a:p>
@@ -4424,35 +4611,185 @@
         </p:nvSpPr>
         <p:spPr/>
         <p:txBody>
-          <a:bodyPr/>
-          <a:p>
-            <a:r>
-              <a:rPr lang="zh-CN" altLang="en-US"/>
-              <a:t>在刚开始学习程序的时候，我并不觉得多写一行代码，</a:t>
-            </a:r>
-            <a:r>
-              <a:rPr lang="zh-CN" altLang="en-US">
-                <a:solidFill>
-                  <a:srgbClr val="FF0000"/>
-                </a:solidFill>
-              </a:rPr>
-              <a:t>多引一个文件会有什么问题？</a:t>
-            </a:r>
-            <a:r>
-              <a:rPr lang="zh-CN" altLang="en-US"/>
-              <a:t>在我当时的要求里面，学会能用就行。并没有考虑到带来的复杂后果。</a:t>
-            </a:r>
-            <a:endParaRPr lang="zh-CN" altLang="en-US"/>
-          </a:p>
-          <a:p>
-            <a:endParaRPr lang="zh-CN" altLang="en-US"/>
-          </a:p>
-          <a:p>
-            <a:r>
-              <a:rPr lang="zh-CN" altLang="en-US"/>
-              <a:t>然而。。。</a:t>
-            </a:r>
-            <a:endParaRPr lang="zh-CN" altLang="en-US"/>
+          <a:bodyPr>
+            <a:normAutofit lnSpcReduction="10000"/>
+          </a:bodyPr>
+          <a:p>
+            <a:r>
+              <a:rPr lang="zh-CN" altLang="en-US"/>
+              <a:t>我这几年反复的学习过很多次</a:t>
+            </a:r>
+            <a:r>
+              <a:rPr lang="en-US" altLang="zh-CN"/>
+              <a:t>webpack</a:t>
+            </a:r>
+            <a:r>
+              <a:rPr lang="zh-CN" altLang="en-US"/>
+              <a:t>。但是都没学透彻。经历和原因如下：</a:t>
+            </a:r>
+            <a:endParaRPr lang="zh-CN" altLang="en-US" sz="2000"/>
+          </a:p>
+          <a:p>
+            <a:pPr marL="514350" indent="-514350">
+              <a:buAutoNum type="arabicPeriod"/>
+            </a:pPr>
+            <a:r>
+              <a:rPr lang="zh-CN" altLang="en-US" sz="2000"/>
+              <a:t>只了解</a:t>
+            </a:r>
+            <a:r>
+              <a:rPr lang="en-US" altLang="zh-CN" sz="2000"/>
+              <a:t>html</a:t>
+            </a:r>
+            <a:r>
+              <a:rPr lang="zh-CN" altLang="en-US" sz="2000"/>
+              <a:t>，</a:t>
+            </a:r>
+            <a:r>
+              <a:rPr lang="en-US" altLang="zh-CN" sz="2000"/>
+              <a:t>css</a:t>
+            </a:r>
+            <a:r>
+              <a:rPr lang="zh-CN" altLang="en-US" sz="2000"/>
+              <a:t>，</a:t>
+            </a:r>
+            <a:r>
+              <a:rPr lang="en-US" altLang="zh-CN" sz="2000"/>
+              <a:t>js</a:t>
+            </a:r>
+            <a:r>
+              <a:rPr lang="zh-CN" altLang="en-US" sz="2000"/>
+              <a:t>；不了解任何其他技术（</a:t>
+            </a:r>
+            <a:r>
+              <a:rPr lang="en-US" altLang="zh-CN" sz="2000"/>
+              <a:t>less/scss/es6/ts/vue)</a:t>
+            </a:r>
+            <a:endParaRPr lang="en-US" altLang="zh-CN" sz="2000"/>
+          </a:p>
+          <a:p>
+            <a:pPr marL="514350" indent="-514350">
+              <a:buAutoNum type="arabicPeriod"/>
+            </a:pPr>
+            <a:r>
+              <a:rPr lang="zh-CN" altLang="en-US" sz="2000"/>
+              <a:t>不了解代码设计；如：</a:t>
+            </a:r>
+            <a:r>
+              <a:rPr lang="zh-CN" altLang="en-US" sz="2000">
+                <a:sym typeface="+mn-ea"/>
+              </a:rPr>
+              <a:t>代码优化，设计模式；</a:t>
+            </a:r>
+            <a:endParaRPr lang="zh-CN" altLang="en-US" sz="2000">
+              <a:sym typeface="+mn-ea"/>
+            </a:endParaRPr>
+          </a:p>
+          <a:p>
+            <a:pPr marL="514350" indent="-514350">
+              <a:buAutoNum type="arabicPeriod"/>
+            </a:pPr>
+            <a:r>
+              <a:rPr lang="zh-CN" altLang="en-US" sz="2000">
+                <a:sym typeface="+mn-ea"/>
+              </a:rPr>
+              <a:t>太多干扰；如：</a:t>
+            </a:r>
+            <a:r>
+              <a:rPr lang="en-US" altLang="zh-CN" sz="2000">
+                <a:sym typeface="+mn-ea"/>
+              </a:rPr>
+              <a:t>grunt</a:t>
+            </a:r>
+            <a:r>
+              <a:rPr lang="zh-CN" altLang="en-US" sz="2000">
+                <a:sym typeface="+mn-ea"/>
+              </a:rPr>
+              <a:t>，</a:t>
+            </a:r>
+            <a:r>
+              <a:rPr lang="en-US" altLang="zh-CN" sz="2000">
+                <a:sym typeface="+mn-ea"/>
+              </a:rPr>
+              <a:t>gulp</a:t>
+            </a:r>
+            <a:r>
+              <a:rPr lang="zh-CN" altLang="en-US" sz="2000">
+                <a:sym typeface="+mn-ea"/>
+              </a:rPr>
+              <a:t>，</a:t>
+            </a:r>
+            <a:r>
+              <a:rPr lang="en-US" altLang="zh-CN" sz="2000">
+                <a:sym typeface="+mn-ea"/>
+              </a:rPr>
+              <a:t>AMD</a:t>
+            </a:r>
+            <a:r>
+              <a:rPr lang="zh-CN" altLang="en-US" sz="2000">
+                <a:sym typeface="+mn-ea"/>
+              </a:rPr>
+              <a:t>，</a:t>
+            </a:r>
+            <a:r>
+              <a:rPr lang="en-US" altLang="zh-CN" sz="2000">
+                <a:sym typeface="+mn-ea"/>
+              </a:rPr>
+              <a:t>CMD</a:t>
+            </a:r>
+            <a:r>
+              <a:rPr lang="zh-CN" altLang="en-US" sz="2000">
+                <a:sym typeface="+mn-ea"/>
+              </a:rPr>
+              <a:t>；他们是什么关系？</a:t>
+            </a:r>
+            <a:endParaRPr lang="zh-CN" altLang="en-US" sz="2000">
+              <a:sym typeface="+mn-ea"/>
+            </a:endParaRPr>
+          </a:p>
+          <a:p>
+            <a:pPr marL="514350" indent="-514350">
+              <a:buAutoNum type="arabicPeriod"/>
+            </a:pPr>
+            <a:r>
+              <a:rPr lang="zh-CN" altLang="en-US" sz="2000">
+                <a:sym typeface="+mn-ea"/>
+              </a:rPr>
+              <a:t>最后，能用</a:t>
+            </a:r>
+            <a:r>
+              <a:rPr lang="en-US" altLang="zh-CN" sz="2000">
+                <a:sym typeface="+mn-ea"/>
+              </a:rPr>
+              <a:t>vue-cli</a:t>
+            </a:r>
+            <a:r>
+              <a:rPr lang="zh-CN" altLang="en-US" sz="2000">
+                <a:sym typeface="+mn-ea"/>
+              </a:rPr>
+              <a:t>直接搭建项目了。能直接跑通一个项目了。说所以也就没有具体关心</a:t>
+            </a:r>
+            <a:r>
+              <a:rPr lang="en-US" altLang="zh-CN" sz="2000">
+                <a:sym typeface="+mn-ea"/>
+              </a:rPr>
+              <a:t>webpack</a:t>
+            </a:r>
+            <a:r>
+              <a:rPr lang="zh-CN" altLang="en-US" sz="2000">
+                <a:sym typeface="+mn-ea"/>
+              </a:rPr>
+              <a:t>及其配置；更别说优化了。</a:t>
+            </a:r>
+            <a:endParaRPr lang="zh-CN" altLang="en-US" sz="2000">
+              <a:sym typeface="+mn-ea"/>
+            </a:endParaRPr>
+          </a:p>
+          <a:p>
+            <a:pPr marL="514350" indent="-514350">
+              <a:buAutoNum type="arabicPeriod"/>
+            </a:pPr>
+            <a:endParaRPr lang="zh-CN" altLang="en-US" sz="2000"/>
           </a:p>
         </p:txBody>
       </p:sp>
@@ -4464,7 +4801,91 @@
 </p:sld>
 </file>
 
-<file path=ppt/slides/slide19.xml><?xml version="1.0" encoding="utf-8"?>
+<file path=ppt/slides/slide20.xml><?xml version="1.0" encoding="utf-8"?>
+<p:sld xmlns:a="http://schemas.openxmlformats.org/drawingml/2006/main" xmlns:r="http://schemas.openxmlformats.org/officeDocument/2006/relationships" xmlns:p="http://schemas.openxmlformats.org/presentationml/2006/main">
+  <p:cSld>
+    <p:spTree>
+      <p:nvGrpSpPr>
+        <p:cNvPr id="1" name=""/>
+        <p:cNvGrpSpPr/>
+        <p:nvPr/>
+      </p:nvGrpSpPr>
+      <p:grpSpPr/>
+      <p:sp>
+        <p:nvSpPr>
+          <p:cNvPr id="2" name="标题 1"/>
+          <p:cNvSpPr>
+            <a:spLocks noGrp="1"/>
+          </p:cNvSpPr>
+          <p:nvPr>
+            <p:ph type="title"/>
+          </p:nvPr>
+        </p:nvSpPr>
+        <p:spPr/>
+        <p:txBody>
+          <a:bodyPr/>
+          <a:p>
+            <a:r>
+              <a:rPr lang="zh-CN" altLang="en-US"/>
+              <a:t>我的故事</a:t>
+            </a:r>
+            <a:endParaRPr lang="zh-CN" altLang="en-US"/>
+          </a:p>
+        </p:txBody>
+      </p:sp>
+      <p:sp>
+        <p:nvSpPr>
+          <p:cNvPr id="3" name="内容占位符 2"/>
+          <p:cNvSpPr>
+            <a:spLocks noGrp="1"/>
+          </p:cNvSpPr>
+          <p:nvPr>
+            <p:ph idx="1"/>
+          </p:nvPr>
+        </p:nvSpPr>
+        <p:spPr/>
+        <p:txBody>
+          <a:bodyPr/>
+          <a:p>
+            <a:r>
+              <a:rPr lang="zh-CN" altLang="en-US"/>
+              <a:t>在刚开始学习程序的时候，我并不觉得多写一行代码，</a:t>
+            </a:r>
+            <a:r>
+              <a:rPr lang="zh-CN" altLang="en-US">
+                <a:solidFill>
+                  <a:srgbClr val="FF0000"/>
+                </a:solidFill>
+              </a:rPr>
+              <a:t>多引一个文件会有什么问题？</a:t>
+            </a:r>
+            <a:r>
+              <a:rPr lang="zh-CN" altLang="en-US"/>
+              <a:t>在我当时的要求里面，学会能用就行。并没有考虑到带来的复杂后果。</a:t>
+            </a:r>
+            <a:endParaRPr lang="zh-CN" altLang="en-US"/>
+          </a:p>
+          <a:p>
+            <a:endParaRPr lang="zh-CN" altLang="en-US"/>
+          </a:p>
+          <a:p>
+            <a:r>
+              <a:rPr lang="zh-CN" altLang="en-US"/>
+              <a:t>然而。。。</a:t>
+            </a:r>
+            <a:endParaRPr lang="zh-CN" altLang="en-US"/>
+          </a:p>
+        </p:txBody>
+      </p:sp>
+    </p:spTree>
+  </p:cSld>
+  <p:clrMapOvr>
+    <a:masterClrMapping/>
+  </p:clrMapOvr>
+</p:sld>
+</file>
+
+<file path=ppt/slides/slide21.xml><?xml version="1.0" encoding="utf-8"?>
 <p:sld xmlns:a="http://schemas.openxmlformats.org/drawingml/2006/main" xmlns:r="http://schemas.openxmlformats.org/officeDocument/2006/relationships" xmlns:p="http://schemas.openxmlformats.org/presentationml/2006/main">
   <p:cSld>
     <p:spTree>
@@ -4530,7 +4951,7 @@
 </p:sld>
 </file>
 
-<file path=ppt/slides/slide2.xml><?xml version="1.0" encoding="utf-8"?>
+<file path=ppt/slides/slide22.xml><?xml version="1.0" encoding="utf-8"?>
 <p:sld xmlns:a="http://schemas.openxmlformats.org/drawingml/2006/main" xmlns:r="http://schemas.openxmlformats.org/officeDocument/2006/relationships" xmlns:p="http://schemas.openxmlformats.org/presentationml/2006/main">
   <p:cSld>
     <p:spTree>
@@ -4554,10 +4975,6 @@
         <p:txBody>
           <a:bodyPr/>
           <a:p>
-            <a:r>
-              <a:rPr lang="zh-CN" altLang="en-US"/>
-              <a:t>引言</a:t>
-            </a:r>
             <a:endParaRPr lang="zh-CN" altLang="en-US"/>
           </a:p>
         </p:txBody>
@@ -4574,185 +4991,44 @@
         </p:nvSpPr>
         <p:spPr/>
         <p:txBody>
-          <a:bodyPr>
-            <a:normAutofit lnSpcReduction="10000"/>
-          </a:bodyPr>
-          <a:p>
-            <a:r>
-              <a:rPr lang="zh-CN" altLang="en-US"/>
-              <a:t>我这几年反复的学习过很多次</a:t>
-            </a:r>
-            <a:r>
-              <a:rPr lang="en-US" altLang="zh-CN"/>
-              <a:t>webpack</a:t>
-            </a:r>
-            <a:r>
-              <a:rPr lang="zh-CN" altLang="en-US"/>
-              <a:t>。但是都没学透彻。经历和原因如下：</a:t>
-            </a:r>
-            <a:endParaRPr lang="zh-CN" altLang="en-US" sz="2000"/>
-          </a:p>
-          <a:p>
-            <a:pPr marL="514350" indent="-514350">
-              <a:buAutoNum type="arabicPeriod"/>
-            </a:pPr>
-            <a:r>
-              <a:rPr lang="zh-CN" altLang="en-US" sz="2000"/>
-              <a:t>只了解</a:t>
-            </a:r>
-            <a:r>
-              <a:rPr lang="en-US" altLang="zh-CN" sz="2000"/>
-              <a:t>html</a:t>
-            </a:r>
-            <a:r>
-              <a:rPr lang="zh-CN" altLang="en-US" sz="2000"/>
+          <a:bodyPr/>
+          <a:p>
+            <a:r>
+              <a:rPr lang="zh-CN" altLang="en-US"/>
+              <a:t>可以看见，在真正的项目中，要引用的开源框架，开源插件是很多的，再加上自己写的工具库，就显得引用</a:t>
+            </a:r>
+            <a:r>
+              <a:rPr lang="zh-CN" altLang="en-US">
+                <a:solidFill>
+                  <a:srgbClr val="FF0000"/>
+                </a:solidFill>
+              </a:rPr>
+              <a:t>文件很多</a:t>
+            </a:r>
+            <a:r>
+              <a:rPr lang="zh-CN" altLang="en-US"/>
               <a:t>，</a:t>
             </a:r>
             <a:r>
-              <a:rPr lang="en-US" altLang="zh-CN" sz="2000"/>
-              <a:t>css</a:t>
-            </a:r>
-            <a:r>
-              <a:rPr lang="zh-CN" altLang="en-US" sz="2000"/>
-              <a:t>，</a:t>
-            </a:r>
-            <a:r>
-              <a:rPr lang="en-US" altLang="zh-CN" sz="2000"/>
-              <a:t>js</a:t>
-            </a:r>
-            <a:r>
-              <a:rPr lang="zh-CN" altLang="en-US" sz="2000"/>
-              <a:t>；不了解任何其他技术（</a:t>
-            </a:r>
-            <a:r>
-              <a:rPr lang="en-US" altLang="zh-CN" sz="2000"/>
-              <a:t>less/scss/es6/ts/vue)</a:t>
-            </a:r>
-            <a:endParaRPr lang="en-US" altLang="zh-CN" sz="2000"/>
-          </a:p>
-          <a:p>
-            <a:pPr marL="514350" indent="-514350">
-              <a:buAutoNum type="arabicPeriod"/>
-            </a:pPr>
-            <a:r>
-              <a:rPr lang="zh-CN" altLang="en-US" sz="2000"/>
-              <a:t>不了解代码设计；如：</a:t>
-            </a:r>
-            <a:r>
-              <a:rPr lang="zh-CN" altLang="en-US" sz="2000">
+              <a:rPr lang="zh-CN" altLang="en-US">
                 <a:sym typeface="+mn-ea"/>
               </a:rPr>
-              <a:t>代码优化，设计模式；</a:t>
-            </a:r>
-            <a:endParaRPr lang="zh-CN" altLang="en-US" sz="2000">
-              <a:sym typeface="+mn-ea"/>
-            </a:endParaRPr>
-          </a:p>
-          <a:p>
-            <a:pPr marL="514350" indent="-514350">
-              <a:buAutoNum type="arabicPeriod"/>
-            </a:pPr>
-            <a:r>
-              <a:rPr lang="zh-CN" altLang="en-US" sz="2000">
+              <a:t>并且顺序要</a:t>
+            </a:r>
+            <a:r>
+              <a:rPr lang="zh-CN" altLang="en-US">
+                <a:solidFill>
+                  <a:srgbClr val="FF0000"/>
+                </a:solidFill>
                 <a:sym typeface="+mn-ea"/>
               </a:rPr>
-              <a:t>太多干扰；如：</a:t>
-            </a:r>
-            <a:r>
-              <a:rPr lang="en-US" altLang="zh-CN" sz="2000">
-                <a:sym typeface="+mn-ea"/>
-              </a:rPr>
-              <a:t>grunt</a:t>
-            </a:r>
-            <a:r>
-              <a:rPr lang="zh-CN" altLang="en-US" sz="2000">
-                <a:sym typeface="+mn-ea"/>
-              </a:rPr>
-              <a:t>，</a:t>
-            </a:r>
-            <a:r>
-              <a:rPr lang="en-US" altLang="zh-CN" sz="2000">
-                <a:sym typeface="+mn-ea"/>
-              </a:rPr>
-              <a:t>gulp</a:t>
-            </a:r>
-            <a:r>
-              <a:rPr lang="zh-CN" altLang="en-US" sz="2000">
-                <a:sym typeface="+mn-ea"/>
-              </a:rPr>
-              <a:t>，</a:t>
-            </a:r>
-            <a:r>
-              <a:rPr lang="en-US" altLang="zh-CN" sz="2000">
-                <a:sym typeface="+mn-ea"/>
-              </a:rPr>
-              <a:t>AMD</a:t>
-            </a:r>
-            <a:r>
-              <a:rPr lang="zh-CN" altLang="en-US" sz="2000">
-                <a:sym typeface="+mn-ea"/>
-              </a:rPr>
-              <a:t>，</a:t>
-            </a:r>
-            <a:r>
-              <a:rPr lang="en-US" altLang="zh-CN" sz="2000">
-                <a:sym typeface="+mn-ea"/>
-              </a:rPr>
-              <a:t>CMD</a:t>
-            </a:r>
-            <a:r>
-              <a:rPr lang="zh-CN" altLang="en-US" sz="2000">
-                <a:sym typeface="+mn-ea"/>
-              </a:rPr>
-              <a:t>；他们是什么关系？</a:t>
-            </a:r>
-            <a:endParaRPr lang="zh-CN" altLang="en-US" sz="2000">
-              <a:sym typeface="+mn-ea"/>
-            </a:endParaRPr>
-          </a:p>
-          <a:p>
-            <a:pPr marL="514350" indent="-514350">
-              <a:buAutoNum type="arabicPeriod"/>
-            </a:pPr>
-            <a:r>
-              <a:rPr lang="zh-CN" altLang="en-US" sz="2000">
-                <a:sym typeface="+mn-ea"/>
-              </a:rPr>
-              <a:t>最后，能用</a:t>
-            </a:r>
-            <a:r>
-              <a:rPr lang="en-US" altLang="zh-CN" sz="2000">
-                <a:sym typeface="+mn-ea"/>
-              </a:rPr>
-              <a:t>vue-cli</a:t>
-            </a:r>
-            <a:r>
-              <a:rPr lang="zh-CN" altLang="en-US" sz="2000">
-                <a:sym typeface="+mn-ea"/>
-              </a:rPr>
-              <a:t>直接搭建项目了。能直接跑通一个项目了。说所以也就没有具体关心</a:t>
-            </a:r>
-            <a:r>
-              <a:rPr lang="en-US" altLang="zh-CN" sz="2000">
-                <a:sym typeface="+mn-ea"/>
-              </a:rPr>
-              <a:t>webpack</a:t>
-            </a:r>
-            <a:r>
-              <a:rPr lang="zh-CN" altLang="en-US" sz="2000">
-                <a:sym typeface="+mn-ea"/>
-              </a:rPr>
-              <a:t>及其配置；更别说优化了。</a:t>
-            </a:r>
-            <a:endParaRPr lang="zh-CN" altLang="en-US" sz="2000">
-              <a:sym typeface="+mn-ea"/>
-            </a:endParaRPr>
-          </a:p>
-          <a:p>
-            <a:pPr marL="514350" indent="-514350">
-              <a:buAutoNum type="arabicPeriod"/>
-            </a:pPr>
-            <a:endParaRPr lang="zh-CN" altLang="en-US" sz="2000"/>
+              <a:t>逐一对应</a:t>
+            </a:r>
+            <a:r>
+              <a:rPr lang="zh-CN" altLang="en-US"/>
+              <a:t>。特别有一次需求里，需要删除某一个依赖，本来只需要删除这一个依赖文件即可，但是我又是一个不喜欢文件中留有冗余代码的人。所以就要删除两个甚至更多的文件。这些工作都相对的增加了工作的复杂度。</a:t>
+            </a:r>
+            <a:endParaRPr lang="zh-CN" altLang="en-US"/>
           </a:p>
         </p:txBody>
       </p:sp>
@@ -4764,96 +5040,7 @@
 </p:sld>
 </file>
 
-<file path=ppt/slides/slide20.xml><?xml version="1.0" encoding="utf-8"?>
-<p:sld xmlns:a="http://schemas.openxmlformats.org/drawingml/2006/main" xmlns:r="http://schemas.openxmlformats.org/officeDocument/2006/relationships" xmlns:p="http://schemas.openxmlformats.org/presentationml/2006/main">
-  <p:cSld>
-    <p:spTree>
-      <p:nvGrpSpPr>
-        <p:cNvPr id="1" name=""/>
-        <p:cNvGrpSpPr/>
-        <p:nvPr/>
-      </p:nvGrpSpPr>
-      <p:grpSpPr/>
-      <p:sp>
-        <p:nvSpPr>
-          <p:cNvPr id="2" name="标题 1"/>
-          <p:cNvSpPr>
-            <a:spLocks noGrp="1"/>
-          </p:cNvSpPr>
-          <p:nvPr>
-            <p:ph type="title"/>
-          </p:nvPr>
-        </p:nvSpPr>
-        <p:spPr/>
-        <p:txBody>
-          <a:bodyPr/>
-          <a:p>
-            <a:endParaRPr lang="zh-CN" altLang="en-US"/>
-          </a:p>
-        </p:txBody>
-      </p:sp>
-      <p:sp>
-        <p:nvSpPr>
-          <p:cNvPr id="3" name="内容占位符 2"/>
-          <p:cNvSpPr>
-            <a:spLocks noGrp="1"/>
-          </p:cNvSpPr>
-          <p:nvPr>
-            <p:ph idx="1"/>
-          </p:nvPr>
-        </p:nvSpPr>
-        <p:spPr/>
-        <p:txBody>
-          <a:bodyPr/>
-          <a:p>
-            <a:r>
-              <a:rPr lang="zh-CN" altLang="en-US"/>
-              <a:t>可以看见，在真正的项目中，要引用的开源框架，开源插件是很多的，再加上自己写的工具库，就显得引用</a:t>
-            </a:r>
-            <a:r>
-              <a:rPr lang="zh-CN" altLang="en-US">
-                <a:solidFill>
-                  <a:srgbClr val="FF0000"/>
-                </a:solidFill>
-              </a:rPr>
-              <a:t>文件很多</a:t>
-            </a:r>
-            <a:r>
-              <a:rPr lang="zh-CN" altLang="en-US"/>
-              <a:t>，</a:t>
-            </a:r>
-            <a:r>
-              <a:rPr lang="zh-CN" altLang="en-US">
-                <a:sym typeface="+mn-ea"/>
-              </a:rPr>
-              <a:t>并且顺序要</a:t>
-            </a:r>
-            <a:r>
-              <a:rPr lang="zh-CN" altLang="en-US">
-                <a:solidFill>
-                  <a:srgbClr val="FF0000"/>
-                </a:solidFill>
-                <a:sym typeface="+mn-ea"/>
-              </a:rPr>
-              <a:t>逐一对应</a:t>
-            </a:r>
-            <a:r>
-              <a:rPr lang="zh-CN" altLang="en-US"/>
-              <a:t>。特别有一次需求里，需要删除某一个依赖，本来只需要删除这一个依赖文件即可，但是我又是一个不喜欢文件中留有冗余代码的人。所以就要删除两个甚至更多的文件。这些工作都相对的增加了工作的复杂度。</a:t>
-            </a:r>
-            <a:endParaRPr lang="zh-CN" altLang="en-US"/>
-          </a:p>
-        </p:txBody>
-      </p:sp>
-    </p:spTree>
-  </p:cSld>
-  <p:clrMapOvr>
-    <a:masterClrMapping/>
-  </p:clrMapOvr>
-</p:sld>
-</file>
-
-<file path=ppt/slides/slide21.xml><?xml version="1.0" encoding="utf-8"?>
+<file path=ppt/slides/slide23.xml><?xml version="1.0" encoding="utf-8"?>
 <p:sld xmlns:a="http://schemas.openxmlformats.org/drawingml/2006/main" xmlns:r="http://schemas.openxmlformats.org/officeDocument/2006/relationships" xmlns:p="http://schemas.openxmlformats.org/presentationml/2006/main">
   <p:cSld>
     <p:spTree>
@@ -5040,7 +5227,7 @@
 </p:sld>
 </file>
 
-<file path=ppt/slides/slide22.xml><?xml version="1.0" encoding="utf-8"?>
+<file path=ppt/slides/slide24.xml><?xml version="1.0" encoding="utf-8"?>
 <p:sld xmlns:a="http://schemas.openxmlformats.org/drawingml/2006/main" xmlns:r="http://schemas.openxmlformats.org/officeDocument/2006/relationships" xmlns:p="http://schemas.openxmlformats.org/presentationml/2006/main">
   <p:cSld>
     <p:spTree>
@@ -5064,6 +5251,22 @@
         <p:txBody>
           <a:bodyPr/>
           <a:p>
+            <a:r>
+              <a:rPr lang="en-US" altLang="zh-CN"/>
+              <a:t>1.5 - ts - </a:t>
+            </a:r>
+            <a:r>
+              <a:rPr lang="zh-CN" altLang="en-US"/>
+              <a:t>函数 </a:t>
+            </a:r>
+            <a:r>
+              <a:rPr lang="en-US" altLang="zh-CN"/>
+              <a:t>- </a:t>
+            </a:r>
+            <a:r>
+              <a:rPr lang="zh-CN" altLang="en-US"/>
+              <a:t>类型校验</a:t>
+            </a:r>
             <a:endParaRPr lang="zh-CN" altLang="en-US"/>
           </a:p>
         </p:txBody>
@@ -5082,14 +5285,34 @@
         <p:txBody>
           <a:bodyPr/>
           <a:p>
-            <a:r>
-              <a:rPr lang="zh-CN" altLang="en-US"/>
-              <a:t>然而，当我们应该各种各样的语言及其翻译工具的时候，又会出现以下问题。</a:t>
-            </a:r>
-            <a:endParaRPr lang="zh-CN" altLang="en-US"/>
-          </a:p>
-        </p:txBody>
-      </p:sp>
+            <a:endParaRPr lang="zh-CN" altLang="en-US"/>
+          </a:p>
+        </p:txBody>
+      </p:sp>
+      <p:pic>
+        <p:nvPicPr>
+          <p:cNvPr id="4" name="图片 3" descr="5"/>
+          <p:cNvPicPr>
+            <a:picLocks noChangeAspect="1"/>
+          </p:cNvPicPr>
+          <p:nvPr/>
+        </p:nvPicPr>
+        <p:blipFill>
+          <a:blip r:embed="rId1"/>
+          <a:stretch>
+            <a:fillRect/>
+          </a:stretch>
+        </p:blipFill>
+        <p:spPr>
+          <a:xfrm>
+            <a:off x="838200" y="1825625"/>
+            <a:ext cx="6706235" cy="4719955"/>
+          </a:xfrm>
+          <a:prstGeom prst="rect">
+            <a:avLst/>
+          </a:prstGeom>
+        </p:spPr>
+      </p:pic>
     </p:spTree>
   </p:cSld>
   <p:clrMapOvr>
@@ -5098,7 +5321,65 @@
 </p:sld>
 </file>
 
-<file path=ppt/slides/slide23.xml><?xml version="1.0" encoding="utf-8"?>
+<file path=ppt/slides/slide25.xml><?xml version="1.0" encoding="utf-8"?>
+<p:sld xmlns:a="http://schemas.openxmlformats.org/drawingml/2006/main" xmlns:r="http://schemas.openxmlformats.org/officeDocument/2006/relationships" xmlns:p="http://schemas.openxmlformats.org/presentationml/2006/main">
+  <p:cSld>
+    <p:spTree>
+      <p:nvGrpSpPr>
+        <p:cNvPr id="1" name=""/>
+        <p:cNvGrpSpPr/>
+        <p:nvPr/>
+      </p:nvGrpSpPr>
+      <p:grpSpPr/>
+      <p:sp>
+        <p:nvSpPr>
+          <p:cNvPr id="2" name="标题 1"/>
+          <p:cNvSpPr>
+            <a:spLocks noGrp="1"/>
+          </p:cNvSpPr>
+          <p:nvPr>
+            <p:ph type="title"/>
+          </p:nvPr>
+        </p:nvSpPr>
+        <p:spPr/>
+        <p:txBody>
+          <a:bodyPr/>
+          <a:p>
+            <a:endParaRPr lang="zh-CN" altLang="en-US"/>
+          </a:p>
+        </p:txBody>
+      </p:sp>
+      <p:sp>
+        <p:nvSpPr>
+          <p:cNvPr id="3" name="内容占位符 2"/>
+          <p:cNvSpPr>
+            <a:spLocks noGrp="1"/>
+          </p:cNvSpPr>
+          <p:nvPr>
+            <p:ph idx="1"/>
+          </p:nvPr>
+        </p:nvSpPr>
+        <p:spPr/>
+        <p:txBody>
+          <a:bodyPr/>
+          <a:p>
+            <a:r>
+              <a:rPr lang="zh-CN" altLang="en-US"/>
+              <a:t>然而，当我们应该各种各样的语言及其翻译工具的时候，又会出现以下问题。</a:t>
+            </a:r>
+            <a:endParaRPr lang="zh-CN" altLang="en-US"/>
+          </a:p>
+        </p:txBody>
+      </p:sp>
+    </p:spTree>
+  </p:cSld>
+  <p:clrMapOvr>
+    <a:masterClrMapping/>
+  </p:clrMapOvr>
+</p:sld>
+</file>
+
+<file path=ppt/slides/slide26.xml><?xml version="1.0" encoding="utf-8"?>
 <p:sld xmlns:a="http://schemas.openxmlformats.org/drawingml/2006/main" xmlns:r="http://schemas.openxmlformats.org/officeDocument/2006/relationships" xmlns:p="http://schemas.openxmlformats.org/presentationml/2006/main">
   <p:cSld>
     <p:spTree>
@@ -5180,7 +5461,7 @@
 </p:sld>
 </file>
 
-<file path=ppt/slides/slide24.xml><?xml version="1.0" encoding="utf-8"?>
+<file path=ppt/slides/slide27.xml><?xml version="1.0" encoding="utf-8"?>
 <p:sld xmlns:a="http://schemas.openxmlformats.org/drawingml/2006/main" xmlns:r="http://schemas.openxmlformats.org/officeDocument/2006/relationships" xmlns:p="http://schemas.openxmlformats.org/presentationml/2006/main">
   <p:cSld>
     <p:spTree>
@@ -5258,441 +5539,6 @@
 </p:sld>
 </file>
 
-<file path=ppt/slides/slide25.xml><?xml version="1.0" encoding="utf-8"?>
-<p:sld xmlns:a="http://schemas.openxmlformats.org/drawingml/2006/main" xmlns:r="http://schemas.openxmlformats.org/officeDocument/2006/relationships" xmlns:p="http://schemas.openxmlformats.org/presentationml/2006/main">
-  <p:cSld>
-    <p:spTree>
-      <p:nvGrpSpPr>
-        <p:cNvPr id="1" name=""/>
-        <p:cNvGrpSpPr/>
-        <p:nvPr/>
-      </p:nvGrpSpPr>
-      <p:grpSpPr/>
-      <p:sp>
-        <p:nvSpPr>
-          <p:cNvPr id="2" name="标题 1"/>
-          <p:cNvSpPr>
-            <a:spLocks noGrp="1"/>
-          </p:cNvSpPr>
-          <p:nvPr>
-            <p:ph type="title"/>
-          </p:nvPr>
-        </p:nvSpPr>
-        <p:spPr>
-          <a:xfrm>
-            <a:off x="838200" y="356870"/>
-            <a:ext cx="10515600" cy="1325563"/>
-          </a:xfrm>
-        </p:spPr>
-        <p:txBody>
-          <a:bodyPr/>
-          <a:p>
-            <a:endParaRPr lang="zh-CN" altLang="en-US"/>
-          </a:p>
-        </p:txBody>
-      </p:sp>
-      <p:sp>
-        <p:nvSpPr>
-          <p:cNvPr id="3" name="内容占位符 2"/>
-          <p:cNvSpPr>
-            <a:spLocks noGrp="1"/>
-          </p:cNvSpPr>
-          <p:nvPr>
-            <p:ph idx="1"/>
-          </p:nvPr>
-        </p:nvSpPr>
-        <p:spPr/>
-        <p:txBody>
-          <a:bodyPr/>
-          <a:p>
-            <a:r>
-              <a:rPr lang="zh-CN" altLang="en-US"/>
-              <a:t>刚才已经从代码优化，可维护性，模块化思维的角度，阐述了构建工具的好处。</a:t>
-            </a:r>
-            <a:endParaRPr lang="zh-CN" altLang="en-US"/>
-          </a:p>
-          <a:p>
-            <a:endParaRPr lang="zh-CN" altLang="en-US"/>
-          </a:p>
-          <a:p>
-            <a:r>
-              <a:rPr lang="zh-CN" altLang="en-US"/>
-              <a:t>其他原因：</a:t>
-            </a:r>
-            <a:endParaRPr lang="zh-CN" altLang="en-US"/>
-          </a:p>
-          <a:p>
-            <a:pPr lvl="1"/>
-            <a:r>
-              <a:rPr lang="zh-CN" altLang="en-US"/>
-              <a:t>新框架： </a:t>
-            </a:r>
-            <a:r>
-              <a:rPr lang="en-US" altLang="zh-CN"/>
-              <a:t>Vue</a:t>
-            </a:r>
-            <a:r>
-              <a:rPr lang="zh-CN" altLang="en-US"/>
-              <a:t>（</a:t>
-            </a:r>
-            <a:r>
-              <a:rPr lang="en-US" altLang="zh-CN"/>
-              <a:t>.vue</a:t>
-            </a:r>
-            <a:r>
-              <a:rPr lang="zh-CN" altLang="en-US"/>
-              <a:t>）；</a:t>
-            </a:r>
-            <a:r>
-              <a:rPr lang="en-US" altLang="zh-CN"/>
-              <a:t>React</a:t>
-            </a:r>
-            <a:r>
-              <a:rPr lang="zh-CN" altLang="en-US"/>
-              <a:t>（</a:t>
-            </a:r>
-            <a:r>
-              <a:rPr lang="en-US" altLang="zh-CN"/>
-              <a:t>.</a:t>
-            </a:r>
-            <a:r>
-              <a:rPr lang="en-US" altLang="zh-CN"/>
-              <a:t>jsx</a:t>
-            </a:r>
-            <a:r>
-              <a:rPr lang="zh-CN" altLang="en-US"/>
-              <a:t>）</a:t>
-            </a:r>
-            <a:r>
-              <a:rPr lang="zh-CN" altLang="en-US"/>
-              <a:t>；</a:t>
-            </a:r>
-            <a:r>
-              <a:rPr lang="en-US" altLang="zh-CN"/>
-              <a:t>Angular</a:t>
-            </a:r>
-            <a:r>
-              <a:rPr lang="zh-CN" altLang="en-US"/>
-              <a:t>；</a:t>
-            </a:r>
-            <a:endParaRPr lang="zh-CN" altLang="en-US"/>
-          </a:p>
-          <a:p>
-            <a:pPr lvl="1"/>
-            <a:r>
-              <a:rPr lang="zh-CN" altLang="en-US"/>
-              <a:t>新语言（</a:t>
-            </a:r>
-            <a:r>
-              <a:rPr lang="zh-CN" altLang="en-US">
-                <a:solidFill>
-                  <a:srgbClr val="FF0000"/>
-                </a:solidFill>
-              </a:rPr>
-              <a:t>翻译官</a:t>
-            </a:r>
-            <a:r>
-              <a:rPr lang="zh-CN" altLang="en-US"/>
-              <a:t>功能）：</a:t>
-            </a:r>
-            <a:r>
-              <a:rPr lang="en-US" altLang="zh-CN"/>
-              <a:t>ES6</a:t>
-            </a:r>
-            <a:r>
-              <a:rPr lang="zh-CN" altLang="en-US"/>
-              <a:t>（</a:t>
-            </a:r>
-            <a:r>
-              <a:rPr lang="zh-CN" altLang="en-US">
-                <a:solidFill>
-                  <a:srgbClr val="FF0000"/>
-                </a:solidFill>
-              </a:rPr>
-              <a:t>新语法</a:t>
-            </a:r>
-            <a:r>
-              <a:rPr lang="zh-CN" altLang="en-US"/>
-              <a:t>）</a:t>
-            </a:r>
-            <a:r>
-              <a:rPr lang="zh-CN" altLang="en-US"/>
-              <a:t>；</a:t>
-            </a:r>
-            <a:r>
-              <a:rPr lang="en-US" altLang="zh-CN"/>
-              <a:t>Typescript</a:t>
-            </a:r>
-            <a:r>
-              <a:rPr lang="zh-CN" altLang="en-US"/>
-              <a:t>（</a:t>
-            </a:r>
-            <a:r>
-              <a:rPr lang="zh-CN" altLang="en-US">
-                <a:solidFill>
-                  <a:srgbClr val="FF0000"/>
-                </a:solidFill>
-              </a:rPr>
-              <a:t>类型校验</a:t>
-            </a:r>
-            <a:r>
-              <a:rPr lang="zh-CN" altLang="en-US"/>
-              <a:t>能力）</a:t>
-            </a:r>
-            <a:r>
-              <a:rPr lang="zh-CN" altLang="en-US"/>
-              <a:t>；</a:t>
-            </a:r>
-            <a:r>
-              <a:rPr lang="en-US" altLang="zh-CN"/>
-              <a:t>Flow</a:t>
-            </a:r>
-            <a:r>
-              <a:rPr lang="zh-CN" altLang="en-US"/>
-              <a:t>；</a:t>
-            </a:r>
-            <a:r>
-              <a:rPr lang="en-US" altLang="zh-CN"/>
-              <a:t>SCSS/LESS</a:t>
-            </a:r>
-            <a:r>
-              <a:rPr lang="zh-CN" altLang="en-US"/>
-              <a:t>等等；</a:t>
-            </a:r>
-            <a:endParaRPr lang="zh-CN" altLang="en-US"/>
-          </a:p>
-          <a:p>
-            <a:pPr lvl="1"/>
-            <a:r>
-              <a:rPr lang="zh-CN" altLang="en-US"/>
-              <a:t>性能优化：缓存，多线程，</a:t>
-            </a:r>
-            <a:r>
-              <a:rPr lang="en-US" altLang="zh-CN"/>
-              <a:t>tree-shaking;</a:t>
-            </a:r>
-            <a:endParaRPr lang="en-US" altLang="zh-CN"/>
-          </a:p>
-        </p:txBody>
-      </p:sp>
-    </p:spTree>
-  </p:cSld>
-  <p:clrMapOvr>
-    <a:masterClrMapping/>
-  </p:clrMapOvr>
-</p:sld>
-</file>
-
-<file path=ppt/slides/slide26.xml><?xml version="1.0" encoding="utf-8"?>
-<p:sld xmlns:a="http://schemas.openxmlformats.org/drawingml/2006/main" xmlns:r="http://schemas.openxmlformats.org/officeDocument/2006/relationships" xmlns:p="http://schemas.openxmlformats.org/presentationml/2006/main">
-  <p:cSld>
-    <p:spTree>
-      <p:nvGrpSpPr>
-        <p:cNvPr id="1" name=""/>
-        <p:cNvGrpSpPr/>
-        <p:nvPr/>
-      </p:nvGrpSpPr>
-      <p:grpSpPr/>
-      <p:sp>
-        <p:nvSpPr>
-          <p:cNvPr id="2" name="标题 1"/>
-          <p:cNvSpPr>
-            <a:spLocks noGrp="1"/>
-          </p:cNvSpPr>
-          <p:nvPr>
-            <p:ph type="title"/>
-          </p:nvPr>
-        </p:nvSpPr>
-        <p:spPr/>
-        <p:txBody>
-          <a:bodyPr/>
-          <a:p>
-            <a:endParaRPr lang="zh-CN" altLang="en-US"/>
-          </a:p>
-        </p:txBody>
-      </p:sp>
-      <p:sp>
-        <p:nvSpPr>
-          <p:cNvPr id="3" name="内容占位符 2"/>
-          <p:cNvSpPr>
-            <a:spLocks noGrp="1"/>
-          </p:cNvSpPr>
-          <p:nvPr>
-            <p:ph idx="1"/>
-          </p:nvPr>
-        </p:nvSpPr>
-        <p:spPr/>
-        <p:txBody>
-          <a:bodyPr/>
-          <a:p>
-            <a:pPr marL="0" indent="0" algn="ctr">
-              <a:buNone/>
-            </a:pPr>
-            <a:endParaRPr lang="zh-CN" altLang="en-US" sz="4400">
-              <a:sym typeface="+mn-ea"/>
-            </a:endParaRPr>
-          </a:p>
-          <a:p>
-            <a:pPr marL="0" indent="0" algn="ctr">
-              <a:buNone/>
-            </a:pPr>
-            <a:endParaRPr lang="zh-CN" altLang="en-US" sz="4400">
-              <a:sym typeface="+mn-ea"/>
-            </a:endParaRPr>
-          </a:p>
-          <a:p>
-            <a:pPr marL="0" indent="0" algn="ctr">
-              <a:buNone/>
-            </a:pPr>
-            <a:r>
-              <a:rPr lang="zh-CN" sz="4400">
-                <a:sym typeface="+mn-ea"/>
-              </a:rPr>
-              <a:t>第二章</a:t>
-            </a:r>
-            <a:endParaRPr lang="zh-CN" sz="4400">
-              <a:sym typeface="+mn-ea"/>
-            </a:endParaRPr>
-          </a:p>
-          <a:p>
-            <a:pPr marL="0" indent="0" algn="ctr">
-              <a:buNone/>
-            </a:pPr>
-            <a:r>
-              <a:rPr lang="zh-CN" altLang="en-US" sz="4400">
-                <a:sym typeface="+mn-ea"/>
-              </a:rPr>
-              <a:t>初识构建工具</a:t>
-            </a:r>
-            <a:endParaRPr lang="zh-CN" altLang="en-US" sz="4400"/>
-          </a:p>
-          <a:p>
-            <a:pPr algn="ctr"/>
-            <a:endParaRPr lang="zh-CN" altLang="en-US" sz="4400"/>
-          </a:p>
-        </p:txBody>
-      </p:sp>
-    </p:spTree>
-  </p:cSld>
-  <p:clrMapOvr>
-    <a:masterClrMapping/>
-  </p:clrMapOvr>
-</p:sld>
-</file>
-
-<file path=ppt/slides/slide27.xml><?xml version="1.0" encoding="utf-8"?>
-<p:sld xmlns:a="http://schemas.openxmlformats.org/drawingml/2006/main" xmlns:r="http://schemas.openxmlformats.org/officeDocument/2006/relationships" xmlns:p="http://schemas.openxmlformats.org/presentationml/2006/main">
-  <p:cSld>
-    <p:spTree>
-      <p:nvGrpSpPr>
-        <p:cNvPr id="1" name=""/>
-        <p:cNvGrpSpPr/>
-        <p:nvPr/>
-      </p:nvGrpSpPr>
-      <p:grpSpPr/>
-      <p:sp>
-        <p:nvSpPr>
-          <p:cNvPr id="2" name="标题 1"/>
-          <p:cNvSpPr>
-            <a:spLocks noGrp="1"/>
-          </p:cNvSpPr>
-          <p:nvPr>
-            <p:ph type="title"/>
-          </p:nvPr>
-        </p:nvSpPr>
-        <p:spPr/>
-        <p:txBody>
-          <a:bodyPr/>
-          <a:p>
-            <a:endParaRPr lang="zh-CN" altLang="en-US"/>
-          </a:p>
-        </p:txBody>
-      </p:sp>
-      <p:sp>
-        <p:nvSpPr>
-          <p:cNvPr id="3" name="内容占位符 2"/>
-          <p:cNvSpPr>
-            <a:spLocks noGrp="1"/>
-          </p:cNvSpPr>
-          <p:nvPr>
-            <p:ph idx="1"/>
-          </p:nvPr>
-        </p:nvSpPr>
-        <p:spPr/>
-        <p:txBody>
-          <a:bodyPr/>
-          <a:p>
-            <a:pPr marL="457200" lvl="1" indent="0">
-              <a:buNone/>
-            </a:pPr>
-            <a:r>
-              <a:rPr lang="zh-CN" altLang="en-US"/>
-              <a:t>在我初识</a:t>
-            </a:r>
-            <a:r>
-              <a:rPr lang="en-US" altLang="zh-CN"/>
-              <a:t>web</a:t>
-            </a:r>
-            <a:r>
-              <a:rPr lang="zh-CN" altLang="en-US"/>
-              <a:t>前端的时候，听到过几个前端构建工具。如</a:t>
-            </a:r>
-            <a:r>
-              <a:rPr lang="en-US" altLang="zh-CN"/>
-              <a:t>grunt</a:t>
-            </a:r>
-            <a:r>
-              <a:rPr lang="zh-CN" altLang="en-US"/>
-              <a:t>，</a:t>
-            </a:r>
-            <a:r>
-              <a:rPr lang="en-US" altLang="zh-CN"/>
-              <a:t>glup</a:t>
-            </a:r>
-            <a:r>
-              <a:rPr lang="zh-CN" altLang="en-US"/>
-              <a:t>，</a:t>
-            </a:r>
-            <a:r>
-              <a:rPr lang="en-US" altLang="zh-CN"/>
-              <a:t>webpack</a:t>
-            </a:r>
-            <a:r>
-              <a:rPr lang="zh-CN" altLang="en-US"/>
-              <a:t>。我当时连为什么要用这些工具都不知道！更不知道到底要选哪一个！于是都学习了下，都是一知半解，最终都忘掉。</a:t>
-            </a:r>
-            <a:endParaRPr lang="zh-CN" altLang="en-US"/>
-          </a:p>
-          <a:p>
-            <a:pPr marL="457200" lvl="1" indent="0">
-              <a:buNone/>
-            </a:pPr>
-            <a:endParaRPr lang="zh-CN" altLang="en-US"/>
-          </a:p>
-          <a:p>
-            <a:pPr marL="457200" lvl="1" indent="0">
-              <a:buNone/>
-            </a:pPr>
-            <a:r>
-              <a:rPr lang="zh-CN" altLang="en-US"/>
-              <a:t>所以，我们这里先对其他构建工具了解下，列举出各个工具的优缺点。这样可以让我们更好的去理解</a:t>
-            </a:r>
-            <a:r>
-              <a:rPr lang="en-US" altLang="zh-CN"/>
-              <a:t>webpack</a:t>
-            </a:r>
-            <a:endParaRPr lang="en-US" altLang="zh-CN"/>
-          </a:p>
-        </p:txBody>
-      </p:sp>
-    </p:spTree>
-  </p:cSld>
-  <p:clrMapOvr>
-    <a:masterClrMapping/>
-  </p:clrMapOvr>
-</p:sld>
-</file>
-
 <file path=ppt/slides/slide28.xml><?xml version="1.0" encoding="utf-8"?>
 <p:sld xmlns:a="http://schemas.openxmlformats.org/drawingml/2006/main" xmlns:r="http://schemas.openxmlformats.org/officeDocument/2006/relationships" xmlns:p="http://schemas.openxmlformats.org/presentationml/2006/main">
   <p:cSld>
@@ -5713,294 +5559,188 @@
             <p:ph type="title"/>
           </p:nvPr>
         </p:nvSpPr>
-        <p:spPr/>
-        <p:txBody>
-          <a:bodyPr>
-            <a:normAutofit/>
-          </a:bodyPr>
-          <a:p>
+        <p:spPr>
+          <a:xfrm>
+            <a:off x="838200" y="356870"/>
+            <a:ext cx="10515600" cy="1325563"/>
+          </a:xfrm>
+        </p:spPr>
+        <p:txBody>
+          <a:bodyPr/>
+          <a:p>
+            <a:endParaRPr lang="zh-CN" altLang="en-US"/>
+          </a:p>
+        </p:txBody>
+      </p:sp>
+      <p:sp>
+        <p:nvSpPr>
+          <p:cNvPr id="3" name="内容占位符 2"/>
+          <p:cNvSpPr>
+            <a:spLocks noGrp="1"/>
+          </p:cNvSpPr>
+          <p:nvPr>
+            <p:ph idx="1"/>
+          </p:nvPr>
+        </p:nvSpPr>
+        <p:spPr/>
+        <p:txBody>
+          <a:bodyPr/>
+          <a:p>
+            <a:r>
+              <a:rPr lang="zh-CN" altLang="en-US"/>
+              <a:t>刚才已经从代码优化，可维护性，模块化思维的角度，阐述了构建工具的好处。</a:t>
+            </a:r>
+            <a:endParaRPr lang="zh-CN" altLang="en-US"/>
+          </a:p>
+          <a:p>
+            <a:endParaRPr lang="zh-CN" altLang="en-US"/>
+          </a:p>
+          <a:p>
+            <a:r>
+              <a:rPr lang="zh-CN" altLang="en-US"/>
+              <a:t>其他原因：</a:t>
+            </a:r>
+            <a:endParaRPr lang="zh-CN" altLang="en-US"/>
+          </a:p>
+          <a:p>
+            <a:pPr lvl="1"/>
+            <a:r>
+              <a:rPr lang="zh-CN" altLang="en-US"/>
+              <a:t>新框架： </a:t>
+            </a:r>
+            <a:r>
+              <a:rPr lang="en-US" altLang="zh-CN"/>
+              <a:t>Vue</a:t>
+            </a:r>
+            <a:r>
+              <a:rPr lang="zh-CN" altLang="en-US"/>
+              <a:t>（</a:t>
+            </a:r>
+            <a:r>
+              <a:rPr lang="en-US" altLang="zh-CN"/>
+              <a:t>.vue</a:t>
+            </a:r>
+            <a:r>
+              <a:rPr lang="zh-CN" altLang="en-US"/>
+              <a:t>）；</a:t>
+            </a:r>
+            <a:r>
+              <a:rPr lang="en-US" altLang="zh-CN"/>
+              <a:t>React</a:t>
+            </a:r>
+            <a:r>
+              <a:rPr lang="zh-CN" altLang="en-US"/>
+              <a:t>（</a:t>
+            </a:r>
+            <a:r>
+              <a:rPr lang="en-US" altLang="zh-CN"/>
+              <a:t>.</a:t>
+            </a:r>
+            <a:r>
+              <a:rPr lang="en-US" altLang="zh-CN"/>
+              <a:t>jsx</a:t>
+            </a:r>
+            <a:r>
+              <a:rPr lang="zh-CN" altLang="en-US"/>
+              <a:t>）</a:t>
+            </a:r>
+            <a:r>
+              <a:rPr lang="zh-CN" altLang="en-US"/>
+              <a:t>；</a:t>
+            </a:r>
+            <a:r>
+              <a:rPr lang="en-US" altLang="zh-CN"/>
+              <a:t>Angular</a:t>
+            </a:r>
+            <a:r>
+              <a:rPr lang="zh-CN" altLang="en-US"/>
+              <a:t>；</a:t>
+            </a:r>
+            <a:endParaRPr lang="zh-CN" altLang="en-US"/>
+          </a:p>
+          <a:p>
+            <a:pPr lvl="1"/>
+            <a:r>
+              <a:rPr lang="zh-CN" altLang="en-US"/>
+              <a:t>新语言：</a:t>
+            </a:r>
+            <a:r>
+              <a:rPr lang="en-US" altLang="zh-CN"/>
+              <a:t>ES6</a:t>
+            </a:r>
+            <a:r>
+              <a:rPr lang="zh-CN" altLang="en-US"/>
+              <a:t>（</a:t>
+            </a:r>
             <a:r>
               <a:rPr lang="zh-CN" altLang="en-US">
-                <a:sym typeface="+mn-ea"/>
-              </a:rPr>
-              <a:t>听过的构建工具  （</a:t>
-            </a:r>
-            <a:r>
-              <a:rPr lang="en-US" altLang="zh-CN">
-                <a:sym typeface="+mn-ea"/>
-              </a:rPr>
-              <a:t>PS === </a:t>
-            </a:r>
-            <a:r>
-              <a:rPr lang="zh-CN" altLang="en-US">
-                <a:sym typeface="+mn-ea"/>
-              </a:rPr>
-              <a:t>游戏机</a:t>
-            </a:r>
-            <a:r>
-              <a:rPr lang="zh-CN" altLang="en-US">
-                <a:sym typeface="+mn-ea"/>
-              </a:rPr>
-              <a:t>）</a:t>
-            </a:r>
-            <a:endParaRPr lang="zh-CN" altLang="en-US">
-              <a:sym typeface="+mn-ea"/>
-            </a:endParaRPr>
-          </a:p>
-        </p:txBody>
-      </p:sp>
-      <p:sp>
-        <p:nvSpPr>
-          <p:cNvPr id="3" name="内容占位符 2"/>
-          <p:cNvSpPr>
-            <a:spLocks noGrp="1"/>
-          </p:cNvSpPr>
-          <p:nvPr>
-            <p:ph idx="1"/>
-          </p:nvPr>
-        </p:nvSpPr>
-        <p:spPr/>
-        <p:txBody>
-          <a:bodyPr>
-            <a:normAutofit lnSpcReduction="10000"/>
-          </a:bodyPr>
-          <a:p>
-            <a:pPr marL="514350" indent="-514350">
-              <a:buAutoNum type="arabicPeriod"/>
-            </a:pPr>
-            <a:r>
-              <a:rPr lang="en-US" altLang="zh-CN">
-                <a:solidFill>
-                  <a:schemeClr val="accent6"/>
-                </a:solidFill>
-              </a:rPr>
-              <a:t>Grunt</a:t>
-            </a:r>
-            <a:r>
-              <a:rPr lang="zh-CN" altLang="en-US">
-                <a:solidFill>
-                  <a:schemeClr val="accent6"/>
-                </a:solidFill>
-              </a:rPr>
-              <a:t>（见的比较多）</a:t>
-            </a:r>
-            <a:endParaRPr lang="en-US" altLang="zh-CN">
-              <a:solidFill>
-                <a:schemeClr val="accent6"/>
-              </a:solidFill>
-            </a:endParaRPr>
-          </a:p>
-          <a:p>
-            <a:pPr marL="514350" indent="-514350">
-              <a:buAutoNum type="arabicPeriod"/>
-            </a:pPr>
-            <a:r>
-              <a:rPr lang="en-US" altLang="zh-CN">
-                <a:solidFill>
-                  <a:schemeClr val="accent6"/>
-                </a:solidFill>
-              </a:rPr>
-              <a:t>Gulp</a:t>
-            </a:r>
-            <a:r>
-              <a:rPr lang="zh-CN" altLang="en-US">
-                <a:solidFill>
-                  <a:schemeClr val="accent6"/>
-                </a:solidFill>
-                <a:sym typeface="+mn-ea"/>
-              </a:rPr>
-              <a:t>（见的比较多）</a:t>
-            </a:r>
-            <a:endParaRPr lang="en-US" altLang="zh-CN">
-              <a:solidFill>
-                <a:schemeClr val="accent6"/>
-              </a:solidFill>
-            </a:endParaRPr>
-          </a:p>
-          <a:p>
-            <a:pPr marL="514350" indent="-514350">
-              <a:buAutoNum type="arabicPeriod"/>
-            </a:pPr>
-            <a:r>
-              <a:rPr lang="en-US" altLang="zh-CN">
-                <a:solidFill>
-                  <a:srgbClr val="FFC000"/>
-                </a:solidFill>
-              </a:rPr>
-              <a:t>browserify</a:t>
-            </a:r>
-            <a:r>
-              <a:rPr lang="zh-CN" altLang="en-US">
-                <a:solidFill>
-                  <a:srgbClr val="FFC000"/>
-                </a:solidFill>
-                <a:sym typeface="+mn-ea"/>
-              </a:rPr>
-              <a:t>（见的比较少）</a:t>
-            </a:r>
-            <a:endParaRPr lang="en-US" altLang="zh-CN">
-              <a:solidFill>
-                <a:srgbClr val="FFC000"/>
-              </a:solidFill>
-            </a:endParaRPr>
-          </a:p>
-          <a:p>
-            <a:pPr marL="514350" indent="-514350">
-              <a:buAutoNum type="arabicPeriod"/>
-            </a:pPr>
-            <a:r>
-              <a:rPr lang="en-US" altLang="zh-CN">
-                <a:solidFill>
-                  <a:schemeClr val="bg1">
-                    <a:lumMod val="50000"/>
-                  </a:schemeClr>
-                </a:solidFill>
-              </a:rPr>
-              <a:t>Parcel</a:t>
-            </a:r>
-            <a:r>
-              <a:rPr lang="zh-CN" altLang="en-US">
-                <a:solidFill>
-                  <a:schemeClr val="bg1">
-                    <a:lumMod val="50000"/>
-                  </a:schemeClr>
-                </a:solidFill>
-              </a:rPr>
-              <a:t>（完全没听过）</a:t>
-            </a:r>
-            <a:endParaRPr lang="en-US" altLang="zh-CN">
-              <a:solidFill>
-                <a:schemeClr val="bg1">
-                  <a:lumMod val="50000"/>
-                </a:schemeClr>
-              </a:solidFill>
-            </a:endParaRPr>
-          </a:p>
-          <a:p>
-            <a:pPr marL="514350" indent="-514350">
-              <a:buAutoNum type="arabicPeriod"/>
-            </a:pPr>
-            <a:r>
-              <a:rPr lang="en-US" altLang="zh-CN">
-                <a:solidFill>
-                  <a:schemeClr val="bg1">
-                    <a:lumMod val="50000"/>
-                  </a:schemeClr>
-                </a:solidFill>
-              </a:rPr>
-              <a:t>Fis3</a:t>
-            </a:r>
-            <a:r>
-              <a:rPr lang="zh-CN" altLang="en-US">
-                <a:solidFill>
-                  <a:schemeClr val="bg1">
-                    <a:lumMod val="50000"/>
-                  </a:schemeClr>
-                </a:solidFill>
-                <a:sym typeface="+mn-ea"/>
-              </a:rPr>
-              <a:t>（完全没听过）</a:t>
-            </a:r>
-            <a:endParaRPr lang="en-US" altLang="zh-CN">
-              <a:solidFill>
-                <a:schemeClr val="bg1">
-                  <a:lumMod val="50000"/>
-                </a:schemeClr>
-              </a:solidFill>
-            </a:endParaRPr>
-          </a:p>
-          <a:p>
-            <a:pPr marL="514350" indent="-514350">
-              <a:buAutoNum type="arabicPeriod"/>
-            </a:pPr>
-            <a:r>
-              <a:rPr lang="en-US" altLang="zh-CN">
-                <a:solidFill>
-                  <a:schemeClr val="bg1">
-                    <a:lumMod val="50000"/>
-                  </a:schemeClr>
-                </a:solidFill>
-              </a:rPr>
-              <a:t>yeoman</a:t>
-            </a:r>
-            <a:r>
-              <a:rPr lang="zh-CN" altLang="en-US">
-                <a:solidFill>
-                  <a:schemeClr val="bg1">
-                    <a:lumMod val="50000"/>
-                  </a:schemeClr>
-                </a:solidFill>
-                <a:sym typeface="+mn-ea"/>
-              </a:rPr>
-              <a:t>（完全没听过）</a:t>
-            </a:r>
-            <a:endParaRPr lang="en-US" altLang="zh-CN">
-              <a:solidFill>
-                <a:schemeClr val="bg1">
-                  <a:lumMod val="50000"/>
-                </a:schemeClr>
-              </a:solidFill>
-            </a:endParaRPr>
-          </a:p>
-          <a:p>
-            <a:pPr marL="514350" indent="-514350">
-              <a:buAutoNum type="arabicPeriod"/>
-            </a:pPr>
-            <a:r>
-              <a:rPr lang="en-US" altLang="zh-CN">
-                <a:solidFill>
-                  <a:schemeClr val="bg1">
-                    <a:lumMod val="50000"/>
-                  </a:schemeClr>
-                </a:solidFill>
-                <a:sym typeface="+mn-ea"/>
-              </a:rPr>
-              <a:t>Rollup</a:t>
-            </a:r>
-            <a:r>
-              <a:rPr lang="zh-CN" altLang="en-US">
-                <a:solidFill>
-                  <a:schemeClr val="bg1">
-                    <a:lumMod val="50000"/>
-                  </a:schemeClr>
-                </a:solidFill>
-                <a:sym typeface="+mn-ea"/>
-              </a:rPr>
-              <a:t>（完全没听过）</a:t>
-            </a:r>
-            <a:endParaRPr lang="en-US" altLang="zh-CN">
-              <a:solidFill>
-                <a:schemeClr val="bg1">
-                  <a:lumMod val="50000"/>
-                </a:schemeClr>
-              </a:solidFill>
-            </a:endParaRPr>
-          </a:p>
-          <a:p>
-            <a:pPr marL="514350" indent="-514350">
-              <a:buAutoNum type="arabicPeriod"/>
-            </a:pPr>
-            <a:r>
-              <a:rPr lang="en-US" altLang="zh-CN">
                 <a:solidFill>
                   <a:srgbClr val="FF0000"/>
                 </a:solidFill>
               </a:rPr>
-              <a:t>Webpack</a:t>
-            </a:r>
-            <a:endParaRPr lang="en-US" altLang="zh-CN">
-              <a:solidFill>
-                <a:srgbClr val="FF0000"/>
-              </a:solidFill>
-            </a:endParaRPr>
-          </a:p>
-          <a:p>
-            <a:pPr marL="514350" indent="-514350"/>
-            <a:endParaRPr lang="en-US" altLang="zh-CN">
-              <a:solidFill>
-                <a:srgbClr val="FF0000"/>
-              </a:solidFill>
-            </a:endParaRPr>
+              <a:t>新语法</a:t>
+            </a:r>
+            <a:r>
+              <a:rPr lang="zh-CN" altLang="en-US"/>
+              <a:t>）</a:t>
+            </a:r>
+            <a:r>
+              <a:rPr lang="zh-CN" altLang="en-US"/>
+              <a:t>；</a:t>
+            </a:r>
+            <a:r>
+              <a:rPr lang="en-US" altLang="zh-CN"/>
+              <a:t>Typescript</a:t>
+            </a:r>
+            <a:r>
+              <a:rPr lang="zh-CN" altLang="en-US"/>
+              <a:t>（</a:t>
+            </a:r>
+            <a:r>
+              <a:rPr lang="zh-CN" altLang="en-US">
+                <a:solidFill>
+                  <a:srgbClr val="FF0000"/>
+                </a:solidFill>
+              </a:rPr>
+              <a:t>类型校验</a:t>
+            </a:r>
+            <a:r>
+              <a:rPr lang="zh-CN" altLang="en-US"/>
+              <a:t>能力）</a:t>
+            </a:r>
+            <a:r>
+              <a:rPr lang="zh-CN" altLang="en-US"/>
+              <a:t>；</a:t>
+            </a:r>
+            <a:r>
+              <a:rPr lang="en-US" altLang="zh-CN"/>
+              <a:t>Flow</a:t>
+            </a:r>
+            <a:r>
+              <a:rPr lang="zh-CN" altLang="en-US"/>
+              <a:t>；</a:t>
+            </a:r>
+            <a:r>
+              <a:rPr lang="en-US" altLang="zh-CN"/>
+              <a:t>SCSS/LESS</a:t>
+            </a:r>
+            <a:r>
+              <a:rPr lang="zh-CN" altLang="en-US"/>
+              <a:t>等等；</a:t>
+            </a:r>
+            <a:endParaRPr lang="zh-CN" altLang="en-US"/>
+          </a:p>
+          <a:p>
+            <a:pPr lvl="1"/>
+            <a:r>
+              <a:rPr lang="zh-CN" altLang="en-US"/>
+              <a:t>性能优化：缓存，多线程，</a:t>
+            </a:r>
+            <a:r>
+              <a:rPr lang="en-US" altLang="zh-CN"/>
+              <a:t>tree-shaking;</a:t>
+            </a:r>
+            <a:endParaRPr lang="en-US" altLang="zh-CN"/>
           </a:p>
         </p:txBody>
       </p:sp>
@@ -6013,6 +5753,754 @@
 </file>
 
 <file path=ppt/slides/slide29.xml><?xml version="1.0" encoding="utf-8"?>
+<p:sld xmlns:a="http://schemas.openxmlformats.org/drawingml/2006/main" xmlns:r="http://schemas.openxmlformats.org/officeDocument/2006/relationships" xmlns:p="http://schemas.openxmlformats.org/presentationml/2006/main">
+  <p:cSld>
+    <p:spTree>
+      <p:nvGrpSpPr>
+        <p:cNvPr id="1" name=""/>
+        <p:cNvGrpSpPr/>
+        <p:nvPr/>
+      </p:nvGrpSpPr>
+      <p:grpSpPr/>
+      <p:sp>
+        <p:nvSpPr>
+          <p:cNvPr id="2" name="标题 1"/>
+          <p:cNvSpPr>
+            <a:spLocks noGrp="1"/>
+          </p:cNvSpPr>
+          <p:nvPr>
+            <p:ph type="title"/>
+          </p:nvPr>
+        </p:nvSpPr>
+        <p:spPr/>
+        <p:txBody>
+          <a:bodyPr/>
+          <a:p>
+            <a:endParaRPr lang="zh-CN" altLang="en-US"/>
+          </a:p>
+        </p:txBody>
+      </p:sp>
+      <p:sp>
+        <p:nvSpPr>
+          <p:cNvPr id="3" name="内容占位符 2"/>
+          <p:cNvSpPr>
+            <a:spLocks noGrp="1"/>
+          </p:cNvSpPr>
+          <p:nvPr>
+            <p:ph idx="1"/>
+          </p:nvPr>
+        </p:nvSpPr>
+        <p:spPr/>
+        <p:txBody>
+          <a:bodyPr/>
+          <a:p>
+            <a:pPr marL="0" indent="0" algn="ctr">
+              <a:buNone/>
+            </a:pPr>
+            <a:endParaRPr lang="zh-CN" altLang="en-US" sz="4400">
+              <a:sym typeface="+mn-ea"/>
+            </a:endParaRPr>
+          </a:p>
+          <a:p>
+            <a:pPr marL="0" indent="0" algn="ctr">
+              <a:buNone/>
+            </a:pPr>
+            <a:endParaRPr lang="zh-CN" altLang="en-US" sz="4400">
+              <a:sym typeface="+mn-ea"/>
+            </a:endParaRPr>
+          </a:p>
+          <a:p>
+            <a:pPr marL="0" indent="0" algn="ctr">
+              <a:buNone/>
+            </a:pPr>
+            <a:r>
+              <a:rPr lang="zh-CN" sz="4400">
+                <a:sym typeface="+mn-ea"/>
+              </a:rPr>
+              <a:t>第二章</a:t>
+            </a:r>
+            <a:endParaRPr lang="zh-CN" sz="4400">
+              <a:sym typeface="+mn-ea"/>
+            </a:endParaRPr>
+          </a:p>
+          <a:p>
+            <a:pPr marL="0" indent="0" algn="ctr">
+              <a:buNone/>
+            </a:pPr>
+            <a:r>
+              <a:rPr lang="zh-CN" altLang="en-US" sz="4400">
+                <a:sym typeface="+mn-ea"/>
+              </a:rPr>
+              <a:t>初识构建工具</a:t>
+            </a:r>
+            <a:endParaRPr lang="zh-CN" altLang="en-US" sz="4400"/>
+          </a:p>
+          <a:p>
+            <a:pPr algn="ctr"/>
+            <a:endParaRPr lang="zh-CN" altLang="en-US" sz="4400"/>
+          </a:p>
+        </p:txBody>
+      </p:sp>
+    </p:spTree>
+  </p:cSld>
+  <p:clrMapOvr>
+    <a:masterClrMapping/>
+  </p:clrMapOvr>
+</p:sld>
+</file>
+
+<file path=ppt/slides/slide3.xml><?xml version="1.0" encoding="utf-8"?>
+<p:sld xmlns:a="http://schemas.openxmlformats.org/drawingml/2006/main" xmlns:r="http://schemas.openxmlformats.org/officeDocument/2006/relationships" xmlns:p="http://schemas.openxmlformats.org/presentationml/2006/main">
+  <p:cSld>
+    <p:spTree>
+      <p:nvGrpSpPr>
+        <p:cNvPr id="1" name=""/>
+        <p:cNvGrpSpPr/>
+        <p:nvPr/>
+      </p:nvGrpSpPr>
+      <p:grpSpPr/>
+      <p:sp>
+        <p:nvSpPr>
+          <p:cNvPr id="2" name="标题 1"/>
+          <p:cNvSpPr>
+            <a:spLocks noGrp="1"/>
+          </p:cNvSpPr>
+          <p:nvPr>
+            <p:ph type="title"/>
+          </p:nvPr>
+        </p:nvSpPr>
+        <p:spPr/>
+        <p:txBody>
+          <a:bodyPr/>
+          <a:p>
+            <a:r>
+              <a:rPr lang="zh-CN" altLang="en-US"/>
+              <a:t>大纲</a:t>
+            </a:r>
+            <a:endParaRPr lang="zh-CN" altLang="en-US"/>
+          </a:p>
+        </p:txBody>
+      </p:sp>
+      <p:sp>
+        <p:nvSpPr>
+          <p:cNvPr id="3" name="内容占位符 2"/>
+          <p:cNvSpPr>
+            <a:spLocks noGrp="1"/>
+          </p:cNvSpPr>
+          <p:nvPr>
+            <p:ph idx="1"/>
+          </p:nvPr>
+        </p:nvSpPr>
+        <p:spPr/>
+        <p:txBody>
+          <a:bodyPr>
+            <a:normAutofit fontScale="90000" lnSpcReduction="20000"/>
+          </a:bodyPr>
+          <a:p>
+            <a:r>
+              <a:rPr lang="zh-CN" altLang="en-US"/>
+              <a:t>一：为什么要用</a:t>
+            </a:r>
+            <a:r>
+              <a:rPr lang="zh-CN" altLang="en-US">
+                <a:sym typeface="+mn-ea"/>
+              </a:rPr>
+              <a:t>构建工具</a:t>
+            </a:r>
+            <a:r>
+              <a:rPr lang="zh-CN" altLang="en-US"/>
+              <a:t>？</a:t>
+            </a:r>
+            <a:endParaRPr lang="zh-CN" altLang="en-US"/>
+          </a:p>
+          <a:p>
+            <a:pPr lvl="1"/>
+            <a:r>
+              <a:rPr lang="zh-CN" altLang="en-US">
+                <a:sym typeface="+mn-ea"/>
+              </a:rPr>
+              <a:t>传统的网页结构</a:t>
+            </a:r>
+            <a:endParaRPr lang="en-US" altLang="zh-CN"/>
+          </a:p>
+          <a:p>
+            <a:pPr lvl="1"/>
+            <a:r>
+              <a:rPr lang="zh-CN" altLang="en-US">
+                <a:sym typeface="+mn-ea"/>
+              </a:rPr>
+              <a:t>新技术（模块化</a:t>
+            </a:r>
+            <a:r>
+              <a:rPr lang="en-US" altLang="zh-CN">
+                <a:sym typeface="+mn-ea"/>
+              </a:rPr>
+              <a:t>+</a:t>
+            </a:r>
+            <a:r>
+              <a:rPr lang="zh-CN" altLang="en-US">
+                <a:sym typeface="+mn-ea"/>
+              </a:rPr>
+              <a:t>新语言</a:t>
+            </a:r>
+            <a:r>
+              <a:rPr lang="en-US" altLang="zh-CN">
+                <a:sym typeface="+mn-ea"/>
+              </a:rPr>
+              <a:t>+</a:t>
+            </a:r>
+            <a:r>
+              <a:rPr lang="zh-CN" altLang="en-US">
+                <a:sym typeface="+mn-ea"/>
+              </a:rPr>
+              <a:t>框架）</a:t>
+            </a:r>
+            <a:endParaRPr lang="en-US" altLang="zh-CN"/>
+          </a:p>
+          <a:p>
+            <a:pPr lvl="1"/>
+            <a:endParaRPr lang="en-US" altLang="zh-CN"/>
+          </a:p>
+          <a:p>
+            <a:r>
+              <a:rPr lang="zh-CN" altLang="en-US">
+                <a:sym typeface="+mn-ea"/>
+              </a:rPr>
+              <a:t>二：构建工具</a:t>
+            </a:r>
+            <a:endParaRPr lang="zh-CN" altLang="en-US">
+              <a:sym typeface="+mn-ea"/>
+            </a:endParaRPr>
+          </a:p>
+          <a:p>
+            <a:pPr lvl="1"/>
+            <a:r>
+              <a:rPr lang="zh-CN" altLang="en-US">
+                <a:sym typeface="+mn-ea"/>
+              </a:rPr>
+              <a:t>有哪些？</a:t>
+            </a:r>
+            <a:endParaRPr lang="zh-CN" altLang="en-US">
+              <a:sym typeface="+mn-ea"/>
+            </a:endParaRPr>
+          </a:p>
+          <a:p>
+            <a:pPr lvl="1"/>
+            <a:r>
+              <a:rPr lang="zh-CN" altLang="en-US">
+                <a:sym typeface="+mn-ea"/>
+              </a:rPr>
+              <a:t>优缺点？</a:t>
+            </a:r>
+            <a:endParaRPr lang="zh-CN" altLang="en-US">
+              <a:sym typeface="+mn-ea"/>
+            </a:endParaRPr>
+          </a:p>
+          <a:p>
+            <a:pPr lvl="1"/>
+            <a:r>
+              <a:rPr lang="zh-CN" altLang="en-US">
+                <a:sym typeface="+mn-ea"/>
+              </a:rPr>
+              <a:t>为什么要用</a:t>
+            </a:r>
+            <a:r>
+              <a:rPr lang="en-US" altLang="zh-CN">
+                <a:sym typeface="+mn-ea"/>
+              </a:rPr>
+              <a:t>webpack</a:t>
+            </a:r>
+            <a:r>
+              <a:rPr lang="zh-CN" altLang="en-US">
+                <a:sym typeface="+mn-ea"/>
+              </a:rPr>
+              <a:t>？</a:t>
+            </a:r>
+            <a:endParaRPr lang="en-US" altLang="zh-CN"/>
+          </a:p>
+          <a:p>
+            <a:endParaRPr lang="en-US" altLang="zh-CN"/>
+          </a:p>
+          <a:p>
+            <a:r>
+              <a:rPr lang="zh-CN" altLang="en-US"/>
+              <a:t>三：</a:t>
+            </a:r>
+            <a:r>
+              <a:rPr lang="en-US" altLang="zh-CN"/>
+              <a:t>webpack</a:t>
+            </a:r>
+            <a:r>
+              <a:rPr lang="zh-CN" altLang="en-US"/>
+              <a:t>的配置属性（很多很细，不一定详细讲解。）</a:t>
+            </a:r>
+            <a:endParaRPr lang="zh-CN" altLang="en-US"/>
+          </a:p>
+          <a:p>
+            <a:endParaRPr lang="zh-CN" altLang="en-US"/>
+          </a:p>
+          <a:p>
+            <a:r>
+              <a:rPr lang="zh-CN" altLang="en-US"/>
+              <a:t>四：联系实际工作（代理服务器，服务器打包（</a:t>
+            </a:r>
+            <a:r>
+              <a:rPr lang="en-US" altLang="zh-CN"/>
+              <a:t>jenkins</a:t>
+            </a:r>
+            <a:r>
+              <a:rPr lang="zh-CN" altLang="en-US"/>
+              <a:t>结合</a:t>
+            </a:r>
+            <a:r>
+              <a:rPr lang="zh-CN" altLang="en-US"/>
+              <a:t>））</a:t>
+            </a:r>
+            <a:endParaRPr lang="zh-CN" altLang="en-US"/>
+          </a:p>
+        </p:txBody>
+      </p:sp>
+    </p:spTree>
+  </p:cSld>
+  <p:clrMapOvr>
+    <a:masterClrMapping/>
+  </p:clrMapOvr>
+</p:sld>
+</file>
+
+<file path=ppt/slides/slide30.xml><?xml version="1.0" encoding="utf-8"?>
+<p:sld xmlns:a="http://schemas.openxmlformats.org/drawingml/2006/main" xmlns:r="http://schemas.openxmlformats.org/officeDocument/2006/relationships" xmlns:p="http://schemas.openxmlformats.org/presentationml/2006/main">
+  <p:cSld>
+    <p:spTree>
+      <p:nvGrpSpPr>
+        <p:cNvPr id="1" name=""/>
+        <p:cNvGrpSpPr/>
+        <p:nvPr/>
+      </p:nvGrpSpPr>
+      <p:grpSpPr/>
+      <p:sp>
+        <p:nvSpPr>
+          <p:cNvPr id="2" name="标题 1"/>
+          <p:cNvSpPr>
+            <a:spLocks noGrp="1"/>
+          </p:cNvSpPr>
+          <p:nvPr>
+            <p:ph type="title"/>
+          </p:nvPr>
+        </p:nvSpPr>
+        <p:spPr/>
+        <p:txBody>
+          <a:bodyPr/>
+          <a:p>
+            <a:endParaRPr lang="zh-CN" altLang="en-US"/>
+          </a:p>
+        </p:txBody>
+      </p:sp>
+      <p:sp>
+        <p:nvSpPr>
+          <p:cNvPr id="3" name="内容占位符 2"/>
+          <p:cNvSpPr>
+            <a:spLocks noGrp="1"/>
+          </p:cNvSpPr>
+          <p:nvPr>
+            <p:ph idx="1"/>
+          </p:nvPr>
+        </p:nvSpPr>
+        <p:spPr/>
+        <p:txBody>
+          <a:bodyPr/>
+          <a:p>
+            <a:pPr marL="457200" lvl="1" indent="0">
+              <a:buNone/>
+            </a:pPr>
+            <a:r>
+              <a:rPr lang="zh-CN" altLang="en-US"/>
+              <a:t>在我初识</a:t>
+            </a:r>
+            <a:r>
+              <a:rPr lang="en-US" altLang="zh-CN"/>
+              <a:t>web</a:t>
+            </a:r>
+            <a:r>
+              <a:rPr lang="zh-CN" altLang="en-US"/>
+              <a:t>前端的时候，听到过几个前端构建工具。如</a:t>
+            </a:r>
+            <a:r>
+              <a:rPr lang="en-US" altLang="zh-CN"/>
+              <a:t>grunt</a:t>
+            </a:r>
+            <a:r>
+              <a:rPr lang="zh-CN" altLang="en-US"/>
+              <a:t>，</a:t>
+            </a:r>
+            <a:r>
+              <a:rPr lang="en-US" altLang="zh-CN"/>
+              <a:t>glup</a:t>
+            </a:r>
+            <a:r>
+              <a:rPr lang="zh-CN" altLang="en-US"/>
+              <a:t>，</a:t>
+            </a:r>
+            <a:r>
+              <a:rPr lang="en-US" altLang="zh-CN"/>
+              <a:t>webpack</a:t>
+            </a:r>
+            <a:r>
+              <a:rPr lang="zh-CN" altLang="en-US"/>
+              <a:t>。我当时连为什么要用这些工具都不知道！更不知道到底要选哪一个！于是都学习了下，都是一知半解，最终都忘掉。</a:t>
+            </a:r>
+            <a:endParaRPr lang="zh-CN" altLang="en-US"/>
+          </a:p>
+          <a:p>
+            <a:pPr marL="457200" lvl="1" indent="0">
+              <a:buNone/>
+            </a:pPr>
+            <a:endParaRPr lang="zh-CN" altLang="en-US"/>
+          </a:p>
+          <a:p>
+            <a:pPr marL="457200" lvl="1" indent="0">
+              <a:buNone/>
+            </a:pPr>
+            <a:r>
+              <a:rPr lang="zh-CN" altLang="en-US"/>
+              <a:t>所以，我们这里先对其他构建工具了解下，列举出各个工具的优缺点。这样可以让我们更好的去理解</a:t>
+            </a:r>
+            <a:r>
+              <a:rPr lang="en-US" altLang="zh-CN"/>
+              <a:t>webpack</a:t>
+            </a:r>
+            <a:endParaRPr lang="en-US" altLang="zh-CN"/>
+          </a:p>
+        </p:txBody>
+      </p:sp>
+    </p:spTree>
+  </p:cSld>
+  <p:clrMapOvr>
+    <a:masterClrMapping/>
+  </p:clrMapOvr>
+</p:sld>
+</file>
+
+<file path=ppt/slides/slide31.xml><?xml version="1.0" encoding="utf-8"?>
+<p:sld xmlns:a="http://schemas.openxmlformats.org/drawingml/2006/main" xmlns:r="http://schemas.openxmlformats.org/officeDocument/2006/relationships" xmlns:p="http://schemas.openxmlformats.org/presentationml/2006/main">
+  <p:cSld>
+    <p:spTree>
+      <p:nvGrpSpPr>
+        <p:cNvPr id="1" name=""/>
+        <p:cNvGrpSpPr/>
+        <p:nvPr/>
+      </p:nvGrpSpPr>
+      <p:grpSpPr/>
+      <p:sp>
+        <p:nvSpPr>
+          <p:cNvPr id="2" name="标题 1"/>
+          <p:cNvSpPr>
+            <a:spLocks noGrp="1"/>
+          </p:cNvSpPr>
+          <p:nvPr>
+            <p:ph type="title"/>
+          </p:nvPr>
+        </p:nvSpPr>
+        <p:spPr/>
+        <p:txBody>
+          <a:bodyPr>
+            <a:normAutofit/>
+          </a:bodyPr>
+          <a:p>
+            <a:r>
+              <a:rPr lang="zh-CN" altLang="en-US">
+                <a:sym typeface="+mn-ea"/>
+              </a:rPr>
+              <a:t>听过的构建工具  （</a:t>
+            </a:r>
+            <a:r>
+              <a:rPr lang="en-US" altLang="zh-CN">
+                <a:sym typeface="+mn-ea"/>
+              </a:rPr>
+              <a:t>PS === </a:t>
+            </a:r>
+            <a:r>
+              <a:rPr lang="zh-CN" altLang="en-US">
+                <a:sym typeface="+mn-ea"/>
+              </a:rPr>
+              <a:t>游戏机</a:t>
+            </a:r>
+            <a:r>
+              <a:rPr lang="zh-CN" altLang="en-US">
+                <a:sym typeface="+mn-ea"/>
+              </a:rPr>
+              <a:t>）</a:t>
+            </a:r>
+            <a:endParaRPr lang="zh-CN" altLang="en-US">
+              <a:sym typeface="+mn-ea"/>
+            </a:endParaRPr>
+          </a:p>
+        </p:txBody>
+      </p:sp>
+      <p:sp>
+        <p:nvSpPr>
+          <p:cNvPr id="3" name="内容占位符 2"/>
+          <p:cNvSpPr>
+            <a:spLocks noGrp="1"/>
+          </p:cNvSpPr>
+          <p:nvPr>
+            <p:ph idx="1"/>
+          </p:nvPr>
+        </p:nvSpPr>
+        <p:spPr/>
+        <p:txBody>
+          <a:bodyPr>
+            <a:normAutofit lnSpcReduction="10000"/>
+          </a:bodyPr>
+          <a:p>
+            <a:pPr marL="514350" indent="-514350">
+              <a:buAutoNum type="arabicPeriod"/>
+            </a:pPr>
+            <a:r>
+              <a:rPr lang="en-US" altLang="zh-CN">
+                <a:solidFill>
+                  <a:schemeClr val="accent6"/>
+                </a:solidFill>
+              </a:rPr>
+              <a:t>Grunt</a:t>
+            </a:r>
+            <a:r>
+              <a:rPr lang="zh-CN" altLang="en-US">
+                <a:solidFill>
+                  <a:schemeClr val="accent6"/>
+                </a:solidFill>
+              </a:rPr>
+              <a:t>（见的比较多）</a:t>
+            </a:r>
+            <a:endParaRPr lang="en-US" altLang="zh-CN">
+              <a:solidFill>
+                <a:schemeClr val="accent6"/>
+              </a:solidFill>
+            </a:endParaRPr>
+          </a:p>
+          <a:p>
+            <a:pPr marL="514350" indent="-514350">
+              <a:buAutoNum type="arabicPeriod"/>
+            </a:pPr>
+            <a:r>
+              <a:rPr lang="en-US" altLang="zh-CN">
+                <a:solidFill>
+                  <a:schemeClr val="accent6"/>
+                </a:solidFill>
+              </a:rPr>
+              <a:t>Gulp</a:t>
+            </a:r>
+            <a:r>
+              <a:rPr lang="zh-CN" altLang="en-US">
+                <a:solidFill>
+                  <a:schemeClr val="accent6"/>
+                </a:solidFill>
+                <a:sym typeface="+mn-ea"/>
+              </a:rPr>
+              <a:t>（见的比较多）</a:t>
+            </a:r>
+            <a:endParaRPr lang="en-US" altLang="zh-CN">
+              <a:solidFill>
+                <a:schemeClr val="accent6"/>
+              </a:solidFill>
+            </a:endParaRPr>
+          </a:p>
+          <a:p>
+            <a:pPr marL="514350" indent="-514350">
+              <a:buAutoNum type="arabicPeriod"/>
+            </a:pPr>
+            <a:r>
+              <a:rPr lang="en-US" altLang="zh-CN">
+                <a:solidFill>
+                  <a:srgbClr val="FFC000"/>
+                </a:solidFill>
+              </a:rPr>
+              <a:t>browserify</a:t>
+            </a:r>
+            <a:r>
+              <a:rPr lang="zh-CN" altLang="en-US">
+                <a:solidFill>
+                  <a:srgbClr val="FFC000"/>
+                </a:solidFill>
+                <a:sym typeface="+mn-ea"/>
+              </a:rPr>
+              <a:t>（见的比较少）</a:t>
+            </a:r>
+            <a:endParaRPr lang="en-US" altLang="zh-CN">
+              <a:solidFill>
+                <a:srgbClr val="FFC000"/>
+              </a:solidFill>
+            </a:endParaRPr>
+          </a:p>
+          <a:p>
+            <a:pPr marL="514350" indent="-514350">
+              <a:buAutoNum type="arabicPeriod"/>
+            </a:pPr>
+            <a:r>
+              <a:rPr lang="en-US" altLang="zh-CN">
+                <a:solidFill>
+                  <a:schemeClr val="bg1">
+                    <a:lumMod val="50000"/>
+                  </a:schemeClr>
+                </a:solidFill>
+              </a:rPr>
+              <a:t>Parcel</a:t>
+            </a:r>
+            <a:r>
+              <a:rPr lang="zh-CN" altLang="en-US">
+                <a:solidFill>
+                  <a:schemeClr val="bg1">
+                    <a:lumMod val="50000"/>
+                  </a:schemeClr>
+                </a:solidFill>
+              </a:rPr>
+              <a:t>（完全没听过）</a:t>
+            </a:r>
+            <a:endParaRPr lang="en-US" altLang="zh-CN">
+              <a:solidFill>
+                <a:schemeClr val="bg1">
+                  <a:lumMod val="50000"/>
+                </a:schemeClr>
+              </a:solidFill>
+            </a:endParaRPr>
+          </a:p>
+          <a:p>
+            <a:pPr marL="514350" indent="-514350">
+              <a:buAutoNum type="arabicPeriod"/>
+            </a:pPr>
+            <a:r>
+              <a:rPr lang="en-US" altLang="zh-CN">
+                <a:solidFill>
+                  <a:schemeClr val="bg1">
+                    <a:lumMod val="50000"/>
+                  </a:schemeClr>
+                </a:solidFill>
+              </a:rPr>
+              <a:t>Fis3</a:t>
+            </a:r>
+            <a:r>
+              <a:rPr lang="zh-CN" altLang="en-US">
+                <a:solidFill>
+                  <a:schemeClr val="bg1">
+                    <a:lumMod val="50000"/>
+                  </a:schemeClr>
+                </a:solidFill>
+                <a:sym typeface="+mn-ea"/>
+              </a:rPr>
+              <a:t>（完全没听过）</a:t>
+            </a:r>
+            <a:endParaRPr lang="en-US" altLang="zh-CN">
+              <a:solidFill>
+                <a:schemeClr val="bg1">
+                  <a:lumMod val="50000"/>
+                </a:schemeClr>
+              </a:solidFill>
+            </a:endParaRPr>
+          </a:p>
+          <a:p>
+            <a:pPr marL="514350" indent="-514350">
+              <a:buAutoNum type="arabicPeriod"/>
+            </a:pPr>
+            <a:r>
+              <a:rPr lang="en-US" altLang="zh-CN">
+                <a:solidFill>
+                  <a:schemeClr val="bg1">
+                    <a:lumMod val="50000"/>
+                  </a:schemeClr>
+                </a:solidFill>
+              </a:rPr>
+              <a:t>yeoman</a:t>
+            </a:r>
+            <a:r>
+              <a:rPr lang="zh-CN" altLang="en-US">
+                <a:solidFill>
+                  <a:schemeClr val="bg1">
+                    <a:lumMod val="50000"/>
+                  </a:schemeClr>
+                </a:solidFill>
+                <a:sym typeface="+mn-ea"/>
+              </a:rPr>
+              <a:t>（完全没听过）</a:t>
+            </a:r>
+            <a:endParaRPr lang="en-US" altLang="zh-CN">
+              <a:solidFill>
+                <a:schemeClr val="bg1">
+                  <a:lumMod val="50000"/>
+                </a:schemeClr>
+              </a:solidFill>
+            </a:endParaRPr>
+          </a:p>
+          <a:p>
+            <a:pPr marL="514350" indent="-514350">
+              <a:buAutoNum type="arabicPeriod"/>
+            </a:pPr>
+            <a:r>
+              <a:rPr lang="en-US" altLang="zh-CN">
+                <a:solidFill>
+                  <a:schemeClr val="bg1">
+                    <a:lumMod val="50000"/>
+                  </a:schemeClr>
+                </a:solidFill>
+                <a:sym typeface="+mn-ea"/>
+              </a:rPr>
+              <a:t>Rollup</a:t>
+            </a:r>
+            <a:r>
+              <a:rPr lang="zh-CN" altLang="en-US">
+                <a:solidFill>
+                  <a:schemeClr val="bg1">
+                    <a:lumMod val="50000"/>
+                  </a:schemeClr>
+                </a:solidFill>
+                <a:sym typeface="+mn-ea"/>
+              </a:rPr>
+              <a:t>（完全没听过）</a:t>
+            </a:r>
+            <a:endParaRPr lang="en-US" altLang="zh-CN">
+              <a:solidFill>
+                <a:schemeClr val="bg1">
+                  <a:lumMod val="50000"/>
+                </a:schemeClr>
+              </a:solidFill>
+            </a:endParaRPr>
+          </a:p>
+          <a:p>
+            <a:pPr marL="514350" indent="-514350">
+              <a:buAutoNum type="arabicPeriod"/>
+            </a:pPr>
+            <a:r>
+              <a:rPr lang="en-US" altLang="zh-CN">
+                <a:solidFill>
+                  <a:srgbClr val="FF0000"/>
+                </a:solidFill>
+              </a:rPr>
+              <a:t>Webpack</a:t>
+            </a:r>
+            <a:endParaRPr lang="en-US" altLang="zh-CN">
+              <a:solidFill>
+                <a:srgbClr val="FF0000"/>
+              </a:solidFill>
+            </a:endParaRPr>
+          </a:p>
+          <a:p>
+            <a:pPr marL="514350" indent="-514350"/>
+            <a:endParaRPr lang="en-US" altLang="zh-CN">
+              <a:solidFill>
+                <a:srgbClr val="FF0000"/>
+              </a:solidFill>
+            </a:endParaRPr>
+          </a:p>
+        </p:txBody>
+      </p:sp>
+    </p:spTree>
+  </p:cSld>
+  <p:clrMapOvr>
+    <a:masterClrMapping/>
+  </p:clrMapOvr>
+</p:sld>
+</file>
+
+<file path=ppt/slides/slide32.xml><?xml version="1.0" encoding="utf-8"?>
 <p:sld xmlns:a="http://schemas.openxmlformats.org/drawingml/2006/main" xmlns:r="http://schemas.openxmlformats.org/officeDocument/2006/relationships" xmlns:p="http://schemas.openxmlformats.org/presentationml/2006/main">
   <p:cSld>
     <p:spTree>
@@ -6096,7 +6584,7 @@
 </p:sld>
 </file>
 
-<file path=ppt/slides/slide3.xml><?xml version="1.0" encoding="utf-8"?>
+<file path=ppt/slides/slide33.xml><?xml version="1.0" encoding="utf-8"?>
 <p:sld xmlns:a="http://schemas.openxmlformats.org/drawingml/2006/main" xmlns:r="http://schemas.openxmlformats.org/officeDocument/2006/relationships" xmlns:p="http://schemas.openxmlformats.org/presentationml/2006/main">
   <p:cSld>
     <p:spTree>
@@ -6121,10 +6609,10 @@
           <a:bodyPr/>
           <a:p>
             <a:r>
-              <a:rPr lang="zh-CN" altLang="en-US"/>
-              <a:t>大纲</a:t>
-            </a:r>
-            <a:endParaRPr lang="zh-CN" altLang="en-US"/>
+              <a:rPr lang="en-US" altLang="zh-CN"/>
+              <a:t>1.Grunt</a:t>
+            </a:r>
+            <a:endParaRPr lang="en-US" altLang="zh-CN"/>
           </a:p>
         </p:txBody>
       </p:sp>
@@ -6140,170 +6628,74 @@
         </p:nvSpPr>
         <p:spPr/>
         <p:txBody>
-          <a:bodyPr>
-            <a:normAutofit fontScale="90000" lnSpcReduction="20000"/>
-          </a:bodyPr>
-          <a:p>
-            <a:r>
-              <a:rPr lang="zh-CN" altLang="en-US"/>
-              <a:t>一：为什么要用</a:t>
-            </a:r>
-            <a:r>
-              <a:rPr lang="zh-CN" altLang="en-US">
+          <a:bodyPr/>
+          <a:p>
+            <a:r>
+              <a:rPr lang="zh-CN" altLang="en-US" sz="2800">
                 <a:sym typeface="+mn-ea"/>
               </a:rPr>
-              <a:t>构建工具</a:t>
-            </a:r>
-            <a:r>
-              <a:rPr lang="zh-CN" altLang="en-US"/>
-              <a:t>？</a:t>
-            </a:r>
-            <a:endParaRPr lang="zh-CN" altLang="en-US"/>
+              <a:t>优点：</a:t>
+            </a:r>
+            <a:endParaRPr lang="zh-CN" altLang="en-US" sz="2800"/>
           </a:p>
           <a:p>
             <a:pPr lvl="1"/>
             <a:r>
-              <a:rPr lang="zh-CN" altLang="en-US">
+              <a:rPr lang="zh-CN" altLang="en-US" sz="2800">
                 <a:sym typeface="+mn-ea"/>
               </a:rPr>
-              <a:t>传统的网页结构</a:t>
-            </a:r>
-            <a:endParaRPr lang="en-US" altLang="zh-CN"/>
+              <a:t>灵活，它只负责执行你定义的任务；</a:t>
+            </a:r>
+            <a:endParaRPr lang="zh-CN" altLang="en-US" sz="2800"/>
           </a:p>
           <a:p>
             <a:pPr lvl="1"/>
             <a:r>
-              <a:rPr lang="zh-CN" altLang="en-US">
+              <a:rPr lang="zh-CN" altLang="en-US" sz="2800">
                 <a:sym typeface="+mn-ea"/>
               </a:rPr>
-              <a:t>新技术（模块化</a:t>
-            </a:r>
-            <a:r>
-              <a:rPr lang="en-US" altLang="zh-CN">
+              <a:t>大量的可复用插件封装好了常见的构建任务。</a:t>
+            </a:r>
+            <a:endParaRPr lang="zh-CN" altLang="en-US" sz="2800"/>
+          </a:p>
+          <a:p>
+            <a:r>
+              <a:rPr lang="zh-CN" altLang="en-US" sz="2800">
                 <a:sym typeface="+mn-ea"/>
               </a:rPr>
-              <a:t>+</a:t>
-            </a:r>
-            <a:r>
-              <a:rPr lang="zh-CN" altLang="en-US">
+              <a:t>缺点：</a:t>
+            </a:r>
+            <a:endParaRPr lang="zh-CN" altLang="en-US" sz="2800"/>
+          </a:p>
+          <a:p>
+            <a:pPr lvl="1"/>
+            <a:r>
+              <a:rPr lang="zh-CN" altLang="en-US" sz="2800">
                 <a:sym typeface="+mn-ea"/>
               </a:rPr>
-              <a:t>新语言</a:t>
-            </a:r>
-            <a:r>
-              <a:rPr lang="en-US" altLang="zh-CN">
+              <a:t>集成度不高，</a:t>
+            </a:r>
+            <a:r>
+              <a:rPr lang="zh-CN" altLang="en-US" sz="2800">
+                <a:solidFill>
+                  <a:srgbClr val="FF0000"/>
+                </a:solidFill>
                 <a:sym typeface="+mn-ea"/>
               </a:rPr>
-              <a:t>+</a:t>
-            </a:r>
-            <a:r>
-              <a:rPr lang="zh-CN" altLang="en-US">
-                <a:sym typeface="+mn-ea"/>
-              </a:rPr>
-              <a:t>框架）</a:t>
-            </a:r>
-            <a:endParaRPr lang="en-US" altLang="zh-CN"/>
-          </a:p>
-          <a:p>
-            <a:pPr lvl="1"/>
-            <a:endParaRPr lang="en-US" altLang="zh-CN"/>
-          </a:p>
-          <a:p>
-            <a:r>
-              <a:rPr lang="zh-CN" altLang="en-US">
-                <a:sym typeface="+mn-ea"/>
-              </a:rPr>
-              <a:t>二：构建工具</a:t>
-            </a:r>
-            <a:endParaRPr lang="zh-CN" altLang="en-US">
-              <a:sym typeface="+mn-ea"/>
+              <a:t>要写很多配置后才可以用，无法做到开箱即用。</a:t>
+            </a:r>
+            <a:endParaRPr lang="zh-CN" altLang="en-US" sz="2800">
+              <a:solidFill>
+                <a:srgbClr val="FF0000"/>
+              </a:solidFill>
             </a:endParaRPr>
           </a:p>
           <a:p>
-            <a:pPr lvl="1"/>
-            <a:r>
-              <a:rPr lang="zh-CN" altLang="en-US">
-                <a:sym typeface="+mn-ea"/>
-              </a:rPr>
-              <a:t>有哪些？</a:t>
-            </a:r>
-            <a:endParaRPr lang="zh-CN" altLang="en-US">
-              <a:sym typeface="+mn-ea"/>
+            <a:endParaRPr lang="zh-CN" altLang="en-US" sz="2800">
+              <a:solidFill>
+                <a:srgbClr val="FF0000"/>
+              </a:solidFill>
             </a:endParaRPr>
-          </a:p>
-          <a:p>
-            <a:pPr lvl="1"/>
-            <a:r>
-              <a:rPr lang="zh-CN" altLang="en-US">
-                <a:sym typeface="+mn-ea"/>
-              </a:rPr>
-              <a:t>优缺点？</a:t>
-            </a:r>
-            <a:endParaRPr lang="zh-CN" altLang="en-US">
-              <a:sym typeface="+mn-ea"/>
-            </a:endParaRPr>
-          </a:p>
-          <a:p>
-            <a:pPr lvl="1"/>
-            <a:r>
-              <a:rPr lang="zh-CN" altLang="en-US">
-                <a:sym typeface="+mn-ea"/>
-              </a:rPr>
-              <a:t>为什么要用</a:t>
-            </a:r>
-            <a:r>
-              <a:rPr lang="en-US" altLang="zh-CN">
-                <a:sym typeface="+mn-ea"/>
-              </a:rPr>
-              <a:t>webpack</a:t>
-            </a:r>
-            <a:r>
-              <a:rPr lang="zh-CN" altLang="en-US">
-                <a:sym typeface="+mn-ea"/>
-              </a:rPr>
-              <a:t>？</a:t>
-            </a:r>
-            <a:endParaRPr lang="en-US" altLang="zh-CN"/>
-          </a:p>
-          <a:p>
-            <a:endParaRPr lang="en-US" altLang="zh-CN"/>
-          </a:p>
-          <a:p>
-            <a:r>
-              <a:rPr lang="zh-CN" altLang="en-US"/>
-              <a:t>三：</a:t>
-            </a:r>
-            <a:r>
-              <a:rPr lang="en-US" altLang="zh-CN"/>
-              <a:t>webpack</a:t>
-            </a:r>
-            <a:r>
-              <a:rPr lang="zh-CN" altLang="en-US"/>
-              <a:t>的配置属性（很多很细，用到了去查就行。这里不详讲）</a:t>
-            </a:r>
-            <a:endParaRPr lang="zh-CN" altLang="en-US"/>
-          </a:p>
-          <a:p>
-            <a:endParaRPr lang="zh-CN" altLang="en-US"/>
-          </a:p>
-          <a:p>
-            <a:r>
-              <a:rPr lang="zh-CN" altLang="en-US"/>
-              <a:t>四：联系实际工作（代理服务器，服务器打包（</a:t>
-            </a:r>
-            <a:r>
-              <a:rPr lang="en-US" altLang="zh-CN"/>
-              <a:t>jenkins</a:t>
-            </a:r>
-            <a:r>
-              <a:rPr lang="zh-CN" altLang="en-US"/>
-              <a:t>结合</a:t>
-            </a:r>
-            <a:r>
-              <a:rPr lang="zh-CN" altLang="en-US"/>
-              <a:t>））</a:t>
-            </a:r>
-            <a:endParaRPr lang="zh-CN" altLang="en-US"/>
           </a:p>
         </p:txBody>
       </p:sp>
@@ -6315,130 +6707,7 @@
 </p:sld>
 </file>
 
-<file path=ppt/slides/slide30.xml><?xml version="1.0" encoding="utf-8"?>
-<p:sld xmlns:a="http://schemas.openxmlformats.org/drawingml/2006/main" xmlns:r="http://schemas.openxmlformats.org/officeDocument/2006/relationships" xmlns:p="http://schemas.openxmlformats.org/presentationml/2006/main">
-  <p:cSld>
-    <p:spTree>
-      <p:nvGrpSpPr>
-        <p:cNvPr id="1" name=""/>
-        <p:cNvGrpSpPr/>
-        <p:nvPr/>
-      </p:nvGrpSpPr>
-      <p:grpSpPr/>
-      <p:sp>
-        <p:nvSpPr>
-          <p:cNvPr id="2" name="标题 1"/>
-          <p:cNvSpPr>
-            <a:spLocks noGrp="1"/>
-          </p:cNvSpPr>
-          <p:nvPr>
-            <p:ph type="title"/>
-          </p:nvPr>
-        </p:nvSpPr>
-        <p:spPr/>
-        <p:txBody>
-          <a:bodyPr/>
-          <a:p>
-            <a:r>
-              <a:rPr lang="en-US" altLang="zh-CN"/>
-              <a:t>1.Grunt</a:t>
-            </a:r>
-            <a:endParaRPr lang="en-US" altLang="zh-CN"/>
-          </a:p>
-        </p:txBody>
-      </p:sp>
-      <p:sp>
-        <p:nvSpPr>
-          <p:cNvPr id="3" name="内容占位符 2"/>
-          <p:cNvSpPr>
-            <a:spLocks noGrp="1"/>
-          </p:cNvSpPr>
-          <p:nvPr>
-            <p:ph idx="1"/>
-          </p:nvPr>
-        </p:nvSpPr>
-        <p:spPr/>
-        <p:txBody>
-          <a:bodyPr/>
-          <a:p>
-            <a:r>
-              <a:rPr lang="zh-CN" altLang="en-US" sz="2800">
-                <a:sym typeface="+mn-ea"/>
-              </a:rPr>
-              <a:t>优点：</a:t>
-            </a:r>
-            <a:endParaRPr lang="zh-CN" altLang="en-US" sz="2800"/>
-          </a:p>
-          <a:p>
-            <a:pPr lvl="1"/>
-            <a:r>
-              <a:rPr lang="zh-CN" altLang="en-US" sz="2800">
-                <a:sym typeface="+mn-ea"/>
-              </a:rPr>
-              <a:t>灵活，它只负责执行你定义的任务；</a:t>
-            </a:r>
-            <a:endParaRPr lang="zh-CN" altLang="en-US" sz="2800"/>
-          </a:p>
-          <a:p>
-            <a:pPr lvl="1"/>
-            <a:r>
-              <a:rPr lang="zh-CN" altLang="en-US" sz="2800">
-                <a:sym typeface="+mn-ea"/>
-              </a:rPr>
-              <a:t>大量的可复用插件封装好了常见的构建任务。</a:t>
-            </a:r>
-            <a:endParaRPr lang="zh-CN" altLang="en-US" sz="2800"/>
-          </a:p>
-          <a:p>
-            <a:r>
-              <a:rPr lang="zh-CN" altLang="en-US" sz="2800">
-                <a:sym typeface="+mn-ea"/>
-              </a:rPr>
-              <a:t>缺点：</a:t>
-            </a:r>
-            <a:endParaRPr lang="zh-CN" altLang="en-US" sz="2800"/>
-          </a:p>
-          <a:p>
-            <a:pPr lvl="1"/>
-            <a:r>
-              <a:rPr lang="zh-CN" altLang="en-US" sz="2800">
-                <a:sym typeface="+mn-ea"/>
-              </a:rPr>
-              <a:t>集成度不高，</a:t>
-            </a:r>
-            <a:r>
-              <a:rPr lang="zh-CN" altLang="en-US" sz="2800">
-                <a:solidFill>
-                  <a:srgbClr val="FF0000"/>
-                </a:solidFill>
-                <a:sym typeface="+mn-ea"/>
-              </a:rPr>
-              <a:t>要写很多配置后才可以用，无法做到开箱即用。</a:t>
-            </a:r>
-            <a:endParaRPr lang="zh-CN" altLang="en-US" sz="2800">
-              <a:solidFill>
-                <a:srgbClr val="FF0000"/>
-              </a:solidFill>
-            </a:endParaRPr>
-          </a:p>
-          <a:p>
-            <a:endParaRPr lang="zh-CN" altLang="en-US" sz="2800">
-              <a:solidFill>
-                <a:srgbClr val="FF0000"/>
-              </a:solidFill>
-            </a:endParaRPr>
-          </a:p>
-        </p:txBody>
-      </p:sp>
-    </p:spTree>
-  </p:cSld>
-  <p:clrMapOvr>
-    <a:masterClrMapping/>
-  </p:clrMapOvr>
-</p:sld>
-</file>
-
-<file path=ppt/slides/slide31.xml><?xml version="1.0" encoding="utf-8"?>
+<file path=ppt/slides/slide34.xml><?xml version="1.0" encoding="utf-8"?>
 <p:sld xmlns:a="http://schemas.openxmlformats.org/drawingml/2006/main" xmlns:r="http://schemas.openxmlformats.org/officeDocument/2006/relationships" xmlns:p="http://schemas.openxmlformats.org/presentationml/2006/main">
   <p:cSld>
     <p:spTree>
@@ -6520,7 +6789,7 @@
 </p:sld>
 </file>
 
-<file path=ppt/slides/slide32.xml><?xml version="1.0" encoding="utf-8"?>
+<file path=ppt/slides/slide35.xml><?xml version="1.0" encoding="utf-8"?>
 <p:sld xmlns:a="http://schemas.openxmlformats.org/drawingml/2006/main" xmlns:r="http://schemas.openxmlformats.org/officeDocument/2006/relationships" xmlns:p="http://schemas.openxmlformats.org/presentationml/2006/main">
   <p:cSld>
     <p:spTree>
@@ -6669,7 +6938,7 @@
 </p:sld>
 </file>
 
-<file path=ppt/slides/slide33.xml><?xml version="1.0" encoding="utf-8"?>
+<file path=ppt/slides/slide36.xml><?xml version="1.0" encoding="utf-8"?>
 <p:sld xmlns:a="http://schemas.openxmlformats.org/drawingml/2006/main" xmlns:r="http://schemas.openxmlformats.org/officeDocument/2006/relationships" xmlns:p="http://schemas.openxmlformats.org/presentationml/2006/main">
   <p:cSld>
     <p:spTree>
@@ -6755,7 +7024,7 @@
 </p:sld>
 </file>
 
-<file path=ppt/slides/slide34.xml><?xml version="1.0" encoding="utf-8"?>
+<file path=ppt/slides/slide37.xml><?xml version="1.0" encoding="utf-8"?>
 <p:sld xmlns:a="http://schemas.openxmlformats.org/drawingml/2006/main" xmlns:r="http://schemas.openxmlformats.org/officeDocument/2006/relationships" xmlns:p="http://schemas.openxmlformats.org/presentationml/2006/main">
   <p:cSld>
     <p:spTree>
@@ -6841,7 +7110,7 @@
 </p:sld>
 </file>
 
-<file path=ppt/slides/slide35.xml><?xml version="1.0" encoding="utf-8"?>
+<file path=ppt/slides/slide38.xml><?xml version="1.0" encoding="utf-8"?>
 <p:sld xmlns:a="http://schemas.openxmlformats.org/drawingml/2006/main" xmlns:r="http://schemas.openxmlformats.org/officeDocument/2006/relationships" xmlns:p="http://schemas.openxmlformats.org/presentationml/2006/main">
   <p:cSld>
     <p:spTree>
@@ -6923,7 +7192,7 @@
 </p:sld>
 </file>
 
-<file path=ppt/slides/slide36.xml><?xml version="1.0" encoding="utf-8"?>
+<file path=ppt/slides/slide39.xml><?xml version="1.0" encoding="utf-8"?>
 <p:sld xmlns:a="http://schemas.openxmlformats.org/drawingml/2006/main" xmlns:r="http://schemas.openxmlformats.org/officeDocument/2006/relationships" xmlns:p="http://schemas.openxmlformats.org/presentationml/2006/main">
   <p:cSld>
     <p:spTree>
@@ -7106,7 +7375,62 @@
 </p:sld>
 </file>
 
-<file path=ppt/slides/slide37.xml><?xml version="1.0" encoding="utf-8"?>
+<file path=ppt/slides/slide4.xml><?xml version="1.0" encoding="utf-8"?>
+<p:sld xmlns:a="http://schemas.openxmlformats.org/drawingml/2006/main" xmlns:r="http://schemas.openxmlformats.org/officeDocument/2006/relationships" xmlns:p="http://schemas.openxmlformats.org/presentationml/2006/main">
+  <p:cSld>
+    <p:spTree>
+      <p:nvGrpSpPr>
+        <p:cNvPr id="1" name=""/>
+        <p:cNvGrpSpPr/>
+        <p:nvPr/>
+      </p:nvGrpSpPr>
+      <p:grpSpPr/>
+      <p:sp>
+        <p:nvSpPr>
+          <p:cNvPr id="2" name="标题 1"/>
+          <p:cNvSpPr>
+            <a:spLocks noGrp="1"/>
+          </p:cNvSpPr>
+          <p:nvPr>
+            <p:ph type="title"/>
+          </p:nvPr>
+        </p:nvSpPr>
+        <p:spPr>
+          <a:xfrm>
+            <a:off x="838200" y="1793240"/>
+            <a:ext cx="10515600" cy="2534920"/>
+          </a:xfrm>
+        </p:spPr>
+        <p:txBody>
+          <a:bodyPr/>
+          <a:p>
+            <a:pPr algn="ctr"/>
+            <a:r>
+              <a:rPr lang="zh-CN">
+                <a:sym typeface="+mn-ea"/>
+              </a:rPr>
+              <a:t>第一章</a:t>
+            </a:r>
+            <a:br>
+              <a:rPr lang="zh-CN" altLang="en-US"/>
+            </a:br>
+            <a:r>
+              <a:rPr lang="zh-CN" altLang="en-US"/>
+              <a:t>为什么要用构建工具</a:t>
+            </a:r>
+            <a:endParaRPr lang="zh-CN" altLang="en-US"/>
+          </a:p>
+        </p:txBody>
+      </p:sp>
+    </p:spTree>
+  </p:cSld>
+  <p:clrMapOvr>
+    <a:masterClrMapping/>
+  </p:clrMapOvr>
+</p:sld>
+</file>
+
+<file path=ppt/slides/slide40.xml><?xml version="1.0" encoding="utf-8"?>
 <p:sld xmlns:a="http://schemas.openxmlformats.org/drawingml/2006/main" xmlns:r="http://schemas.openxmlformats.org/officeDocument/2006/relationships" xmlns:p="http://schemas.openxmlformats.org/presentationml/2006/main">
   <p:cSld>
     <p:spTree>
@@ -7192,7 +7516,7 @@
 </p:sld>
 </file>
 
-<file path=ppt/slides/slide38.xml><?xml version="1.0" encoding="utf-8"?>
+<file path=ppt/slides/slide41.xml><?xml version="1.0" encoding="utf-8"?>
 <p:sld xmlns:a="http://schemas.openxmlformats.org/drawingml/2006/main" xmlns:r="http://schemas.openxmlformats.org/officeDocument/2006/relationships" xmlns:p="http://schemas.openxmlformats.org/presentationml/2006/main">
   <p:cSld>
     <p:spTree>
@@ -7278,7 +7602,7 @@
 </p:sld>
 </file>
 
-<file path=ppt/slides/slide39.xml><?xml version="1.0" encoding="utf-8"?>
+<file path=ppt/slides/slide42.xml><?xml version="1.0" encoding="utf-8"?>
 <p:sld xmlns:a="http://schemas.openxmlformats.org/drawingml/2006/main" xmlns:r="http://schemas.openxmlformats.org/officeDocument/2006/relationships" xmlns:p="http://schemas.openxmlformats.org/presentationml/2006/main">
   <p:cSld>
     <p:spTree>
@@ -7401,62 +7725,7 @@
 </p:sld>
 </file>
 
-<file path=ppt/slides/slide4.xml><?xml version="1.0" encoding="utf-8"?>
-<p:sld xmlns:a="http://schemas.openxmlformats.org/drawingml/2006/main" xmlns:r="http://schemas.openxmlformats.org/officeDocument/2006/relationships" xmlns:p="http://schemas.openxmlformats.org/presentationml/2006/main">
-  <p:cSld>
-    <p:spTree>
-      <p:nvGrpSpPr>
-        <p:cNvPr id="1" name=""/>
-        <p:cNvGrpSpPr/>
-        <p:nvPr/>
-      </p:nvGrpSpPr>
-      <p:grpSpPr/>
-      <p:sp>
-        <p:nvSpPr>
-          <p:cNvPr id="2" name="标题 1"/>
-          <p:cNvSpPr>
-            <a:spLocks noGrp="1"/>
-          </p:cNvSpPr>
-          <p:nvPr>
-            <p:ph type="title"/>
-          </p:nvPr>
-        </p:nvSpPr>
-        <p:spPr>
-          <a:xfrm>
-            <a:off x="838200" y="1793240"/>
-            <a:ext cx="10515600" cy="2534920"/>
-          </a:xfrm>
-        </p:spPr>
-        <p:txBody>
-          <a:bodyPr/>
-          <a:p>
-            <a:pPr algn="ctr"/>
-            <a:r>
-              <a:rPr lang="zh-CN">
-                <a:sym typeface="+mn-ea"/>
-              </a:rPr>
-              <a:t>第一章</a:t>
-            </a:r>
-            <a:br>
-              <a:rPr lang="zh-CN" altLang="en-US"/>
-            </a:br>
-            <a:r>
-              <a:rPr lang="zh-CN" altLang="en-US"/>
-              <a:t>为什么要用构建工具</a:t>
-            </a:r>
-            <a:endParaRPr lang="zh-CN" altLang="en-US"/>
-          </a:p>
-        </p:txBody>
-      </p:sp>
-    </p:spTree>
-  </p:cSld>
-  <p:clrMapOvr>
-    <a:masterClrMapping/>
-  </p:clrMapOvr>
-</p:sld>
-</file>
-
-<file path=ppt/slides/slide40.xml><?xml version="1.0" encoding="utf-8"?>
+<file path=ppt/slides/slide43.xml><?xml version="1.0" encoding="utf-8"?>
 <p:sld xmlns:a="http://schemas.openxmlformats.org/drawingml/2006/main" xmlns:r="http://schemas.openxmlformats.org/officeDocument/2006/relationships" xmlns:p="http://schemas.openxmlformats.org/presentationml/2006/main">
   <p:cSld>
     <p:spTree>
@@ -7569,7 +7838,7 @@
 </p:sld>
 </file>
 
-<file path=ppt/slides/slide41.xml><?xml version="1.0" encoding="utf-8"?>
+<file path=ppt/slides/slide44.xml><?xml version="1.0" encoding="utf-8"?>
 <p:sld xmlns:a="http://schemas.openxmlformats.org/drawingml/2006/main" xmlns:r="http://schemas.openxmlformats.org/officeDocument/2006/relationships" xmlns:p="http://schemas.openxmlformats.org/presentationml/2006/main">
   <p:cSld>
     <p:spTree>
@@ -7597,7 +7866,23 @@
               <a:rPr lang="en-US" altLang="zh-CN"/>
               <a:t>Webpack</a:t>
             </a:r>
-            <a:endParaRPr lang="en-US" altLang="zh-CN"/>
+            <a:r>
+              <a:rPr lang="en-US" altLang="zh-CN" sz="2400"/>
+              <a:t>（</a:t>
+            </a:r>
+            <a:r>
+              <a:rPr lang="zh-CN" altLang="en-US" sz="2400"/>
+              <a:t>为什么用它</a:t>
+            </a:r>
+            <a:r>
+              <a:rPr lang="en-US" altLang="zh-CN" sz="2400"/>
+              <a:t>?</a:t>
+            </a:r>
+            <a:r>
+              <a:rPr lang="zh-CN" altLang="en-US" sz="2400"/>
+              <a:t>）</a:t>
+            </a:r>
+            <a:endParaRPr lang="zh-CN" altLang="en-US" sz="2400"/>
           </a:p>
         </p:txBody>
       </p:sp>
@@ -7676,7 +7961,7 @@
 </p:sld>
 </file>
 
-<file path=ppt/slides/slide42.xml><?xml version="1.0" encoding="utf-8"?>
+<file path=ppt/slides/slide45.xml><?xml version="1.0" encoding="utf-8"?>
 <p:sld xmlns:a="http://schemas.openxmlformats.org/drawingml/2006/main" xmlns:r="http://schemas.openxmlformats.org/officeDocument/2006/relationships" xmlns:p="http://schemas.openxmlformats.org/presentationml/2006/main">
   <p:cSld>
     <p:spTree>
@@ -7761,7 +8046,7 @@
 </p:sld>
 </file>
 
-<file path=ppt/slides/slide43.xml><?xml version="1.0" encoding="utf-8"?>
+<file path=ppt/slides/slide46.xml><?xml version="1.0" encoding="utf-8"?>
 <p:sld xmlns:a="http://schemas.openxmlformats.org/drawingml/2006/main" xmlns:r="http://schemas.openxmlformats.org/officeDocument/2006/relationships" xmlns:p="http://schemas.openxmlformats.org/presentationml/2006/main">
   <p:cSld>
     <p:spTree>
@@ -7877,7 +8162,7 @@
 </p:sld>
 </file>
 
-<file path=ppt/slides/slide44.xml><?xml version="1.0" encoding="utf-8"?>
+<file path=ppt/slides/slide47.xml><?xml version="1.0" encoding="utf-8"?>
 <p:sld xmlns:a="http://schemas.openxmlformats.org/drawingml/2006/main" xmlns:r="http://schemas.openxmlformats.org/officeDocument/2006/relationships" xmlns:p="http://schemas.openxmlformats.org/presentationml/2006/main">
   <p:cSld>
     <p:spTree>
@@ -8099,311 +8384,6 @@
           </a:p>
         </p:txBody>
       </p:sp>
-    </p:spTree>
-  </p:cSld>
-  <p:clrMapOvr>
-    <a:masterClrMapping/>
-  </p:clrMapOvr>
-</p:sld>
-</file>
-
-<file path=ppt/slides/slide45.xml><?xml version="1.0" encoding="utf-8"?>
-<p:sld xmlns:a="http://schemas.openxmlformats.org/drawingml/2006/main" xmlns:r="http://schemas.openxmlformats.org/officeDocument/2006/relationships" xmlns:p="http://schemas.openxmlformats.org/presentationml/2006/main">
-  <p:cSld>
-    <p:spTree>
-      <p:nvGrpSpPr>
-        <p:cNvPr id="1" name=""/>
-        <p:cNvGrpSpPr/>
-        <p:nvPr/>
-      </p:nvGrpSpPr>
-      <p:grpSpPr/>
-      <p:sp>
-        <p:nvSpPr>
-          <p:cNvPr id="2" name="标题 1"/>
-          <p:cNvSpPr>
-            <a:spLocks noGrp="1"/>
-          </p:cNvSpPr>
-          <p:nvPr>
-            <p:ph type="title"/>
-          </p:nvPr>
-        </p:nvSpPr>
-        <p:spPr>
-          <a:xfrm>
-            <a:off x="838200" y="365125"/>
-            <a:ext cx="10515600" cy="1325563"/>
-          </a:xfrm>
-        </p:spPr>
-        <p:txBody>
-          <a:bodyPr/>
-          <a:p>
-            <a:r>
-              <a:rPr lang="en-US" altLang="zh-CN"/>
-              <a:t>Webpack配</a:t>
-            </a:r>
-            <a:r>
-              <a:rPr lang="zh-CN" altLang="en-US"/>
-              <a:t>置</a:t>
-            </a:r>
-            <a:endParaRPr lang="zh-CN" altLang="en-US"/>
-          </a:p>
-        </p:txBody>
-      </p:sp>
-      <p:sp>
-        <p:nvSpPr>
-          <p:cNvPr id="3" name="内容占位符 2"/>
-          <p:cNvSpPr>
-            <a:spLocks noGrp="1"/>
-          </p:cNvSpPr>
-          <p:nvPr>
-            <p:ph sz="half" idx="1"/>
-          </p:nvPr>
-        </p:nvSpPr>
-        <p:spPr>
-          <a:xfrm>
-            <a:off x="838200" y="1825625"/>
-            <a:ext cx="10810240" cy="4351655"/>
-          </a:xfrm>
-        </p:spPr>
-        <p:txBody>
-          <a:bodyPr/>
-          <a:p>
-            <a:r>
-              <a:rPr lang="zh-CN" altLang="en-US"/>
-              <a:t>边看</a:t>
-            </a:r>
-            <a:r>
-              <a:rPr lang="en-US" altLang="zh-CN"/>
-              <a:t>webpack.config.js</a:t>
-            </a:r>
-            <a:r>
-              <a:rPr lang="zh-CN" altLang="en-US"/>
-              <a:t>文件，边讲</a:t>
-            </a:r>
-            <a:endParaRPr lang="zh-CN" altLang="en-US"/>
-          </a:p>
-          <a:p>
-            <a:r>
-              <a:rPr lang="zh-CN" altLang="en-US"/>
-              <a:t>https://webpack.docschina.org/concepts/</a:t>
-            </a:r>
-            <a:endParaRPr lang="zh-CN" altLang="en-US"/>
-          </a:p>
-        </p:txBody>
-      </p:sp>
-    </p:spTree>
-  </p:cSld>
-  <p:clrMapOvr>
-    <a:masterClrMapping/>
-  </p:clrMapOvr>
-</p:sld>
-</file>
-
-<file path=ppt/slides/slide46.xml><?xml version="1.0" encoding="utf-8"?>
-<p:sld xmlns:a="http://schemas.openxmlformats.org/drawingml/2006/main" xmlns:r="http://schemas.openxmlformats.org/officeDocument/2006/relationships" xmlns:p="http://schemas.openxmlformats.org/presentationml/2006/main">
-  <p:cSld>
-    <p:spTree>
-      <p:nvGrpSpPr>
-        <p:cNvPr id="1" name=""/>
-        <p:cNvGrpSpPr/>
-        <p:nvPr/>
-      </p:nvGrpSpPr>
-      <p:grpSpPr/>
-      <p:sp>
-        <p:nvSpPr>
-          <p:cNvPr id="2" name="标题 1"/>
-          <p:cNvSpPr>
-            <a:spLocks noGrp="1"/>
-          </p:cNvSpPr>
-          <p:nvPr>
-            <p:ph type="title"/>
-          </p:nvPr>
-        </p:nvSpPr>
-        <p:spPr/>
-        <p:txBody>
-          <a:bodyPr/>
-          <a:p>
-            <a:r>
-              <a:rPr lang="zh-CN" altLang="en-US"/>
-              <a:t>entry</a:t>
-            </a:r>
-            <a:endParaRPr lang="zh-CN" altLang="en-US"/>
-          </a:p>
-        </p:txBody>
-      </p:sp>
-      <p:sp>
-        <p:nvSpPr>
-          <p:cNvPr id="3" name="内容占位符 2"/>
-          <p:cNvSpPr>
-            <a:spLocks noGrp="1"/>
-          </p:cNvSpPr>
-          <p:nvPr>
-            <p:ph sz="half" idx="1"/>
-          </p:nvPr>
-        </p:nvSpPr>
-        <p:spPr>
-          <a:xfrm>
-            <a:off x="838200" y="1825625"/>
-            <a:ext cx="10516235" cy="4351655"/>
-          </a:xfrm>
-        </p:spPr>
-        <p:txBody>
-          <a:bodyPr/>
-          <a:p>
-            <a:r>
-              <a:rPr lang="zh-CN" altLang="en-US"/>
-              <a:t>整个项目的入口文件</a:t>
-            </a:r>
-            <a:endParaRPr lang="zh-CN" altLang="en-US"/>
-          </a:p>
-          <a:p>
-            <a:r>
-              <a:rPr lang="zh-CN" altLang="en-US"/>
-              <a:t>遍历出里面所有的依赖</a:t>
-            </a:r>
-            <a:endParaRPr lang="zh-CN" altLang="en-US"/>
-          </a:p>
-          <a:p>
-            <a:r>
-              <a:rPr lang="zh-CN" altLang="en-US"/>
-              <a:t>可以有多个</a:t>
-            </a:r>
-            <a:r>
-              <a:rPr lang="en-US" altLang="zh-CN"/>
-              <a:t>entry</a:t>
-            </a:r>
-            <a:endParaRPr lang="en-US" altLang="zh-CN"/>
-          </a:p>
-          <a:p>
-            <a:r>
-              <a:rPr lang="zh-CN" altLang="en-US"/>
-              <a:t>我的经历：一般都用最简单的。</a:t>
-            </a:r>
-            <a:endParaRPr lang="zh-CN" altLang="en-US"/>
-          </a:p>
-        </p:txBody>
-      </p:sp>
-      <p:pic>
-        <p:nvPicPr>
-          <p:cNvPr id="5" name="图片 4" descr="2"/>
-          <p:cNvPicPr>
-            <a:picLocks noChangeAspect="1"/>
-          </p:cNvPicPr>
-          <p:nvPr/>
-        </p:nvPicPr>
-        <p:blipFill>
-          <a:blip r:embed="rId1"/>
-          <a:stretch>
-            <a:fillRect/>
-          </a:stretch>
-        </p:blipFill>
-        <p:spPr>
-          <a:xfrm>
-            <a:off x="838200" y="3804285"/>
-            <a:ext cx="6800850" cy="1247775"/>
-          </a:xfrm>
-          <a:prstGeom prst="rect">
-            <a:avLst/>
-          </a:prstGeom>
-        </p:spPr>
-      </p:pic>
-    </p:spTree>
-  </p:cSld>
-  <p:clrMapOvr>
-    <a:masterClrMapping/>
-  </p:clrMapOvr>
-</p:sld>
-</file>
-
-<file path=ppt/slides/slide47.xml><?xml version="1.0" encoding="utf-8"?>
-<p:sld xmlns:a="http://schemas.openxmlformats.org/drawingml/2006/main" xmlns:r="http://schemas.openxmlformats.org/officeDocument/2006/relationships" xmlns:p="http://schemas.openxmlformats.org/presentationml/2006/main">
-  <p:cSld>
-    <p:spTree>
-      <p:nvGrpSpPr>
-        <p:cNvPr id="1" name=""/>
-        <p:cNvGrpSpPr/>
-        <p:nvPr/>
-      </p:nvGrpSpPr>
-      <p:grpSpPr/>
-      <p:sp>
-        <p:nvSpPr>
-          <p:cNvPr id="2" name="标题 1"/>
-          <p:cNvSpPr>
-            <a:spLocks noGrp="1"/>
-          </p:cNvSpPr>
-          <p:nvPr>
-            <p:ph type="title"/>
-          </p:nvPr>
-        </p:nvSpPr>
-        <p:spPr/>
-        <p:txBody>
-          <a:bodyPr/>
-          <a:p>
-            <a:r>
-              <a:rPr lang="zh-CN" altLang="en-US"/>
-              <a:t>输出(output)</a:t>
-            </a:r>
-            <a:endParaRPr lang="zh-CN" altLang="en-US"/>
-          </a:p>
-        </p:txBody>
-      </p:sp>
-      <p:sp>
-        <p:nvSpPr>
-          <p:cNvPr id="3" name="内容占位符 2"/>
-          <p:cNvSpPr>
-            <a:spLocks noGrp="1"/>
-          </p:cNvSpPr>
-          <p:nvPr>
-            <p:ph sz="half" idx="1"/>
-          </p:nvPr>
-        </p:nvSpPr>
-        <p:spPr>
-          <a:xfrm>
-            <a:off x="838200" y="1825625"/>
-            <a:ext cx="10516235" cy="4351655"/>
-          </a:xfrm>
-        </p:spPr>
-        <p:txBody>
-          <a:bodyPr/>
-          <a:p>
-            <a:r>
-              <a:rPr lang="zh-CN" altLang="en-US"/>
-              <a:t>可以通过配置 output 选项，告知 webpack 如何向硬盘写入编译文件。注意，即使可以存在多个 entry 起点，但只能指定一个 output 配置。</a:t>
-            </a:r>
-            <a:endParaRPr lang="zh-CN" altLang="en-US"/>
-          </a:p>
-          <a:p>
-            <a:r>
-              <a:rPr lang="zh-CN" altLang="en-US"/>
-              <a:t>我的经验：没有什么特别改动的地方。</a:t>
-            </a:r>
-            <a:endParaRPr lang="zh-CN" altLang="en-US"/>
-          </a:p>
-        </p:txBody>
-      </p:sp>
-      <p:pic>
-        <p:nvPicPr>
-          <p:cNvPr id="5" name="图片 4" descr="3"/>
-          <p:cNvPicPr>
-            <a:picLocks noChangeAspect="1"/>
-          </p:cNvPicPr>
-          <p:nvPr/>
-        </p:nvPicPr>
-        <p:blipFill>
-          <a:blip r:embed="rId1"/>
-          <a:stretch>
-            <a:fillRect/>
-          </a:stretch>
-        </p:blipFill>
-        <p:spPr>
-          <a:xfrm>
-            <a:off x="838200" y="3881755"/>
-            <a:ext cx="6686550" cy="2295525"/>
-          </a:xfrm>
-          <a:prstGeom prst="rect">
-            <a:avLst/>
-          </a:prstGeom>
-        </p:spPr>
-      </p:pic>
     </p:spTree>
   </p:cSld>
   <p:clrMapOvr>
@@ -8436,37 +8416,7 @@
         <p:txBody>
           <a:bodyPr/>
           <a:p>
-            <a:r>
-              <a:rPr lang="zh-CN" altLang="en-US"/>
-              <a:t>loader：</a:t>
-            </a:r>
-            <a:r>
-              <a:rPr lang="zh-CN" altLang="en-US" sz="2400">
-                <a:solidFill>
-                  <a:schemeClr val="accent1"/>
-                </a:solidFill>
-                <a:effectLst>
-                  <a:outerShdw blurRad="38100" dist="25400" dir="5400000" algn="ctr" rotWithShape="0">
-                    <a:srgbClr val="6E747A">
-                      <a:alpha val="43000"/>
-                    </a:srgbClr>
-                  </a:outerShdw>
-                </a:effectLst>
-              </a:rPr>
-              <a:t>必要的工具，否则代码无法运行</a:t>
-            </a:r>
-            <a:endParaRPr lang="zh-CN" altLang="en-US" sz="2400">
-              <a:solidFill>
-                <a:schemeClr val="accent1"/>
-              </a:solidFill>
-              <a:effectLst>
-                <a:outerShdw blurRad="38100" dist="25400" dir="5400000" algn="ctr" rotWithShape="0">
-                  <a:srgbClr val="6E747A">
-                    <a:alpha val="43000"/>
-                  </a:srgbClr>
-                </a:outerShdw>
-              </a:effectLst>
-            </a:endParaRPr>
+            <a:endParaRPr lang="zh-CN" altLang="en-US"/>
           </a:p>
         </p:txBody>
       </p:sp>
@@ -8477,181 +8427,17 @@
             <a:spLocks noGrp="1"/>
           </p:cNvSpPr>
           <p:nvPr>
-            <p:ph sz="half" idx="1"/>
-          </p:nvPr>
-        </p:nvSpPr>
-        <p:spPr>
-          <a:xfrm>
-            <a:off x="838200" y="1825625"/>
-            <a:ext cx="10515600" cy="4351655"/>
-          </a:xfrm>
-        </p:spPr>
-        <p:txBody>
-          <a:bodyPr/>
-          <a:p>
-            <a:r>
-              <a:rPr lang="zh-CN" altLang="en-US"/>
-              <a:t>loader 用于对模块的</a:t>
-            </a:r>
-            <a:r>
-              <a:rPr lang="zh-CN" altLang="en-US">
-                <a:solidFill>
-                  <a:srgbClr val="FF0000"/>
-                </a:solidFill>
-              </a:rPr>
-              <a:t>源代码进行转换</a:t>
-            </a:r>
-            <a:r>
-              <a:rPr lang="zh-CN" altLang="en-US">
-                <a:solidFill>
-                  <a:schemeClr val="accent1"/>
-                </a:solidFill>
-              </a:rPr>
-              <a:t>（如</a:t>
-            </a:r>
-            <a:r>
-              <a:rPr lang="en-US" altLang="zh-CN">
-                <a:solidFill>
-                  <a:schemeClr val="accent1"/>
-                </a:solidFill>
-              </a:rPr>
-              <a:t>scss</a:t>
-            </a:r>
-            <a:r>
-              <a:rPr lang="zh-CN" altLang="en-US">
-                <a:solidFill>
-                  <a:schemeClr val="accent1"/>
-                </a:solidFill>
-              </a:rPr>
-              <a:t>转</a:t>
-            </a:r>
-            <a:r>
-              <a:rPr lang="en-US" altLang="zh-CN">
-                <a:solidFill>
-                  <a:schemeClr val="accent1"/>
-                </a:solidFill>
-              </a:rPr>
-              <a:t>css</a:t>
-            </a:r>
-            <a:r>
-              <a:rPr lang="zh-CN" altLang="en-US">
-                <a:solidFill>
-                  <a:schemeClr val="accent1"/>
-                </a:solidFill>
-              </a:rPr>
-              <a:t>需要</a:t>
-            </a:r>
-            <a:r>
-              <a:rPr lang="en-US" altLang="zh-CN">
-                <a:solidFill>
-                  <a:schemeClr val="accent1"/>
-                </a:solidFill>
-              </a:rPr>
-              <a:t>style-loader,es6</a:t>
-            </a:r>
-            <a:r>
-              <a:rPr lang="zh-CN" altLang="en-US">
-                <a:solidFill>
-                  <a:schemeClr val="accent1"/>
-                </a:solidFill>
-              </a:rPr>
-              <a:t>转</a:t>
-            </a:r>
-            <a:r>
-              <a:rPr lang="en-US" altLang="zh-CN">
-                <a:solidFill>
-                  <a:schemeClr val="accent1"/>
-                </a:solidFill>
-              </a:rPr>
-              <a:t>es5</a:t>
-            </a:r>
-            <a:r>
-              <a:rPr lang="zh-CN" altLang="en-US">
-                <a:solidFill>
-                  <a:schemeClr val="accent1"/>
-                </a:solidFill>
-              </a:rPr>
-              <a:t>要</a:t>
-            </a:r>
-            <a:r>
-              <a:rPr lang="en-US" altLang="zh-CN">
-                <a:solidFill>
-                  <a:schemeClr val="accent1"/>
-                </a:solidFill>
-              </a:rPr>
-              <a:t>babel</a:t>
-            </a:r>
-            <a:r>
-              <a:rPr lang="zh-CN" altLang="en-US">
-                <a:solidFill>
-                  <a:schemeClr val="accent1"/>
-                </a:solidFill>
-              </a:rPr>
-              <a:t>）</a:t>
-            </a:r>
-            <a:r>
-              <a:rPr lang="zh-CN" altLang="en-US"/>
-              <a:t>。loader 可以使你在 import 或 "load(加载)" 模块时</a:t>
-            </a:r>
-            <a:r>
-              <a:rPr lang="zh-CN" altLang="en-US">
-                <a:solidFill>
-                  <a:srgbClr val="FF0000"/>
-                </a:solidFill>
-              </a:rPr>
-              <a:t>预处理文件</a:t>
-            </a:r>
-            <a:r>
-              <a:rPr lang="zh-CN" altLang="en-US"/>
-              <a:t>。</a:t>
-            </a:r>
-            <a:endParaRPr lang="zh-CN" altLang="en-US"/>
-          </a:p>
-          <a:p>
-            <a:r>
-              <a:rPr lang="zh-CN" altLang="en-US"/>
-              <a:t>这个地方就让很多前端扩展的技术</a:t>
-            </a:r>
-            <a:r>
-              <a:rPr lang="zh-CN" altLang="en-US">
-                <a:solidFill>
-                  <a:srgbClr val="FF0000"/>
-                </a:solidFill>
-              </a:rPr>
-              <a:t>编译</a:t>
-            </a:r>
-            <a:r>
-              <a:rPr lang="zh-CN" altLang="en-US"/>
-              <a:t>成浏览器读得懂的语言。</a:t>
-            </a:r>
-            <a:endParaRPr lang="zh-CN" altLang="en-US"/>
-          </a:p>
-        </p:txBody>
-      </p:sp>
-      <p:pic>
-        <p:nvPicPr>
-          <p:cNvPr id="5" name="图片 4" descr="4"/>
-          <p:cNvPicPr>
-            <a:picLocks noChangeAspect="1"/>
-          </p:cNvPicPr>
-          <p:nvPr/>
-        </p:nvPicPr>
-        <p:blipFill>
-          <a:blip r:embed="rId1"/>
-          <a:stretch>
-            <a:fillRect/>
-          </a:stretch>
-        </p:blipFill>
-        <p:spPr>
-          <a:xfrm>
-            <a:off x="838200" y="3581400"/>
-            <a:ext cx="4256405" cy="2907665"/>
-          </a:xfrm>
-          <a:prstGeom prst="rect">
-            <a:avLst/>
-          </a:prstGeom>
-        </p:spPr>
-      </p:pic>
+            <p:ph idx="1"/>
+          </p:nvPr>
+        </p:nvSpPr>
+        <p:spPr/>
+        <p:txBody>
+          <a:bodyPr/>
+          <a:p>
+            <a:endParaRPr lang="zh-CN" altLang="en-US"/>
+          </a:p>
+        </p:txBody>
+      </p:sp>
     </p:spTree>
   </p:cSld>
   <p:clrMapOvr>
@@ -8680,41 +8466,24 @@
             <p:ph type="title"/>
           </p:nvPr>
         </p:nvSpPr>
-        <p:spPr/>
-        <p:txBody>
-          <a:bodyPr/>
-          <a:p>
-            <a:r>
-              <a:rPr lang="zh-CN" altLang="en-US"/>
-              <a:t>plugin：</a:t>
-            </a:r>
-            <a:r>
-              <a:rPr lang="zh-CN" altLang="en-US" sz="2400">
-                <a:solidFill>
-                  <a:schemeClr val="accent1"/>
-                </a:solidFill>
-                <a:effectLst>
-                  <a:outerShdw blurRad="38100" dist="25400" dir="5400000" algn="ctr" rotWithShape="0">
-                    <a:srgbClr val="6E747A">
-                      <a:alpha val="43000"/>
-                    </a:srgbClr>
-                  </a:outerShdw>
-                </a:effectLst>
-              </a:rPr>
-              <a:t>非必要的工具</a:t>
-            </a:r>
-            <a:endParaRPr lang="zh-CN" altLang="en-US" sz="2400">
-              <a:solidFill>
-                <a:schemeClr val="accent1"/>
-              </a:solidFill>
-              <a:effectLst>
-                <a:outerShdw blurRad="38100" dist="25400" dir="5400000" algn="ctr" rotWithShape="0">
-                  <a:srgbClr val="6E747A">
-                    <a:alpha val="43000"/>
-                  </a:srgbClr>
-                </a:outerShdw>
-              </a:effectLst>
-            </a:endParaRPr>
+        <p:spPr>
+          <a:xfrm>
+            <a:off x="838200" y="365125"/>
+            <a:ext cx="10515600" cy="1325563"/>
+          </a:xfrm>
+        </p:spPr>
+        <p:txBody>
+          <a:bodyPr/>
+          <a:p>
+            <a:r>
+              <a:rPr lang="en-US" altLang="zh-CN"/>
+              <a:t>Webpack配</a:t>
+            </a:r>
+            <a:r>
+              <a:rPr lang="zh-CN" altLang="en-US"/>
+              <a:t>置</a:t>
+            </a:r>
+            <a:endParaRPr lang="zh-CN" altLang="en-US"/>
           </a:p>
         </p:txBody>
       </p:sp>
@@ -8731,7 +8500,7 @@
         <p:spPr>
           <a:xfrm>
             <a:off x="838200" y="1825625"/>
-            <a:ext cx="10515600" cy="4351655"/>
+            <a:ext cx="10810240" cy="4351655"/>
           </a:xfrm>
         </p:spPr>
         <p:txBody>
@@ -8739,42 +8508,27 @@
           <a:p>
             <a:r>
               <a:rPr lang="zh-CN" altLang="en-US"/>
-              <a:t>插件目的在于解决 loader 无法实现的其他事。</a:t>
-            </a:r>
-            <a:endParaRPr lang="zh-CN" altLang="en-US"/>
-          </a:p>
-          <a:p>
-            <a:endParaRPr lang="zh-CN" altLang="en-US"/>
-          </a:p>
-          <a:p>
-            <a:endParaRPr lang="zh-CN" altLang="en-US"/>
-          </a:p>
-        </p:txBody>
-      </p:sp>
-      <p:pic>
-        <p:nvPicPr>
-          <p:cNvPr id="5" name="图片 4" descr="5"/>
-          <p:cNvPicPr>
-            <a:picLocks noChangeAspect="1"/>
-          </p:cNvPicPr>
-          <p:nvPr/>
-        </p:nvPicPr>
-        <p:blipFill>
-          <a:blip r:embed="rId1"/>
-          <a:stretch>
-            <a:fillRect/>
-          </a:stretch>
-        </p:blipFill>
-        <p:spPr>
-          <a:xfrm>
-            <a:off x="838200" y="2383155"/>
-            <a:ext cx="4645660" cy="3315970"/>
-          </a:xfrm>
-          <a:prstGeom prst="rect">
-            <a:avLst/>
-          </a:prstGeom>
-        </p:spPr>
-      </p:pic>
+              <a:t>边看</a:t>
+            </a:r>
+            <a:r>
+              <a:rPr lang="en-US" altLang="zh-CN"/>
+              <a:t>webpack.config.js</a:t>
+            </a:r>
+            <a:r>
+              <a:rPr lang="zh-CN" altLang="en-US"/>
+              <a:t>文件，边讲</a:t>
+            </a:r>
+            <a:endParaRPr lang="zh-CN" altLang="en-US"/>
+          </a:p>
+          <a:p>
+            <a:r>
+              <a:rPr lang="zh-CN" altLang="en-US"/>
+              <a:t>https://webpack.docschina.org/concepts/</a:t>
+            </a:r>
+            <a:endParaRPr lang="zh-CN" altLang="en-US"/>
+          </a:p>
+        </p:txBody>
+      </p:sp>
     </p:spTree>
   </p:cSld>
   <p:clrMapOvr>
@@ -8949,6 +8703,1430 @@
 </file>
 
 <file path=ppt/slides/slide50.xml><?xml version="1.0" encoding="utf-8"?>
+<p:sld xmlns:a="http://schemas.openxmlformats.org/drawingml/2006/main" xmlns:r="http://schemas.openxmlformats.org/officeDocument/2006/relationships" xmlns:p="http://schemas.openxmlformats.org/presentationml/2006/main">
+  <p:cSld>
+    <p:spTree>
+      <p:nvGrpSpPr>
+        <p:cNvPr id="1" name=""/>
+        <p:cNvGrpSpPr/>
+        <p:nvPr/>
+      </p:nvGrpSpPr>
+      <p:grpSpPr/>
+      <p:sp>
+        <p:nvSpPr>
+          <p:cNvPr id="2" name="标题 1"/>
+          <p:cNvSpPr>
+            <a:spLocks noGrp="1"/>
+          </p:cNvSpPr>
+          <p:nvPr>
+            <p:ph type="title"/>
+          </p:nvPr>
+        </p:nvSpPr>
+        <p:spPr/>
+        <p:txBody>
+          <a:bodyPr/>
+          <a:p>
+            <a:r>
+              <a:rPr lang="zh-CN" altLang="en-US"/>
+              <a:t>entry</a:t>
+            </a:r>
+            <a:endParaRPr lang="zh-CN" altLang="en-US"/>
+          </a:p>
+        </p:txBody>
+      </p:sp>
+      <p:sp>
+        <p:nvSpPr>
+          <p:cNvPr id="3" name="内容占位符 2"/>
+          <p:cNvSpPr>
+            <a:spLocks noGrp="1"/>
+          </p:cNvSpPr>
+          <p:nvPr>
+            <p:ph sz="half" idx="1"/>
+          </p:nvPr>
+        </p:nvSpPr>
+        <p:spPr>
+          <a:xfrm>
+            <a:off x="838200" y="1825625"/>
+            <a:ext cx="10516235" cy="4351655"/>
+          </a:xfrm>
+        </p:spPr>
+        <p:txBody>
+          <a:bodyPr/>
+          <a:p>
+            <a:r>
+              <a:rPr lang="zh-CN" altLang="en-US"/>
+              <a:t>整个项目的入口文件</a:t>
+            </a:r>
+            <a:endParaRPr lang="zh-CN" altLang="en-US"/>
+          </a:p>
+          <a:p>
+            <a:r>
+              <a:rPr lang="zh-CN" altLang="en-US"/>
+              <a:t>遍历出里面所有的依赖</a:t>
+            </a:r>
+            <a:endParaRPr lang="zh-CN" altLang="en-US"/>
+          </a:p>
+          <a:p>
+            <a:r>
+              <a:rPr lang="zh-CN" altLang="en-US"/>
+              <a:t>可以有多个</a:t>
+            </a:r>
+            <a:r>
+              <a:rPr lang="en-US" altLang="zh-CN"/>
+              <a:t>entry</a:t>
+            </a:r>
+            <a:endParaRPr lang="en-US" altLang="zh-CN"/>
+          </a:p>
+          <a:p>
+            <a:r>
+              <a:rPr lang="zh-CN" altLang="en-US"/>
+              <a:t>我的经历：一般都用最简单的。</a:t>
+            </a:r>
+            <a:endParaRPr lang="zh-CN" altLang="en-US"/>
+          </a:p>
+        </p:txBody>
+      </p:sp>
+      <p:pic>
+        <p:nvPicPr>
+          <p:cNvPr id="5" name="图片 4" descr="2"/>
+          <p:cNvPicPr>
+            <a:picLocks noChangeAspect="1"/>
+          </p:cNvPicPr>
+          <p:nvPr/>
+        </p:nvPicPr>
+        <p:blipFill>
+          <a:blip r:embed="rId1"/>
+          <a:stretch>
+            <a:fillRect/>
+          </a:stretch>
+        </p:blipFill>
+        <p:spPr>
+          <a:xfrm>
+            <a:off x="838200" y="3804285"/>
+            <a:ext cx="6800850" cy="1247775"/>
+          </a:xfrm>
+          <a:prstGeom prst="rect">
+            <a:avLst/>
+          </a:prstGeom>
+        </p:spPr>
+      </p:pic>
+    </p:spTree>
+  </p:cSld>
+  <p:clrMapOvr>
+    <a:masterClrMapping/>
+  </p:clrMapOvr>
+</p:sld>
+</file>
+
+<file path=ppt/slides/slide51.xml><?xml version="1.0" encoding="utf-8"?>
+<p:sld xmlns:a="http://schemas.openxmlformats.org/drawingml/2006/main" xmlns:r="http://schemas.openxmlformats.org/officeDocument/2006/relationships" xmlns:p="http://schemas.openxmlformats.org/presentationml/2006/main">
+  <p:cSld>
+    <p:spTree>
+      <p:nvGrpSpPr>
+        <p:cNvPr id="1" name=""/>
+        <p:cNvGrpSpPr/>
+        <p:nvPr/>
+      </p:nvGrpSpPr>
+      <p:grpSpPr/>
+      <p:sp>
+        <p:nvSpPr>
+          <p:cNvPr id="2" name="标题 1"/>
+          <p:cNvSpPr>
+            <a:spLocks noGrp="1"/>
+          </p:cNvSpPr>
+          <p:nvPr>
+            <p:ph type="title"/>
+          </p:nvPr>
+        </p:nvSpPr>
+        <p:spPr/>
+        <p:txBody>
+          <a:bodyPr/>
+          <a:p>
+            <a:r>
+              <a:rPr lang="zh-CN" altLang="en-US"/>
+              <a:t>输出(output)</a:t>
+            </a:r>
+            <a:endParaRPr lang="zh-CN" altLang="en-US"/>
+          </a:p>
+        </p:txBody>
+      </p:sp>
+      <p:sp>
+        <p:nvSpPr>
+          <p:cNvPr id="3" name="内容占位符 2"/>
+          <p:cNvSpPr>
+            <a:spLocks noGrp="1"/>
+          </p:cNvSpPr>
+          <p:nvPr>
+            <p:ph sz="half" idx="1"/>
+          </p:nvPr>
+        </p:nvSpPr>
+        <p:spPr>
+          <a:xfrm>
+            <a:off x="838200" y="1825625"/>
+            <a:ext cx="10516235" cy="4351655"/>
+          </a:xfrm>
+        </p:spPr>
+        <p:txBody>
+          <a:bodyPr/>
+          <a:p>
+            <a:r>
+              <a:rPr lang="zh-CN" altLang="en-US"/>
+              <a:t>可以通过配置 output 选项，告知 webpack 如何向硬盘写入编译文件。注意，即使可以存在多个 entry 起点，但只能指定一个 output 配置。</a:t>
+            </a:r>
+            <a:endParaRPr lang="zh-CN" altLang="en-US"/>
+          </a:p>
+          <a:p>
+            <a:r>
+              <a:rPr lang="zh-CN" altLang="en-US"/>
+              <a:t>我的经验：没有什么特别改动的地方。</a:t>
+            </a:r>
+            <a:endParaRPr lang="zh-CN" altLang="en-US"/>
+          </a:p>
+        </p:txBody>
+      </p:sp>
+      <p:pic>
+        <p:nvPicPr>
+          <p:cNvPr id="5" name="图片 4" descr="3"/>
+          <p:cNvPicPr>
+            <a:picLocks noChangeAspect="1"/>
+          </p:cNvPicPr>
+          <p:nvPr/>
+        </p:nvPicPr>
+        <p:blipFill>
+          <a:blip r:embed="rId1"/>
+          <a:stretch>
+            <a:fillRect/>
+          </a:stretch>
+        </p:blipFill>
+        <p:spPr>
+          <a:xfrm>
+            <a:off x="838200" y="3881755"/>
+            <a:ext cx="6686550" cy="2295525"/>
+          </a:xfrm>
+          <a:prstGeom prst="rect">
+            <a:avLst/>
+          </a:prstGeom>
+        </p:spPr>
+      </p:pic>
+    </p:spTree>
+  </p:cSld>
+  <p:clrMapOvr>
+    <a:masterClrMapping/>
+  </p:clrMapOvr>
+</p:sld>
+</file>
+
+<file path=ppt/slides/slide52.xml><?xml version="1.0" encoding="utf-8"?>
+<p:sld xmlns:a="http://schemas.openxmlformats.org/drawingml/2006/main" xmlns:r="http://schemas.openxmlformats.org/officeDocument/2006/relationships" xmlns:p="http://schemas.openxmlformats.org/presentationml/2006/main">
+  <p:cSld>
+    <p:spTree>
+      <p:nvGrpSpPr>
+        <p:cNvPr id="1" name=""/>
+        <p:cNvGrpSpPr/>
+        <p:nvPr/>
+      </p:nvGrpSpPr>
+      <p:grpSpPr/>
+      <p:sp>
+        <p:nvSpPr>
+          <p:cNvPr id="2" name="标题 1"/>
+          <p:cNvSpPr>
+            <a:spLocks noGrp="1"/>
+          </p:cNvSpPr>
+          <p:nvPr>
+            <p:ph type="title"/>
+          </p:nvPr>
+        </p:nvSpPr>
+        <p:spPr/>
+        <p:txBody>
+          <a:bodyPr/>
+          <a:p>
+            <a:r>
+              <a:rPr lang="zh-CN" altLang="en-US"/>
+              <a:t>loader：</a:t>
+            </a:r>
+            <a:r>
+              <a:rPr lang="zh-CN" altLang="en-US" sz="2400">
+                <a:solidFill>
+                  <a:schemeClr val="accent1"/>
+                </a:solidFill>
+                <a:effectLst>
+                  <a:outerShdw blurRad="38100" dist="25400" dir="5400000" algn="ctr" rotWithShape="0">
+                    <a:srgbClr val="6E747A">
+                      <a:alpha val="43000"/>
+                    </a:srgbClr>
+                  </a:outerShdw>
+                </a:effectLst>
+              </a:rPr>
+              <a:t>必要的工具，否则代码无法运行</a:t>
+            </a:r>
+            <a:endParaRPr lang="zh-CN" altLang="en-US" sz="2400">
+              <a:solidFill>
+                <a:schemeClr val="accent1"/>
+              </a:solidFill>
+              <a:effectLst>
+                <a:outerShdw blurRad="38100" dist="25400" dir="5400000" algn="ctr" rotWithShape="0">
+                  <a:srgbClr val="6E747A">
+                    <a:alpha val="43000"/>
+                  </a:srgbClr>
+                </a:outerShdw>
+              </a:effectLst>
+            </a:endParaRPr>
+          </a:p>
+        </p:txBody>
+      </p:sp>
+      <p:sp>
+        <p:nvSpPr>
+          <p:cNvPr id="3" name="内容占位符 2"/>
+          <p:cNvSpPr>
+            <a:spLocks noGrp="1"/>
+          </p:cNvSpPr>
+          <p:nvPr>
+            <p:ph sz="half" idx="1"/>
+          </p:nvPr>
+        </p:nvSpPr>
+        <p:spPr>
+          <a:xfrm>
+            <a:off x="838200" y="1825625"/>
+            <a:ext cx="10515600" cy="4351655"/>
+          </a:xfrm>
+        </p:spPr>
+        <p:txBody>
+          <a:bodyPr/>
+          <a:p>
+            <a:endParaRPr lang="zh-CN" altLang="en-US"/>
+          </a:p>
+          <a:p>
+            <a:endParaRPr lang="zh-CN" altLang="en-US"/>
+          </a:p>
+          <a:p>
+            <a:endParaRPr lang="zh-CN" altLang="en-US"/>
+          </a:p>
+          <a:p>
+            <a:endParaRPr lang="zh-CN" altLang="en-US"/>
+          </a:p>
+          <a:p>
+            <a:r>
+              <a:rPr lang="zh-CN" altLang="en-US"/>
+              <a:t>loader 用于对模块的</a:t>
+            </a:r>
+            <a:r>
+              <a:rPr lang="zh-CN" altLang="en-US">
+                <a:solidFill>
+                  <a:srgbClr val="FF0000"/>
+                </a:solidFill>
+              </a:rPr>
+              <a:t>源代码进行转换</a:t>
+            </a:r>
+            <a:r>
+              <a:rPr lang="zh-CN" altLang="en-US">
+                <a:solidFill>
+                  <a:schemeClr val="accent1"/>
+                </a:solidFill>
+              </a:rPr>
+              <a:t>（如</a:t>
+            </a:r>
+            <a:r>
+              <a:rPr lang="en-US" altLang="zh-CN">
+                <a:solidFill>
+                  <a:schemeClr val="accent1"/>
+                </a:solidFill>
+              </a:rPr>
+              <a:t>scss</a:t>
+            </a:r>
+            <a:r>
+              <a:rPr lang="zh-CN" altLang="en-US">
+                <a:solidFill>
+                  <a:schemeClr val="accent1"/>
+                </a:solidFill>
+              </a:rPr>
+              <a:t>转</a:t>
+            </a:r>
+            <a:r>
+              <a:rPr lang="en-US" altLang="zh-CN">
+                <a:solidFill>
+                  <a:schemeClr val="accent1"/>
+                </a:solidFill>
+              </a:rPr>
+              <a:t>css</a:t>
+            </a:r>
+            <a:r>
+              <a:rPr lang="zh-CN" altLang="en-US">
+                <a:solidFill>
+                  <a:schemeClr val="accent1"/>
+                </a:solidFill>
+              </a:rPr>
+              <a:t>需要</a:t>
+            </a:r>
+            <a:r>
+              <a:rPr lang="en-US" altLang="zh-CN">
+                <a:solidFill>
+                  <a:schemeClr val="accent1"/>
+                </a:solidFill>
+              </a:rPr>
+              <a:t>scss</a:t>
+            </a:r>
+            <a:r>
+              <a:rPr lang="en-US" altLang="zh-CN">
+                <a:solidFill>
+                  <a:schemeClr val="accent1"/>
+                </a:solidFill>
+              </a:rPr>
+              <a:t>-loader,es6</a:t>
+            </a:r>
+            <a:r>
+              <a:rPr lang="zh-CN" altLang="en-US">
+                <a:solidFill>
+                  <a:schemeClr val="accent1"/>
+                </a:solidFill>
+              </a:rPr>
+              <a:t>转</a:t>
+            </a:r>
+            <a:r>
+              <a:rPr lang="en-US" altLang="zh-CN">
+                <a:solidFill>
+                  <a:schemeClr val="accent1"/>
+                </a:solidFill>
+              </a:rPr>
+              <a:t>es5</a:t>
+            </a:r>
+            <a:r>
+              <a:rPr lang="zh-CN" altLang="en-US">
+                <a:solidFill>
+                  <a:schemeClr val="accent1"/>
+                </a:solidFill>
+              </a:rPr>
+              <a:t>要</a:t>
+            </a:r>
+            <a:r>
+              <a:rPr lang="en-US" altLang="zh-CN">
+                <a:solidFill>
+                  <a:schemeClr val="accent1"/>
+                </a:solidFill>
+              </a:rPr>
+              <a:t>babel</a:t>
+            </a:r>
+            <a:r>
+              <a:rPr lang="zh-CN" altLang="en-US">
+                <a:solidFill>
+                  <a:schemeClr val="accent1"/>
+                </a:solidFill>
+              </a:rPr>
+              <a:t>）</a:t>
+            </a:r>
+            <a:r>
+              <a:rPr lang="zh-CN" altLang="en-US"/>
+              <a:t>。loader 可以使你在 import 或 "load(加载)" 模块时</a:t>
+            </a:r>
+            <a:r>
+              <a:rPr lang="zh-CN" altLang="en-US">
+                <a:solidFill>
+                  <a:srgbClr val="FF0000"/>
+                </a:solidFill>
+              </a:rPr>
+              <a:t>预处理文件</a:t>
+            </a:r>
+            <a:r>
+              <a:rPr lang="zh-CN" altLang="en-US"/>
+              <a:t>。</a:t>
+            </a:r>
+            <a:endParaRPr lang="zh-CN" altLang="en-US"/>
+          </a:p>
+          <a:p>
+            <a:r>
+              <a:rPr lang="zh-CN" altLang="en-US"/>
+              <a:t>这个地方就让很多前端扩展的技术</a:t>
+            </a:r>
+            <a:r>
+              <a:rPr lang="zh-CN" altLang="en-US">
+                <a:solidFill>
+                  <a:srgbClr val="FF0000"/>
+                </a:solidFill>
+              </a:rPr>
+              <a:t>编译</a:t>
+            </a:r>
+            <a:r>
+              <a:rPr lang="zh-CN" altLang="en-US"/>
+              <a:t>成浏览器读得懂的语言。</a:t>
+            </a:r>
+            <a:endParaRPr lang="zh-CN" altLang="en-US"/>
+          </a:p>
+        </p:txBody>
+      </p:sp>
+      <p:pic>
+        <p:nvPicPr>
+          <p:cNvPr id="4" name="图片 3" descr="2"/>
+          <p:cNvPicPr>
+            <a:picLocks noChangeAspect="1"/>
+          </p:cNvPicPr>
+          <p:nvPr/>
+        </p:nvPicPr>
+        <p:blipFill>
+          <a:blip r:embed="rId1"/>
+          <a:stretch>
+            <a:fillRect/>
+          </a:stretch>
+        </p:blipFill>
+        <p:spPr>
+          <a:xfrm>
+            <a:off x="838200" y="1691005"/>
+            <a:ext cx="4746625" cy="1986280"/>
+          </a:xfrm>
+          <a:prstGeom prst="rect">
+            <a:avLst/>
+          </a:prstGeom>
+        </p:spPr>
+      </p:pic>
+    </p:spTree>
+  </p:cSld>
+  <p:clrMapOvr>
+    <a:masterClrMapping/>
+  </p:clrMapOvr>
+</p:sld>
+</file>
+
+<file path=ppt/slides/slide53.xml><?xml version="1.0" encoding="utf-8"?>
+<p:sld xmlns:a="http://schemas.openxmlformats.org/drawingml/2006/main" xmlns:r="http://schemas.openxmlformats.org/officeDocument/2006/relationships" xmlns:p="http://schemas.openxmlformats.org/presentationml/2006/main">
+  <p:cSld>
+    <p:spTree>
+      <p:nvGrpSpPr>
+        <p:cNvPr id="1" name=""/>
+        <p:cNvGrpSpPr/>
+        <p:nvPr/>
+      </p:nvGrpSpPr>
+      <p:grpSpPr/>
+      <p:sp>
+        <p:nvSpPr>
+          <p:cNvPr id="2" name="标题 1"/>
+          <p:cNvSpPr>
+            <a:spLocks noGrp="1"/>
+          </p:cNvSpPr>
+          <p:nvPr>
+            <p:ph type="title"/>
+          </p:nvPr>
+        </p:nvSpPr>
+        <p:spPr/>
+        <p:txBody>
+          <a:bodyPr/>
+          <a:p>
+            <a:endParaRPr lang="zh-CN" altLang="en-US"/>
+          </a:p>
+        </p:txBody>
+      </p:sp>
+      <p:pic>
+        <p:nvPicPr>
+          <p:cNvPr id="5" name="内容占位符 4" descr="4"/>
+          <p:cNvPicPr>
+            <a:picLocks noChangeAspect="1"/>
+          </p:cNvPicPr>
+          <p:nvPr>
+            <p:ph sz="half" idx="1"/>
+            <p:custDataLst>
+              <p:tags r:id="rId1"/>
+            </p:custDataLst>
+          </p:nvPr>
+        </p:nvPicPr>
+        <p:blipFill>
+          <a:blip r:embed="rId2"/>
+          <a:stretch>
+            <a:fillRect/>
+          </a:stretch>
+        </p:blipFill>
+        <p:spPr>
+          <a:xfrm>
+            <a:off x="838200" y="365125"/>
+            <a:ext cx="7745095" cy="5290185"/>
+          </a:xfrm>
+          <a:prstGeom prst="rect">
+            <a:avLst/>
+          </a:prstGeom>
+        </p:spPr>
+      </p:pic>
+    </p:spTree>
+  </p:cSld>
+  <p:clrMapOvr>
+    <a:masterClrMapping/>
+  </p:clrMapOvr>
+</p:sld>
+</file>
+
+<file path=ppt/slides/slide54.xml><?xml version="1.0" encoding="utf-8"?>
+<p:sld xmlns:a="http://schemas.openxmlformats.org/drawingml/2006/main" xmlns:r="http://schemas.openxmlformats.org/officeDocument/2006/relationships" xmlns:p="http://schemas.openxmlformats.org/presentationml/2006/main">
+  <p:cSld>
+    <p:spTree>
+      <p:nvGrpSpPr>
+        <p:cNvPr id="1" name=""/>
+        <p:cNvGrpSpPr/>
+        <p:nvPr/>
+      </p:nvGrpSpPr>
+      <p:grpSpPr/>
+      <p:sp>
+        <p:nvSpPr>
+          <p:cNvPr id="3" name="内容占位符 2"/>
+          <p:cNvSpPr>
+            <a:spLocks noGrp="1"/>
+          </p:cNvSpPr>
+          <p:nvPr>
+            <p:ph sz="half" idx="1"/>
+          </p:nvPr>
+        </p:nvSpPr>
+        <p:spPr>
+          <a:xfrm>
+            <a:off x="838200" y="437515"/>
+            <a:ext cx="5181600" cy="5739765"/>
+          </a:xfrm>
+        </p:spPr>
+        <p:txBody>
+          <a:bodyPr>
+            <a:normAutofit fontScale="35000"/>
+          </a:bodyPr>
+          <a:p>
+            <a:r>
+              <a:rPr lang="zh-CN" altLang="en-US" sz="5145"/>
+              <a:t>常用 Loaders</a:t>
+            </a:r>
+            <a:endParaRPr lang="zh-CN" altLang="en-US" sz="5145"/>
+          </a:p>
+          <a:p>
+            <a:endParaRPr lang="zh-CN" altLang="en-US"/>
+          </a:p>
+          <a:p>
+            <a:r>
+              <a:rPr lang="zh-CN" altLang="en-US" b="1"/>
+              <a:t>加载文件</a:t>
+            </a:r>
+            <a:endParaRPr lang="zh-CN" altLang="en-US" b="1"/>
+          </a:p>
+          <a:p>
+            <a:r>
+              <a:rPr lang="zh-CN" altLang="en-US"/>
+              <a:t>raw-loader：把文本文件的内容加载到代码中去，在 3-20加载SVG 中有介绍。</a:t>
+            </a:r>
+            <a:endParaRPr lang="zh-CN" altLang="en-US"/>
+          </a:p>
+          <a:p>
+            <a:r>
+              <a:rPr lang="zh-CN" altLang="en-US"/>
+              <a:t>file-loader：把文件输出到一个文件夹中，在代码中通过相对 URL 去引用输出的文件，在 3-19加载图片、3-20加载 SVG、4-9 CDN 加速 中有介绍。</a:t>
+            </a:r>
+            <a:endParaRPr lang="zh-CN" altLang="en-US"/>
+          </a:p>
+          <a:p>
+            <a:r>
+              <a:rPr lang="zh-CN" altLang="en-US"/>
+              <a:t>url-loader：和 file-loader 类似，但是能在文件很小的情况下以 base64 的方式把文件内容注入到代码中去，在 3-19加载图片、3-20加载 SVG 中有介绍。</a:t>
+            </a:r>
+            <a:endParaRPr lang="zh-CN" altLang="en-US"/>
+          </a:p>
+          <a:p>
+            <a:r>
+              <a:rPr lang="zh-CN" altLang="en-US"/>
+              <a:t>source-map-loader：加载额外的 Source Map 文件，以方便断点调试，在 3-21加载 Source Map 中有介绍。</a:t>
+            </a:r>
+            <a:endParaRPr lang="zh-CN" altLang="en-US"/>
+          </a:p>
+          <a:p>
+            <a:r>
+              <a:rPr lang="zh-CN" altLang="en-US"/>
+              <a:t>svg-inline-loader：把压缩后的 SVG 内容注入到代码中，在 3-20加载 SVG 中有介绍。</a:t>
+            </a:r>
+            <a:endParaRPr lang="zh-CN" altLang="en-US"/>
+          </a:p>
+          <a:p>
+            <a:r>
+              <a:rPr lang="zh-CN" altLang="en-US"/>
+              <a:t>node-loader：加载 Node.js 原生模块 .node 文件。</a:t>
+            </a:r>
+            <a:endParaRPr lang="zh-CN" altLang="en-US"/>
+          </a:p>
+          <a:p>
+            <a:r>
+              <a:rPr lang="zh-CN" altLang="en-US">
+                <a:solidFill>
+                  <a:srgbClr val="FF0000"/>
+                </a:solidFill>
+              </a:rPr>
+              <a:t>image-loader：加载并且压缩图片文件。</a:t>
+            </a:r>
+            <a:endParaRPr lang="zh-CN" altLang="en-US">
+              <a:solidFill>
+                <a:srgbClr val="FF0000"/>
+              </a:solidFill>
+            </a:endParaRPr>
+          </a:p>
+          <a:p>
+            <a:r>
+              <a:rPr lang="zh-CN" altLang="en-US"/>
+              <a:t>json-loader：加载 JSON 文件。</a:t>
+            </a:r>
+            <a:endParaRPr lang="zh-CN" altLang="en-US"/>
+          </a:p>
+          <a:p>
+            <a:r>
+              <a:rPr lang="zh-CN" altLang="en-US"/>
+              <a:t>yaml-loader：加载 YAML 文件。</a:t>
+            </a:r>
+            <a:endParaRPr lang="zh-CN" altLang="en-US"/>
+          </a:p>
+          <a:p>
+            <a:r>
+              <a:rPr lang="zh-CN" altLang="en-US" b="1"/>
+              <a:t>编译模版</a:t>
+            </a:r>
+            <a:endParaRPr lang="zh-CN" altLang="en-US" b="1"/>
+          </a:p>
+          <a:p>
+            <a:r>
+              <a:rPr lang="zh-CN" altLang="en-US"/>
+              <a:t>pug-loader：把 Pug 模版转换成 JavaScript 函数返回。</a:t>
+            </a:r>
+            <a:endParaRPr lang="zh-CN" altLang="en-US"/>
+          </a:p>
+          <a:p>
+            <a:r>
+              <a:rPr lang="zh-CN" altLang="en-US"/>
+              <a:t>handlebars-loader：把 Handlebars 模版编译成函数返回。</a:t>
+            </a:r>
+            <a:endParaRPr lang="zh-CN" altLang="en-US"/>
+          </a:p>
+          <a:p>
+            <a:r>
+              <a:rPr lang="zh-CN" altLang="en-US"/>
+              <a:t>ejs-loader：把 EJS 模版编译成函数返回。</a:t>
+            </a:r>
+            <a:endParaRPr lang="zh-CN" altLang="en-US"/>
+          </a:p>
+          <a:p>
+            <a:r>
+              <a:rPr lang="zh-CN" altLang="en-US"/>
+              <a:t>haml-loader：把 HAML 代码转换成 HTML。</a:t>
+            </a:r>
+            <a:endParaRPr lang="zh-CN" altLang="en-US"/>
+          </a:p>
+          <a:p>
+            <a:r>
+              <a:rPr lang="zh-CN" altLang="en-US"/>
+              <a:t>markdown-loader：把 Markdown 文件转换成 HTML。</a:t>
+            </a:r>
+            <a:endParaRPr lang="zh-CN" altLang="en-US"/>
+          </a:p>
+          <a:p>
+            <a:endParaRPr lang="zh-CN" altLang="en-US"/>
+          </a:p>
+        </p:txBody>
+      </p:sp>
+      <p:sp>
+        <p:nvSpPr>
+          <p:cNvPr id="4" name="内容占位符 3"/>
+          <p:cNvSpPr>
+            <a:spLocks noGrp="1"/>
+          </p:cNvSpPr>
+          <p:nvPr>
+            <p:ph sz="half" idx="2"/>
+          </p:nvPr>
+        </p:nvSpPr>
+        <p:spPr>
+          <a:xfrm>
+            <a:off x="6172200" y="437515"/>
+            <a:ext cx="5181600" cy="5739765"/>
+          </a:xfrm>
+        </p:spPr>
+        <p:txBody>
+          <a:bodyPr>
+            <a:normAutofit fontScale="25000"/>
+          </a:bodyPr>
+          <a:p>
+            <a:r>
+              <a:rPr lang="zh-CN" altLang="en-US" sz="4000" b="1">
+                <a:sym typeface="+mn-ea"/>
+              </a:rPr>
+              <a:t>转换脚本语言</a:t>
+            </a:r>
+            <a:endParaRPr lang="zh-CN" altLang="en-US" sz="4000" b="1"/>
+          </a:p>
+          <a:p>
+            <a:r>
+              <a:rPr lang="zh-CN" altLang="en-US" sz="4000">
+                <a:solidFill>
+                  <a:srgbClr val="FF0000"/>
+                </a:solidFill>
+                <a:sym typeface="+mn-ea"/>
+              </a:rPr>
+              <a:t>babel-loader：把 ES6 转换成 ES5，在3-1使用 ES6 语言中有介绍。</a:t>
+            </a:r>
+            <a:endParaRPr lang="zh-CN" altLang="en-US" sz="4000">
+              <a:solidFill>
+                <a:srgbClr val="FF0000"/>
+              </a:solidFill>
+            </a:endParaRPr>
+          </a:p>
+          <a:p>
+            <a:r>
+              <a:rPr lang="zh-CN" altLang="en-US" sz="4000">
+                <a:solidFill>
+                  <a:srgbClr val="FF0000"/>
+                </a:solidFill>
+                <a:sym typeface="+mn-ea"/>
+              </a:rPr>
+              <a:t>ts-loader：把 TypeScript 转换成 JavaScript，在3-2使用 TypeScript 语言中有遇到。</a:t>
+            </a:r>
+            <a:endParaRPr lang="zh-CN" altLang="en-US" sz="4000">
+              <a:solidFill>
+                <a:srgbClr val="FF0000"/>
+              </a:solidFill>
+            </a:endParaRPr>
+          </a:p>
+          <a:p>
+            <a:r>
+              <a:rPr lang="zh-CN" altLang="en-US" sz="4000">
+                <a:solidFill>
+                  <a:srgbClr val="FF0000"/>
+                </a:solidFill>
+                <a:sym typeface="+mn-ea"/>
+              </a:rPr>
+              <a:t>awesome-typescript-loader：把 TypeScript 转换成 JavaScript，性能要比 ts-loader 好。</a:t>
+            </a:r>
+            <a:endParaRPr lang="zh-CN" altLang="en-US" sz="4000">
+              <a:solidFill>
+                <a:srgbClr val="FF0000"/>
+              </a:solidFill>
+            </a:endParaRPr>
+          </a:p>
+          <a:p>
+            <a:r>
+              <a:rPr lang="zh-CN" altLang="en-US" sz="4000">
+                <a:sym typeface="+mn-ea"/>
+              </a:rPr>
+              <a:t>coffee-loader：把 CoffeeScript 转换成 JavaScript。</a:t>
+            </a:r>
+            <a:endParaRPr lang="zh-CN" altLang="en-US" sz="4000"/>
+          </a:p>
+          <a:p>
+            <a:r>
+              <a:rPr lang="zh-CN" altLang="en-US" sz="4000" b="1">
+                <a:sym typeface="+mn-ea"/>
+              </a:rPr>
+              <a:t>转换样式文件</a:t>
+            </a:r>
+            <a:endParaRPr lang="zh-CN" altLang="en-US" sz="4000" b="1"/>
+          </a:p>
+          <a:p>
+            <a:r>
+              <a:rPr lang="zh-CN" altLang="en-US" sz="4000">
+                <a:solidFill>
+                  <a:srgbClr val="FF0000"/>
+                </a:solidFill>
+                <a:sym typeface="+mn-ea"/>
+              </a:rPr>
+              <a:t>css-loader：加载 CSS，支持模块化、压缩、文件导入等特性。</a:t>
+            </a:r>
+            <a:endParaRPr lang="zh-CN" altLang="en-US" sz="4000">
+              <a:solidFill>
+                <a:srgbClr val="FF0000"/>
+              </a:solidFill>
+            </a:endParaRPr>
+          </a:p>
+          <a:p>
+            <a:r>
+              <a:rPr lang="zh-CN" altLang="en-US" sz="4000">
+                <a:solidFill>
+                  <a:srgbClr val="FF0000"/>
+                </a:solidFill>
+                <a:sym typeface="+mn-ea"/>
+              </a:rPr>
+              <a:t>style-loader：把 CSS 代码注入到 JavaScript 中，通过 DOM 操作去加载 CSS。</a:t>
+            </a:r>
+            <a:endParaRPr lang="zh-CN" altLang="en-US" sz="4000">
+              <a:solidFill>
+                <a:srgbClr val="FF0000"/>
+              </a:solidFill>
+            </a:endParaRPr>
+          </a:p>
+          <a:p>
+            <a:r>
+              <a:rPr lang="zh-CN" altLang="en-US" sz="4000">
+                <a:solidFill>
+                  <a:srgbClr val="FF0000"/>
+                </a:solidFill>
+                <a:sym typeface="+mn-ea"/>
+              </a:rPr>
+              <a:t>sass-loader：把 SCSS/SASS 代码转换成 CSS，在3-4使用 SCSS 语言中有介绍。</a:t>
+            </a:r>
+            <a:endParaRPr lang="zh-CN" altLang="en-US" sz="4000">
+              <a:solidFill>
+                <a:srgbClr val="FF0000"/>
+              </a:solidFill>
+            </a:endParaRPr>
+          </a:p>
+          <a:p>
+            <a:r>
+              <a:rPr lang="zh-CN" altLang="en-US" sz="4000">
+                <a:sym typeface="+mn-ea"/>
+              </a:rPr>
+              <a:t>postcss-loader：扩展 CSS 语法，使用下一代 CSS，在3-5使用 PostCSS中有介绍。</a:t>
+            </a:r>
+            <a:endParaRPr lang="zh-CN" altLang="en-US" sz="4000"/>
+          </a:p>
+          <a:p>
+            <a:r>
+              <a:rPr lang="zh-CN" altLang="en-US" sz="4000">
+                <a:solidFill>
+                  <a:srgbClr val="FF0000"/>
+                </a:solidFill>
+                <a:sym typeface="+mn-ea"/>
+              </a:rPr>
+              <a:t>less-loader：把 Less 代码转换成 CSS 代码。</a:t>
+            </a:r>
+            <a:endParaRPr lang="zh-CN" altLang="en-US" sz="4000">
+              <a:solidFill>
+                <a:srgbClr val="FF0000"/>
+              </a:solidFill>
+            </a:endParaRPr>
+          </a:p>
+          <a:p>
+            <a:r>
+              <a:rPr lang="zh-CN" altLang="en-US" sz="4000">
+                <a:solidFill>
+                  <a:srgbClr val="FF0000"/>
+                </a:solidFill>
+                <a:sym typeface="+mn-ea"/>
+              </a:rPr>
+              <a:t>stylus-loader：把 Stylus 代码转换成 CSS 代码。</a:t>
+            </a:r>
+            <a:endParaRPr lang="zh-CN" altLang="en-US" sz="4000">
+              <a:solidFill>
+                <a:srgbClr val="FF0000"/>
+              </a:solidFill>
+            </a:endParaRPr>
+          </a:p>
+          <a:p>
+            <a:r>
+              <a:rPr lang="zh-CN" altLang="en-US" sz="4000" b="1">
+                <a:sym typeface="+mn-ea"/>
+              </a:rPr>
+              <a:t>检查代码</a:t>
+            </a:r>
+            <a:endParaRPr lang="zh-CN" altLang="en-US" sz="4000" b="1"/>
+          </a:p>
+          <a:p>
+            <a:r>
+              <a:rPr lang="zh-CN" altLang="en-US" sz="4000">
+                <a:solidFill>
+                  <a:srgbClr val="FF0000"/>
+                </a:solidFill>
+                <a:sym typeface="+mn-ea"/>
+              </a:rPr>
+              <a:t>eslint-loader：通过 ESLint 检查 JavaScript 代码，在 3-16检查代码中有介绍。</a:t>
+            </a:r>
+            <a:endParaRPr lang="zh-CN" altLang="en-US" sz="4000">
+              <a:solidFill>
+                <a:srgbClr val="FF0000"/>
+              </a:solidFill>
+            </a:endParaRPr>
+          </a:p>
+          <a:p>
+            <a:r>
+              <a:rPr lang="zh-CN" altLang="en-US" sz="4000">
+                <a:sym typeface="+mn-ea"/>
+              </a:rPr>
+              <a:t>tslint-loader：通过 TSLint 检查 TypeScript 代码。</a:t>
+            </a:r>
+            <a:endParaRPr lang="zh-CN" altLang="en-US" sz="4000"/>
+          </a:p>
+          <a:p>
+            <a:r>
+              <a:rPr lang="zh-CN" altLang="en-US" sz="4000">
+                <a:sym typeface="+mn-ea"/>
+              </a:rPr>
+              <a:t>mocha-loader：加载 Mocha 测试用例代码。</a:t>
+            </a:r>
+            <a:endParaRPr lang="zh-CN" altLang="en-US" sz="4000"/>
+          </a:p>
+          <a:p>
+            <a:r>
+              <a:rPr lang="zh-CN" altLang="en-US" sz="4000">
+                <a:sym typeface="+mn-ea"/>
+              </a:rPr>
+              <a:t>coverjs-loader：计算测试覆盖率。</a:t>
+            </a:r>
+            <a:endParaRPr lang="zh-CN" altLang="en-US" sz="4000"/>
+          </a:p>
+          <a:p>
+            <a:r>
+              <a:rPr lang="zh-CN" altLang="en-US" sz="4000" b="1">
+                <a:sym typeface="+mn-ea"/>
+              </a:rPr>
+              <a:t>其它</a:t>
+            </a:r>
+            <a:endParaRPr lang="zh-CN" altLang="en-US" sz="4000" b="1"/>
+          </a:p>
+          <a:p>
+            <a:r>
+              <a:rPr lang="zh-CN" altLang="en-US" sz="4000">
+                <a:solidFill>
+                  <a:srgbClr val="FF0000"/>
+                </a:solidFill>
+                <a:sym typeface="+mn-ea"/>
+              </a:rPr>
+              <a:t>vue-loader：加载 Vue.js 单文件组件，在3-7使用 Vue 框架中有介绍。</a:t>
+            </a:r>
+            <a:endParaRPr lang="zh-CN" altLang="en-US" sz="4000">
+              <a:solidFill>
+                <a:srgbClr val="FF0000"/>
+              </a:solidFill>
+            </a:endParaRPr>
+          </a:p>
+          <a:p>
+            <a:r>
+              <a:rPr lang="zh-CN" altLang="en-US" sz="4000">
+                <a:sym typeface="+mn-ea"/>
+              </a:rPr>
+              <a:t>i18n-loader：加载多语言版本，支持国际化。</a:t>
+            </a:r>
+            <a:endParaRPr lang="zh-CN" altLang="en-US" sz="4000"/>
+          </a:p>
+          <a:p>
+            <a:r>
+              <a:rPr lang="zh-CN" altLang="en-US" sz="4000">
+                <a:sym typeface="+mn-ea"/>
+              </a:rPr>
+              <a:t>ignore-loader：忽略掉部分文件，在3-11构建同构应用中有介绍。</a:t>
+            </a:r>
+            <a:endParaRPr lang="zh-CN" altLang="en-US" sz="4000"/>
+          </a:p>
+          <a:p>
+            <a:r>
+              <a:rPr lang="zh-CN" altLang="en-US" sz="4000">
+                <a:sym typeface="+mn-ea"/>
+              </a:rPr>
+              <a:t>ui-component-loader：按需加载 UI 组件库，例如在使用 antd UI 组件库时，不会因为只用到了 Button 组件而打包进所有的组件。</a:t>
+            </a:r>
+            <a:endParaRPr lang="zh-CN" altLang="en-US" sz="4000"/>
+          </a:p>
+          <a:p>
+            <a:endParaRPr lang="zh-CN" altLang="en-US" sz="4000"/>
+          </a:p>
+        </p:txBody>
+      </p:sp>
+    </p:spTree>
+  </p:cSld>
+  <p:clrMapOvr>
+    <a:masterClrMapping/>
+  </p:clrMapOvr>
+</p:sld>
+</file>
+
+<file path=ppt/slides/slide55.xml><?xml version="1.0" encoding="utf-8"?>
+<p:sld xmlns:a="http://schemas.openxmlformats.org/drawingml/2006/main" xmlns:r="http://schemas.openxmlformats.org/officeDocument/2006/relationships" xmlns:p="http://schemas.openxmlformats.org/presentationml/2006/main">
+  <p:cSld>
+    <p:spTree>
+      <p:nvGrpSpPr>
+        <p:cNvPr id="1" name=""/>
+        <p:cNvGrpSpPr/>
+        <p:nvPr/>
+      </p:nvGrpSpPr>
+      <p:grpSpPr/>
+      <p:sp>
+        <p:nvSpPr>
+          <p:cNvPr id="2" name="标题 1"/>
+          <p:cNvSpPr>
+            <a:spLocks noGrp="1"/>
+          </p:cNvSpPr>
+          <p:nvPr>
+            <p:ph type="title"/>
+          </p:nvPr>
+        </p:nvSpPr>
+        <p:spPr/>
+        <p:txBody>
+          <a:bodyPr/>
+          <a:p>
+            <a:r>
+              <a:rPr lang="zh-CN" altLang="en-US"/>
+              <a:t>plugin：</a:t>
+            </a:r>
+            <a:r>
+              <a:rPr lang="zh-CN" altLang="en-US" sz="2400">
+                <a:solidFill>
+                  <a:schemeClr val="accent1"/>
+                </a:solidFill>
+                <a:effectLst>
+                  <a:outerShdw blurRad="38100" dist="25400" dir="5400000" algn="ctr" rotWithShape="0">
+                    <a:srgbClr val="6E747A">
+                      <a:alpha val="43000"/>
+                    </a:srgbClr>
+                  </a:outerShdw>
+                </a:effectLst>
+              </a:rPr>
+              <a:t>非必要的工具</a:t>
+            </a:r>
+            <a:endParaRPr lang="zh-CN" altLang="en-US" sz="2400">
+              <a:solidFill>
+                <a:schemeClr val="accent1"/>
+              </a:solidFill>
+              <a:effectLst>
+                <a:outerShdw blurRad="38100" dist="25400" dir="5400000" algn="ctr" rotWithShape="0">
+                  <a:srgbClr val="6E747A">
+                    <a:alpha val="43000"/>
+                  </a:srgbClr>
+                </a:outerShdw>
+              </a:effectLst>
+            </a:endParaRPr>
+          </a:p>
+        </p:txBody>
+      </p:sp>
+      <p:sp>
+        <p:nvSpPr>
+          <p:cNvPr id="3" name="内容占位符 2"/>
+          <p:cNvSpPr>
+            <a:spLocks noGrp="1"/>
+          </p:cNvSpPr>
+          <p:nvPr>
+            <p:ph sz="half" idx="1"/>
+          </p:nvPr>
+        </p:nvSpPr>
+        <p:spPr>
+          <a:xfrm>
+            <a:off x="838200" y="1825625"/>
+            <a:ext cx="10515600" cy="4351655"/>
+          </a:xfrm>
+        </p:spPr>
+        <p:txBody>
+          <a:bodyPr/>
+          <a:p>
+            <a:r>
+              <a:rPr lang="zh-CN" altLang="en-US"/>
+              <a:t>插件目的在于解决 loader 无法实现的其他事。</a:t>
+            </a:r>
+            <a:endParaRPr lang="zh-CN" altLang="en-US"/>
+          </a:p>
+          <a:p>
+            <a:endParaRPr lang="zh-CN" altLang="en-US"/>
+          </a:p>
+          <a:p>
+            <a:endParaRPr lang="zh-CN" altLang="en-US"/>
+          </a:p>
+        </p:txBody>
+      </p:sp>
+      <p:pic>
+        <p:nvPicPr>
+          <p:cNvPr id="5" name="图片 4" descr="5"/>
+          <p:cNvPicPr>
+            <a:picLocks noChangeAspect="1"/>
+          </p:cNvPicPr>
+          <p:nvPr/>
+        </p:nvPicPr>
+        <p:blipFill>
+          <a:blip r:embed="rId1"/>
+          <a:stretch>
+            <a:fillRect/>
+          </a:stretch>
+        </p:blipFill>
+        <p:spPr>
+          <a:xfrm>
+            <a:off x="838200" y="2383155"/>
+            <a:ext cx="4645660" cy="3315970"/>
+          </a:xfrm>
+          <a:prstGeom prst="rect">
+            <a:avLst/>
+          </a:prstGeom>
+        </p:spPr>
+      </p:pic>
+    </p:spTree>
+  </p:cSld>
+  <p:clrMapOvr>
+    <a:masterClrMapping/>
+  </p:clrMapOvr>
+</p:sld>
+</file>
+
+<file path=ppt/slides/slide56.xml><?xml version="1.0" encoding="utf-8"?>
+<p:sld xmlns:a="http://schemas.openxmlformats.org/drawingml/2006/main" xmlns:r="http://schemas.openxmlformats.org/officeDocument/2006/relationships" xmlns:p="http://schemas.openxmlformats.org/presentationml/2006/main">
+  <p:cSld>
+    <p:spTree>
+      <p:nvGrpSpPr>
+        <p:cNvPr id="1" name=""/>
+        <p:cNvGrpSpPr/>
+        <p:nvPr/>
+      </p:nvGrpSpPr>
+      <p:grpSpPr/>
+      <p:sp>
+        <p:nvSpPr>
+          <p:cNvPr id="3" name="内容占位符 2"/>
+          <p:cNvSpPr>
+            <a:spLocks noGrp="1"/>
+          </p:cNvSpPr>
+          <p:nvPr>
+            <p:ph sz="half" idx="1"/>
+          </p:nvPr>
+        </p:nvSpPr>
+        <p:spPr>
+          <a:xfrm>
+            <a:off x="838200" y="405130"/>
+            <a:ext cx="5181600" cy="5772150"/>
+          </a:xfrm>
+        </p:spPr>
+        <p:txBody>
+          <a:bodyPr>
+            <a:normAutofit/>
+          </a:bodyPr>
+          <a:p>
+            <a:r>
+              <a:rPr lang="zh-CN" altLang="en-US" sz="1800" b="1"/>
+              <a:t>常用 Plugins</a:t>
+            </a:r>
+            <a:endParaRPr lang="zh-CN" altLang="en-US" sz="1800" b="1"/>
+          </a:p>
+          <a:p>
+            <a:endParaRPr lang="zh-CN" altLang="en-US" sz="1000"/>
+          </a:p>
+          <a:p>
+            <a:r>
+              <a:rPr lang="zh-CN" altLang="en-US" sz="1000" b="1"/>
+              <a:t>用于修改行为</a:t>
+            </a:r>
+            <a:endParaRPr lang="zh-CN" altLang="en-US" sz="1000" b="1"/>
+          </a:p>
+          <a:p>
+            <a:r>
+              <a:rPr lang="zh-CN" altLang="en-US" sz="1000">
+                <a:solidFill>
+                  <a:schemeClr val="accent1"/>
+                </a:solidFill>
+              </a:rPr>
+              <a:t>define-plugin：定义环境变量，在4-7区分环境中有介绍。</a:t>
+            </a:r>
+            <a:endParaRPr lang="zh-CN" altLang="en-US" sz="1000">
+              <a:solidFill>
+                <a:schemeClr val="accent1"/>
+              </a:solidFill>
+            </a:endParaRPr>
+          </a:p>
+          <a:p>
+            <a:r>
+              <a:rPr lang="zh-CN" altLang="en-US" sz="1000"/>
+              <a:t>context-replacement-plugin：修改 require 语句在寻找文件时的默认行为。</a:t>
+            </a:r>
+            <a:endParaRPr lang="zh-CN" altLang="en-US" sz="1000"/>
+          </a:p>
+          <a:p>
+            <a:r>
+              <a:rPr lang="zh-CN" altLang="en-US" sz="1000"/>
+              <a:t>ignore-plugin：用于忽略部分文件。</a:t>
+            </a:r>
+            <a:endParaRPr lang="zh-CN" altLang="en-US" sz="1000"/>
+          </a:p>
+          <a:p>
+            <a:endParaRPr lang="zh-CN" altLang="en-US" sz="1000"/>
+          </a:p>
+        </p:txBody>
+      </p:sp>
+      <p:sp>
+        <p:nvSpPr>
+          <p:cNvPr id="4" name="内容占位符 3"/>
+          <p:cNvSpPr>
+            <a:spLocks noGrp="1"/>
+          </p:cNvSpPr>
+          <p:nvPr>
+            <p:ph sz="half" idx="2"/>
+          </p:nvPr>
+        </p:nvSpPr>
+        <p:spPr>
+          <a:xfrm>
+            <a:off x="6172200" y="405130"/>
+            <a:ext cx="5181600" cy="5772150"/>
+          </a:xfrm>
+        </p:spPr>
+        <p:txBody>
+          <a:bodyPr>
+            <a:normAutofit fontScale="40000"/>
+          </a:bodyPr>
+          <a:p>
+            <a:r>
+              <a:rPr lang="zh-CN" altLang="en-US" sz="2500" b="1">
+                <a:sym typeface="+mn-ea"/>
+              </a:rPr>
+              <a:t>用于优化</a:t>
+            </a:r>
+            <a:endParaRPr lang="zh-CN" altLang="en-US" sz="2500" b="1"/>
+          </a:p>
+          <a:p>
+            <a:r>
+              <a:rPr lang="zh-CN" altLang="en-US" sz="2500">
+                <a:sym typeface="+mn-ea"/>
+              </a:rPr>
+              <a:t>commons-chunk-plugin：提取公共代码，在4-11提取公共代码中有介绍。</a:t>
+            </a:r>
+            <a:endParaRPr lang="zh-CN" altLang="en-US" sz="2500"/>
+          </a:p>
+          <a:p>
+            <a:r>
+              <a:rPr lang="zh-CN" altLang="en-US" sz="2500">
+                <a:sym typeface="+mn-ea"/>
+              </a:rPr>
+              <a:t>extract-text-webpack-plugin：提取 JavaScript 中的 CSS 代码到单独的文件中，在1-5使用 Plugin 中有介绍。</a:t>
+            </a:r>
+            <a:endParaRPr lang="zh-CN" altLang="en-US" sz="2500"/>
+          </a:p>
+          <a:p>
+            <a:r>
+              <a:rPr lang="zh-CN" altLang="en-US" sz="2500">
+                <a:sym typeface="+mn-ea"/>
+              </a:rPr>
+              <a:t>prepack-webpack-plugin：通过 Facebook 的 Prepack 优化输出的 JavaScript 代码性能，在 4-13使用 Prepack 中有介绍。</a:t>
+            </a:r>
+            <a:endParaRPr lang="zh-CN" altLang="en-US" sz="2500"/>
+          </a:p>
+          <a:p>
+            <a:r>
+              <a:rPr lang="zh-CN" altLang="en-US" sz="2500">
+                <a:solidFill>
+                  <a:srgbClr val="FF0000"/>
+                </a:solidFill>
+                <a:sym typeface="+mn-ea"/>
+              </a:rPr>
+              <a:t>uglifyjs-webpack-plugin：通过 UglifyES 压缩 ES6 代码，在 4-8压缩代码中有介绍。</a:t>
+            </a:r>
+            <a:endParaRPr lang="zh-CN" altLang="en-US" sz="2500">
+              <a:solidFill>
+                <a:srgbClr val="FF0000"/>
+              </a:solidFill>
+            </a:endParaRPr>
+          </a:p>
+          <a:p>
+            <a:r>
+              <a:rPr lang="zh-CN" altLang="en-US" sz="2500">
+                <a:sym typeface="+mn-ea"/>
+              </a:rPr>
+              <a:t>webpack-parallel-uglify-plugin：多进程执行 UglifyJS 代码压缩，提升构建速度。</a:t>
+            </a:r>
+            <a:endParaRPr lang="zh-CN" altLang="en-US" sz="2500"/>
+          </a:p>
+          <a:p>
+            <a:r>
+              <a:rPr lang="zh-CN" altLang="en-US" sz="2500">
+                <a:solidFill>
+                  <a:srgbClr val="FF0000"/>
+                </a:solidFill>
+                <a:sym typeface="+mn-ea"/>
+              </a:rPr>
+              <a:t>imagemin-webpack-plugin：压缩图片文件。</a:t>
+            </a:r>
+            <a:endParaRPr lang="zh-CN" altLang="en-US" sz="2500">
+              <a:solidFill>
+                <a:srgbClr val="FF0000"/>
+              </a:solidFill>
+            </a:endParaRPr>
+          </a:p>
+          <a:p>
+            <a:r>
+              <a:rPr lang="zh-CN" altLang="en-US" sz="2500">
+                <a:sym typeface="+mn-ea"/>
+              </a:rPr>
+              <a:t>webpack-spritesmith：用插件制作雪碧图。</a:t>
+            </a:r>
+            <a:endParaRPr lang="zh-CN" altLang="en-US" sz="2500"/>
+          </a:p>
+          <a:p>
+            <a:r>
+              <a:rPr lang="zh-CN" altLang="en-US" sz="2500">
+                <a:sym typeface="+mn-ea"/>
+              </a:rPr>
+              <a:t>ModuleConcatenationPlugin：开启 Webpack Scope Hoisting 功能，在4-14开启 ScopeHoisting中有介绍。</a:t>
+            </a:r>
+            <a:endParaRPr lang="zh-CN" altLang="en-US" sz="2500"/>
+          </a:p>
+          <a:p>
+            <a:r>
+              <a:rPr lang="zh-CN" altLang="en-US" sz="2500">
+                <a:sym typeface="+mn-ea"/>
+              </a:rPr>
+              <a:t>dll-plugin：借鉴 DDL 的思想大幅度提升构建速度，在4-2使用 DllPlugin中有介绍。</a:t>
+            </a:r>
+            <a:endParaRPr lang="zh-CN" altLang="en-US" sz="2500"/>
+          </a:p>
+          <a:p>
+            <a:r>
+              <a:rPr lang="zh-CN" altLang="en-US" sz="2500">
+                <a:solidFill>
+                  <a:srgbClr val="FF0000"/>
+                </a:solidFill>
+                <a:sym typeface="+mn-ea"/>
+              </a:rPr>
+              <a:t>hot-module-replacement-plugin：开启模块热替换功能。</a:t>
+            </a:r>
+            <a:endParaRPr lang="zh-CN" altLang="en-US" sz="2500">
+              <a:solidFill>
+                <a:srgbClr val="FF0000"/>
+              </a:solidFill>
+            </a:endParaRPr>
+          </a:p>
+          <a:p>
+            <a:r>
+              <a:rPr lang="zh-CN" altLang="en-US" sz="2500" b="1">
+                <a:sym typeface="+mn-ea"/>
+              </a:rPr>
+              <a:t>其它</a:t>
+            </a:r>
+            <a:endParaRPr lang="zh-CN" altLang="en-US" sz="2500" b="1"/>
+          </a:p>
+          <a:p>
+            <a:r>
+              <a:rPr lang="zh-CN" altLang="en-US" sz="2500">
+                <a:sym typeface="+mn-ea"/>
+              </a:rPr>
+              <a:t>serviceworker-webpack-plugin：给网页应用增加离线缓存功能，在3-14 构建离线应用中有介绍。</a:t>
+            </a:r>
+            <a:endParaRPr lang="zh-CN" altLang="en-US" sz="2500"/>
+          </a:p>
+          <a:p>
+            <a:r>
+              <a:rPr lang="zh-CN" altLang="en-US" sz="2500">
+                <a:sym typeface="+mn-ea"/>
+              </a:rPr>
+              <a:t>stylelint-webpack-plugin：集成 stylelint 到项目中，在3-16检查代码中有介绍。</a:t>
+            </a:r>
+            <a:endParaRPr lang="zh-CN" altLang="en-US" sz="2500"/>
+          </a:p>
+          <a:p>
+            <a:r>
+              <a:rPr lang="zh-CN" altLang="en-US" sz="2500">
+                <a:sym typeface="+mn-ea"/>
+              </a:rPr>
+              <a:t>i18n-webpack-plugin：给你的网页支持国际化。</a:t>
+            </a:r>
+            <a:endParaRPr lang="zh-CN" altLang="en-US" sz="2500"/>
+          </a:p>
+          <a:p>
+            <a:r>
+              <a:rPr lang="zh-CN" altLang="en-US" sz="2500">
+                <a:sym typeface="+mn-ea"/>
+              </a:rPr>
+              <a:t>provide-plugin：从环境中提供的全局变量中加载模块，而不用导入对应的文件。</a:t>
+            </a:r>
+            <a:endParaRPr lang="zh-CN" altLang="en-US" sz="2500"/>
+          </a:p>
+          <a:p>
+            <a:r>
+              <a:rPr lang="zh-CN" altLang="en-US" sz="2500">
+                <a:sym typeface="+mn-ea"/>
+              </a:rPr>
+              <a:t>web-webpack-plugin：方便的为单页应用输出 HTML，比 html-webpack-plugin 好用。</a:t>
+            </a:r>
+            <a:endParaRPr lang="zh-CN" altLang="en-US" sz="2500"/>
+          </a:p>
+          <a:p>
+            <a:endParaRPr lang="zh-CN" altLang="en-US" sz="2500"/>
+          </a:p>
+        </p:txBody>
+      </p:sp>
+    </p:spTree>
+  </p:cSld>
+  <p:clrMapOvr>
+    <a:masterClrMapping/>
+  </p:clrMapOvr>
+</p:sld>
+</file>
+
+<file path=ppt/slides/slide57.xml><?xml version="1.0" encoding="utf-8"?>
 <p:sld xmlns:a="http://schemas.openxmlformats.org/drawingml/2006/main" xmlns:r="http://schemas.openxmlformats.org/officeDocument/2006/relationships" xmlns:p="http://schemas.openxmlformats.org/presentationml/2006/main">
   <p:cSld>
     <p:spTree>
@@ -9072,598 +10250,6 @@
 </p:sld>
 </file>
 
-<file path=ppt/slides/slide51.xml><?xml version="1.0" encoding="utf-8"?>
-<p:sld xmlns:a="http://schemas.openxmlformats.org/drawingml/2006/main" xmlns:r="http://schemas.openxmlformats.org/officeDocument/2006/relationships" xmlns:p="http://schemas.openxmlformats.org/presentationml/2006/main">
-  <p:cSld>
-    <p:spTree>
-      <p:nvGrpSpPr>
-        <p:cNvPr id="1" name=""/>
-        <p:cNvGrpSpPr/>
-        <p:nvPr/>
-      </p:nvGrpSpPr>
-      <p:grpSpPr/>
-      <p:sp>
-        <p:nvSpPr>
-          <p:cNvPr id="2" name="标题 1"/>
-          <p:cNvSpPr>
-            <a:spLocks noGrp="1"/>
-          </p:cNvSpPr>
-          <p:nvPr>
-            <p:ph type="title"/>
-          </p:nvPr>
-        </p:nvSpPr>
-        <p:spPr/>
-        <p:txBody>
-          <a:bodyPr/>
-          <a:p>
-            <a:endParaRPr lang="zh-CN" altLang="en-US"/>
-          </a:p>
-        </p:txBody>
-      </p:sp>
-      <p:sp>
-        <p:nvSpPr>
-          <p:cNvPr id="3" name="内容占位符 2"/>
-          <p:cNvSpPr>
-            <a:spLocks noGrp="1"/>
-          </p:cNvSpPr>
-          <p:nvPr>
-            <p:ph idx="1"/>
-          </p:nvPr>
-        </p:nvSpPr>
-        <p:spPr/>
-        <p:txBody>
-          <a:bodyPr/>
-          <a:p>
-            <a:endParaRPr lang="zh-CN" altLang="en-US"/>
-          </a:p>
-          <a:p>
-            <a:endParaRPr lang="zh-CN" altLang="en-US"/>
-          </a:p>
-          <a:p>
-            <a:pPr marL="0" indent="0">
-              <a:buNone/>
-            </a:pPr>
-            <a:endParaRPr lang="zh-CN" altLang="en-US"/>
-          </a:p>
-          <a:p>
-            <a:pPr marL="0" indent="0" algn="ctr">
-              <a:buNone/>
-            </a:pPr>
-            <a:r>
-              <a:rPr lang="zh-CN" altLang="en-US" sz="4400"/>
-              <a:t>第四章</a:t>
-            </a:r>
-            <a:endParaRPr lang="zh-CN" altLang="en-US" sz="4400"/>
-          </a:p>
-          <a:p>
-            <a:pPr marL="0" indent="0" algn="ctr">
-              <a:buNone/>
-            </a:pPr>
-            <a:r>
-              <a:rPr lang="en-US" altLang="zh-CN" sz="4400"/>
-              <a:t>devServer</a:t>
-            </a:r>
-            <a:endParaRPr lang="en-US" altLang="zh-CN" sz="4400"/>
-          </a:p>
-        </p:txBody>
-      </p:sp>
-    </p:spTree>
-  </p:cSld>
-  <p:clrMapOvr>
-    <a:masterClrMapping/>
-  </p:clrMapOvr>
-</p:sld>
-</file>
-
-<file path=ppt/slides/slide52.xml><?xml version="1.0" encoding="utf-8"?>
-<p:sld xmlns:a="http://schemas.openxmlformats.org/drawingml/2006/main" xmlns:r="http://schemas.openxmlformats.org/officeDocument/2006/relationships" xmlns:p="http://schemas.openxmlformats.org/presentationml/2006/main">
-  <p:cSld>
-    <p:spTree>
-      <p:nvGrpSpPr>
-        <p:cNvPr id="1" name=""/>
-        <p:cNvGrpSpPr/>
-        <p:nvPr/>
-      </p:nvGrpSpPr>
-      <p:grpSpPr/>
-      <p:sp>
-        <p:nvSpPr>
-          <p:cNvPr id="2" name="标题 1"/>
-          <p:cNvSpPr>
-            <a:spLocks noGrp="1"/>
-          </p:cNvSpPr>
-          <p:nvPr>
-            <p:ph type="title"/>
-          </p:nvPr>
-        </p:nvSpPr>
-        <p:spPr/>
-        <p:txBody>
-          <a:bodyPr>
-            <a:normAutofit/>
-          </a:bodyPr>
-          <a:p>
-            <a:r>
-              <a:rPr lang="en-US" altLang="zh-CN"/>
-              <a:t>4.1 - </a:t>
-            </a:r>
-            <a:r>
-              <a:rPr lang="zh-CN"/>
-              <a:t>以前的故事</a:t>
-            </a:r>
-            <a:endParaRPr lang="zh-CN"/>
-          </a:p>
-        </p:txBody>
-      </p:sp>
-      <p:sp>
-        <p:nvSpPr>
-          <p:cNvPr id="3" name="内容占位符 2"/>
-          <p:cNvSpPr>
-            <a:spLocks noGrp="1"/>
-          </p:cNvSpPr>
-          <p:nvPr>
-            <p:ph idx="1"/>
-          </p:nvPr>
-        </p:nvSpPr>
-        <p:spPr/>
-        <p:txBody>
-          <a:bodyPr/>
-          <a:p>
-            <a:r>
-              <a:rPr lang="zh-CN" altLang="en-US"/>
-              <a:t>我当年热更新打包的经历，半夜三更，跑一次</a:t>
-            </a:r>
-            <a:r>
-              <a:rPr lang="en-US" altLang="zh-CN"/>
-              <a:t>3,5</a:t>
-            </a:r>
-            <a:r>
-              <a:rPr lang="zh-CN" altLang="en-US"/>
-              <a:t>分钟。修改一次，老是改错</a:t>
-            </a:r>
-            <a:r>
-              <a:rPr lang="en-US" altLang="zh-CN"/>
-              <a:t>IP</a:t>
-            </a:r>
-            <a:r>
-              <a:rPr lang="zh-CN" altLang="en-US"/>
-              <a:t>，</a:t>
-            </a:r>
-            <a:r>
-              <a:rPr lang="en-US" altLang="zh-CN"/>
-              <a:t>DEBUG.</a:t>
-            </a:r>
-            <a:endParaRPr lang="en-US" altLang="zh-CN"/>
-          </a:p>
-        </p:txBody>
-      </p:sp>
-    </p:spTree>
-  </p:cSld>
-  <p:clrMapOvr>
-    <a:masterClrMapping/>
-  </p:clrMapOvr>
-</p:sld>
-</file>
-
-<file path=ppt/slides/slide53.xml><?xml version="1.0" encoding="utf-8"?>
-<p:sld xmlns:a="http://schemas.openxmlformats.org/drawingml/2006/main" xmlns:r="http://schemas.openxmlformats.org/officeDocument/2006/relationships" xmlns:p="http://schemas.openxmlformats.org/presentationml/2006/main">
-  <p:cSld>
-    <p:spTree>
-      <p:nvGrpSpPr>
-        <p:cNvPr id="1" name=""/>
-        <p:cNvGrpSpPr/>
-        <p:nvPr/>
-      </p:nvGrpSpPr>
-      <p:grpSpPr/>
-      <p:sp>
-        <p:nvSpPr>
-          <p:cNvPr id="2" name="标题 1"/>
-          <p:cNvSpPr>
-            <a:spLocks noGrp="1"/>
-          </p:cNvSpPr>
-          <p:nvPr>
-            <p:ph type="title"/>
-          </p:nvPr>
-        </p:nvSpPr>
-        <p:spPr/>
-        <p:txBody>
-          <a:bodyPr/>
-          <a:p>
-            <a:r>
-              <a:rPr lang="en-US" altLang="zh-CN"/>
-              <a:t>4.2 - </a:t>
-            </a:r>
-            <a:r>
-              <a:rPr lang="zh-CN" altLang="en-US"/>
-              <a:t>功能</a:t>
-            </a:r>
-            <a:endParaRPr lang="zh-CN" altLang="en-US"/>
-          </a:p>
-        </p:txBody>
-      </p:sp>
-      <p:sp>
-        <p:nvSpPr>
-          <p:cNvPr id="3" name="内容占位符 2"/>
-          <p:cNvSpPr>
-            <a:spLocks noGrp="1"/>
-          </p:cNvSpPr>
-          <p:nvPr>
-            <p:ph idx="1"/>
-          </p:nvPr>
-        </p:nvSpPr>
-        <p:spPr/>
-        <p:txBody>
-          <a:bodyPr/>
-          <a:p>
-            <a:r>
-              <a:rPr lang="zh-CN" altLang="en-US"/>
-              <a:t>webpack-dev-server是webpack官方提供的一个小型Express</a:t>
-            </a:r>
-            <a:r>
-              <a:rPr lang="zh-CN" altLang="en-US">
-                <a:solidFill>
-                  <a:srgbClr val="FF0000"/>
-                </a:solidFill>
-              </a:rPr>
-              <a:t>服务器</a:t>
-            </a:r>
-            <a:r>
-              <a:rPr lang="zh-CN" altLang="en-US"/>
-              <a:t>。使用它可以为webpack打包生成的资源文件提供web服务。</a:t>
-            </a:r>
-            <a:endParaRPr lang="zh-CN" altLang="en-US"/>
-          </a:p>
-          <a:p>
-            <a:endParaRPr lang="zh-CN" altLang="en-US"/>
-          </a:p>
-          <a:p>
-            <a:r>
-              <a:rPr lang="zh-CN" altLang="en-US"/>
-              <a:t>为静态文件提供服务</a:t>
-            </a:r>
-            <a:endParaRPr lang="zh-CN" altLang="en-US"/>
-          </a:p>
-          <a:p>
-            <a:r>
-              <a:rPr lang="zh-CN" altLang="en-US"/>
-              <a:t>自动刷新和热替换(HMR)</a:t>
-            </a:r>
-            <a:endParaRPr lang="zh-CN" altLang="en-US"/>
-          </a:p>
-        </p:txBody>
-      </p:sp>
-    </p:spTree>
-  </p:cSld>
-  <p:clrMapOvr>
-    <a:masterClrMapping/>
-  </p:clrMapOvr>
-</p:sld>
-</file>
-
-<file path=ppt/slides/slide54.xml><?xml version="1.0" encoding="utf-8"?>
-<p:sld xmlns:a="http://schemas.openxmlformats.org/drawingml/2006/main" xmlns:r="http://schemas.openxmlformats.org/officeDocument/2006/relationships" xmlns:p="http://schemas.openxmlformats.org/presentationml/2006/main">
-  <p:cSld>
-    <p:spTree>
-      <p:nvGrpSpPr>
-        <p:cNvPr id="1" name=""/>
-        <p:cNvGrpSpPr/>
-        <p:nvPr/>
-      </p:nvGrpSpPr>
-      <p:grpSpPr/>
-      <p:sp>
-        <p:nvSpPr>
-          <p:cNvPr id="2" name="标题 1"/>
-          <p:cNvSpPr>
-            <a:spLocks noGrp="1"/>
-          </p:cNvSpPr>
-          <p:nvPr>
-            <p:ph type="title"/>
-          </p:nvPr>
-        </p:nvSpPr>
-        <p:spPr/>
-        <p:txBody>
-          <a:bodyPr/>
-          <a:p>
-            <a:endParaRPr lang="zh-CN" altLang="en-US"/>
-          </a:p>
-        </p:txBody>
-      </p:sp>
-      <p:sp>
-        <p:nvSpPr>
-          <p:cNvPr id="3" name="内容占位符 2"/>
-          <p:cNvSpPr>
-            <a:spLocks noGrp="1"/>
-          </p:cNvSpPr>
-          <p:nvPr>
-            <p:ph idx="1"/>
-          </p:nvPr>
-        </p:nvSpPr>
-        <p:spPr/>
-        <p:txBody>
-          <a:bodyPr/>
-          <a:p>
-            <a:r>
-              <a:rPr lang="zh-CN" altLang="en-US"/>
-              <a:t>前端有跨域，服务器之间是没有跨域的</a:t>
-            </a:r>
-            <a:endParaRPr lang="zh-CN" altLang="en-US"/>
-          </a:p>
-          <a:p>
-            <a:r>
-              <a:rPr lang="en-US" altLang="zh-CN"/>
-              <a:t>webpack 3.0 </a:t>
-            </a:r>
-            <a:r>
-              <a:rPr lang="zh-CN" altLang="en-US"/>
-              <a:t>和</a:t>
-            </a:r>
-            <a:r>
-              <a:rPr lang="en-US" altLang="zh-CN"/>
-              <a:t>webpack4.0</a:t>
-            </a:r>
-            <a:r>
-              <a:rPr lang="zh-CN" altLang="en-US"/>
-              <a:t>区别</a:t>
-            </a:r>
-            <a:endParaRPr lang="zh-CN" altLang="en-US"/>
-          </a:p>
-          <a:p>
-            <a:r>
-              <a:rPr lang="zh-CN" altLang="en-US"/>
-              <a:t>应用文件和</a:t>
-            </a:r>
-            <a:r>
-              <a:rPr lang="en-US" altLang="zh-CN"/>
-              <a:t>node</a:t>
-            </a:r>
-            <a:r>
-              <a:rPr lang="zh-CN" altLang="en-US"/>
-              <a:t>环境变量</a:t>
-            </a:r>
-            <a:endParaRPr lang="zh-CN" altLang="en-US"/>
-          </a:p>
-        </p:txBody>
-      </p:sp>
-    </p:spTree>
-  </p:cSld>
-  <p:clrMapOvr>
-    <a:masterClrMapping/>
-  </p:clrMapOvr>
-</p:sld>
-</file>
-
-<file path=ppt/slides/slide55.xml><?xml version="1.0" encoding="utf-8"?>
-<p:sld xmlns:a="http://schemas.openxmlformats.org/drawingml/2006/main" xmlns:r="http://schemas.openxmlformats.org/officeDocument/2006/relationships" xmlns:p="http://schemas.openxmlformats.org/presentationml/2006/main">
-  <p:cSld>
-    <p:spTree>
-      <p:nvGrpSpPr>
-        <p:cNvPr id="1" name=""/>
-        <p:cNvGrpSpPr/>
-        <p:nvPr/>
-      </p:nvGrpSpPr>
-      <p:grpSpPr/>
-      <p:sp>
-        <p:nvSpPr>
-          <p:cNvPr id="2" name="标题 1"/>
-          <p:cNvSpPr>
-            <a:spLocks noGrp="1"/>
-          </p:cNvSpPr>
-          <p:nvPr>
-            <p:ph type="title"/>
-          </p:nvPr>
-        </p:nvSpPr>
-        <p:spPr/>
-        <p:txBody>
-          <a:bodyPr/>
-          <a:p>
-            <a:endParaRPr lang="zh-CN" altLang="en-US"/>
-          </a:p>
-        </p:txBody>
-      </p:sp>
-      <p:sp>
-        <p:nvSpPr>
-          <p:cNvPr id="3" name="内容占位符 2"/>
-          <p:cNvSpPr>
-            <a:spLocks noGrp="1"/>
-          </p:cNvSpPr>
-          <p:nvPr>
-            <p:ph idx="1"/>
-          </p:nvPr>
-        </p:nvSpPr>
-        <p:spPr/>
-        <p:txBody>
-          <a:bodyPr/>
-          <a:p>
-            <a:endParaRPr lang="zh-CN" altLang="en-US"/>
-          </a:p>
-        </p:txBody>
-      </p:sp>
-      <p:pic>
-        <p:nvPicPr>
-          <p:cNvPr id="4" name="图片 3" descr="pa"/>
-          <p:cNvPicPr>
-            <a:picLocks noChangeAspect="1"/>
-          </p:cNvPicPr>
-          <p:nvPr/>
-        </p:nvPicPr>
-        <p:blipFill>
-          <a:blip r:embed="rId1"/>
-          <a:stretch>
-            <a:fillRect/>
-          </a:stretch>
-        </p:blipFill>
-        <p:spPr>
-          <a:xfrm>
-            <a:off x="838200" y="365125"/>
-            <a:ext cx="9429750" cy="5812155"/>
-          </a:xfrm>
-          <a:prstGeom prst="rect">
-            <a:avLst/>
-          </a:prstGeom>
-        </p:spPr>
-      </p:pic>
-    </p:spTree>
-  </p:cSld>
-  <p:clrMapOvr>
-    <a:masterClrMapping/>
-  </p:clrMapOvr>
-</p:sld>
-</file>
-
-<file path=ppt/slides/slide56.xml><?xml version="1.0" encoding="utf-8"?>
-<p:sld xmlns:a="http://schemas.openxmlformats.org/drawingml/2006/main" xmlns:r="http://schemas.openxmlformats.org/officeDocument/2006/relationships" xmlns:p="http://schemas.openxmlformats.org/presentationml/2006/main">
-  <p:cSld>
-    <p:spTree>
-      <p:nvGrpSpPr>
-        <p:cNvPr id="1" name=""/>
-        <p:cNvGrpSpPr/>
-        <p:nvPr/>
-      </p:nvGrpSpPr>
-      <p:grpSpPr/>
-      <p:sp>
-        <p:nvSpPr>
-          <p:cNvPr id="2" name="标题 1"/>
-          <p:cNvSpPr>
-            <a:spLocks noGrp="1"/>
-          </p:cNvSpPr>
-          <p:nvPr>
-            <p:ph type="title"/>
-          </p:nvPr>
-        </p:nvSpPr>
-        <p:spPr/>
-        <p:txBody>
-          <a:bodyPr/>
-          <a:p>
-            <a:endParaRPr lang="zh-CN" altLang="en-US"/>
-          </a:p>
-        </p:txBody>
-      </p:sp>
-      <p:sp>
-        <p:nvSpPr>
-          <p:cNvPr id="3" name="内容占位符 2"/>
-          <p:cNvSpPr>
-            <a:spLocks noGrp="1"/>
-          </p:cNvSpPr>
-          <p:nvPr>
-            <p:ph idx="1"/>
-          </p:nvPr>
-        </p:nvSpPr>
-        <p:spPr/>
-        <p:txBody>
-          <a:bodyPr/>
-          <a:p>
-            <a:endParaRPr lang="zh-CN" altLang="en-US"/>
-          </a:p>
-        </p:txBody>
-      </p:sp>
-      <p:pic>
-        <p:nvPicPr>
-          <p:cNvPr id="4" name="图片 3" descr="2"/>
-          <p:cNvPicPr>
-            <a:picLocks noChangeAspect="1"/>
-          </p:cNvPicPr>
-          <p:nvPr/>
-        </p:nvPicPr>
-        <p:blipFill>
-          <a:blip r:embed="rId1"/>
-          <a:stretch>
-            <a:fillRect/>
-          </a:stretch>
-        </p:blipFill>
-        <p:spPr>
-          <a:xfrm>
-            <a:off x="838200" y="328295"/>
-            <a:ext cx="7509510" cy="5848985"/>
-          </a:xfrm>
-          <a:prstGeom prst="rect">
-            <a:avLst/>
-          </a:prstGeom>
-        </p:spPr>
-      </p:pic>
-    </p:spTree>
-  </p:cSld>
-  <p:clrMapOvr>
-    <a:masterClrMapping/>
-  </p:clrMapOvr>
-</p:sld>
-</file>
-
-<file path=ppt/slides/slide57.xml><?xml version="1.0" encoding="utf-8"?>
-<p:sld xmlns:a="http://schemas.openxmlformats.org/drawingml/2006/main" xmlns:r="http://schemas.openxmlformats.org/officeDocument/2006/relationships" xmlns:p="http://schemas.openxmlformats.org/presentationml/2006/main">
-  <p:cSld>
-    <p:spTree>
-      <p:nvGrpSpPr>
-        <p:cNvPr id="1" name=""/>
-        <p:cNvGrpSpPr/>
-        <p:nvPr/>
-      </p:nvGrpSpPr>
-      <p:grpSpPr/>
-      <p:sp>
-        <p:nvSpPr>
-          <p:cNvPr id="2" name="标题 1"/>
-          <p:cNvSpPr>
-            <a:spLocks noGrp="1"/>
-          </p:cNvSpPr>
-          <p:nvPr>
-            <p:ph type="title"/>
-          </p:nvPr>
-        </p:nvSpPr>
-        <p:spPr/>
-        <p:txBody>
-          <a:bodyPr/>
-          <a:p>
-            <a:endParaRPr lang="zh-CN" altLang="en-US"/>
-          </a:p>
-        </p:txBody>
-      </p:sp>
-      <p:sp>
-        <p:nvSpPr>
-          <p:cNvPr id="3" name="内容占位符 2"/>
-          <p:cNvSpPr>
-            <a:spLocks noGrp="1"/>
-          </p:cNvSpPr>
-          <p:nvPr>
-            <p:ph idx="1"/>
-          </p:nvPr>
-        </p:nvSpPr>
-        <p:spPr/>
-        <p:txBody>
-          <a:bodyPr/>
-          <a:p>
-            <a:endParaRPr lang="zh-CN" altLang="en-US"/>
-          </a:p>
-        </p:txBody>
-      </p:sp>
-      <p:pic>
-        <p:nvPicPr>
-          <p:cNvPr id="4" name="图片 3" descr="3"/>
-          <p:cNvPicPr>
-            <a:picLocks noChangeAspect="1"/>
-          </p:cNvPicPr>
-          <p:nvPr/>
-        </p:nvPicPr>
-        <p:blipFill>
-          <a:blip r:embed="rId1"/>
-          <a:stretch>
-            <a:fillRect/>
-          </a:stretch>
-        </p:blipFill>
-        <p:spPr>
-          <a:xfrm>
-            <a:off x="838200" y="365125"/>
-            <a:ext cx="7497445" cy="2747645"/>
-          </a:xfrm>
-          <a:prstGeom prst="rect">
-            <a:avLst/>
-          </a:prstGeom>
-        </p:spPr>
-      </p:pic>
-    </p:spTree>
-  </p:cSld>
-  <p:clrMapOvr>
-    <a:masterClrMapping/>
-  </p:clrMapOvr>
-</p:sld>
-</file>
-
 <file path=ppt/slides/slide58.xml><?xml version="1.0" encoding="utf-8"?>
 <p:sld xmlns:a="http://schemas.openxmlformats.org/drawingml/2006/main" xmlns:r="http://schemas.openxmlformats.org/officeDocument/2006/relationships" xmlns:p="http://schemas.openxmlformats.org/presentationml/2006/main">
   <p:cSld>
@@ -9688,10 +10274,6 @@
         <p:txBody>
           <a:bodyPr/>
           <a:p>
-            <a:r>
-              <a:rPr lang="zh-CN" altLang="en-US"/>
-              <a:t>未完待续</a:t>
-            </a:r>
             <a:endParaRPr lang="zh-CN" altLang="en-US"/>
           </a:p>
         </p:txBody>
@@ -9710,45 +10292,124 @@
         <p:txBody>
           <a:bodyPr/>
           <a:p>
+            <a:endParaRPr lang="zh-CN" altLang="en-US"/>
+          </a:p>
+          <a:p>
+            <a:endParaRPr lang="zh-CN" altLang="en-US"/>
+          </a:p>
+          <a:p>
+            <a:pPr marL="0" indent="0">
+              <a:buNone/>
+            </a:pPr>
+            <a:endParaRPr lang="zh-CN" altLang="en-US"/>
+          </a:p>
+          <a:p>
+            <a:pPr marL="0" indent="0" algn="ctr">
+              <a:buNone/>
+            </a:pPr>
+            <a:r>
+              <a:rPr lang="zh-CN" altLang="en-US" sz="4400"/>
+              <a:t>第四章</a:t>
+            </a:r>
+            <a:endParaRPr lang="zh-CN" altLang="en-US" sz="4400"/>
+          </a:p>
+          <a:p>
+            <a:pPr marL="0" indent="0" algn="ctr">
+              <a:buNone/>
+            </a:pPr>
+            <a:r>
+              <a:rPr lang="en-US" altLang="zh-CN" sz="4400"/>
+              <a:t>devServer</a:t>
+            </a:r>
+            <a:endParaRPr lang="en-US" altLang="zh-CN" sz="4400"/>
+          </a:p>
+        </p:txBody>
+      </p:sp>
+    </p:spTree>
+  </p:cSld>
+  <p:clrMapOvr>
+    <a:masterClrMapping/>
+  </p:clrMapOvr>
+</p:sld>
+</file>
+
+<file path=ppt/slides/slide59.xml><?xml version="1.0" encoding="utf-8"?>
+<p:sld xmlns:a="http://schemas.openxmlformats.org/drawingml/2006/main" xmlns:r="http://schemas.openxmlformats.org/officeDocument/2006/relationships" xmlns:p="http://schemas.openxmlformats.org/presentationml/2006/main">
+  <p:cSld>
+    <p:spTree>
+      <p:nvGrpSpPr>
+        <p:cNvPr id="1" name=""/>
+        <p:cNvGrpSpPr/>
+        <p:nvPr/>
+      </p:nvGrpSpPr>
+      <p:grpSpPr/>
+      <p:sp>
+        <p:nvSpPr>
+          <p:cNvPr id="2" name="标题 1"/>
+          <p:cNvSpPr>
+            <a:spLocks noGrp="1"/>
+          </p:cNvSpPr>
+          <p:nvPr>
+            <p:ph type="title"/>
+          </p:nvPr>
+        </p:nvSpPr>
+        <p:spPr/>
+        <p:txBody>
+          <a:bodyPr>
+            <a:normAutofit/>
+          </a:bodyPr>
+          <a:p>
             <a:r>
               <a:rPr lang="en-US" altLang="zh-CN"/>
-              <a:t>webpack </a:t>
-            </a:r>
-            <a:r>
-              <a:rPr lang="zh-CN" altLang="en-US"/>
-              <a:t>和 </a:t>
+              <a:t>4.1 - </a:t>
+            </a:r>
+            <a:r>
+              <a:rPr lang="zh-CN"/>
+              <a:t>以前的故事</a:t>
+            </a:r>
+            <a:endParaRPr lang="zh-CN"/>
+          </a:p>
+        </p:txBody>
+      </p:sp>
+      <p:sp>
+        <p:nvSpPr>
+          <p:cNvPr id="3" name="内容占位符 2"/>
+          <p:cNvSpPr>
+            <a:spLocks noGrp="1"/>
+          </p:cNvSpPr>
+          <p:nvPr>
+            <p:ph idx="1"/>
+          </p:nvPr>
+        </p:nvSpPr>
+        <p:spPr/>
+        <p:txBody>
+          <a:bodyPr/>
+          <a:p>
+            <a:r>
+              <a:rPr lang="zh-CN" altLang="en-US"/>
+              <a:t>我当年热更新打包的经历，半夜三更，跑一次</a:t>
             </a:r>
             <a:r>
               <a:rPr lang="en-US" altLang="zh-CN"/>
-              <a:t>vue-cli</a:t>
-            </a:r>
-            <a:r>
-              <a:rPr lang="zh-CN" altLang="en-US"/>
-              <a:t>？</a:t>
+              <a:t>3,5</a:t>
+            </a:r>
+            <a:r>
+              <a:rPr lang="zh-CN" altLang="en-US"/>
+              <a:t>分钟。修改一次，老是改错</a:t>
+            </a:r>
+            <a:r>
+              <a:rPr lang="en-US" altLang="zh-CN"/>
+              <a:t>IP</a:t>
+            </a:r>
+            <a:r>
+              <a:rPr lang="zh-CN" altLang="en-US"/>
+              <a:t>，</a:t>
+            </a:r>
+            <a:r>
+              <a:rPr lang="en-US" altLang="zh-CN"/>
+              <a:t>DEBUG.</a:t>
             </a:r>
             <a:endParaRPr lang="en-US" altLang="zh-CN"/>
-          </a:p>
-          <a:p>
-            <a:r>
-              <a:rPr lang="en-US" altLang="zh-CN"/>
-              <a:t>webpack4.0 </a:t>
-            </a:r>
-            <a:r>
-              <a:rPr lang="zh-CN" altLang="en-US"/>
-              <a:t>区别？</a:t>
-            </a:r>
-            <a:endParaRPr lang="zh-CN" altLang="en-US"/>
-          </a:p>
-          <a:p>
-            <a:r>
-              <a:rPr lang="en-US" altLang="zh-CN"/>
-              <a:t>wepack</a:t>
-            </a:r>
-            <a:r>
-              <a:rPr lang="zh-CN" altLang="en-US"/>
-              <a:t>优化？</a:t>
-            </a:r>
-            <a:endParaRPr lang="zh-CN" altLang="en-US"/>
           </a:p>
         </p:txBody>
       </p:sp>
@@ -10354,6 +11015,523 @@
 </p:sld>
 </file>
 
+<file path=ppt/slides/slide60.xml><?xml version="1.0" encoding="utf-8"?>
+<p:sld xmlns:a="http://schemas.openxmlformats.org/drawingml/2006/main" xmlns:r="http://schemas.openxmlformats.org/officeDocument/2006/relationships" xmlns:p="http://schemas.openxmlformats.org/presentationml/2006/main">
+  <p:cSld>
+    <p:spTree>
+      <p:nvGrpSpPr>
+        <p:cNvPr id="1" name=""/>
+        <p:cNvGrpSpPr/>
+        <p:nvPr/>
+      </p:nvGrpSpPr>
+      <p:grpSpPr/>
+      <p:sp>
+        <p:nvSpPr>
+          <p:cNvPr id="2" name="标题 1"/>
+          <p:cNvSpPr>
+            <a:spLocks noGrp="1"/>
+          </p:cNvSpPr>
+          <p:nvPr>
+            <p:ph type="title"/>
+          </p:nvPr>
+        </p:nvSpPr>
+        <p:spPr/>
+        <p:txBody>
+          <a:bodyPr/>
+          <a:p>
+            <a:r>
+              <a:rPr lang="en-US" altLang="zh-CN"/>
+              <a:t>4.2 - </a:t>
+            </a:r>
+            <a:r>
+              <a:rPr lang="zh-CN" altLang="en-US"/>
+              <a:t>功能</a:t>
+            </a:r>
+            <a:endParaRPr lang="zh-CN" altLang="en-US"/>
+          </a:p>
+        </p:txBody>
+      </p:sp>
+      <p:sp>
+        <p:nvSpPr>
+          <p:cNvPr id="3" name="内容占位符 2"/>
+          <p:cNvSpPr>
+            <a:spLocks noGrp="1"/>
+          </p:cNvSpPr>
+          <p:nvPr>
+            <p:ph idx="1"/>
+          </p:nvPr>
+        </p:nvSpPr>
+        <p:spPr/>
+        <p:txBody>
+          <a:bodyPr/>
+          <a:p>
+            <a:r>
+              <a:rPr lang="zh-CN" altLang="en-US"/>
+              <a:t>webpack-dev-server是webpack官方提供的一个小型Express</a:t>
+            </a:r>
+            <a:r>
+              <a:rPr lang="zh-CN" altLang="en-US">
+                <a:solidFill>
+                  <a:srgbClr val="FF0000"/>
+                </a:solidFill>
+              </a:rPr>
+              <a:t>服务器</a:t>
+            </a:r>
+            <a:r>
+              <a:rPr lang="zh-CN" altLang="en-US"/>
+              <a:t>。使用它可以为webpack打包生成的资源文件提供web服务。</a:t>
+            </a:r>
+            <a:endParaRPr lang="zh-CN" altLang="en-US"/>
+          </a:p>
+          <a:p>
+            <a:endParaRPr lang="zh-CN" altLang="en-US"/>
+          </a:p>
+          <a:p>
+            <a:r>
+              <a:rPr lang="zh-CN" altLang="en-US"/>
+              <a:t>为静态文件提供服务</a:t>
+            </a:r>
+            <a:endParaRPr lang="zh-CN" altLang="en-US"/>
+          </a:p>
+          <a:p>
+            <a:r>
+              <a:rPr lang="zh-CN" altLang="en-US"/>
+              <a:t>自动刷新和热替换(HMR)</a:t>
+            </a:r>
+            <a:endParaRPr lang="zh-CN" altLang="en-US"/>
+          </a:p>
+        </p:txBody>
+      </p:sp>
+    </p:spTree>
+  </p:cSld>
+  <p:clrMapOvr>
+    <a:masterClrMapping/>
+  </p:clrMapOvr>
+</p:sld>
+</file>
+
+<file path=ppt/slides/slide61.xml><?xml version="1.0" encoding="utf-8"?>
+<p:sld xmlns:a="http://schemas.openxmlformats.org/drawingml/2006/main" xmlns:r="http://schemas.openxmlformats.org/officeDocument/2006/relationships" xmlns:p="http://schemas.openxmlformats.org/presentationml/2006/main">
+  <p:cSld>
+    <p:spTree>
+      <p:nvGrpSpPr>
+        <p:cNvPr id="1" name=""/>
+        <p:cNvGrpSpPr/>
+        <p:nvPr/>
+      </p:nvGrpSpPr>
+      <p:grpSpPr/>
+      <p:sp>
+        <p:nvSpPr>
+          <p:cNvPr id="2" name="标题 1"/>
+          <p:cNvSpPr>
+            <a:spLocks noGrp="1"/>
+          </p:cNvSpPr>
+          <p:nvPr>
+            <p:ph type="title"/>
+          </p:nvPr>
+        </p:nvSpPr>
+        <p:spPr/>
+        <p:txBody>
+          <a:bodyPr/>
+          <a:p>
+            <a:endParaRPr lang="zh-CN" altLang="en-US"/>
+          </a:p>
+        </p:txBody>
+      </p:sp>
+      <p:sp>
+        <p:nvSpPr>
+          <p:cNvPr id="3" name="内容占位符 2"/>
+          <p:cNvSpPr>
+            <a:spLocks noGrp="1"/>
+          </p:cNvSpPr>
+          <p:nvPr>
+            <p:ph idx="1"/>
+          </p:nvPr>
+        </p:nvSpPr>
+        <p:spPr/>
+        <p:txBody>
+          <a:bodyPr/>
+          <a:p>
+            <a:r>
+              <a:rPr lang="zh-CN" altLang="en-US"/>
+              <a:t>前端有跨域，服务器之间是没有跨域的</a:t>
+            </a:r>
+            <a:endParaRPr lang="zh-CN" altLang="en-US"/>
+          </a:p>
+          <a:p>
+            <a:r>
+              <a:rPr lang="en-US" altLang="zh-CN"/>
+              <a:t>webpack 3.0 </a:t>
+            </a:r>
+            <a:r>
+              <a:rPr lang="zh-CN" altLang="en-US"/>
+              <a:t>和</a:t>
+            </a:r>
+            <a:r>
+              <a:rPr lang="en-US" altLang="zh-CN"/>
+              <a:t>webpack4.0</a:t>
+            </a:r>
+            <a:r>
+              <a:rPr lang="zh-CN" altLang="en-US"/>
+              <a:t>区别</a:t>
+            </a:r>
+            <a:endParaRPr lang="zh-CN" altLang="en-US"/>
+          </a:p>
+          <a:p>
+            <a:r>
+              <a:rPr lang="zh-CN" altLang="en-US"/>
+              <a:t>应用文件和</a:t>
+            </a:r>
+            <a:r>
+              <a:rPr lang="en-US" altLang="zh-CN"/>
+              <a:t>node</a:t>
+            </a:r>
+            <a:r>
+              <a:rPr lang="zh-CN" altLang="en-US"/>
+              <a:t>环境变量</a:t>
+            </a:r>
+            <a:endParaRPr lang="zh-CN" altLang="en-US"/>
+          </a:p>
+        </p:txBody>
+      </p:sp>
+    </p:spTree>
+  </p:cSld>
+  <p:clrMapOvr>
+    <a:masterClrMapping/>
+  </p:clrMapOvr>
+</p:sld>
+</file>
+
+<file path=ppt/slides/slide62.xml><?xml version="1.0" encoding="utf-8"?>
+<p:sld xmlns:a="http://schemas.openxmlformats.org/drawingml/2006/main" xmlns:r="http://schemas.openxmlformats.org/officeDocument/2006/relationships" xmlns:p="http://schemas.openxmlformats.org/presentationml/2006/main">
+  <p:cSld>
+    <p:spTree>
+      <p:nvGrpSpPr>
+        <p:cNvPr id="1" name=""/>
+        <p:cNvGrpSpPr/>
+        <p:nvPr/>
+      </p:nvGrpSpPr>
+      <p:grpSpPr/>
+      <p:sp>
+        <p:nvSpPr>
+          <p:cNvPr id="2" name="标题 1"/>
+          <p:cNvSpPr>
+            <a:spLocks noGrp="1"/>
+          </p:cNvSpPr>
+          <p:nvPr>
+            <p:ph type="title"/>
+          </p:nvPr>
+        </p:nvSpPr>
+        <p:spPr/>
+        <p:txBody>
+          <a:bodyPr/>
+          <a:p>
+            <a:endParaRPr lang="zh-CN" altLang="en-US"/>
+          </a:p>
+        </p:txBody>
+      </p:sp>
+      <p:sp>
+        <p:nvSpPr>
+          <p:cNvPr id="3" name="内容占位符 2"/>
+          <p:cNvSpPr>
+            <a:spLocks noGrp="1"/>
+          </p:cNvSpPr>
+          <p:nvPr>
+            <p:ph idx="1"/>
+          </p:nvPr>
+        </p:nvSpPr>
+        <p:spPr/>
+        <p:txBody>
+          <a:bodyPr/>
+          <a:p>
+            <a:endParaRPr lang="zh-CN" altLang="en-US"/>
+          </a:p>
+        </p:txBody>
+      </p:sp>
+      <p:pic>
+        <p:nvPicPr>
+          <p:cNvPr id="4" name="图片 3" descr="pa"/>
+          <p:cNvPicPr>
+            <a:picLocks noChangeAspect="1"/>
+          </p:cNvPicPr>
+          <p:nvPr/>
+        </p:nvPicPr>
+        <p:blipFill>
+          <a:blip r:embed="rId1"/>
+          <a:stretch>
+            <a:fillRect/>
+          </a:stretch>
+        </p:blipFill>
+        <p:spPr>
+          <a:xfrm>
+            <a:off x="838200" y="365125"/>
+            <a:ext cx="9429750" cy="5812155"/>
+          </a:xfrm>
+          <a:prstGeom prst="rect">
+            <a:avLst/>
+          </a:prstGeom>
+        </p:spPr>
+      </p:pic>
+    </p:spTree>
+  </p:cSld>
+  <p:clrMapOvr>
+    <a:masterClrMapping/>
+  </p:clrMapOvr>
+</p:sld>
+</file>
+
+<file path=ppt/slides/slide63.xml><?xml version="1.0" encoding="utf-8"?>
+<p:sld xmlns:a="http://schemas.openxmlformats.org/drawingml/2006/main" xmlns:r="http://schemas.openxmlformats.org/officeDocument/2006/relationships" xmlns:p="http://schemas.openxmlformats.org/presentationml/2006/main">
+  <p:cSld>
+    <p:spTree>
+      <p:nvGrpSpPr>
+        <p:cNvPr id="1" name=""/>
+        <p:cNvGrpSpPr/>
+        <p:nvPr/>
+      </p:nvGrpSpPr>
+      <p:grpSpPr/>
+      <p:sp>
+        <p:nvSpPr>
+          <p:cNvPr id="2" name="标题 1"/>
+          <p:cNvSpPr>
+            <a:spLocks noGrp="1"/>
+          </p:cNvSpPr>
+          <p:nvPr>
+            <p:ph type="title"/>
+          </p:nvPr>
+        </p:nvSpPr>
+        <p:spPr/>
+        <p:txBody>
+          <a:bodyPr/>
+          <a:p>
+            <a:endParaRPr lang="zh-CN" altLang="en-US"/>
+          </a:p>
+        </p:txBody>
+      </p:sp>
+      <p:sp>
+        <p:nvSpPr>
+          <p:cNvPr id="3" name="内容占位符 2"/>
+          <p:cNvSpPr>
+            <a:spLocks noGrp="1"/>
+          </p:cNvSpPr>
+          <p:nvPr>
+            <p:ph idx="1"/>
+          </p:nvPr>
+        </p:nvSpPr>
+        <p:spPr/>
+        <p:txBody>
+          <a:bodyPr/>
+          <a:p>
+            <a:endParaRPr lang="zh-CN" altLang="en-US"/>
+          </a:p>
+        </p:txBody>
+      </p:sp>
+      <p:pic>
+        <p:nvPicPr>
+          <p:cNvPr id="4" name="图片 3" descr="2"/>
+          <p:cNvPicPr>
+            <a:picLocks noChangeAspect="1"/>
+          </p:cNvPicPr>
+          <p:nvPr/>
+        </p:nvPicPr>
+        <p:blipFill>
+          <a:blip r:embed="rId1"/>
+          <a:stretch>
+            <a:fillRect/>
+          </a:stretch>
+        </p:blipFill>
+        <p:spPr>
+          <a:xfrm>
+            <a:off x="838200" y="328295"/>
+            <a:ext cx="7509510" cy="5848985"/>
+          </a:xfrm>
+          <a:prstGeom prst="rect">
+            <a:avLst/>
+          </a:prstGeom>
+        </p:spPr>
+      </p:pic>
+    </p:spTree>
+  </p:cSld>
+  <p:clrMapOvr>
+    <a:masterClrMapping/>
+  </p:clrMapOvr>
+</p:sld>
+</file>
+
+<file path=ppt/slides/slide64.xml><?xml version="1.0" encoding="utf-8"?>
+<p:sld xmlns:a="http://schemas.openxmlformats.org/drawingml/2006/main" xmlns:r="http://schemas.openxmlformats.org/officeDocument/2006/relationships" xmlns:p="http://schemas.openxmlformats.org/presentationml/2006/main">
+  <p:cSld>
+    <p:spTree>
+      <p:nvGrpSpPr>
+        <p:cNvPr id="1" name=""/>
+        <p:cNvGrpSpPr/>
+        <p:nvPr/>
+      </p:nvGrpSpPr>
+      <p:grpSpPr/>
+      <p:sp>
+        <p:nvSpPr>
+          <p:cNvPr id="2" name="标题 1"/>
+          <p:cNvSpPr>
+            <a:spLocks noGrp="1"/>
+          </p:cNvSpPr>
+          <p:nvPr>
+            <p:ph type="title"/>
+          </p:nvPr>
+        </p:nvSpPr>
+        <p:spPr/>
+        <p:txBody>
+          <a:bodyPr/>
+          <a:p>
+            <a:endParaRPr lang="zh-CN" altLang="en-US"/>
+          </a:p>
+        </p:txBody>
+      </p:sp>
+      <p:sp>
+        <p:nvSpPr>
+          <p:cNvPr id="3" name="内容占位符 2"/>
+          <p:cNvSpPr>
+            <a:spLocks noGrp="1"/>
+          </p:cNvSpPr>
+          <p:nvPr>
+            <p:ph idx="1"/>
+          </p:nvPr>
+        </p:nvSpPr>
+        <p:spPr/>
+        <p:txBody>
+          <a:bodyPr/>
+          <a:p>
+            <a:endParaRPr lang="zh-CN" altLang="en-US"/>
+          </a:p>
+        </p:txBody>
+      </p:sp>
+      <p:pic>
+        <p:nvPicPr>
+          <p:cNvPr id="4" name="图片 3" descr="3"/>
+          <p:cNvPicPr>
+            <a:picLocks noChangeAspect="1"/>
+          </p:cNvPicPr>
+          <p:nvPr/>
+        </p:nvPicPr>
+        <p:blipFill>
+          <a:blip r:embed="rId1"/>
+          <a:stretch>
+            <a:fillRect/>
+          </a:stretch>
+        </p:blipFill>
+        <p:spPr>
+          <a:xfrm>
+            <a:off x="838200" y="365125"/>
+            <a:ext cx="7497445" cy="2747645"/>
+          </a:xfrm>
+          <a:prstGeom prst="rect">
+            <a:avLst/>
+          </a:prstGeom>
+        </p:spPr>
+      </p:pic>
+    </p:spTree>
+  </p:cSld>
+  <p:clrMapOvr>
+    <a:masterClrMapping/>
+  </p:clrMapOvr>
+</p:sld>
+</file>
+
+<file path=ppt/slides/slide65.xml><?xml version="1.0" encoding="utf-8"?>
+<p:sld xmlns:a="http://schemas.openxmlformats.org/drawingml/2006/main" xmlns:r="http://schemas.openxmlformats.org/officeDocument/2006/relationships" xmlns:p="http://schemas.openxmlformats.org/presentationml/2006/main">
+  <p:cSld>
+    <p:spTree>
+      <p:nvGrpSpPr>
+        <p:cNvPr id="1" name=""/>
+        <p:cNvGrpSpPr/>
+        <p:nvPr/>
+      </p:nvGrpSpPr>
+      <p:grpSpPr/>
+      <p:sp>
+        <p:nvSpPr>
+          <p:cNvPr id="2" name="标题 1"/>
+          <p:cNvSpPr>
+            <a:spLocks noGrp="1"/>
+          </p:cNvSpPr>
+          <p:nvPr>
+            <p:ph type="title"/>
+          </p:nvPr>
+        </p:nvSpPr>
+        <p:spPr/>
+        <p:txBody>
+          <a:bodyPr/>
+          <a:p>
+            <a:r>
+              <a:rPr lang="zh-CN" altLang="en-US"/>
+              <a:t>未完待续</a:t>
+            </a:r>
+            <a:endParaRPr lang="zh-CN" altLang="en-US"/>
+          </a:p>
+        </p:txBody>
+      </p:sp>
+      <p:sp>
+        <p:nvSpPr>
+          <p:cNvPr id="3" name="内容占位符 2"/>
+          <p:cNvSpPr>
+            <a:spLocks noGrp="1"/>
+          </p:cNvSpPr>
+          <p:nvPr>
+            <p:ph idx="1"/>
+          </p:nvPr>
+        </p:nvSpPr>
+        <p:spPr/>
+        <p:txBody>
+          <a:bodyPr/>
+          <a:p>
+            <a:r>
+              <a:rPr lang="en-US" altLang="zh-CN"/>
+              <a:t>webpack </a:t>
+            </a:r>
+            <a:r>
+              <a:rPr lang="zh-CN" altLang="en-US"/>
+              <a:t>和 </a:t>
+            </a:r>
+            <a:r>
+              <a:rPr lang="en-US" altLang="zh-CN"/>
+              <a:t>vue-cli</a:t>
+            </a:r>
+            <a:r>
+              <a:rPr lang="zh-CN" altLang="en-US"/>
+              <a:t>？</a:t>
+            </a:r>
+            <a:endParaRPr lang="en-US" altLang="zh-CN"/>
+          </a:p>
+          <a:p>
+            <a:r>
+              <a:rPr lang="en-US" altLang="zh-CN"/>
+              <a:t>webpack4.0 </a:t>
+            </a:r>
+            <a:r>
+              <a:rPr lang="zh-CN" altLang="en-US"/>
+              <a:t>区别？</a:t>
+            </a:r>
+            <a:endParaRPr lang="zh-CN" altLang="en-US"/>
+          </a:p>
+          <a:p>
+            <a:r>
+              <a:rPr lang="en-US" altLang="zh-CN"/>
+              <a:t>wepack</a:t>
+            </a:r>
+            <a:r>
+              <a:rPr lang="zh-CN" altLang="en-US"/>
+              <a:t>优化？</a:t>
+            </a:r>
+            <a:endParaRPr lang="zh-CN" altLang="en-US"/>
+          </a:p>
+        </p:txBody>
+      </p:sp>
+    </p:spTree>
+  </p:cSld>
+  <p:clrMapOvr>
+    <a:masterClrMapping/>
+  </p:clrMapOvr>
+</p:sld>
+</file>
+
 <file path=ppt/slides/slide7.xml><?xml version="1.0" encoding="utf-8"?>
 <p:sld xmlns:a="http://schemas.openxmlformats.org/drawingml/2006/main" xmlns:r="http://schemas.openxmlformats.org/officeDocument/2006/relationships" xmlns:p="http://schemas.openxmlformats.org/presentationml/2006/main">
   <p:cSld>
@@ -10770,6 +11948,12 @@
 <file path=ppt/tags/tag4.xml><?xml version="1.0" encoding="utf-8"?>
 <p:tagLst xmlns:p="http://schemas.openxmlformats.org/presentationml/2006/main">
   <p:tag name="KSO_WM_UNIT_FLASH_PICTURE_TYPE" val="0"/>
+</p:tagLst>
+</file>
+
+<file path=ppt/tags/tag5.xml><?xml version="1.0" encoding="utf-8"?>
+<p:tagLst xmlns:p="http://schemas.openxmlformats.org/presentationml/2006/main">
+  <p:tag name="KSO_WM_UNIT_PLACING_PICTURE_USER_VIEWPORT" val="{&quot;height&quot;:5573,&quot;width&quot;:8160}"/>
 </p:tagLst>
 </file>
 

--- a/cloud/webpack-ppt/培训 - webpack.pptx
+++ b/cloud/webpack-ppt/培训 - webpack.pptx
@@ -73,6 +73,7 @@
     <p:sldId id="431" r:id="rId66"/>
     <p:sldId id="432" r:id="rId67"/>
     <p:sldId id="308" r:id="rId68"/>
+    <p:sldId id="493" r:id="rId69"/>
   </p:sldIdLst>
   <p:sldSz cx="12192000" cy="6858000"/>
   <p:notesSz cx="6858000" cy="9144000"/>
@@ -3506,14 +3507,6 @@
         <p:txBody>
           <a:bodyPr/>
           <a:p>
-            <a:pPr algn="ctr"/>
-            <a:endParaRPr lang="zh-CN" altLang="en-US" sz="4400"/>
-          </a:p>
-          <a:p>
-            <a:pPr algn="ctr"/>
-            <a:endParaRPr lang="zh-CN" altLang="en-US" sz="4400"/>
-          </a:p>
-          <a:p>
             <a:pPr marL="0" indent="0" algn="ctr">
               <a:buNone/>
             </a:pPr>
@@ -3533,6 +3526,30 @@
           </a:p>
         </p:txBody>
       </p:sp>
+      <p:pic>
+        <p:nvPicPr>
+          <p:cNvPr id="4" name="图片 3" descr="12"/>
+          <p:cNvPicPr>
+            <a:picLocks noChangeAspect="1"/>
+          </p:cNvPicPr>
+          <p:nvPr/>
+        </p:nvPicPr>
+        <p:blipFill>
+          <a:blip r:embed="rId1"/>
+          <a:stretch>
+            <a:fillRect/>
+          </a:stretch>
+        </p:blipFill>
+        <p:spPr>
+          <a:xfrm>
+            <a:off x="2085975" y="2445385"/>
+            <a:ext cx="8020685" cy="3935095"/>
+          </a:xfrm>
+          <a:prstGeom prst="rect">
+            <a:avLst/>
+          </a:prstGeom>
+        </p:spPr>
+      </p:pic>
     </p:spTree>
   </p:cSld>
   <p:clrMapOvr>
@@ -9889,14 +9906,14 @@
             <a:r>
               <a:rPr lang="zh-CN" altLang="en-US" sz="1000">
                 <a:solidFill>
-                  <a:schemeClr val="accent1"/>
+                  <a:srgbClr val="FF0000"/>
                 </a:solidFill>
               </a:rPr>
               <a:t>define-plugin：定义环境变量，在4-7区分环境中有介绍。</a:t>
             </a:r>
             <a:endParaRPr lang="zh-CN" altLang="en-US" sz="1000">
               <a:solidFill>
-                <a:schemeClr val="accent1"/>
+                <a:srgbClr val="FF0000"/>
               </a:solidFill>
             </a:endParaRPr>
           </a:p>
@@ -11521,6 +11538,73 @@
               <a:t>优化？</a:t>
             </a:r>
             <a:endParaRPr lang="zh-CN" altLang="en-US"/>
+          </a:p>
+        </p:txBody>
+      </p:sp>
+    </p:spTree>
+  </p:cSld>
+  <p:clrMapOvr>
+    <a:masterClrMapping/>
+  </p:clrMapOvr>
+</p:sld>
+</file>
+
+<file path=ppt/slides/slide66.xml><?xml version="1.0" encoding="utf-8"?>
+<p:sld xmlns:a="http://schemas.openxmlformats.org/drawingml/2006/main" xmlns:r="http://schemas.openxmlformats.org/officeDocument/2006/relationships" xmlns:p="http://schemas.openxmlformats.org/presentationml/2006/main">
+  <p:cSld>
+    <p:spTree>
+      <p:nvGrpSpPr>
+        <p:cNvPr id="1" name=""/>
+        <p:cNvGrpSpPr/>
+        <p:nvPr/>
+      </p:nvGrpSpPr>
+      <p:grpSpPr/>
+      <p:sp>
+        <p:nvSpPr>
+          <p:cNvPr id="2" name="标题 1"/>
+          <p:cNvSpPr>
+            <a:spLocks noGrp="1"/>
+          </p:cNvSpPr>
+          <p:nvPr>
+            <p:ph type="title"/>
+          </p:nvPr>
+        </p:nvSpPr>
+        <p:spPr/>
+        <p:txBody>
+          <a:bodyPr/>
+          <a:p>
+            <a:endParaRPr lang="zh-CN" altLang="en-US"/>
+          </a:p>
+        </p:txBody>
+      </p:sp>
+      <p:sp>
+        <p:nvSpPr>
+          <p:cNvPr id="3" name="内容占位符 2"/>
+          <p:cNvSpPr>
+            <a:spLocks noGrp="1"/>
+          </p:cNvSpPr>
+          <p:nvPr>
+            <p:ph idx="1"/>
+          </p:nvPr>
+        </p:nvSpPr>
+        <p:spPr/>
+        <p:txBody>
+          <a:bodyPr/>
+          <a:p>
+            <a:endParaRPr lang="zh-CN" altLang="en-US"/>
+          </a:p>
+          <a:p>
+            <a:endParaRPr lang="zh-CN" altLang="en-US"/>
+          </a:p>
+          <a:p>
+            <a:pPr marL="0" indent="0" algn="ctr">
+              <a:buNone/>
+            </a:pPr>
+            <a:r>
+              <a:rPr lang="zh-CN" altLang="en-US" sz="6000"/>
+              <a:t>感谢参与！</a:t>
+            </a:r>
+            <a:endParaRPr lang="zh-CN" altLang="en-US" sz="6000"/>
           </a:p>
         </p:txBody>
       </p:sp>

--- a/cloud/webpack-ppt/培训 - webpack.pptx
+++ b/cloud/webpack-ppt/培训 - webpack.pptx
@@ -5,7 +5,7 @@
     <p:sldMasterId id="2147483648" r:id="rId1"/>
   </p:sldMasterIdLst>
   <p:notesMasterIdLst>
-    <p:notesMasterId r:id="rId62"/>
+    <p:notesMasterId r:id="rId64"/>
   </p:notesMasterIdLst>
   <p:sldIdLst>
     <p:sldId id="256" r:id="rId3"/>
@@ -65,15 +65,10 @@
     <p:sldId id="305" r:id="rId57"/>
     <p:sldId id="446" r:id="rId58"/>
     <p:sldId id="425" r:id="rId59"/>
-    <p:sldId id="428" r:id="rId60"/>
-    <p:sldId id="297" r:id="rId61"/>
-    <p:sldId id="429" r:id="rId63"/>
-    <p:sldId id="433" r:id="rId64"/>
-    <p:sldId id="430" r:id="rId65"/>
-    <p:sldId id="431" r:id="rId66"/>
-    <p:sldId id="432" r:id="rId67"/>
-    <p:sldId id="308" r:id="rId68"/>
-    <p:sldId id="493" r:id="rId69"/>
+    <p:sldId id="495" r:id="rId60"/>
+    <p:sldId id="429" r:id="rId61"/>
+    <p:sldId id="308" r:id="rId62"/>
+    <p:sldId id="493" r:id="rId63"/>
   </p:sldIdLst>
   <p:sldSz cx="12192000" cy="6858000"/>
   <p:notesSz cx="6858000" cy="9144000"/>
@@ -520,50 +515,6 @@
     </a:lvl9pPr>
   </p:notesStyle>
 </p:notesMaster>
-</file>
-
-<file path=ppt/notesSlides/notesSlide1.xml><?xml version="1.0" encoding="utf-8"?>
-<p:notes xmlns:a="http://schemas.openxmlformats.org/drawingml/2006/main" xmlns:r="http://schemas.openxmlformats.org/officeDocument/2006/relationships" xmlns:p="http://schemas.openxmlformats.org/presentationml/2006/main">
-  <p:cSld>
-    <p:spTree>
-      <p:nvGrpSpPr>
-        <p:cNvPr id="1" name=""/>
-        <p:cNvGrpSpPr/>
-        <p:nvPr/>
-      </p:nvGrpSpPr>
-      <p:grpSpPr/>
-      <p:sp>
-        <p:nvSpPr>
-          <p:cNvPr id="2" name="幻灯片图像占位符 1"/>
-          <p:cNvSpPr/>
-          <p:nvPr>
-            <p:ph type="sldImg" idx="2"/>
-          </p:nvPr>
-        </p:nvSpPr>
-        <p:spPr/>
-      </p:sp>
-      <p:sp>
-        <p:nvSpPr>
-          <p:cNvPr id="3" name="文本占位符 2"/>
-          <p:cNvSpPr/>
-          <p:nvPr>
-            <p:ph type="body" idx="3"/>
-          </p:nvPr>
-        </p:nvSpPr>
-        <p:spPr/>
-        <p:txBody>
-          <a:bodyPr/>
-          <a:p>
-            <a:endParaRPr lang="zh-CN" altLang="en-US"/>
-          </a:p>
-        </p:txBody>
-      </p:sp>
-    </p:spTree>
-  </p:cSld>
-  <p:clrMapOvr>
-    <a:masterClrMapping/>
-  </p:clrMapOvr>
-</p:notes>
 </file>
 
 <file path=ppt/slideLayouts/slideLayout1.xml><?xml version="1.0" encoding="utf-8"?>
@@ -8121,6 +8072,30 @@
           <a:p>
             <a:endParaRPr lang="en-US" altLang="zh-CN"/>
           </a:p>
+          <a:p>
+            <a:endParaRPr lang="en-US" altLang="zh-CN"/>
+          </a:p>
+          <a:p>
+            <a:endParaRPr lang="en-US" altLang="zh-CN"/>
+          </a:p>
+          <a:p>
+            <a:endParaRPr lang="en-US" altLang="zh-CN"/>
+          </a:p>
+          <a:p>
+            <a:r>
+              <a:rPr lang="zh-CN" altLang="en-US" sz="2000">
+                <a:solidFill>
+                  <a:schemeClr val="accent1"/>
+                </a:solidFill>
+              </a:rPr>
+              <a:t>要说清楚，内容比较多</a:t>
+            </a:r>
+            <a:endParaRPr lang="zh-CN" altLang="en-US" sz="2000">
+              <a:solidFill>
+                <a:schemeClr val="accent1"/>
+              </a:solidFill>
+            </a:endParaRPr>
+          </a:p>
         </p:txBody>
       </p:sp>
       <p:pic>
@@ -8231,7 +8206,7 @@
                   </a:outerShdw>
                 </a:effectLst>
               </a:rPr>
-              <a:t>打包核心</a:t>
+              <a:t>打包原理</a:t>
             </a:r>
             <a:endParaRPr lang="zh-CN" altLang="en-US">
               <a:solidFill>
@@ -8362,30 +8337,9 @@
             <a:endParaRPr lang="zh-CN" altLang="en-US"/>
           </a:p>
           <a:p>
-            <a:pPr marL="514350" indent="-514350">
-              <a:buAutoNum type="arabicPeriod"/>
-            </a:pPr>
-            <a:endParaRPr lang="zh-CN" altLang="en-US"/>
-          </a:p>
-          <a:p>
             <a:pPr marL="0" indent="0">
               <a:buNone/>
             </a:pPr>
-            <a:r>
-              <a:rPr lang="zh-CN" altLang="en-US" sz="2400">
-                <a:solidFill>
-                  <a:schemeClr val="accent1"/>
-                </a:solidFill>
-                <a:effectLst>
-                  <a:outerShdw blurRad="38100" dist="25400" dir="5400000" algn="ctr" rotWithShape="0">
-                    <a:srgbClr val="6E747A">
-                      <a:alpha val="43000"/>
-                    </a:srgbClr>
-                  </a:outerShdw>
-                </a:effectLst>
-              </a:rPr>
-              <a:t>这里不用深入了解</a:t>
-            </a:r>
             <a:endParaRPr lang="zh-CN" altLang="en-US" sz="2400">
               <a:solidFill>
                 <a:schemeClr val="accent1"/>
@@ -8455,6 +8409,30 @@
           </a:p>
         </p:txBody>
       </p:sp>
+      <p:pic>
+        <p:nvPicPr>
+          <p:cNvPr id="4" name="图片 3" descr="无标题"/>
+          <p:cNvPicPr>
+            <a:picLocks noChangeAspect="1"/>
+          </p:cNvPicPr>
+          <p:nvPr/>
+        </p:nvPicPr>
+        <p:blipFill>
+          <a:blip r:embed="rId1"/>
+          <a:stretch>
+            <a:fillRect/>
+          </a:stretch>
+        </p:blipFill>
+        <p:spPr>
+          <a:xfrm>
+            <a:off x="838200" y="140335"/>
+            <a:ext cx="10058400" cy="6286500"/>
+          </a:xfrm>
+          <a:prstGeom prst="rect">
+            <a:avLst/>
+          </a:prstGeom>
+        </p:spPr>
+      </p:pic>
     </p:spTree>
   </p:cSld>
   <p:clrMapOvr>
@@ -10291,7 +10269,25 @@
         <p:txBody>
           <a:bodyPr/>
           <a:p>
-            <a:endParaRPr lang="zh-CN" altLang="en-US"/>
+            <a:r>
+              <a:rPr lang="en-US" altLang="zh-CN"/>
+              <a:t>devtool</a:t>
+            </a:r>
+            <a:r>
+              <a:rPr lang="zh-CN" altLang="en-US" sz="2400"/>
+              <a:t>（</a:t>
+            </a:r>
+            <a:r>
+              <a:rPr lang="en-US" altLang="zh-CN" sz="2400">
+                <a:sym typeface="+mn-ea"/>
+              </a:rPr>
+              <a:t>source-map</a:t>
+            </a:r>
+            <a:r>
+              <a:rPr lang="zh-CN" altLang="en-US" sz="2400"/>
+              <a:t>）</a:t>
+            </a:r>
+            <a:endParaRPr lang="en-US" altLang="zh-CN" sz="2400"/>
           </a:p>
         </p:txBody>
       </p:sp>
@@ -10302,43 +10298,70 @@
             <a:spLocks noGrp="1"/>
           </p:cNvSpPr>
           <p:nvPr>
-            <p:ph idx="1"/>
-          </p:nvPr>
-        </p:nvSpPr>
-        <p:spPr/>
-        <p:txBody>
-          <a:bodyPr/>
-          <a:p>
-            <a:endParaRPr lang="zh-CN" altLang="en-US"/>
-          </a:p>
-          <a:p>
-            <a:endParaRPr lang="zh-CN" altLang="en-US"/>
-          </a:p>
-          <a:p>
-            <a:pPr marL="0" indent="0">
-              <a:buNone/>
-            </a:pPr>
-            <a:endParaRPr lang="zh-CN" altLang="en-US"/>
-          </a:p>
-          <a:p>
-            <a:pPr marL="0" indent="0" algn="ctr">
-              <a:buNone/>
-            </a:pPr>
-            <a:r>
-              <a:rPr lang="zh-CN" altLang="en-US" sz="4400"/>
-              <a:t>第四章</a:t>
-            </a:r>
-            <a:endParaRPr lang="zh-CN" altLang="en-US" sz="4400"/>
-          </a:p>
-          <a:p>
-            <a:pPr marL="0" indent="0" algn="ctr">
-              <a:buNone/>
-            </a:pPr>
-            <a:r>
-              <a:rPr lang="en-US" altLang="zh-CN" sz="4400"/>
-              <a:t>devServer</a:t>
-            </a:r>
-            <a:endParaRPr lang="en-US" altLang="zh-CN" sz="4400"/>
+            <p:ph sz="half" idx="1"/>
+          </p:nvPr>
+        </p:nvSpPr>
+        <p:spPr>
+          <a:xfrm>
+            <a:off x="838200" y="1825625"/>
+            <a:ext cx="10515600" cy="4351655"/>
+          </a:xfrm>
+        </p:spPr>
+        <p:txBody>
+          <a:bodyPr>
+            <a:normAutofit/>
+          </a:bodyPr>
+          <a:p>
+            <a:r>
+              <a:rPr lang="zh-CN" altLang="en-US" sz="1555"/>
+              <a:t>其实以上表格只是列举了 devtool 可能取值的一部分， 它的取值其实可以由 source-map、eval、inline、hidden、cheap、module 这六个关键字随意组合而成。 这六个关键字每个都代表一种特性，它们的含义分别是：</a:t>
+            </a:r>
+            <a:endParaRPr lang="zh-CN" altLang="en-US" sz="1555"/>
+          </a:p>
+          <a:p>
+            <a:endParaRPr lang="zh-CN" altLang="en-US" sz="1555"/>
+          </a:p>
+          <a:p>
+            <a:r>
+              <a:rPr lang="zh-CN" altLang="en-US" sz="1555"/>
+              <a:t>eval：用 eval 语句包裹需要安装的模块；</a:t>
+            </a:r>
+            <a:endParaRPr lang="zh-CN" altLang="en-US" sz="1555"/>
+          </a:p>
+          <a:p>
+            <a:r>
+              <a:rPr lang="zh-CN" altLang="en-US" sz="1555"/>
+              <a:t>source-map：生成独立的 Source Map 文件；</a:t>
+            </a:r>
+            <a:endParaRPr lang="zh-CN" altLang="en-US" sz="1555"/>
+          </a:p>
+          <a:p>
+            <a:r>
+              <a:rPr lang="zh-CN" altLang="en-US" sz="1555"/>
+              <a:t>hidden：不在 JavaScript 文件中指出 Source Map 文件所在，这样浏览器就不会自动加载 Source Map；</a:t>
+            </a:r>
+            <a:endParaRPr lang="zh-CN" altLang="en-US" sz="1555"/>
+          </a:p>
+          <a:p>
+            <a:r>
+              <a:rPr lang="zh-CN" altLang="en-US" sz="1555"/>
+              <a:t>inline：把生成的 Source Map 转换成 base64 格式内嵌在 JavaScript 文件中；</a:t>
+            </a:r>
+            <a:endParaRPr lang="zh-CN" altLang="en-US" sz="1555"/>
+          </a:p>
+          <a:p>
+            <a:r>
+              <a:rPr lang="zh-CN" altLang="en-US" sz="1555"/>
+              <a:t>cheap：生成的 Source Map 中不会包含列信息，这样计算量更小，输出的 Source Map 文件更小；同时 Loader 输出的 Source Map 不会被采用；</a:t>
+            </a:r>
+            <a:endParaRPr lang="zh-CN" altLang="en-US" sz="1555"/>
+          </a:p>
+          <a:p>
+            <a:r>
+              <a:rPr lang="zh-CN" altLang="en-US" sz="1555"/>
+              <a:t>module：来自 Loader 的 Source Map 被简单处理成每行一个模块；</a:t>
+            </a:r>
+            <a:endParaRPr lang="zh-CN" altLang="en-US" sz="1555"/>
           </a:p>
         </p:txBody>
       </p:sp>
@@ -10372,19 +10395,17 @@
         </p:nvSpPr>
         <p:spPr/>
         <p:txBody>
-          <a:bodyPr>
-            <a:normAutofit/>
-          </a:bodyPr>
+          <a:bodyPr/>
           <a:p>
             <a:r>
               <a:rPr lang="en-US" altLang="zh-CN"/>
-              <a:t>4.1 - </a:t>
-            </a:r>
-            <a:r>
-              <a:rPr lang="zh-CN"/>
-              <a:t>以前的故事</a:t>
-            </a:r>
-            <a:endParaRPr lang="zh-CN"/>
+              <a:t>4.2 - </a:t>
+            </a:r>
+            <a:r>
+              <a:rPr lang="zh-CN" altLang="en-US"/>
+              <a:t>功能</a:t>
+            </a:r>
+            <a:endParaRPr lang="zh-CN" altLang="en-US"/>
           </a:p>
         </p:txBody>
       </p:sp>
@@ -10404,29 +10425,38 @@
           <a:p>
             <a:r>
               <a:rPr lang="zh-CN" altLang="en-US"/>
-              <a:t>我当年热更新打包的经历，半夜三更，跑一次</a:t>
-            </a:r>
-            <a:r>
-              <a:rPr lang="en-US" altLang="zh-CN"/>
-              <a:t>3,5</a:t>
-            </a:r>
-            <a:r>
-              <a:rPr lang="zh-CN" altLang="en-US"/>
-              <a:t>分钟。修改一次，老是改错</a:t>
-            </a:r>
-            <a:r>
-              <a:rPr lang="en-US" altLang="zh-CN"/>
-              <a:t>IP</a:t>
-            </a:r>
-            <a:r>
-              <a:rPr lang="zh-CN" altLang="en-US"/>
-              <a:t>，</a:t>
-            </a:r>
-            <a:r>
-              <a:rPr lang="en-US" altLang="zh-CN"/>
-              <a:t>DEBUG.</a:t>
-            </a:r>
-            <a:endParaRPr lang="en-US" altLang="zh-CN"/>
+              <a:t>webpack-dev-server是webpack官方提供的一个小型Express</a:t>
+            </a:r>
+            <a:r>
+              <a:rPr lang="zh-CN" altLang="en-US">
+                <a:solidFill>
+                  <a:srgbClr val="FF0000"/>
+                </a:solidFill>
+              </a:rPr>
+              <a:t>服务器</a:t>
+            </a:r>
+            <a:r>
+              <a:rPr lang="zh-CN" altLang="en-US"/>
+              <a:t>。使用它可以为webpack打包生成的资源文件提供web服务。</a:t>
+            </a:r>
+            <a:endParaRPr lang="zh-CN" altLang="en-US"/>
+          </a:p>
+          <a:p>
+            <a:endParaRPr lang="zh-CN" altLang="en-US"/>
+          </a:p>
+          <a:p>
+            <a:r>
+              <a:rPr lang="zh-CN" altLang="en-US"/>
+              <a:t>为静态文件提供服务</a:t>
+            </a:r>
+            <a:endParaRPr lang="zh-CN" altLang="en-US"/>
+          </a:p>
+          <a:p>
+            <a:r>
+              <a:rPr lang="zh-CN" altLang="en-US"/>
+              <a:t>自动刷新和热替换(HMR)</a:t>
+            </a:r>
+            <a:endParaRPr lang="zh-CN" altLang="en-US"/>
           </a:p>
         </p:txBody>
       </p:sp>
@@ -11057,63 +11087,64 @@
           <a:bodyPr/>
           <a:p>
             <a:r>
+              <a:rPr lang="zh-CN" altLang="en-US"/>
+              <a:t>未完待续</a:t>
+            </a:r>
+            <a:endParaRPr lang="zh-CN" altLang="en-US"/>
+          </a:p>
+        </p:txBody>
+      </p:sp>
+      <p:sp>
+        <p:nvSpPr>
+          <p:cNvPr id="3" name="内容占位符 2"/>
+          <p:cNvSpPr>
+            <a:spLocks noGrp="1"/>
+          </p:cNvSpPr>
+          <p:nvPr>
+            <p:ph idx="1"/>
+          </p:nvPr>
+        </p:nvSpPr>
+        <p:spPr/>
+        <p:txBody>
+          <a:bodyPr/>
+          <a:p>
+            <a:r>
               <a:rPr lang="en-US" altLang="zh-CN"/>
-              <a:t>4.2 - </a:t>
-            </a:r>
-            <a:r>
-              <a:rPr lang="zh-CN" altLang="en-US"/>
-              <a:t>功能</a:t>
-            </a:r>
-            <a:endParaRPr lang="zh-CN" altLang="en-US"/>
-          </a:p>
-        </p:txBody>
-      </p:sp>
-      <p:sp>
-        <p:nvSpPr>
-          <p:cNvPr id="3" name="内容占位符 2"/>
-          <p:cNvSpPr>
-            <a:spLocks noGrp="1"/>
-          </p:cNvSpPr>
-          <p:nvPr>
-            <p:ph idx="1"/>
-          </p:nvPr>
-        </p:nvSpPr>
-        <p:spPr/>
-        <p:txBody>
-          <a:bodyPr/>
-          <a:p>
-            <a:r>
-              <a:rPr lang="zh-CN" altLang="en-US"/>
-              <a:t>webpack-dev-server是webpack官方提供的一个小型Express</a:t>
-            </a:r>
-            <a:r>
-              <a:rPr lang="zh-CN" altLang="en-US">
-                <a:solidFill>
-                  <a:srgbClr val="FF0000"/>
-                </a:solidFill>
-              </a:rPr>
-              <a:t>服务器</a:t>
-            </a:r>
-            <a:r>
-              <a:rPr lang="zh-CN" altLang="en-US"/>
-              <a:t>。使用它可以为webpack打包生成的资源文件提供web服务。</a:t>
-            </a:r>
-            <a:endParaRPr lang="zh-CN" altLang="en-US"/>
-          </a:p>
-          <a:p>
-            <a:endParaRPr lang="zh-CN" altLang="en-US"/>
-          </a:p>
-          <a:p>
-            <a:r>
-              <a:rPr lang="zh-CN" altLang="en-US"/>
-              <a:t>为静态文件提供服务</a:t>
-            </a:r>
-            <a:endParaRPr lang="zh-CN" altLang="en-US"/>
-          </a:p>
-          <a:p>
-            <a:r>
-              <a:rPr lang="zh-CN" altLang="en-US"/>
-              <a:t>自动刷新和热替换(HMR)</a:t>
+              <a:t>webpack </a:t>
+            </a:r>
+            <a:r>
+              <a:rPr lang="zh-CN" altLang="en-US"/>
+              <a:t>和 </a:t>
+            </a:r>
+            <a:r>
+              <a:rPr lang="en-US" altLang="zh-CN"/>
+              <a:t>vue-cli</a:t>
+            </a:r>
+            <a:r>
+              <a:rPr lang="zh-CN" altLang="en-US"/>
+              <a:t>？</a:t>
+            </a:r>
+            <a:endParaRPr lang="en-US" altLang="zh-CN"/>
+          </a:p>
+          <a:p>
+            <a:r>
+              <a:rPr lang="en-US" altLang="zh-CN"/>
+              <a:t>webpack4.0 </a:t>
+            </a:r>
+            <a:r>
+              <a:rPr lang="zh-CN" altLang="en-US"/>
+              <a:t>区别？</a:t>
+            </a:r>
+            <a:endParaRPr lang="zh-CN" altLang="en-US"/>
+          </a:p>
+          <a:p>
+            <a:r>
+              <a:rPr lang="en-US" altLang="zh-CN"/>
+              <a:t>wepack</a:t>
+            </a:r>
+            <a:r>
+              <a:rPr lang="zh-CN" altLang="en-US"/>
+              <a:t>优化？</a:t>
             </a:r>
             <a:endParaRPr lang="zh-CN" altLang="en-US"/>
           </a:p>
@@ -11128,428 +11159,6 @@
 </file>
 
 <file path=ppt/slides/slide61.xml><?xml version="1.0" encoding="utf-8"?>
-<p:sld xmlns:a="http://schemas.openxmlformats.org/drawingml/2006/main" xmlns:r="http://schemas.openxmlformats.org/officeDocument/2006/relationships" xmlns:p="http://schemas.openxmlformats.org/presentationml/2006/main">
-  <p:cSld>
-    <p:spTree>
-      <p:nvGrpSpPr>
-        <p:cNvPr id="1" name=""/>
-        <p:cNvGrpSpPr/>
-        <p:nvPr/>
-      </p:nvGrpSpPr>
-      <p:grpSpPr/>
-      <p:sp>
-        <p:nvSpPr>
-          <p:cNvPr id="2" name="标题 1"/>
-          <p:cNvSpPr>
-            <a:spLocks noGrp="1"/>
-          </p:cNvSpPr>
-          <p:nvPr>
-            <p:ph type="title"/>
-          </p:nvPr>
-        </p:nvSpPr>
-        <p:spPr/>
-        <p:txBody>
-          <a:bodyPr/>
-          <a:p>
-            <a:endParaRPr lang="zh-CN" altLang="en-US"/>
-          </a:p>
-        </p:txBody>
-      </p:sp>
-      <p:sp>
-        <p:nvSpPr>
-          <p:cNvPr id="3" name="内容占位符 2"/>
-          <p:cNvSpPr>
-            <a:spLocks noGrp="1"/>
-          </p:cNvSpPr>
-          <p:nvPr>
-            <p:ph idx="1"/>
-          </p:nvPr>
-        </p:nvSpPr>
-        <p:spPr/>
-        <p:txBody>
-          <a:bodyPr/>
-          <a:p>
-            <a:r>
-              <a:rPr lang="zh-CN" altLang="en-US"/>
-              <a:t>前端有跨域，服务器之间是没有跨域的</a:t>
-            </a:r>
-            <a:endParaRPr lang="zh-CN" altLang="en-US"/>
-          </a:p>
-          <a:p>
-            <a:r>
-              <a:rPr lang="en-US" altLang="zh-CN"/>
-              <a:t>webpack 3.0 </a:t>
-            </a:r>
-            <a:r>
-              <a:rPr lang="zh-CN" altLang="en-US"/>
-              <a:t>和</a:t>
-            </a:r>
-            <a:r>
-              <a:rPr lang="en-US" altLang="zh-CN"/>
-              <a:t>webpack4.0</a:t>
-            </a:r>
-            <a:r>
-              <a:rPr lang="zh-CN" altLang="en-US"/>
-              <a:t>区别</a:t>
-            </a:r>
-            <a:endParaRPr lang="zh-CN" altLang="en-US"/>
-          </a:p>
-          <a:p>
-            <a:r>
-              <a:rPr lang="zh-CN" altLang="en-US"/>
-              <a:t>应用文件和</a:t>
-            </a:r>
-            <a:r>
-              <a:rPr lang="en-US" altLang="zh-CN"/>
-              <a:t>node</a:t>
-            </a:r>
-            <a:r>
-              <a:rPr lang="zh-CN" altLang="en-US"/>
-              <a:t>环境变量</a:t>
-            </a:r>
-            <a:endParaRPr lang="zh-CN" altLang="en-US"/>
-          </a:p>
-        </p:txBody>
-      </p:sp>
-    </p:spTree>
-  </p:cSld>
-  <p:clrMapOvr>
-    <a:masterClrMapping/>
-  </p:clrMapOvr>
-</p:sld>
-</file>
-
-<file path=ppt/slides/slide62.xml><?xml version="1.0" encoding="utf-8"?>
-<p:sld xmlns:a="http://schemas.openxmlformats.org/drawingml/2006/main" xmlns:r="http://schemas.openxmlformats.org/officeDocument/2006/relationships" xmlns:p="http://schemas.openxmlformats.org/presentationml/2006/main">
-  <p:cSld>
-    <p:spTree>
-      <p:nvGrpSpPr>
-        <p:cNvPr id="1" name=""/>
-        <p:cNvGrpSpPr/>
-        <p:nvPr/>
-      </p:nvGrpSpPr>
-      <p:grpSpPr/>
-      <p:sp>
-        <p:nvSpPr>
-          <p:cNvPr id="2" name="标题 1"/>
-          <p:cNvSpPr>
-            <a:spLocks noGrp="1"/>
-          </p:cNvSpPr>
-          <p:nvPr>
-            <p:ph type="title"/>
-          </p:nvPr>
-        </p:nvSpPr>
-        <p:spPr/>
-        <p:txBody>
-          <a:bodyPr/>
-          <a:p>
-            <a:endParaRPr lang="zh-CN" altLang="en-US"/>
-          </a:p>
-        </p:txBody>
-      </p:sp>
-      <p:sp>
-        <p:nvSpPr>
-          <p:cNvPr id="3" name="内容占位符 2"/>
-          <p:cNvSpPr>
-            <a:spLocks noGrp="1"/>
-          </p:cNvSpPr>
-          <p:nvPr>
-            <p:ph idx="1"/>
-          </p:nvPr>
-        </p:nvSpPr>
-        <p:spPr/>
-        <p:txBody>
-          <a:bodyPr/>
-          <a:p>
-            <a:endParaRPr lang="zh-CN" altLang="en-US"/>
-          </a:p>
-        </p:txBody>
-      </p:sp>
-      <p:pic>
-        <p:nvPicPr>
-          <p:cNvPr id="4" name="图片 3" descr="pa"/>
-          <p:cNvPicPr>
-            <a:picLocks noChangeAspect="1"/>
-          </p:cNvPicPr>
-          <p:nvPr/>
-        </p:nvPicPr>
-        <p:blipFill>
-          <a:blip r:embed="rId1"/>
-          <a:stretch>
-            <a:fillRect/>
-          </a:stretch>
-        </p:blipFill>
-        <p:spPr>
-          <a:xfrm>
-            <a:off x="838200" y="365125"/>
-            <a:ext cx="9429750" cy="5812155"/>
-          </a:xfrm>
-          <a:prstGeom prst="rect">
-            <a:avLst/>
-          </a:prstGeom>
-        </p:spPr>
-      </p:pic>
-    </p:spTree>
-  </p:cSld>
-  <p:clrMapOvr>
-    <a:masterClrMapping/>
-  </p:clrMapOvr>
-</p:sld>
-</file>
-
-<file path=ppt/slides/slide63.xml><?xml version="1.0" encoding="utf-8"?>
-<p:sld xmlns:a="http://schemas.openxmlformats.org/drawingml/2006/main" xmlns:r="http://schemas.openxmlformats.org/officeDocument/2006/relationships" xmlns:p="http://schemas.openxmlformats.org/presentationml/2006/main">
-  <p:cSld>
-    <p:spTree>
-      <p:nvGrpSpPr>
-        <p:cNvPr id="1" name=""/>
-        <p:cNvGrpSpPr/>
-        <p:nvPr/>
-      </p:nvGrpSpPr>
-      <p:grpSpPr/>
-      <p:sp>
-        <p:nvSpPr>
-          <p:cNvPr id="2" name="标题 1"/>
-          <p:cNvSpPr>
-            <a:spLocks noGrp="1"/>
-          </p:cNvSpPr>
-          <p:nvPr>
-            <p:ph type="title"/>
-          </p:nvPr>
-        </p:nvSpPr>
-        <p:spPr/>
-        <p:txBody>
-          <a:bodyPr/>
-          <a:p>
-            <a:endParaRPr lang="zh-CN" altLang="en-US"/>
-          </a:p>
-        </p:txBody>
-      </p:sp>
-      <p:sp>
-        <p:nvSpPr>
-          <p:cNvPr id="3" name="内容占位符 2"/>
-          <p:cNvSpPr>
-            <a:spLocks noGrp="1"/>
-          </p:cNvSpPr>
-          <p:nvPr>
-            <p:ph idx="1"/>
-          </p:nvPr>
-        </p:nvSpPr>
-        <p:spPr/>
-        <p:txBody>
-          <a:bodyPr/>
-          <a:p>
-            <a:endParaRPr lang="zh-CN" altLang="en-US"/>
-          </a:p>
-        </p:txBody>
-      </p:sp>
-      <p:pic>
-        <p:nvPicPr>
-          <p:cNvPr id="4" name="图片 3" descr="2"/>
-          <p:cNvPicPr>
-            <a:picLocks noChangeAspect="1"/>
-          </p:cNvPicPr>
-          <p:nvPr/>
-        </p:nvPicPr>
-        <p:blipFill>
-          <a:blip r:embed="rId1"/>
-          <a:stretch>
-            <a:fillRect/>
-          </a:stretch>
-        </p:blipFill>
-        <p:spPr>
-          <a:xfrm>
-            <a:off x="838200" y="328295"/>
-            <a:ext cx="7509510" cy="5848985"/>
-          </a:xfrm>
-          <a:prstGeom prst="rect">
-            <a:avLst/>
-          </a:prstGeom>
-        </p:spPr>
-      </p:pic>
-    </p:spTree>
-  </p:cSld>
-  <p:clrMapOvr>
-    <a:masterClrMapping/>
-  </p:clrMapOvr>
-</p:sld>
-</file>
-
-<file path=ppt/slides/slide64.xml><?xml version="1.0" encoding="utf-8"?>
-<p:sld xmlns:a="http://schemas.openxmlformats.org/drawingml/2006/main" xmlns:r="http://schemas.openxmlformats.org/officeDocument/2006/relationships" xmlns:p="http://schemas.openxmlformats.org/presentationml/2006/main">
-  <p:cSld>
-    <p:spTree>
-      <p:nvGrpSpPr>
-        <p:cNvPr id="1" name=""/>
-        <p:cNvGrpSpPr/>
-        <p:nvPr/>
-      </p:nvGrpSpPr>
-      <p:grpSpPr/>
-      <p:sp>
-        <p:nvSpPr>
-          <p:cNvPr id="2" name="标题 1"/>
-          <p:cNvSpPr>
-            <a:spLocks noGrp="1"/>
-          </p:cNvSpPr>
-          <p:nvPr>
-            <p:ph type="title"/>
-          </p:nvPr>
-        </p:nvSpPr>
-        <p:spPr/>
-        <p:txBody>
-          <a:bodyPr/>
-          <a:p>
-            <a:endParaRPr lang="zh-CN" altLang="en-US"/>
-          </a:p>
-        </p:txBody>
-      </p:sp>
-      <p:sp>
-        <p:nvSpPr>
-          <p:cNvPr id="3" name="内容占位符 2"/>
-          <p:cNvSpPr>
-            <a:spLocks noGrp="1"/>
-          </p:cNvSpPr>
-          <p:nvPr>
-            <p:ph idx="1"/>
-          </p:nvPr>
-        </p:nvSpPr>
-        <p:spPr/>
-        <p:txBody>
-          <a:bodyPr/>
-          <a:p>
-            <a:endParaRPr lang="zh-CN" altLang="en-US"/>
-          </a:p>
-        </p:txBody>
-      </p:sp>
-      <p:pic>
-        <p:nvPicPr>
-          <p:cNvPr id="4" name="图片 3" descr="3"/>
-          <p:cNvPicPr>
-            <a:picLocks noChangeAspect="1"/>
-          </p:cNvPicPr>
-          <p:nvPr/>
-        </p:nvPicPr>
-        <p:blipFill>
-          <a:blip r:embed="rId1"/>
-          <a:stretch>
-            <a:fillRect/>
-          </a:stretch>
-        </p:blipFill>
-        <p:spPr>
-          <a:xfrm>
-            <a:off x="838200" y="365125"/>
-            <a:ext cx="7497445" cy="2747645"/>
-          </a:xfrm>
-          <a:prstGeom prst="rect">
-            <a:avLst/>
-          </a:prstGeom>
-        </p:spPr>
-      </p:pic>
-    </p:spTree>
-  </p:cSld>
-  <p:clrMapOvr>
-    <a:masterClrMapping/>
-  </p:clrMapOvr>
-</p:sld>
-</file>
-
-<file path=ppt/slides/slide65.xml><?xml version="1.0" encoding="utf-8"?>
-<p:sld xmlns:a="http://schemas.openxmlformats.org/drawingml/2006/main" xmlns:r="http://schemas.openxmlformats.org/officeDocument/2006/relationships" xmlns:p="http://schemas.openxmlformats.org/presentationml/2006/main">
-  <p:cSld>
-    <p:spTree>
-      <p:nvGrpSpPr>
-        <p:cNvPr id="1" name=""/>
-        <p:cNvGrpSpPr/>
-        <p:nvPr/>
-      </p:nvGrpSpPr>
-      <p:grpSpPr/>
-      <p:sp>
-        <p:nvSpPr>
-          <p:cNvPr id="2" name="标题 1"/>
-          <p:cNvSpPr>
-            <a:spLocks noGrp="1"/>
-          </p:cNvSpPr>
-          <p:nvPr>
-            <p:ph type="title"/>
-          </p:nvPr>
-        </p:nvSpPr>
-        <p:spPr/>
-        <p:txBody>
-          <a:bodyPr/>
-          <a:p>
-            <a:r>
-              <a:rPr lang="zh-CN" altLang="en-US"/>
-              <a:t>未完待续</a:t>
-            </a:r>
-            <a:endParaRPr lang="zh-CN" altLang="en-US"/>
-          </a:p>
-        </p:txBody>
-      </p:sp>
-      <p:sp>
-        <p:nvSpPr>
-          <p:cNvPr id="3" name="内容占位符 2"/>
-          <p:cNvSpPr>
-            <a:spLocks noGrp="1"/>
-          </p:cNvSpPr>
-          <p:nvPr>
-            <p:ph idx="1"/>
-          </p:nvPr>
-        </p:nvSpPr>
-        <p:spPr/>
-        <p:txBody>
-          <a:bodyPr/>
-          <a:p>
-            <a:r>
-              <a:rPr lang="en-US" altLang="zh-CN"/>
-              <a:t>webpack </a:t>
-            </a:r>
-            <a:r>
-              <a:rPr lang="zh-CN" altLang="en-US"/>
-              <a:t>和 </a:t>
-            </a:r>
-            <a:r>
-              <a:rPr lang="en-US" altLang="zh-CN"/>
-              <a:t>vue-cli</a:t>
-            </a:r>
-            <a:r>
-              <a:rPr lang="zh-CN" altLang="en-US"/>
-              <a:t>？</a:t>
-            </a:r>
-            <a:endParaRPr lang="en-US" altLang="zh-CN"/>
-          </a:p>
-          <a:p>
-            <a:r>
-              <a:rPr lang="en-US" altLang="zh-CN"/>
-              <a:t>webpack4.0 </a:t>
-            </a:r>
-            <a:r>
-              <a:rPr lang="zh-CN" altLang="en-US"/>
-              <a:t>区别？</a:t>
-            </a:r>
-            <a:endParaRPr lang="zh-CN" altLang="en-US"/>
-          </a:p>
-          <a:p>
-            <a:r>
-              <a:rPr lang="en-US" altLang="zh-CN"/>
-              <a:t>wepack</a:t>
-            </a:r>
-            <a:r>
-              <a:rPr lang="zh-CN" altLang="en-US"/>
-              <a:t>优化？</a:t>
-            </a:r>
-            <a:endParaRPr lang="zh-CN" altLang="en-US"/>
-          </a:p>
-        </p:txBody>
-      </p:sp>
-    </p:spTree>
-  </p:cSld>
-  <p:clrMapOvr>
-    <a:masterClrMapping/>
-  </p:clrMapOvr>
-</p:sld>
-</file>
-
-<file path=ppt/slides/slide66.xml><?xml version="1.0" encoding="utf-8"?>
 <p:sld xmlns:a="http://schemas.openxmlformats.org/drawingml/2006/main" xmlns:r="http://schemas.openxmlformats.org/officeDocument/2006/relationships" xmlns:p="http://schemas.openxmlformats.org/presentationml/2006/main">
   <p:cSld>
     <p:spTree>

--- a/cloud/webpack-ppt/培训 - webpack.pptx
+++ b/cloud/webpack-ppt/培训 - webpack.pptx
@@ -5,7 +5,7 @@
     <p:sldMasterId id="2147483648" r:id="rId1"/>
   </p:sldMasterIdLst>
   <p:notesMasterIdLst>
-    <p:notesMasterId r:id="rId64"/>
+    <p:notesMasterId r:id="rId67"/>
   </p:notesMasterIdLst>
   <p:sldIdLst>
     <p:sldId id="256" r:id="rId3"/>
@@ -15,60 +15,63 @@
     <p:sldId id="261" r:id="rId7"/>
     <p:sldId id="258" r:id="rId8"/>
     <p:sldId id="259" r:id="rId9"/>
-    <p:sldId id="262" r:id="rId10"/>
-    <p:sldId id="374" r:id="rId11"/>
-    <p:sldId id="377" r:id="rId12"/>
-    <p:sldId id="375" r:id="rId13"/>
-    <p:sldId id="378" r:id="rId14"/>
-    <p:sldId id="386" r:id="rId15"/>
-    <p:sldId id="440" r:id="rId16"/>
-    <p:sldId id="379" r:id="rId17"/>
-    <p:sldId id="441" r:id="rId18"/>
-    <p:sldId id="266" r:id="rId19"/>
-    <p:sldId id="267" r:id="rId20"/>
-    <p:sldId id="270" r:id="rId21"/>
-    <p:sldId id="272" r:id="rId22"/>
-    <p:sldId id="273" r:id="rId23"/>
-    <p:sldId id="275" r:id="rId24"/>
-    <p:sldId id="276" r:id="rId25"/>
-    <p:sldId id="442" r:id="rId26"/>
-    <p:sldId id="382" r:id="rId27"/>
-    <p:sldId id="383" r:id="rId28"/>
-    <p:sldId id="384" r:id="rId29"/>
-    <p:sldId id="277" r:id="rId30"/>
-    <p:sldId id="385" r:id="rId31"/>
-    <p:sldId id="280" r:id="rId32"/>
-    <p:sldId id="278" r:id="rId33"/>
-    <p:sldId id="279" r:id="rId34"/>
-    <p:sldId id="284" r:id="rId35"/>
-    <p:sldId id="281" r:id="rId36"/>
-    <p:sldId id="290" r:id="rId37"/>
-    <p:sldId id="282" r:id="rId38"/>
-    <p:sldId id="289" r:id="rId39"/>
-    <p:sldId id="286" r:id="rId40"/>
-    <p:sldId id="292" r:id="rId41"/>
-    <p:sldId id="287" r:id="rId42"/>
-    <p:sldId id="288" r:id="rId43"/>
-    <p:sldId id="294" r:id="rId44"/>
-    <p:sldId id="283" r:id="rId45"/>
-    <p:sldId id="295" r:id="rId46"/>
-    <p:sldId id="387" r:id="rId47"/>
-    <p:sldId id="424" r:id="rId48"/>
-    <p:sldId id="366" r:id="rId49"/>
-    <p:sldId id="443" r:id="rId50"/>
-    <p:sldId id="296" r:id="rId51"/>
-    <p:sldId id="302" r:id="rId52"/>
-    <p:sldId id="303" r:id="rId53"/>
-    <p:sldId id="304" r:id="rId54"/>
-    <p:sldId id="444" r:id="rId55"/>
-    <p:sldId id="445" r:id="rId56"/>
-    <p:sldId id="305" r:id="rId57"/>
-    <p:sldId id="446" r:id="rId58"/>
-    <p:sldId id="425" r:id="rId59"/>
-    <p:sldId id="495" r:id="rId60"/>
-    <p:sldId id="429" r:id="rId61"/>
-    <p:sldId id="308" r:id="rId62"/>
-    <p:sldId id="493" r:id="rId63"/>
+    <p:sldId id="374" r:id="rId10"/>
+    <p:sldId id="262" r:id="rId11"/>
+    <p:sldId id="499" r:id="rId12"/>
+    <p:sldId id="377" r:id="rId13"/>
+    <p:sldId id="375" r:id="rId14"/>
+    <p:sldId id="378" r:id="rId15"/>
+    <p:sldId id="386" r:id="rId16"/>
+    <p:sldId id="440" r:id="rId17"/>
+    <p:sldId id="379" r:id="rId18"/>
+    <p:sldId id="441" r:id="rId19"/>
+    <p:sldId id="266" r:id="rId20"/>
+    <p:sldId id="267" r:id="rId21"/>
+    <p:sldId id="270" r:id="rId22"/>
+    <p:sldId id="272" r:id="rId23"/>
+    <p:sldId id="273" r:id="rId24"/>
+    <p:sldId id="275" r:id="rId25"/>
+    <p:sldId id="276" r:id="rId26"/>
+    <p:sldId id="442" r:id="rId27"/>
+    <p:sldId id="382" r:id="rId28"/>
+    <p:sldId id="383" r:id="rId29"/>
+    <p:sldId id="384" r:id="rId30"/>
+    <p:sldId id="277" r:id="rId31"/>
+    <p:sldId id="385" r:id="rId32"/>
+    <p:sldId id="280" r:id="rId33"/>
+    <p:sldId id="278" r:id="rId34"/>
+    <p:sldId id="279" r:id="rId35"/>
+    <p:sldId id="284" r:id="rId36"/>
+    <p:sldId id="281" r:id="rId37"/>
+    <p:sldId id="290" r:id="rId38"/>
+    <p:sldId id="282" r:id="rId39"/>
+    <p:sldId id="289" r:id="rId40"/>
+    <p:sldId id="286" r:id="rId41"/>
+    <p:sldId id="292" r:id="rId42"/>
+    <p:sldId id="287" r:id="rId43"/>
+    <p:sldId id="288" r:id="rId44"/>
+    <p:sldId id="294" r:id="rId45"/>
+    <p:sldId id="283" r:id="rId46"/>
+    <p:sldId id="295" r:id="rId47"/>
+    <p:sldId id="387" r:id="rId48"/>
+    <p:sldId id="424" r:id="rId49"/>
+    <p:sldId id="366" r:id="rId50"/>
+    <p:sldId id="443" r:id="rId51"/>
+    <p:sldId id="296" r:id="rId52"/>
+    <p:sldId id="302" r:id="rId53"/>
+    <p:sldId id="303" r:id="rId54"/>
+    <p:sldId id="304" r:id="rId55"/>
+    <p:sldId id="444" r:id="rId56"/>
+    <p:sldId id="445" r:id="rId57"/>
+    <p:sldId id="305" r:id="rId58"/>
+    <p:sldId id="446" r:id="rId59"/>
+    <p:sldId id="425" r:id="rId60"/>
+    <p:sldId id="495" r:id="rId61"/>
+    <p:sldId id="429" r:id="rId62"/>
+    <p:sldId id="501" r:id="rId63"/>
+    <p:sldId id="500" r:id="rId64"/>
+    <p:sldId id="308" r:id="rId65"/>
+    <p:sldId id="493" r:id="rId66"/>
   </p:sldIdLst>
   <p:sldSz cx="12192000" cy="6858000"/>
   <p:notesSz cx="6858000" cy="9144000"/>
@@ -3368,10 +3371,28 @@
               <a:t>深入浅出</a:t>
             </a:r>
             <a:r>
-              <a:rPr lang="en-US" altLang="zh-CN"/>
-              <a:t>Webpack</a:t>
-            </a:r>
-            <a:endParaRPr lang="en-US" altLang="zh-CN"/>
+              <a:rPr lang="en-US" altLang="zh-CN">
+                <a:solidFill>
+                  <a:schemeClr val="accent5">
+                    <a:lumMod val="75000"/>
+                  </a:schemeClr>
+                </a:solidFill>
+              </a:rPr>
+              <a:t>Web</a:t>
+            </a:r>
+            <a:r>
+              <a:rPr lang="en-US" altLang="zh-CN">
+                <a:solidFill>
+                  <a:schemeClr val="accent4"/>
+                </a:solidFill>
+              </a:rPr>
+              <a:t>pack</a:t>
+            </a:r>
+            <a:endParaRPr lang="en-US" altLang="zh-CN">
+              <a:solidFill>
+                <a:schemeClr val="accent4"/>
+              </a:solidFill>
+            </a:endParaRPr>
           </a:p>
         </p:txBody>
       </p:sp>
@@ -3438,63 +3459,60 @@
         </p:nvSpPr>
         <p:spPr/>
         <p:txBody>
-          <a:bodyPr/>
-          <a:p>
-            <a:endParaRPr lang="zh-CN" altLang="en-US"/>
-          </a:p>
-        </p:txBody>
-      </p:sp>
-      <p:sp>
-        <p:nvSpPr>
-          <p:cNvPr id="3" name="内容占位符 2"/>
-          <p:cNvSpPr>
-            <a:spLocks noGrp="1"/>
-          </p:cNvSpPr>
-          <p:nvPr>
-            <p:ph idx="1"/>
-          </p:nvPr>
-        </p:nvSpPr>
-        <p:spPr/>
-        <p:txBody>
-          <a:bodyPr/>
-          <a:p>
-            <a:pPr marL="0" indent="0" algn="ctr">
-              <a:buNone/>
-            </a:pPr>
-            <a:r>
-              <a:rPr lang="zh-CN" altLang="en-US" sz="4400">
-                <a:solidFill>
-                  <a:srgbClr val="FF0000"/>
-                </a:solidFill>
-              </a:rPr>
-              <a:t>我们来看看其他语言的方便之处！</a:t>
-            </a:r>
-            <a:endParaRPr lang="zh-CN" altLang="en-US" sz="4400">
-              <a:solidFill>
-                <a:srgbClr val="FF0000"/>
-              </a:solidFill>
-            </a:endParaRPr>
+          <a:bodyPr>
+            <a:normAutofit/>
+          </a:bodyPr>
+          <a:p>
+            <a:r>
+              <a:rPr lang="zh-CN" altLang="en-US" sz="2000"/>
+              <a:t>于是我们要用一些新技术</a:t>
+            </a:r>
+            <a:br>
+              <a:rPr lang="zh-CN" altLang="en-US" sz="2000"/>
+            </a:br>
+            <a:r>
+              <a:rPr lang="en-US" altLang="zh-CN" sz="4000"/>
+              <a:t>web</a:t>
+            </a:r>
+            <a:r>
+              <a:rPr lang="zh-CN" altLang="en-US" sz="4000"/>
+              <a:t>开发这</a:t>
+            </a:r>
+            <a:r>
+              <a:rPr lang="en-US" altLang="zh-CN" sz="4000"/>
+              <a:t>10</a:t>
+            </a:r>
+            <a:r>
+              <a:rPr lang="zh-CN" altLang="en-US" sz="4000"/>
+              <a:t>年的发展</a:t>
+            </a:r>
+            <a:endParaRPr lang="zh-CN" altLang="en-US" sz="4000"/>
           </a:p>
         </p:txBody>
       </p:sp>
       <p:pic>
         <p:nvPicPr>
-          <p:cNvPr id="4" name="图片 3" descr="12"/>
+          <p:cNvPr id="4" name="内容占位符 3" descr="12"/>
           <p:cNvPicPr>
             <a:picLocks noChangeAspect="1"/>
           </p:cNvPicPr>
-          <p:nvPr/>
+          <p:nvPr>
+            <p:ph idx="1"/>
+            <p:custDataLst>
+              <p:tags r:id="rId1"/>
+            </p:custDataLst>
+          </p:nvPr>
         </p:nvPicPr>
         <p:blipFill>
-          <a:blip r:embed="rId1"/>
+          <a:blip r:embed="rId2"/>
           <a:stretch>
             <a:fillRect/>
           </a:stretch>
         </p:blipFill>
         <p:spPr>
           <a:xfrm>
-            <a:off x="2085975" y="2445385"/>
-            <a:ext cx="8020685" cy="3935095"/>
+            <a:off x="1525270" y="1629410"/>
+            <a:ext cx="9140825" cy="4485005"/>
           </a:xfrm>
           <a:prstGeom prst="rect">
             <a:avLst/>
@@ -3510,6 +3528,111 @@
 </file>
 
 <file path=ppt/slides/slide11.xml><?xml version="1.0" encoding="utf-8"?>
+<p:sld xmlns:a="http://schemas.openxmlformats.org/drawingml/2006/main" xmlns:r="http://schemas.openxmlformats.org/officeDocument/2006/relationships" xmlns:p="http://schemas.openxmlformats.org/presentationml/2006/main">
+  <p:cSld>
+    <p:spTree>
+      <p:nvGrpSpPr>
+        <p:cNvPr id="1" name=""/>
+        <p:cNvGrpSpPr/>
+        <p:nvPr/>
+      </p:nvGrpSpPr>
+      <p:grpSpPr/>
+      <p:sp>
+        <p:nvSpPr>
+          <p:cNvPr id="2" name="标题 1"/>
+          <p:cNvSpPr>
+            <a:spLocks noGrp="1"/>
+          </p:cNvSpPr>
+          <p:nvPr>
+            <p:ph type="title"/>
+          </p:nvPr>
+        </p:nvSpPr>
+        <p:spPr/>
+        <p:txBody>
+          <a:bodyPr/>
+          <a:p>
+            <a:endParaRPr lang="zh-CN" altLang="en-US"/>
+          </a:p>
+        </p:txBody>
+      </p:sp>
+      <p:sp>
+        <p:nvSpPr>
+          <p:cNvPr id="3" name="内容占位符 2"/>
+          <p:cNvSpPr>
+            <a:spLocks noGrp="1"/>
+          </p:cNvSpPr>
+          <p:nvPr>
+            <p:ph idx="1"/>
+          </p:nvPr>
+        </p:nvSpPr>
+        <p:spPr/>
+        <p:txBody>
+          <a:bodyPr/>
+          <a:p>
+            <a:pPr marL="0" indent="0" algn="ctr">
+              <a:buNone/>
+            </a:pPr>
+            <a:endParaRPr lang="zh-CN" altLang="en-US" sz="4400">
+              <a:solidFill>
+                <a:srgbClr val="FF0000"/>
+              </a:solidFill>
+            </a:endParaRPr>
+          </a:p>
+          <a:p>
+            <a:pPr marL="0" indent="0" algn="ctr">
+              <a:buNone/>
+            </a:pPr>
+            <a:endParaRPr lang="zh-CN" altLang="en-US" sz="4400">
+              <a:solidFill>
+                <a:srgbClr val="FF0000"/>
+              </a:solidFill>
+            </a:endParaRPr>
+          </a:p>
+          <a:p>
+            <a:pPr marL="0" indent="0" algn="ctr">
+              <a:buNone/>
+            </a:pPr>
+            <a:r>
+              <a:rPr lang="zh-CN" altLang="en-US" sz="4400">
+                <a:ln/>
+                <a:solidFill>
+                  <a:schemeClr val="tx1"/>
+                </a:solidFill>
+                <a:effectLst>
+                  <a:outerShdw blurRad="38100" dist="19050" dir="2700000" algn="tl" rotWithShape="0">
+                    <a:schemeClr val="dk1">
+                      <a:alpha val="40000"/>
+                    </a:schemeClr>
+                  </a:outerShdw>
+                </a:effectLst>
+              </a:rPr>
+              <a:t>我们来看看其他语言的方便之处！</a:t>
+            </a:r>
+            <a:endParaRPr lang="zh-CN" altLang="en-US" sz="4400">
+              <a:ln/>
+              <a:solidFill>
+                <a:schemeClr val="tx1"/>
+              </a:solidFill>
+              <a:effectLst>
+                <a:outerShdw blurRad="38100" dist="19050" dir="2700000" algn="tl" rotWithShape="0">
+                  <a:schemeClr val="dk1">
+                    <a:alpha val="40000"/>
+                  </a:schemeClr>
+                </a:outerShdw>
+              </a:effectLst>
+            </a:endParaRPr>
+          </a:p>
+        </p:txBody>
+      </p:sp>
+    </p:spTree>
+  </p:cSld>
+  <p:clrMapOvr>
+    <a:masterClrMapping/>
+  </p:clrMapOvr>
+</p:sld>
+</file>
+
+<file path=ppt/slides/slide12.xml><?xml version="1.0" encoding="utf-8"?>
 <p:sld xmlns:a="http://schemas.openxmlformats.org/drawingml/2006/main" xmlns:r="http://schemas.openxmlformats.org/officeDocument/2006/relationships" xmlns:p="http://schemas.openxmlformats.org/presentationml/2006/main">
   <p:cSld>
     <p:spTree>
@@ -3619,7 +3742,7 @@
 </p:sld>
 </file>
 
-<file path=ppt/slides/slide12.xml><?xml version="1.0" encoding="utf-8"?>
+<file path=ppt/slides/slide13.xml><?xml version="1.0" encoding="utf-8"?>
 <p:sld xmlns:a="http://schemas.openxmlformats.org/drawingml/2006/main" xmlns:r="http://schemas.openxmlformats.org/officeDocument/2006/relationships" xmlns:p="http://schemas.openxmlformats.org/presentationml/2006/main">
   <p:cSld>
     <p:spTree>
@@ -3743,7 +3866,7 @@
 </p:sld>
 </file>
 
-<file path=ppt/slides/slide13.xml><?xml version="1.0" encoding="utf-8"?>
+<file path=ppt/slides/slide14.xml><?xml version="1.0" encoding="utf-8"?>
 <p:sld xmlns:a="http://schemas.openxmlformats.org/drawingml/2006/main" xmlns:r="http://schemas.openxmlformats.org/officeDocument/2006/relationships" xmlns:p="http://schemas.openxmlformats.org/presentationml/2006/main">
   <p:cSld>
     <p:spTree>
@@ -3821,7 +3944,7 @@
 </p:sld>
 </file>
 
-<file path=ppt/slides/slide14.xml><?xml version="1.0" encoding="utf-8"?>
+<file path=ppt/slides/slide15.xml><?xml version="1.0" encoding="utf-8"?>
 <p:sld xmlns:a="http://schemas.openxmlformats.org/drawingml/2006/main" xmlns:r="http://schemas.openxmlformats.org/officeDocument/2006/relationships" xmlns:p="http://schemas.openxmlformats.org/presentationml/2006/main">
   <p:cSld>
     <p:spTree>
@@ -3923,7 +4046,7 @@
 </p:sld>
 </file>
 
-<file path=ppt/slides/slide15.xml><?xml version="1.0" encoding="utf-8"?>
+<file path=ppt/slides/slide16.xml><?xml version="1.0" encoding="utf-8"?>
 <p:sld xmlns:a="http://schemas.openxmlformats.org/drawingml/2006/main" xmlns:r="http://schemas.openxmlformats.org/officeDocument/2006/relationships" xmlns:p="http://schemas.openxmlformats.org/presentationml/2006/main">
   <p:cSld>
     <p:spTree>
@@ -4047,7 +4170,7 @@
 </p:sld>
 </file>
 
-<file path=ppt/slides/slide16.xml><?xml version="1.0" encoding="utf-8"?>
+<file path=ppt/slides/slide17.xml><?xml version="1.0" encoding="utf-8"?>
 <p:sld xmlns:a="http://schemas.openxmlformats.org/drawingml/2006/main" xmlns:r="http://schemas.openxmlformats.org/officeDocument/2006/relationships" xmlns:p="http://schemas.openxmlformats.org/presentationml/2006/main">
   <p:cSld>
     <p:spTree>
@@ -4125,7 +4248,7 @@
 </p:sld>
 </file>
 
-<file path=ppt/slides/slide17.xml><?xml version="1.0" encoding="utf-8"?>
+<file path=ppt/slides/slide18.xml><?xml version="1.0" encoding="utf-8"?>
 <p:sld xmlns:a="http://schemas.openxmlformats.org/drawingml/2006/main" xmlns:r="http://schemas.openxmlformats.org/officeDocument/2006/relationships" xmlns:p="http://schemas.openxmlformats.org/presentationml/2006/main">
   <p:cSld>
     <p:bg>
@@ -4221,7 +4344,7 @@
 </p:sld>
 </file>
 
-<file path=ppt/slides/slide18.xml><?xml version="1.0" encoding="utf-8"?>
+<file path=ppt/slides/slide19.xml><?xml version="1.0" encoding="utf-8"?>
 <p:sld xmlns:a="http://schemas.openxmlformats.org/drawingml/2006/main" xmlns:r="http://schemas.openxmlformats.org/officeDocument/2006/relationships" xmlns:p="http://schemas.openxmlformats.org/presentationml/2006/main">
   <p:cSld>
     <p:spTree>
@@ -4465,7 +4588,304 @@
 </p:sld>
 </file>
 
-<file path=ppt/slides/slide19.xml><?xml version="1.0" encoding="utf-8"?>
+<file path=ppt/slides/slide2.xml><?xml version="1.0" encoding="utf-8"?>
+<p:sld xmlns:a="http://schemas.openxmlformats.org/drawingml/2006/main" xmlns:r="http://schemas.openxmlformats.org/officeDocument/2006/relationships" xmlns:p="http://schemas.openxmlformats.org/presentationml/2006/main">
+  <p:cSld>
+    <p:spTree>
+      <p:nvGrpSpPr>
+        <p:cNvPr id="1" name=""/>
+        <p:cNvGrpSpPr/>
+        <p:nvPr/>
+      </p:nvGrpSpPr>
+      <p:grpSpPr/>
+      <p:sp>
+        <p:nvSpPr>
+          <p:cNvPr id="2" name="标题 1"/>
+          <p:cNvSpPr>
+            <a:spLocks noGrp="1"/>
+          </p:cNvSpPr>
+          <p:nvPr>
+            <p:ph type="title"/>
+          </p:nvPr>
+        </p:nvSpPr>
+        <p:spPr/>
+        <p:txBody>
+          <a:bodyPr/>
+          <a:p>
+            <a:r>
+              <a:rPr lang="zh-CN" altLang="en-US"/>
+              <a:t>引言</a:t>
+            </a:r>
+            <a:endParaRPr lang="zh-CN" altLang="en-US"/>
+          </a:p>
+        </p:txBody>
+      </p:sp>
+      <p:sp>
+        <p:nvSpPr>
+          <p:cNvPr id="3" name="内容占位符 2"/>
+          <p:cNvSpPr>
+            <a:spLocks noGrp="1"/>
+          </p:cNvSpPr>
+          <p:nvPr>
+            <p:ph idx="1"/>
+          </p:nvPr>
+        </p:nvSpPr>
+        <p:spPr/>
+        <p:txBody>
+          <a:bodyPr>
+            <a:normAutofit lnSpcReduction="10000"/>
+          </a:bodyPr>
+          <a:p>
+            <a:pPr>
+              <a:lnSpc>
+                <a:spcPct val="90000"/>
+              </a:lnSpc>
+            </a:pPr>
+            <a:r>
+              <a:rPr lang="zh-CN" altLang="en-US"/>
+              <a:t>这几年反复的学习过很多次</a:t>
+            </a:r>
+            <a:r>
+              <a:rPr lang="en-US" altLang="zh-CN"/>
+              <a:t>webpack</a:t>
+            </a:r>
+            <a:r>
+              <a:rPr lang="zh-CN" altLang="en-US"/>
+              <a:t>。但是都没学透彻。原因如下：</a:t>
+            </a:r>
+            <a:endParaRPr lang="zh-CN" altLang="en-US" sz="2000"/>
+          </a:p>
+          <a:p>
+            <a:pPr marL="514350" indent="-514350">
+              <a:buAutoNum type="arabicPeriod"/>
+            </a:pPr>
+            <a:r>
+              <a:rPr lang="zh-CN" altLang="en-US" sz="2000"/>
+              <a:t>只了解</a:t>
+            </a:r>
+            <a:r>
+              <a:rPr lang="en-US" altLang="zh-CN" sz="2000"/>
+              <a:t>html</a:t>
+            </a:r>
+            <a:r>
+              <a:rPr lang="zh-CN" altLang="en-US" sz="2000"/>
+              <a:t>，</a:t>
+            </a:r>
+            <a:r>
+              <a:rPr lang="en-US" altLang="zh-CN" sz="2000"/>
+              <a:t>css</a:t>
+            </a:r>
+            <a:r>
+              <a:rPr lang="zh-CN" altLang="en-US" sz="2000"/>
+              <a:t>，</a:t>
+            </a:r>
+            <a:r>
+              <a:rPr lang="en-US" altLang="zh-CN" sz="2000"/>
+              <a:t>js</a:t>
+            </a:r>
+            <a:r>
+              <a:rPr lang="zh-CN" altLang="en-US" sz="2000"/>
+              <a:t>；不了解任何其他技术（</a:t>
+            </a:r>
+            <a:r>
+              <a:rPr lang="en-US" altLang="zh-CN" sz="2000">
+                <a:solidFill>
+                  <a:schemeClr val="accent2">
+                    <a:lumMod val="75000"/>
+                  </a:schemeClr>
+                </a:solidFill>
+              </a:rPr>
+              <a:t>less/scss/es6/ts/vue</a:t>
+            </a:r>
+            <a:r>
+              <a:rPr lang="en-US" altLang="zh-CN" sz="2000"/>
+              <a:t>)</a:t>
+            </a:r>
+            <a:endParaRPr lang="en-US" altLang="zh-CN" sz="2000"/>
+          </a:p>
+          <a:p>
+            <a:pPr marL="514350" indent="-514350">
+              <a:buAutoNum type="arabicPeriod"/>
+            </a:pPr>
+            <a:r>
+              <a:rPr lang="zh-CN" altLang="en-US" sz="2000"/>
+              <a:t>不了解</a:t>
+            </a:r>
+            <a:r>
+              <a:rPr lang="zh-CN" altLang="en-US" sz="2000">
+                <a:solidFill>
+                  <a:schemeClr val="accent2">
+                    <a:lumMod val="75000"/>
+                  </a:schemeClr>
+                </a:solidFill>
+              </a:rPr>
+              <a:t>代码设计</a:t>
+            </a:r>
+            <a:r>
+              <a:rPr lang="zh-CN" altLang="en-US" sz="2000"/>
+              <a:t>；如：</a:t>
+            </a:r>
+            <a:r>
+              <a:rPr lang="zh-CN" altLang="en-US" sz="2000">
+                <a:sym typeface="+mn-ea"/>
+              </a:rPr>
+              <a:t>代码优化，设计模式；</a:t>
+            </a:r>
+            <a:endParaRPr lang="zh-CN" altLang="en-US" sz="2000">
+              <a:sym typeface="+mn-ea"/>
+            </a:endParaRPr>
+          </a:p>
+          <a:p>
+            <a:pPr marL="514350" indent="-514350">
+              <a:buAutoNum type="arabicPeriod"/>
+            </a:pPr>
+            <a:r>
+              <a:rPr lang="zh-CN" altLang="en-US" sz="2000">
+                <a:sym typeface="+mn-ea"/>
+              </a:rPr>
+              <a:t>太多</a:t>
+            </a:r>
+            <a:r>
+              <a:rPr lang="zh-CN" altLang="en-US" sz="2000">
+                <a:solidFill>
+                  <a:schemeClr val="accent2">
+                    <a:lumMod val="75000"/>
+                  </a:schemeClr>
+                </a:solidFill>
+                <a:sym typeface="+mn-ea"/>
+              </a:rPr>
+              <a:t>干扰</a:t>
+            </a:r>
+            <a:r>
+              <a:rPr lang="zh-CN" altLang="en-US" sz="2000">
+                <a:sym typeface="+mn-ea"/>
+              </a:rPr>
+              <a:t>；如：</a:t>
+            </a:r>
+            <a:r>
+              <a:rPr lang="en-US" altLang="zh-CN" sz="2000">
+                <a:sym typeface="+mn-ea"/>
+              </a:rPr>
+              <a:t>grunt</a:t>
+            </a:r>
+            <a:r>
+              <a:rPr lang="zh-CN" altLang="en-US" sz="2000">
+                <a:sym typeface="+mn-ea"/>
+              </a:rPr>
+              <a:t>，</a:t>
+            </a:r>
+            <a:r>
+              <a:rPr lang="en-US" altLang="zh-CN" sz="2000">
+                <a:sym typeface="+mn-ea"/>
+              </a:rPr>
+              <a:t>gulp</a:t>
+            </a:r>
+            <a:r>
+              <a:rPr lang="zh-CN" altLang="en-US" sz="2000">
+                <a:sym typeface="+mn-ea"/>
+              </a:rPr>
+              <a:t>，</a:t>
+            </a:r>
+            <a:r>
+              <a:rPr lang="en-US" altLang="zh-CN" sz="2000">
+                <a:sym typeface="+mn-ea"/>
+              </a:rPr>
+              <a:t>AMD</a:t>
+            </a:r>
+            <a:r>
+              <a:rPr lang="zh-CN" altLang="en-US" sz="2000">
+                <a:sym typeface="+mn-ea"/>
+              </a:rPr>
+              <a:t>，</a:t>
+            </a:r>
+            <a:r>
+              <a:rPr lang="en-US" altLang="zh-CN" sz="2000">
+                <a:sym typeface="+mn-ea"/>
+              </a:rPr>
+              <a:t>CMD</a:t>
+            </a:r>
+            <a:r>
+              <a:rPr lang="zh-CN" altLang="en-US" sz="2000">
+                <a:sym typeface="+mn-ea"/>
+              </a:rPr>
+              <a:t>；他们是什么关系？</a:t>
+            </a:r>
+            <a:endParaRPr lang="zh-CN" altLang="en-US" sz="2000">
+              <a:sym typeface="+mn-ea"/>
+            </a:endParaRPr>
+          </a:p>
+          <a:p>
+            <a:pPr marL="514350" indent="-514350">
+              <a:buAutoNum type="arabicPeriod"/>
+            </a:pPr>
+            <a:r>
+              <a:rPr lang="zh-CN" altLang="en-US" sz="2000">
+                <a:sym typeface="+mn-ea"/>
+              </a:rPr>
+              <a:t>最后，能</a:t>
+            </a:r>
+            <a:r>
+              <a:rPr lang="zh-CN" altLang="en-US" sz="2000">
+                <a:sym typeface="+mn-ea"/>
+              </a:rPr>
+              <a:t>直接</a:t>
+            </a:r>
+            <a:r>
+              <a:rPr lang="zh-CN" altLang="en-US" sz="2000">
+                <a:sym typeface="+mn-ea"/>
+              </a:rPr>
+              <a:t>用</a:t>
+            </a:r>
+            <a:r>
+              <a:rPr lang="en-US" altLang="zh-CN" sz="2000">
+                <a:solidFill>
+                  <a:schemeClr val="accent2">
+                    <a:lumMod val="75000"/>
+                  </a:schemeClr>
+                </a:solidFill>
+                <a:sym typeface="+mn-ea"/>
+              </a:rPr>
+              <a:t>vue-cli</a:t>
+            </a:r>
+            <a:r>
+              <a:rPr lang="zh-CN" altLang="en-US" sz="2000">
+                <a:sym typeface="+mn-ea"/>
+              </a:rPr>
+              <a:t>（基于 webpack 构建）搭建项目了。能直接跑通一个项目了。说所以也就没有具体关心</a:t>
+            </a:r>
+            <a:r>
+              <a:rPr lang="en-US" altLang="zh-CN" sz="2000">
+                <a:sym typeface="+mn-ea"/>
+              </a:rPr>
+              <a:t>webpack</a:t>
+            </a:r>
+            <a:r>
+              <a:rPr lang="zh-CN" altLang="en-US" sz="2000">
+                <a:sym typeface="+mn-ea"/>
+              </a:rPr>
+              <a:t>及其配置；更别说优化了。并且很久才摸一次。</a:t>
+            </a:r>
+            <a:endParaRPr lang="zh-CN" altLang="en-US" sz="2000">
+              <a:sym typeface="+mn-ea"/>
+            </a:endParaRPr>
+          </a:p>
+          <a:p>
+            <a:pPr marL="514350" indent="-514350">
+              <a:buAutoNum type="arabicPeriod"/>
+            </a:pPr>
+            <a:endParaRPr lang="zh-CN" altLang="en-US" sz="2000"/>
+          </a:p>
+        </p:txBody>
+      </p:sp>
+    </p:spTree>
+  </p:cSld>
+  <p:clrMapOvr>
+    <a:masterClrMapping/>
+  </p:clrMapOvr>
+</p:sld>
+</file>
+
+<file path=ppt/slides/slide20.xml><?xml version="1.0" encoding="utf-8"?>
 <p:sld xmlns:a="http://schemas.openxmlformats.org/drawingml/2006/main" xmlns:r="http://schemas.openxmlformats.org/officeDocument/2006/relationships" xmlns:p="http://schemas.openxmlformats.org/presentationml/2006/main">
   <p:cSld>
     <p:spTree>
@@ -4535,7 +4955,7 @@
 </p:sld>
 </file>
 
-<file path=ppt/slides/slide2.xml><?xml version="1.0" encoding="utf-8"?>
+<file path=ppt/slides/slide21.xml><?xml version="1.0" encoding="utf-8"?>
 <p:sld xmlns:a="http://schemas.openxmlformats.org/drawingml/2006/main" xmlns:r="http://schemas.openxmlformats.org/officeDocument/2006/relationships" xmlns:p="http://schemas.openxmlformats.org/presentationml/2006/main">
   <p:cSld>
     <p:spTree>
@@ -4561,7 +4981,7 @@
           <a:p>
             <a:r>
               <a:rPr lang="zh-CN" altLang="en-US"/>
-              <a:t>引言</a:t>
+              <a:t>我的故事</a:t>
             </a:r>
             <a:endParaRPr lang="zh-CN" altLang="en-US"/>
           </a:p>
@@ -4579,185 +4999,35 @@
         </p:nvSpPr>
         <p:spPr/>
         <p:txBody>
-          <a:bodyPr>
-            <a:normAutofit lnSpcReduction="10000"/>
-          </a:bodyPr>
-          <a:p>
-            <a:r>
-              <a:rPr lang="zh-CN" altLang="en-US"/>
-              <a:t>我这几年反复的学习过很多次</a:t>
-            </a:r>
-            <a:r>
-              <a:rPr lang="en-US" altLang="zh-CN"/>
-              <a:t>webpack</a:t>
-            </a:r>
-            <a:r>
-              <a:rPr lang="zh-CN" altLang="en-US"/>
-              <a:t>。但是都没学透彻。经历和原因如下：</a:t>
-            </a:r>
-            <a:endParaRPr lang="zh-CN" altLang="en-US" sz="2000"/>
-          </a:p>
-          <a:p>
-            <a:pPr marL="514350" indent="-514350">
-              <a:buAutoNum type="arabicPeriod"/>
-            </a:pPr>
-            <a:r>
-              <a:rPr lang="zh-CN" altLang="en-US" sz="2000"/>
-              <a:t>只了解</a:t>
-            </a:r>
-            <a:r>
-              <a:rPr lang="en-US" altLang="zh-CN" sz="2000"/>
-              <a:t>html</a:t>
-            </a:r>
-            <a:r>
-              <a:rPr lang="zh-CN" altLang="en-US" sz="2000"/>
-              <a:t>，</a:t>
-            </a:r>
-            <a:r>
-              <a:rPr lang="en-US" altLang="zh-CN" sz="2000"/>
-              <a:t>css</a:t>
-            </a:r>
-            <a:r>
-              <a:rPr lang="zh-CN" altLang="en-US" sz="2000"/>
-              <a:t>，</a:t>
-            </a:r>
-            <a:r>
-              <a:rPr lang="en-US" altLang="zh-CN" sz="2000"/>
-              <a:t>js</a:t>
-            </a:r>
-            <a:r>
-              <a:rPr lang="zh-CN" altLang="en-US" sz="2000"/>
-              <a:t>；不了解任何其他技术（</a:t>
-            </a:r>
-            <a:r>
-              <a:rPr lang="en-US" altLang="zh-CN" sz="2000"/>
-              <a:t>less/scss/es6/ts/vue)</a:t>
-            </a:r>
-            <a:endParaRPr lang="en-US" altLang="zh-CN" sz="2000"/>
-          </a:p>
-          <a:p>
-            <a:pPr marL="514350" indent="-514350">
-              <a:buAutoNum type="arabicPeriod"/>
-            </a:pPr>
-            <a:r>
-              <a:rPr lang="zh-CN" altLang="en-US" sz="2000"/>
-              <a:t>不了解代码设计；如：</a:t>
-            </a:r>
-            <a:r>
-              <a:rPr lang="zh-CN" altLang="en-US" sz="2000">
-                <a:sym typeface="+mn-ea"/>
-              </a:rPr>
-              <a:t>代码优化，设计模式；</a:t>
-            </a:r>
-            <a:endParaRPr lang="zh-CN" altLang="en-US" sz="2000">
-              <a:sym typeface="+mn-ea"/>
-            </a:endParaRPr>
-          </a:p>
-          <a:p>
-            <a:pPr marL="514350" indent="-514350">
-              <a:buAutoNum type="arabicPeriod"/>
-            </a:pPr>
-            <a:r>
-              <a:rPr lang="zh-CN" altLang="en-US" sz="2000">
-                <a:sym typeface="+mn-ea"/>
-              </a:rPr>
-              <a:t>太多干扰；如：</a:t>
-            </a:r>
-            <a:r>
-              <a:rPr lang="en-US" altLang="zh-CN" sz="2000">
-                <a:sym typeface="+mn-ea"/>
-              </a:rPr>
-              <a:t>grunt</a:t>
-            </a:r>
-            <a:r>
-              <a:rPr lang="zh-CN" altLang="en-US" sz="2000">
-                <a:sym typeface="+mn-ea"/>
-              </a:rPr>
-              <a:t>，</a:t>
-            </a:r>
-            <a:r>
-              <a:rPr lang="en-US" altLang="zh-CN" sz="2000">
-                <a:sym typeface="+mn-ea"/>
-              </a:rPr>
-              <a:t>gulp</a:t>
-            </a:r>
-            <a:r>
-              <a:rPr lang="zh-CN" altLang="en-US" sz="2000">
-                <a:sym typeface="+mn-ea"/>
-              </a:rPr>
-              <a:t>，</a:t>
-            </a:r>
-            <a:r>
-              <a:rPr lang="en-US" altLang="zh-CN" sz="2000">
-                <a:sym typeface="+mn-ea"/>
-              </a:rPr>
-              <a:t>AMD</a:t>
-            </a:r>
-            <a:r>
-              <a:rPr lang="zh-CN" altLang="en-US" sz="2000">
-                <a:sym typeface="+mn-ea"/>
-              </a:rPr>
-              <a:t>，</a:t>
-            </a:r>
-            <a:r>
-              <a:rPr lang="en-US" altLang="zh-CN" sz="2000">
-                <a:sym typeface="+mn-ea"/>
-              </a:rPr>
-              <a:t>CMD</a:t>
-            </a:r>
-            <a:r>
-              <a:rPr lang="zh-CN" altLang="en-US" sz="2000">
-                <a:sym typeface="+mn-ea"/>
-              </a:rPr>
-              <a:t>；他们是什么关系？</a:t>
-            </a:r>
-            <a:endParaRPr lang="zh-CN" altLang="en-US" sz="2000">
-              <a:sym typeface="+mn-ea"/>
-            </a:endParaRPr>
-          </a:p>
-          <a:p>
-            <a:pPr marL="514350" indent="-514350">
-              <a:buAutoNum type="arabicPeriod"/>
-            </a:pPr>
-            <a:r>
-              <a:rPr lang="zh-CN" altLang="en-US" sz="2000">
-                <a:sym typeface="+mn-ea"/>
-              </a:rPr>
-              <a:t>最后，能用</a:t>
-            </a:r>
-            <a:r>
-              <a:rPr lang="en-US" altLang="zh-CN" sz="2000">
-                <a:sym typeface="+mn-ea"/>
-              </a:rPr>
-              <a:t>vue-cli</a:t>
-            </a:r>
-            <a:r>
-              <a:rPr lang="zh-CN" altLang="en-US" sz="2000">
-                <a:sym typeface="+mn-ea"/>
-              </a:rPr>
-              <a:t>直接搭建项目了。能直接跑通一个项目了。说所以也就没有具体关心</a:t>
-            </a:r>
-            <a:r>
-              <a:rPr lang="en-US" altLang="zh-CN" sz="2000">
-                <a:sym typeface="+mn-ea"/>
-              </a:rPr>
-              <a:t>webpack</a:t>
-            </a:r>
-            <a:r>
-              <a:rPr lang="zh-CN" altLang="en-US" sz="2000">
-                <a:sym typeface="+mn-ea"/>
-              </a:rPr>
-              <a:t>及其配置；更别说优化了。</a:t>
-            </a:r>
-            <a:endParaRPr lang="zh-CN" altLang="en-US" sz="2000">
-              <a:sym typeface="+mn-ea"/>
-            </a:endParaRPr>
-          </a:p>
-          <a:p>
-            <a:pPr marL="514350" indent="-514350">
-              <a:buAutoNum type="arabicPeriod"/>
-            </a:pPr>
-            <a:endParaRPr lang="zh-CN" altLang="en-US" sz="2000"/>
+          <a:bodyPr/>
+          <a:p>
+            <a:r>
+              <a:rPr lang="zh-CN" altLang="en-US"/>
+              <a:t>在刚开始学习程序的时候，我并不觉得多写一行代码，</a:t>
+            </a:r>
+            <a:r>
+              <a:rPr lang="zh-CN" altLang="en-US">
+                <a:solidFill>
+                  <a:srgbClr val="FF0000"/>
+                </a:solidFill>
+              </a:rPr>
+              <a:t>多引一个文件会有什么问题？</a:t>
+            </a:r>
+            <a:r>
+              <a:rPr lang="zh-CN" altLang="en-US"/>
+              <a:t>在我当时的要求里面，学会能用就行。并没有考虑到带来的复杂后果。</a:t>
+            </a:r>
+            <a:endParaRPr lang="zh-CN" altLang="en-US"/>
+          </a:p>
+          <a:p>
+            <a:endParaRPr lang="zh-CN" altLang="en-US"/>
+          </a:p>
+          <a:p>
+            <a:r>
+              <a:rPr lang="zh-CN" altLang="en-US"/>
+              <a:t>然而。。。</a:t>
+            </a:r>
+            <a:endParaRPr lang="zh-CN" altLang="en-US"/>
           </a:p>
         </p:txBody>
       </p:sp>
@@ -4769,91 +5039,7 @@
 </p:sld>
 </file>
 
-<file path=ppt/slides/slide20.xml><?xml version="1.0" encoding="utf-8"?>
-<p:sld xmlns:a="http://schemas.openxmlformats.org/drawingml/2006/main" xmlns:r="http://schemas.openxmlformats.org/officeDocument/2006/relationships" xmlns:p="http://schemas.openxmlformats.org/presentationml/2006/main">
-  <p:cSld>
-    <p:spTree>
-      <p:nvGrpSpPr>
-        <p:cNvPr id="1" name=""/>
-        <p:cNvGrpSpPr/>
-        <p:nvPr/>
-      </p:nvGrpSpPr>
-      <p:grpSpPr/>
-      <p:sp>
-        <p:nvSpPr>
-          <p:cNvPr id="2" name="标题 1"/>
-          <p:cNvSpPr>
-            <a:spLocks noGrp="1"/>
-          </p:cNvSpPr>
-          <p:nvPr>
-            <p:ph type="title"/>
-          </p:nvPr>
-        </p:nvSpPr>
-        <p:spPr/>
-        <p:txBody>
-          <a:bodyPr/>
-          <a:p>
-            <a:r>
-              <a:rPr lang="zh-CN" altLang="en-US"/>
-              <a:t>我的故事</a:t>
-            </a:r>
-            <a:endParaRPr lang="zh-CN" altLang="en-US"/>
-          </a:p>
-        </p:txBody>
-      </p:sp>
-      <p:sp>
-        <p:nvSpPr>
-          <p:cNvPr id="3" name="内容占位符 2"/>
-          <p:cNvSpPr>
-            <a:spLocks noGrp="1"/>
-          </p:cNvSpPr>
-          <p:nvPr>
-            <p:ph idx="1"/>
-          </p:nvPr>
-        </p:nvSpPr>
-        <p:spPr/>
-        <p:txBody>
-          <a:bodyPr/>
-          <a:p>
-            <a:r>
-              <a:rPr lang="zh-CN" altLang="en-US"/>
-              <a:t>在刚开始学习程序的时候，我并不觉得多写一行代码，</a:t>
-            </a:r>
-            <a:r>
-              <a:rPr lang="zh-CN" altLang="en-US">
-                <a:solidFill>
-                  <a:srgbClr val="FF0000"/>
-                </a:solidFill>
-              </a:rPr>
-              <a:t>多引一个文件会有什么问题？</a:t>
-            </a:r>
-            <a:r>
-              <a:rPr lang="zh-CN" altLang="en-US"/>
-              <a:t>在我当时的要求里面，学会能用就行。并没有考虑到带来的复杂后果。</a:t>
-            </a:r>
-            <a:endParaRPr lang="zh-CN" altLang="en-US"/>
-          </a:p>
-          <a:p>
-            <a:endParaRPr lang="zh-CN" altLang="en-US"/>
-          </a:p>
-          <a:p>
-            <a:r>
-              <a:rPr lang="zh-CN" altLang="en-US"/>
-              <a:t>然而。。。</a:t>
-            </a:r>
-            <a:endParaRPr lang="zh-CN" altLang="en-US"/>
-          </a:p>
-        </p:txBody>
-      </p:sp>
-    </p:spTree>
-  </p:cSld>
-  <p:clrMapOvr>
-    <a:masterClrMapping/>
-  </p:clrMapOvr>
-</p:sld>
-</file>
-
-<file path=ppt/slides/slide21.xml><?xml version="1.0" encoding="utf-8"?>
+<file path=ppt/slides/slide22.xml><?xml version="1.0" encoding="utf-8"?>
 <p:sld xmlns:a="http://schemas.openxmlformats.org/drawingml/2006/main" xmlns:r="http://schemas.openxmlformats.org/officeDocument/2006/relationships" xmlns:p="http://schemas.openxmlformats.org/presentationml/2006/main">
   <p:cSld>
     <p:spTree>
@@ -4919,7 +5105,7 @@
 </p:sld>
 </file>
 
-<file path=ppt/slides/slide22.xml><?xml version="1.0" encoding="utf-8"?>
+<file path=ppt/slides/slide23.xml><?xml version="1.0" encoding="utf-8"?>
 <p:sld xmlns:a="http://schemas.openxmlformats.org/drawingml/2006/main" xmlns:r="http://schemas.openxmlformats.org/officeDocument/2006/relationships" xmlns:p="http://schemas.openxmlformats.org/presentationml/2006/main">
   <p:cSld>
     <p:spTree>
@@ -4994,7 +5180,17 @@
             </a:r>
             <a:r>
               <a:rPr lang="zh-CN" altLang="en-US"/>
-              <a:t>。特别有一次需求里，需要删除某一个依赖，本来只需要删除这一个依赖文件即可，但是我又是一个不喜欢文件中留有冗余代码的人。所以就要删除两个甚至更多的文件。这些工作都相对的增加了工作的复杂度。</a:t>
+              <a:t>。</a:t>
+            </a:r>
+            <a:endParaRPr lang="zh-CN" altLang="en-US"/>
+          </a:p>
+          <a:p>
+            <a:endParaRPr lang="zh-CN" altLang="en-US"/>
+          </a:p>
+          <a:p>
+            <a:r>
+              <a:rPr lang="zh-CN" altLang="en-US"/>
+              <a:t>特别有一次需求里，需要删除某一个依赖，本来只需要删除这一个依赖文件即可，但是我又是一个不喜欢文件中留有冗余代码的人。所以就要删除两个甚至更多的文件。这些工作都相对的增加了工作的复杂度。</a:t>
             </a:r>
             <a:endParaRPr lang="zh-CN" altLang="en-US"/>
           </a:p>
@@ -5008,7 +5204,7 @@
 </p:sld>
 </file>
 
-<file path=ppt/slides/slide23.xml><?xml version="1.0" encoding="utf-8"?>
+<file path=ppt/slides/slide24.xml><?xml version="1.0" encoding="utf-8"?>
 <p:sld xmlns:a="http://schemas.openxmlformats.org/drawingml/2006/main" xmlns:r="http://schemas.openxmlformats.org/officeDocument/2006/relationships" xmlns:p="http://schemas.openxmlformats.org/presentationml/2006/main">
   <p:cSld>
     <p:spTree>
@@ -5195,7 +5391,7 @@
 </p:sld>
 </file>
 
-<file path=ppt/slides/slide24.xml><?xml version="1.0" encoding="utf-8"?>
+<file path=ppt/slides/slide25.xml><?xml version="1.0" encoding="utf-8"?>
 <p:sld xmlns:a="http://schemas.openxmlformats.org/drawingml/2006/main" xmlns:r="http://schemas.openxmlformats.org/officeDocument/2006/relationships" xmlns:p="http://schemas.openxmlformats.org/presentationml/2006/main">
   <p:cSld>
     <p:spTree>
@@ -5274,7 +5470,7 @@
         <p:spPr>
           <a:xfrm>
             <a:off x="838200" y="1825625"/>
-            <a:ext cx="6706235" cy="4719955"/>
+            <a:ext cx="6087745" cy="4284345"/>
           </a:xfrm>
           <a:prstGeom prst="rect">
             <a:avLst/>
@@ -5289,7 +5485,7 @@
 </p:sld>
 </file>
 
-<file path=ppt/slides/slide25.xml><?xml version="1.0" encoding="utf-8"?>
+<file path=ppt/slides/slide26.xml><?xml version="1.0" encoding="utf-8"?>
 <p:sld xmlns:a="http://schemas.openxmlformats.org/drawingml/2006/main" xmlns:r="http://schemas.openxmlformats.org/officeDocument/2006/relationships" xmlns:p="http://schemas.openxmlformats.org/presentationml/2006/main">
   <p:cSld>
     <p:spTree>
@@ -5347,7 +5543,7 @@
 </p:sld>
 </file>
 
-<file path=ppt/slides/slide26.xml><?xml version="1.0" encoding="utf-8"?>
+<file path=ppt/slides/slide27.xml><?xml version="1.0" encoding="utf-8"?>
 <p:sld xmlns:a="http://schemas.openxmlformats.org/drawingml/2006/main" xmlns:r="http://schemas.openxmlformats.org/officeDocument/2006/relationships" xmlns:p="http://schemas.openxmlformats.org/presentationml/2006/main">
   <p:cSld>
     <p:spTree>
@@ -5429,7 +5625,7 @@
 </p:sld>
 </file>
 
-<file path=ppt/slides/slide27.xml><?xml version="1.0" encoding="utf-8"?>
+<file path=ppt/slides/slide28.xml><?xml version="1.0" encoding="utf-8"?>
 <p:sld xmlns:a="http://schemas.openxmlformats.org/drawingml/2006/main" xmlns:r="http://schemas.openxmlformats.org/officeDocument/2006/relationships" xmlns:p="http://schemas.openxmlformats.org/presentationml/2006/main">
   <p:cSld>
     <p:spTree>
@@ -5507,219 +5703,6 @@
 </p:sld>
 </file>
 
-<file path=ppt/slides/slide28.xml><?xml version="1.0" encoding="utf-8"?>
-<p:sld xmlns:a="http://schemas.openxmlformats.org/drawingml/2006/main" xmlns:r="http://schemas.openxmlformats.org/officeDocument/2006/relationships" xmlns:p="http://schemas.openxmlformats.org/presentationml/2006/main">
-  <p:cSld>
-    <p:spTree>
-      <p:nvGrpSpPr>
-        <p:cNvPr id="1" name=""/>
-        <p:cNvGrpSpPr/>
-        <p:nvPr/>
-      </p:nvGrpSpPr>
-      <p:grpSpPr/>
-      <p:sp>
-        <p:nvSpPr>
-          <p:cNvPr id="2" name="标题 1"/>
-          <p:cNvSpPr>
-            <a:spLocks noGrp="1"/>
-          </p:cNvSpPr>
-          <p:nvPr>
-            <p:ph type="title"/>
-          </p:nvPr>
-        </p:nvSpPr>
-        <p:spPr>
-          <a:xfrm>
-            <a:off x="838200" y="356870"/>
-            <a:ext cx="10515600" cy="1325563"/>
-          </a:xfrm>
-        </p:spPr>
-        <p:txBody>
-          <a:bodyPr/>
-          <a:p>
-            <a:endParaRPr lang="zh-CN" altLang="en-US"/>
-          </a:p>
-        </p:txBody>
-      </p:sp>
-      <p:sp>
-        <p:nvSpPr>
-          <p:cNvPr id="3" name="内容占位符 2"/>
-          <p:cNvSpPr>
-            <a:spLocks noGrp="1"/>
-          </p:cNvSpPr>
-          <p:nvPr>
-            <p:ph idx="1"/>
-          </p:nvPr>
-        </p:nvSpPr>
-        <p:spPr/>
-        <p:txBody>
-          <a:bodyPr/>
-          <a:p>
-            <a:r>
-              <a:rPr lang="zh-CN" altLang="en-US"/>
-              <a:t>刚才已经从代码优化，可维护性，模块化思维的角度，阐述了构建工具的好处。</a:t>
-            </a:r>
-            <a:endParaRPr lang="zh-CN" altLang="en-US"/>
-          </a:p>
-          <a:p>
-            <a:endParaRPr lang="zh-CN" altLang="en-US"/>
-          </a:p>
-          <a:p>
-            <a:r>
-              <a:rPr lang="zh-CN" altLang="en-US"/>
-              <a:t>其他原因：</a:t>
-            </a:r>
-            <a:endParaRPr lang="zh-CN" altLang="en-US"/>
-          </a:p>
-          <a:p>
-            <a:pPr lvl="1"/>
-            <a:r>
-              <a:rPr lang="zh-CN" altLang="en-US"/>
-              <a:t>新框架： </a:t>
-            </a:r>
-            <a:r>
-              <a:rPr lang="en-US" altLang="zh-CN"/>
-              <a:t>Vue</a:t>
-            </a:r>
-            <a:r>
-              <a:rPr lang="zh-CN" altLang="en-US"/>
-              <a:t>（</a:t>
-            </a:r>
-            <a:r>
-              <a:rPr lang="en-US" altLang="zh-CN"/>
-              <a:t>.vue</a:t>
-            </a:r>
-            <a:r>
-              <a:rPr lang="zh-CN" altLang="en-US"/>
-              <a:t>）；</a:t>
-            </a:r>
-            <a:r>
-              <a:rPr lang="en-US" altLang="zh-CN"/>
-              <a:t>React</a:t>
-            </a:r>
-            <a:r>
-              <a:rPr lang="zh-CN" altLang="en-US"/>
-              <a:t>（</a:t>
-            </a:r>
-            <a:r>
-              <a:rPr lang="en-US" altLang="zh-CN"/>
-              <a:t>.</a:t>
-            </a:r>
-            <a:r>
-              <a:rPr lang="en-US" altLang="zh-CN"/>
-              <a:t>jsx</a:t>
-            </a:r>
-            <a:r>
-              <a:rPr lang="zh-CN" altLang="en-US"/>
-              <a:t>）</a:t>
-            </a:r>
-            <a:r>
-              <a:rPr lang="zh-CN" altLang="en-US"/>
-              <a:t>；</a:t>
-            </a:r>
-            <a:r>
-              <a:rPr lang="en-US" altLang="zh-CN"/>
-              <a:t>Angular</a:t>
-            </a:r>
-            <a:r>
-              <a:rPr lang="zh-CN" altLang="en-US"/>
-              <a:t>；</a:t>
-            </a:r>
-            <a:endParaRPr lang="zh-CN" altLang="en-US"/>
-          </a:p>
-          <a:p>
-            <a:pPr lvl="1"/>
-            <a:r>
-              <a:rPr lang="zh-CN" altLang="en-US"/>
-              <a:t>新语言：</a:t>
-            </a:r>
-            <a:r>
-              <a:rPr lang="en-US" altLang="zh-CN"/>
-              <a:t>ES6</a:t>
-            </a:r>
-            <a:r>
-              <a:rPr lang="zh-CN" altLang="en-US"/>
-              <a:t>（</a:t>
-            </a:r>
-            <a:r>
-              <a:rPr lang="zh-CN" altLang="en-US">
-                <a:solidFill>
-                  <a:srgbClr val="FF0000"/>
-                </a:solidFill>
-              </a:rPr>
-              <a:t>新语法</a:t>
-            </a:r>
-            <a:r>
-              <a:rPr lang="zh-CN" altLang="en-US"/>
-              <a:t>）</a:t>
-            </a:r>
-            <a:r>
-              <a:rPr lang="zh-CN" altLang="en-US"/>
-              <a:t>；</a:t>
-            </a:r>
-            <a:r>
-              <a:rPr lang="en-US" altLang="zh-CN"/>
-              <a:t>Typescript</a:t>
-            </a:r>
-            <a:r>
-              <a:rPr lang="zh-CN" altLang="en-US"/>
-              <a:t>（</a:t>
-            </a:r>
-            <a:r>
-              <a:rPr lang="zh-CN" altLang="en-US">
-                <a:solidFill>
-                  <a:srgbClr val="FF0000"/>
-                </a:solidFill>
-              </a:rPr>
-              <a:t>类型校验</a:t>
-            </a:r>
-            <a:r>
-              <a:rPr lang="zh-CN" altLang="en-US"/>
-              <a:t>能力）</a:t>
-            </a:r>
-            <a:r>
-              <a:rPr lang="zh-CN" altLang="en-US"/>
-              <a:t>；</a:t>
-            </a:r>
-            <a:r>
-              <a:rPr lang="en-US" altLang="zh-CN"/>
-              <a:t>Flow</a:t>
-            </a:r>
-            <a:r>
-              <a:rPr lang="zh-CN" altLang="en-US"/>
-              <a:t>；</a:t>
-            </a:r>
-            <a:r>
-              <a:rPr lang="en-US" altLang="zh-CN"/>
-              <a:t>SCSS/LESS</a:t>
-            </a:r>
-            <a:r>
-              <a:rPr lang="zh-CN" altLang="en-US"/>
-              <a:t>等等；</a:t>
-            </a:r>
-            <a:endParaRPr lang="zh-CN" altLang="en-US"/>
-          </a:p>
-          <a:p>
-            <a:pPr lvl="1"/>
-            <a:r>
-              <a:rPr lang="zh-CN" altLang="en-US"/>
-              <a:t>性能优化：缓存，多线程，</a:t>
-            </a:r>
-            <a:r>
-              <a:rPr lang="en-US" altLang="zh-CN"/>
-              <a:t>tree-shaking;</a:t>
-            </a:r>
-            <a:endParaRPr lang="en-US" altLang="zh-CN"/>
-          </a:p>
-        </p:txBody>
-      </p:sp>
-    </p:spTree>
-  </p:cSld>
-  <p:clrMapOvr>
-    <a:masterClrMapping/>
-  </p:clrMapOvr>
-</p:sld>
-</file>
-
 <file path=ppt/slides/slide29.xml><?xml version="1.0" encoding="utf-8"?>
 <p:sld xmlns:a="http://schemas.openxmlformats.org/drawingml/2006/main" xmlns:r="http://schemas.openxmlformats.org/officeDocument/2006/relationships" xmlns:p="http://schemas.openxmlformats.org/presentationml/2006/main">
   <p:cSld>
@@ -5740,7 +5723,12 @@
             <p:ph type="title"/>
           </p:nvPr>
         </p:nvSpPr>
-        <p:spPr/>
+        <p:spPr>
+          <a:xfrm>
+            <a:off x="838200" y="356870"/>
+            <a:ext cx="10515600" cy="1325563"/>
+          </a:xfrm>
+        </p:spPr>
         <p:txBody>
           <a:bodyPr/>
           <a:p>
@@ -5762,50 +5750,161 @@
         <p:txBody>
           <a:bodyPr/>
           <a:p>
-            <a:pPr marL="0" indent="0" algn="ctr">
-              <a:buNone/>
-            </a:pPr>
-            <a:endParaRPr lang="zh-CN" altLang="en-US" sz="4400">
-              <a:sym typeface="+mn-ea"/>
-            </a:endParaRPr>
-          </a:p>
-          <a:p>
-            <a:pPr marL="0" indent="0" algn="ctr">
-              <a:buNone/>
-            </a:pPr>
-            <a:endParaRPr lang="zh-CN" altLang="en-US" sz="4400">
-              <a:sym typeface="+mn-ea"/>
-            </a:endParaRPr>
-          </a:p>
-          <a:p>
-            <a:pPr marL="0" indent="0" algn="ctr">
-              <a:buNone/>
-            </a:pPr>
-            <a:r>
-              <a:rPr lang="zh-CN" sz="4400">
-                <a:sym typeface="+mn-ea"/>
-              </a:rPr>
-              <a:t>第二章</a:t>
-            </a:r>
-            <a:endParaRPr lang="zh-CN" sz="4400">
-              <a:sym typeface="+mn-ea"/>
-            </a:endParaRPr>
-          </a:p>
-          <a:p>
-            <a:pPr marL="0" indent="0" algn="ctr">
-              <a:buNone/>
-            </a:pPr>
-            <a:r>
-              <a:rPr lang="zh-CN" altLang="en-US" sz="4400">
-                <a:sym typeface="+mn-ea"/>
-              </a:rPr>
-              <a:t>初识构建工具</a:t>
-            </a:r>
-            <a:endParaRPr lang="zh-CN" altLang="en-US" sz="4400"/>
-          </a:p>
-          <a:p>
-            <a:pPr algn="ctr"/>
-            <a:endParaRPr lang="zh-CN" altLang="en-US" sz="4400"/>
+            <a:r>
+              <a:rPr lang="zh-CN" altLang="en-US"/>
+              <a:t>刚才已经从代码优化，可维护性，模块化思维的角度，阐述了构建工具的好处。</a:t>
+            </a:r>
+            <a:endParaRPr lang="zh-CN" altLang="en-US"/>
+          </a:p>
+          <a:p>
+            <a:endParaRPr lang="zh-CN" altLang="en-US"/>
+          </a:p>
+          <a:p>
+            <a:r>
+              <a:rPr lang="zh-CN" altLang="en-US"/>
+              <a:t>其他原因：</a:t>
+            </a:r>
+            <a:endParaRPr lang="zh-CN" altLang="en-US"/>
+          </a:p>
+          <a:p>
+            <a:pPr lvl="1"/>
+            <a:r>
+              <a:rPr lang="zh-CN" altLang="en-US"/>
+              <a:t>新框架： </a:t>
+            </a:r>
+            <a:r>
+              <a:rPr lang="en-US" altLang="zh-CN"/>
+              <a:t>Vue</a:t>
+            </a:r>
+            <a:r>
+              <a:rPr lang="zh-CN" altLang="en-US"/>
+              <a:t>（</a:t>
+            </a:r>
+            <a:r>
+              <a:rPr lang="en-US" altLang="zh-CN"/>
+              <a:t>.vue</a:t>
+            </a:r>
+            <a:r>
+              <a:rPr lang="zh-CN" altLang="en-US"/>
+              <a:t>）；</a:t>
+            </a:r>
+            <a:r>
+              <a:rPr lang="en-US" altLang="zh-CN"/>
+              <a:t>React</a:t>
+            </a:r>
+            <a:r>
+              <a:rPr lang="zh-CN" altLang="en-US"/>
+              <a:t>（</a:t>
+            </a:r>
+            <a:r>
+              <a:rPr lang="en-US" altLang="zh-CN"/>
+              <a:t>.</a:t>
+            </a:r>
+            <a:r>
+              <a:rPr lang="en-US" altLang="zh-CN"/>
+              <a:t>jsx</a:t>
+            </a:r>
+            <a:r>
+              <a:rPr lang="zh-CN" altLang="en-US"/>
+              <a:t>）</a:t>
+            </a:r>
+            <a:r>
+              <a:rPr lang="zh-CN" altLang="en-US"/>
+              <a:t>；</a:t>
+            </a:r>
+            <a:r>
+              <a:rPr lang="en-US" altLang="zh-CN"/>
+              <a:t>Angular</a:t>
+            </a:r>
+            <a:r>
+              <a:rPr lang="zh-CN" altLang="en-US"/>
+              <a:t>；</a:t>
+            </a:r>
+            <a:endParaRPr lang="zh-CN" altLang="en-US"/>
+          </a:p>
+          <a:p>
+            <a:pPr lvl="1"/>
+            <a:r>
+              <a:rPr lang="zh-CN" altLang="en-US"/>
+              <a:t>新语言：</a:t>
+            </a:r>
+            <a:r>
+              <a:rPr lang="en-US" altLang="zh-CN"/>
+              <a:t>ES6</a:t>
+            </a:r>
+            <a:r>
+              <a:rPr lang="zh-CN" altLang="en-US"/>
+              <a:t>（</a:t>
+            </a:r>
+            <a:r>
+              <a:rPr lang="zh-CN" altLang="en-US">
+                <a:solidFill>
+                  <a:srgbClr val="FF0000"/>
+                </a:solidFill>
+              </a:rPr>
+              <a:t>新语法</a:t>
+            </a:r>
+            <a:r>
+              <a:rPr lang="zh-CN" altLang="en-US"/>
+              <a:t>）</a:t>
+            </a:r>
+            <a:r>
+              <a:rPr lang="zh-CN" altLang="en-US"/>
+              <a:t>；</a:t>
+            </a:r>
+            <a:r>
+              <a:rPr lang="en-US" altLang="zh-CN"/>
+              <a:t>Typescript</a:t>
+            </a:r>
+            <a:r>
+              <a:rPr lang="zh-CN" altLang="en-US"/>
+              <a:t>（</a:t>
+            </a:r>
+            <a:r>
+              <a:rPr lang="zh-CN" altLang="en-US">
+                <a:solidFill>
+                  <a:srgbClr val="FF0000"/>
+                </a:solidFill>
+              </a:rPr>
+              <a:t>类型校验</a:t>
+            </a:r>
+            <a:r>
+              <a:rPr lang="zh-CN" altLang="en-US"/>
+              <a:t>能力）</a:t>
+            </a:r>
+            <a:r>
+              <a:rPr lang="zh-CN" altLang="en-US"/>
+              <a:t>；</a:t>
+            </a:r>
+            <a:r>
+              <a:rPr lang="en-US" altLang="zh-CN"/>
+              <a:t>Flow</a:t>
+            </a:r>
+            <a:r>
+              <a:rPr lang="zh-CN" altLang="en-US"/>
+              <a:t>；</a:t>
+            </a:r>
+            <a:r>
+              <a:rPr lang="en-US" altLang="zh-CN"/>
+              <a:t>SCSS/LESS</a:t>
+            </a:r>
+            <a:r>
+              <a:rPr lang="zh-CN" altLang="en-US"/>
+              <a:t>等等；</a:t>
+            </a:r>
+            <a:endParaRPr lang="zh-CN" altLang="en-US"/>
+          </a:p>
+          <a:p>
+            <a:pPr lvl="1"/>
+            <a:r>
+              <a:rPr lang="zh-CN" altLang="en-US"/>
+              <a:t>性能优化：缓存，多线程，</a:t>
+            </a:r>
+            <a:r>
+              <a:rPr lang="en-US" altLang="zh-CN"/>
+              <a:t>tree-shaking;</a:t>
+            </a:r>
+            <a:endParaRPr lang="en-US" altLang="zh-CN"/>
           </a:p>
         </p:txBody>
       </p:sp>
@@ -5862,7 +5961,7 @@
         <p:spPr/>
         <p:txBody>
           <a:bodyPr>
-            <a:normAutofit fontScale="90000" lnSpcReduction="20000"/>
+            <a:normAutofit fontScale="50000"/>
           </a:bodyPr>
           <a:p>
             <a:r>
@@ -6000,31 +6099,77 @@
             </a:r>
             <a:r>
               <a:rPr lang="zh-CN" altLang="en-US"/>
-              <a:t>的配置属性（很多很细，不一定详细讲解。）</a:t>
-            </a:r>
-            <a:endParaRPr lang="zh-CN" altLang="en-US"/>
-          </a:p>
-          <a:p>
-            <a:endParaRPr lang="zh-CN" altLang="en-US"/>
-          </a:p>
-          <a:p>
-            <a:r>
-              <a:rPr lang="zh-CN" altLang="en-US"/>
-              <a:t>四：联系实际工作（代理服务器，服务器打包（</a:t>
-            </a:r>
-            <a:r>
-              <a:rPr lang="en-US" altLang="zh-CN"/>
-              <a:t>jenkins</a:t>
-            </a:r>
-            <a:r>
-              <a:rPr lang="zh-CN" altLang="en-US"/>
-              <a:t>结合</a:t>
-            </a:r>
-            <a:r>
-              <a:rPr lang="zh-CN" altLang="en-US"/>
-              <a:t>））</a:t>
-            </a:r>
-            <a:endParaRPr lang="zh-CN" altLang="en-US"/>
+              <a:t>原理</a:t>
+            </a:r>
+            <a:endParaRPr lang="zh-CN" altLang="en-US"/>
+          </a:p>
+          <a:p>
+            <a:pPr lvl="1"/>
+            <a:r>
+              <a:rPr lang="zh-CN" altLang="en-US"/>
+              <a:t>核心流程</a:t>
+            </a:r>
+            <a:endParaRPr lang="zh-CN" altLang="en-US"/>
+          </a:p>
+          <a:p>
+            <a:endParaRPr lang="zh-CN" altLang="en-US"/>
+          </a:p>
+          <a:p>
+            <a:r>
+              <a:rPr lang="zh-CN" altLang="en-US"/>
+              <a:t>四：</a:t>
+            </a:r>
+            <a:r>
+              <a:rPr lang="en-US" altLang="zh-CN">
+                <a:sym typeface="+mn-ea"/>
+              </a:rPr>
+              <a:t>webpack</a:t>
+            </a:r>
+            <a:r>
+              <a:rPr lang="zh-CN" altLang="en-US">
+                <a:sym typeface="+mn-ea"/>
+              </a:rPr>
+              <a:t>配置</a:t>
+            </a:r>
+            <a:endParaRPr lang="zh-CN" altLang="en-US">
+              <a:sym typeface="+mn-ea"/>
+            </a:endParaRPr>
+          </a:p>
+          <a:p>
+            <a:pPr lvl="1"/>
+            <a:r>
+              <a:rPr lang="en-US" altLang="zh-CN">
+                <a:sym typeface="+mn-ea"/>
+              </a:rPr>
+              <a:t>entry</a:t>
+            </a:r>
+            <a:endParaRPr lang="en-US" altLang="zh-CN">
+              <a:sym typeface="+mn-ea"/>
+            </a:endParaRPr>
+          </a:p>
+          <a:p>
+            <a:pPr lvl="1"/>
+            <a:r>
+              <a:rPr lang="en-US" altLang="zh-CN">
+                <a:sym typeface="+mn-ea"/>
+              </a:rPr>
+              <a:t>output</a:t>
+            </a:r>
+            <a:endParaRPr lang="en-US" altLang="zh-CN">
+              <a:sym typeface="+mn-ea"/>
+            </a:endParaRPr>
+          </a:p>
+          <a:p>
+            <a:pPr lvl="1"/>
+            <a:r>
+              <a:rPr lang="en-US" altLang="zh-CN">
+                <a:sym typeface="+mn-ea"/>
+              </a:rPr>
+              <a:t>devserver</a:t>
+            </a:r>
+            <a:endParaRPr lang="en-US" altLang="zh-CN">
+              <a:sym typeface="+mn-ea"/>
+            </a:endParaRPr>
           </a:p>
         </p:txBody>
       </p:sp>
@@ -6078,66 +6223,50 @@
         <p:txBody>
           <a:bodyPr/>
           <a:p>
-            <a:pPr marL="457200" lvl="1" indent="0">
+            <a:pPr marL="0" indent="0" algn="ctr">
               <a:buNone/>
             </a:pPr>
-            <a:r>
-              <a:rPr lang="zh-CN" altLang="en-US"/>
-              <a:t>在我初识</a:t>
-            </a:r>
-            <a:r>
-              <a:rPr lang="en-US" altLang="zh-CN"/>
-              <a:t>web</a:t>
-            </a:r>
-            <a:r>
-              <a:rPr lang="zh-CN" altLang="en-US"/>
-              <a:t>前端的时候，听到过几个前端构建工具。如</a:t>
-            </a:r>
-            <a:r>
-              <a:rPr lang="en-US" altLang="zh-CN"/>
-              <a:t>grunt</a:t>
-            </a:r>
-            <a:r>
-              <a:rPr lang="zh-CN" altLang="en-US"/>
-              <a:t>，</a:t>
-            </a:r>
-            <a:r>
-              <a:rPr lang="en-US" altLang="zh-CN"/>
-              <a:t>glup</a:t>
-            </a:r>
-            <a:r>
-              <a:rPr lang="zh-CN" altLang="en-US"/>
-              <a:t>，</a:t>
-            </a:r>
-            <a:r>
-              <a:rPr lang="en-US" altLang="zh-CN"/>
-              <a:t>webpack</a:t>
-            </a:r>
-            <a:r>
-              <a:rPr lang="zh-CN" altLang="en-US"/>
-              <a:t>。我当时连为什么要用这些工具都不知道！更不知道到底要选哪一个！于是都学习了下，都是一知半解，最终都忘掉。</a:t>
-            </a:r>
-            <a:endParaRPr lang="zh-CN" altLang="en-US"/>
-          </a:p>
-          <a:p>
-            <a:pPr marL="457200" lvl="1" indent="0">
+            <a:endParaRPr lang="zh-CN" altLang="en-US" sz="4400">
+              <a:sym typeface="+mn-ea"/>
+            </a:endParaRPr>
+          </a:p>
+          <a:p>
+            <a:pPr marL="0" indent="0" algn="ctr">
               <a:buNone/>
             </a:pPr>
-            <a:endParaRPr lang="zh-CN" altLang="en-US"/>
-          </a:p>
-          <a:p>
-            <a:pPr marL="457200" lvl="1" indent="0">
+            <a:endParaRPr lang="zh-CN" altLang="en-US" sz="4400">
+              <a:sym typeface="+mn-ea"/>
+            </a:endParaRPr>
+          </a:p>
+          <a:p>
+            <a:pPr marL="0" indent="0" algn="ctr">
               <a:buNone/>
             </a:pPr>
             <a:r>
-              <a:rPr lang="zh-CN" altLang="en-US"/>
-              <a:t>所以，我们这里先对其他构建工具了解下，列举出各个工具的优缺点。这样可以让我们更好的去理解</a:t>
-            </a:r>
-            <a:r>
-              <a:rPr lang="en-US" altLang="zh-CN"/>
-              <a:t>webpack</a:t>
-            </a:r>
-            <a:endParaRPr lang="en-US" altLang="zh-CN"/>
+              <a:rPr lang="zh-CN" sz="4400">
+                <a:sym typeface="+mn-ea"/>
+              </a:rPr>
+              <a:t>第二章</a:t>
+            </a:r>
+            <a:endParaRPr lang="zh-CN" sz="4400">
+              <a:sym typeface="+mn-ea"/>
+            </a:endParaRPr>
+          </a:p>
+          <a:p>
+            <a:pPr marL="0" indent="0" algn="ctr">
+              <a:buNone/>
+            </a:pPr>
+            <a:r>
+              <a:rPr lang="zh-CN" altLang="en-US" sz="4400">
+                <a:sym typeface="+mn-ea"/>
+              </a:rPr>
+              <a:t>初识构建工具</a:t>
+            </a:r>
+            <a:endParaRPr lang="zh-CN" altLang="en-US" sz="4400"/>
+          </a:p>
+          <a:p>
+            <a:pPr algn="ctr"/>
+            <a:endParaRPr lang="zh-CN" altLang="en-US" sz="4400"/>
           </a:p>
         </p:txBody>
       </p:sp>
@@ -6171,37 +6300,9 @@
         </p:nvSpPr>
         <p:spPr/>
         <p:txBody>
-          <a:bodyPr>
-            <a:normAutofit/>
-          </a:bodyPr>
-          <a:p>
-            <a:r>
-              <a:rPr lang="zh-CN" altLang="en-US">
-                <a:sym typeface="+mn-ea"/>
-              </a:rPr>
-              <a:t>听过的构建工具  （</a:t>
-            </a:r>
-            <a:r>
-              <a:rPr lang="en-US" altLang="zh-CN">
-                <a:sym typeface="+mn-ea"/>
-              </a:rPr>
-              <a:t>PS === </a:t>
-            </a:r>
-            <a:r>
-              <a:rPr lang="zh-CN" altLang="en-US">
-                <a:sym typeface="+mn-ea"/>
-              </a:rPr>
-              <a:t>游戏机</a:t>
-            </a:r>
-            <a:r>
-              <a:rPr lang="zh-CN" altLang="en-US">
-                <a:sym typeface="+mn-ea"/>
-              </a:rPr>
-              <a:t>）</a:t>
-            </a:r>
-            <a:endParaRPr lang="zh-CN" altLang="en-US">
-              <a:sym typeface="+mn-ea"/>
-            </a:endParaRPr>
+          <a:bodyPr/>
+          <a:p>
+            <a:endParaRPr lang="zh-CN" altLang="en-US"/>
           </a:p>
         </p:txBody>
       </p:sp>
@@ -6217,246 +6318,60 @@
         </p:nvSpPr>
         <p:spPr/>
         <p:txBody>
-          <a:bodyPr>
-            <a:normAutofit lnSpcReduction="10000"/>
-          </a:bodyPr>
-          <a:p>
-            <a:pPr marL="514350" indent="-514350">
-              <a:buAutoNum type="arabicPeriod"/>
+          <a:bodyPr/>
+          <a:p>
+            <a:pPr marL="457200" lvl="1" indent="0">
+              <a:buNone/>
             </a:pPr>
             <a:r>
-              <a:rPr lang="en-US" altLang="zh-CN">
-                <a:solidFill>
-                  <a:schemeClr val="accent6"/>
-                </a:solidFill>
-              </a:rPr>
-              <a:t>Grunt</a:t>
-            </a:r>
-            <a:r>
-              <a:rPr lang="zh-CN" altLang="en-US">
-                <a:solidFill>
-                  <a:schemeClr val="accent6"/>
-                </a:solidFill>
-              </a:rPr>
-              <a:t>（见的比较多）</a:t>
-            </a:r>
-            <a:endParaRPr lang="en-US" altLang="zh-CN">
-              <a:solidFill>
-                <a:schemeClr val="accent6"/>
-              </a:solidFill>
-            </a:endParaRPr>
-          </a:p>
-          <a:p>
-            <a:pPr marL="514350" indent="-514350">
-              <a:buAutoNum type="arabicPeriod"/>
+              <a:rPr lang="zh-CN" altLang="en-US"/>
+              <a:t>在我初识</a:t>
+            </a:r>
+            <a:r>
+              <a:rPr lang="en-US" altLang="zh-CN"/>
+              <a:t>web</a:t>
+            </a:r>
+            <a:r>
+              <a:rPr lang="zh-CN" altLang="en-US"/>
+              <a:t>前端的时候，听到过几个构建工具。如</a:t>
+            </a:r>
+            <a:r>
+              <a:rPr lang="en-US" altLang="zh-CN"/>
+              <a:t>grunt</a:t>
+            </a:r>
+            <a:r>
+              <a:rPr lang="zh-CN" altLang="en-US"/>
+              <a:t>，</a:t>
+            </a:r>
+            <a:r>
+              <a:rPr lang="en-US" altLang="zh-CN"/>
+              <a:t>glup</a:t>
+            </a:r>
+            <a:r>
+              <a:rPr lang="zh-CN" altLang="en-US"/>
+              <a:t>等。我当时连为什么要用这些工具都不知道！更不知道到底要选哪一个！于是都学习了下，都是一知半解，最终都忘掉。</a:t>
+            </a:r>
+            <a:endParaRPr lang="zh-CN" altLang="en-US"/>
+          </a:p>
+          <a:p>
+            <a:pPr marL="457200" lvl="1" indent="0">
+              <a:buNone/>
             </a:pPr>
-            <a:r>
-              <a:rPr lang="en-US" altLang="zh-CN">
-                <a:solidFill>
-                  <a:schemeClr val="accent6"/>
-                </a:solidFill>
-              </a:rPr>
-              <a:t>Gulp</a:t>
-            </a:r>
-            <a:r>
-              <a:rPr lang="zh-CN" altLang="en-US">
-                <a:solidFill>
-                  <a:schemeClr val="accent6"/>
-                </a:solidFill>
-                <a:sym typeface="+mn-ea"/>
-              </a:rPr>
-              <a:t>（见的比较多）</a:t>
-            </a:r>
-            <a:endParaRPr lang="en-US" altLang="zh-CN">
-              <a:solidFill>
-                <a:schemeClr val="accent6"/>
-              </a:solidFill>
-            </a:endParaRPr>
-          </a:p>
-          <a:p>
-            <a:pPr marL="514350" indent="-514350">
-              <a:buAutoNum type="arabicPeriod"/>
+            <a:endParaRPr lang="zh-CN" altLang="en-US"/>
+          </a:p>
+          <a:p>
+            <a:pPr marL="457200" lvl="1" indent="0">
+              <a:buNone/>
             </a:pPr>
             <a:r>
-              <a:rPr lang="en-US" altLang="zh-CN">
-                <a:solidFill>
-                  <a:srgbClr val="FFC000"/>
-                </a:solidFill>
-              </a:rPr>
-              <a:t>browserify</a:t>
-            </a:r>
-            <a:r>
-              <a:rPr lang="zh-CN" altLang="en-US">
-                <a:solidFill>
-                  <a:srgbClr val="FFC000"/>
-                </a:solidFill>
-                <a:sym typeface="+mn-ea"/>
-              </a:rPr>
-              <a:t>（见的比较少）</a:t>
-            </a:r>
-            <a:endParaRPr lang="en-US" altLang="zh-CN">
-              <a:solidFill>
-                <a:srgbClr val="FFC000"/>
-              </a:solidFill>
-            </a:endParaRPr>
-          </a:p>
-          <a:p>
-            <a:pPr marL="514350" indent="-514350">
-              <a:buAutoNum type="arabicPeriod"/>
-            </a:pPr>
-            <a:r>
-              <a:rPr lang="en-US" altLang="zh-CN">
-                <a:solidFill>
-                  <a:schemeClr val="bg1">
-                    <a:lumMod val="50000"/>
-                  </a:schemeClr>
-                </a:solidFill>
-              </a:rPr>
-              <a:t>Parcel</a:t>
-            </a:r>
-            <a:r>
-              <a:rPr lang="zh-CN" altLang="en-US">
-                <a:solidFill>
-                  <a:schemeClr val="bg1">
-                    <a:lumMod val="50000"/>
-                  </a:schemeClr>
-                </a:solidFill>
-              </a:rPr>
-              <a:t>（完全没听过）</a:t>
-            </a:r>
-            <a:endParaRPr lang="en-US" altLang="zh-CN">
-              <a:solidFill>
-                <a:schemeClr val="bg1">
-                  <a:lumMod val="50000"/>
-                </a:schemeClr>
-              </a:solidFill>
-            </a:endParaRPr>
-          </a:p>
-          <a:p>
-            <a:pPr marL="514350" indent="-514350">
-              <a:buAutoNum type="arabicPeriod"/>
-            </a:pPr>
-            <a:r>
-              <a:rPr lang="en-US" altLang="zh-CN">
-                <a:solidFill>
-                  <a:schemeClr val="bg1">
-                    <a:lumMod val="50000"/>
-                  </a:schemeClr>
-                </a:solidFill>
-              </a:rPr>
-              <a:t>Fis3</a:t>
-            </a:r>
-            <a:r>
-              <a:rPr lang="zh-CN" altLang="en-US">
-                <a:solidFill>
-                  <a:schemeClr val="bg1">
-                    <a:lumMod val="50000"/>
-                  </a:schemeClr>
-                </a:solidFill>
-                <a:sym typeface="+mn-ea"/>
-              </a:rPr>
-              <a:t>（完全没听过）</a:t>
-            </a:r>
-            <a:endParaRPr lang="en-US" altLang="zh-CN">
-              <a:solidFill>
-                <a:schemeClr val="bg1">
-                  <a:lumMod val="50000"/>
-                </a:schemeClr>
-              </a:solidFill>
-            </a:endParaRPr>
-          </a:p>
-          <a:p>
-            <a:pPr marL="514350" indent="-514350">
-              <a:buAutoNum type="arabicPeriod"/>
-            </a:pPr>
-            <a:r>
-              <a:rPr lang="en-US" altLang="zh-CN">
-                <a:solidFill>
-                  <a:schemeClr val="bg1">
-                    <a:lumMod val="50000"/>
-                  </a:schemeClr>
-                </a:solidFill>
-              </a:rPr>
-              <a:t>yeoman</a:t>
-            </a:r>
-            <a:r>
-              <a:rPr lang="zh-CN" altLang="en-US">
-                <a:solidFill>
-                  <a:schemeClr val="bg1">
-                    <a:lumMod val="50000"/>
-                  </a:schemeClr>
-                </a:solidFill>
-                <a:sym typeface="+mn-ea"/>
-              </a:rPr>
-              <a:t>（完全没听过）</a:t>
-            </a:r>
-            <a:endParaRPr lang="en-US" altLang="zh-CN">
-              <a:solidFill>
-                <a:schemeClr val="bg1">
-                  <a:lumMod val="50000"/>
-                </a:schemeClr>
-              </a:solidFill>
-            </a:endParaRPr>
-          </a:p>
-          <a:p>
-            <a:pPr marL="514350" indent="-514350">
-              <a:buAutoNum type="arabicPeriod"/>
-            </a:pPr>
-            <a:r>
-              <a:rPr lang="en-US" altLang="zh-CN">
-                <a:solidFill>
-                  <a:schemeClr val="bg1">
-                    <a:lumMod val="50000"/>
-                  </a:schemeClr>
-                </a:solidFill>
-                <a:sym typeface="+mn-ea"/>
-              </a:rPr>
-              <a:t>Rollup</a:t>
-            </a:r>
-            <a:r>
-              <a:rPr lang="zh-CN" altLang="en-US">
-                <a:solidFill>
-                  <a:schemeClr val="bg1">
-                    <a:lumMod val="50000"/>
-                  </a:schemeClr>
-                </a:solidFill>
-                <a:sym typeface="+mn-ea"/>
-              </a:rPr>
-              <a:t>（完全没听过）</a:t>
-            </a:r>
-            <a:endParaRPr lang="en-US" altLang="zh-CN">
-              <a:solidFill>
-                <a:schemeClr val="bg1">
-                  <a:lumMod val="50000"/>
-                </a:schemeClr>
-              </a:solidFill>
-            </a:endParaRPr>
-          </a:p>
-          <a:p>
-            <a:pPr marL="514350" indent="-514350">
-              <a:buAutoNum type="arabicPeriod"/>
-            </a:pPr>
-            <a:r>
-              <a:rPr lang="en-US" altLang="zh-CN">
-                <a:solidFill>
-                  <a:srgbClr val="FF0000"/>
-                </a:solidFill>
-              </a:rPr>
-              <a:t>Webpack</a:t>
-            </a:r>
-            <a:endParaRPr lang="en-US" altLang="zh-CN">
-              <a:solidFill>
-                <a:srgbClr val="FF0000"/>
-              </a:solidFill>
-            </a:endParaRPr>
-          </a:p>
-          <a:p>
-            <a:pPr marL="514350" indent="-514350"/>
-            <a:endParaRPr lang="en-US" altLang="zh-CN">
-              <a:solidFill>
-                <a:srgbClr val="FF0000"/>
-              </a:solidFill>
-            </a:endParaRPr>
+              <a:rPr lang="zh-CN" altLang="en-US"/>
+              <a:t>所以，我们这里先对其他构建工具了解下，列举出各个工具的优缺点。这样可以让我们更好的去理解</a:t>
+            </a:r>
+            <a:r>
+              <a:rPr lang="en-US" altLang="zh-CN"/>
+              <a:t>webpack</a:t>
+            </a:r>
+            <a:endParaRPr lang="en-US" altLang="zh-CN"/>
           </a:p>
         </p:txBody>
       </p:sp>
@@ -6469,6 +6384,325 @@
 </file>
 
 <file path=ppt/slides/slide32.xml><?xml version="1.0" encoding="utf-8"?>
+<p:sld xmlns:a="http://schemas.openxmlformats.org/drawingml/2006/main" xmlns:r="http://schemas.openxmlformats.org/officeDocument/2006/relationships" xmlns:p="http://schemas.openxmlformats.org/presentationml/2006/main">
+  <p:cSld>
+    <p:spTree>
+      <p:nvGrpSpPr>
+        <p:cNvPr id="1" name=""/>
+        <p:cNvGrpSpPr/>
+        <p:nvPr/>
+      </p:nvGrpSpPr>
+      <p:grpSpPr/>
+      <p:sp>
+        <p:nvSpPr>
+          <p:cNvPr id="2" name="标题 1"/>
+          <p:cNvSpPr>
+            <a:spLocks noGrp="1"/>
+          </p:cNvSpPr>
+          <p:nvPr>
+            <p:ph type="title"/>
+          </p:nvPr>
+        </p:nvSpPr>
+        <p:spPr/>
+        <p:txBody>
+          <a:bodyPr>
+            <a:normAutofit/>
+          </a:bodyPr>
+          <a:p>
+            <a:r>
+              <a:rPr lang="zh-CN" altLang="en-US">
+                <a:sym typeface="+mn-ea"/>
+              </a:rPr>
+              <a:t>听过的构建工具  （</a:t>
+            </a:r>
+            <a:r>
+              <a:rPr lang="en-US" altLang="zh-CN">
+                <a:sym typeface="+mn-ea"/>
+              </a:rPr>
+              <a:t>PS !== </a:t>
+            </a:r>
+            <a:r>
+              <a:rPr lang="zh-CN" altLang="en-US">
+                <a:sym typeface="+mn-ea"/>
+              </a:rPr>
+              <a:t>游戏机</a:t>
+            </a:r>
+            <a:r>
+              <a:rPr lang="zh-CN" altLang="en-US">
+                <a:sym typeface="+mn-ea"/>
+              </a:rPr>
+              <a:t>）</a:t>
+            </a:r>
+            <a:endParaRPr lang="zh-CN" altLang="en-US">
+              <a:sym typeface="+mn-ea"/>
+            </a:endParaRPr>
+          </a:p>
+        </p:txBody>
+      </p:sp>
+      <p:sp>
+        <p:nvSpPr>
+          <p:cNvPr id="3" name="内容占位符 2"/>
+          <p:cNvSpPr>
+            <a:spLocks noGrp="1"/>
+          </p:cNvSpPr>
+          <p:nvPr>
+            <p:ph idx="1"/>
+          </p:nvPr>
+        </p:nvSpPr>
+        <p:spPr/>
+        <p:txBody>
+          <a:bodyPr>
+            <a:normAutofit lnSpcReduction="10000"/>
+          </a:bodyPr>
+          <a:p>
+            <a:pPr marL="514350" indent="-514350">
+              <a:buAutoNum type="arabicPeriod"/>
+            </a:pPr>
+            <a:r>
+              <a:rPr lang="en-US" altLang="zh-CN">
+                <a:solidFill>
+                  <a:schemeClr val="accent6"/>
+                </a:solidFill>
+              </a:rPr>
+              <a:t>Grunt</a:t>
+            </a:r>
+            <a:r>
+              <a:rPr lang="zh-CN" altLang="en-US">
+                <a:solidFill>
+                  <a:schemeClr val="accent6"/>
+                </a:solidFill>
+              </a:rPr>
+              <a:t>（见的比较多）</a:t>
+            </a:r>
+            <a:endParaRPr lang="en-US" altLang="zh-CN">
+              <a:solidFill>
+                <a:schemeClr val="accent6"/>
+              </a:solidFill>
+            </a:endParaRPr>
+          </a:p>
+          <a:p>
+            <a:pPr marL="514350" indent="-514350">
+              <a:buAutoNum type="arabicPeriod"/>
+            </a:pPr>
+            <a:r>
+              <a:rPr lang="en-US" altLang="zh-CN">
+                <a:solidFill>
+                  <a:schemeClr val="accent6"/>
+                </a:solidFill>
+              </a:rPr>
+              <a:t>Gulp</a:t>
+            </a:r>
+            <a:r>
+              <a:rPr lang="zh-CN" altLang="en-US">
+                <a:solidFill>
+                  <a:schemeClr val="accent6"/>
+                </a:solidFill>
+                <a:sym typeface="+mn-ea"/>
+              </a:rPr>
+              <a:t>（见的比较多）</a:t>
+            </a:r>
+            <a:endParaRPr lang="en-US" altLang="zh-CN">
+              <a:solidFill>
+                <a:schemeClr val="accent6"/>
+              </a:solidFill>
+            </a:endParaRPr>
+          </a:p>
+          <a:p>
+            <a:pPr marL="514350" indent="-514350">
+              <a:buAutoNum type="arabicPeriod"/>
+            </a:pPr>
+            <a:r>
+              <a:rPr lang="en-US" altLang="zh-CN">
+                <a:solidFill>
+                  <a:srgbClr val="FFC000"/>
+                </a:solidFill>
+              </a:rPr>
+              <a:t>browserify</a:t>
+            </a:r>
+            <a:r>
+              <a:rPr lang="zh-CN" altLang="en-US">
+                <a:solidFill>
+                  <a:srgbClr val="FFC000"/>
+                </a:solidFill>
+                <a:sym typeface="+mn-ea"/>
+              </a:rPr>
+              <a:t>（见的比较少）</a:t>
+            </a:r>
+            <a:endParaRPr lang="en-US" altLang="zh-CN">
+              <a:solidFill>
+                <a:srgbClr val="FFC000"/>
+              </a:solidFill>
+            </a:endParaRPr>
+          </a:p>
+          <a:p>
+            <a:pPr marL="514350" indent="-514350">
+              <a:buAutoNum type="arabicPeriod"/>
+            </a:pPr>
+            <a:r>
+              <a:rPr lang="en-US" altLang="zh-CN">
+                <a:solidFill>
+                  <a:schemeClr val="bg1">
+                    <a:lumMod val="50000"/>
+                  </a:schemeClr>
+                </a:solidFill>
+              </a:rPr>
+              <a:t>Parcel</a:t>
+            </a:r>
+            <a:r>
+              <a:rPr lang="zh-CN" altLang="en-US">
+                <a:solidFill>
+                  <a:schemeClr val="bg1">
+                    <a:lumMod val="50000"/>
+                  </a:schemeClr>
+                </a:solidFill>
+              </a:rPr>
+              <a:t>（完全没听过）</a:t>
+            </a:r>
+            <a:endParaRPr lang="en-US" altLang="zh-CN">
+              <a:solidFill>
+                <a:schemeClr val="bg1">
+                  <a:lumMod val="50000"/>
+                </a:schemeClr>
+              </a:solidFill>
+            </a:endParaRPr>
+          </a:p>
+          <a:p>
+            <a:pPr marL="514350" indent="-514350">
+              <a:buAutoNum type="arabicPeriod"/>
+            </a:pPr>
+            <a:r>
+              <a:rPr lang="en-US" altLang="zh-CN">
+                <a:solidFill>
+                  <a:schemeClr val="bg1">
+                    <a:lumMod val="50000"/>
+                  </a:schemeClr>
+                </a:solidFill>
+              </a:rPr>
+              <a:t>Fis3</a:t>
+            </a:r>
+            <a:r>
+              <a:rPr lang="zh-CN" altLang="en-US">
+                <a:solidFill>
+                  <a:schemeClr val="bg1">
+                    <a:lumMod val="50000"/>
+                  </a:schemeClr>
+                </a:solidFill>
+                <a:sym typeface="+mn-ea"/>
+              </a:rPr>
+              <a:t>（完全没听过）</a:t>
+            </a:r>
+            <a:endParaRPr lang="en-US" altLang="zh-CN">
+              <a:solidFill>
+                <a:schemeClr val="bg1">
+                  <a:lumMod val="50000"/>
+                </a:schemeClr>
+              </a:solidFill>
+            </a:endParaRPr>
+          </a:p>
+          <a:p>
+            <a:pPr marL="514350" indent="-514350">
+              <a:buAutoNum type="arabicPeriod"/>
+            </a:pPr>
+            <a:r>
+              <a:rPr lang="en-US" altLang="zh-CN">
+                <a:solidFill>
+                  <a:schemeClr val="bg1">
+                    <a:lumMod val="50000"/>
+                  </a:schemeClr>
+                </a:solidFill>
+              </a:rPr>
+              <a:t>yeoman</a:t>
+            </a:r>
+            <a:r>
+              <a:rPr lang="zh-CN" altLang="en-US">
+                <a:solidFill>
+                  <a:schemeClr val="bg1">
+                    <a:lumMod val="50000"/>
+                  </a:schemeClr>
+                </a:solidFill>
+                <a:sym typeface="+mn-ea"/>
+              </a:rPr>
+              <a:t>（完全没听过）</a:t>
+            </a:r>
+            <a:endParaRPr lang="en-US" altLang="zh-CN">
+              <a:solidFill>
+                <a:schemeClr val="bg1">
+                  <a:lumMod val="50000"/>
+                </a:schemeClr>
+              </a:solidFill>
+            </a:endParaRPr>
+          </a:p>
+          <a:p>
+            <a:pPr marL="514350" indent="-514350">
+              <a:buAutoNum type="arabicPeriod"/>
+            </a:pPr>
+            <a:r>
+              <a:rPr lang="en-US" altLang="zh-CN">
+                <a:solidFill>
+                  <a:schemeClr val="bg1">
+                    <a:lumMod val="50000"/>
+                  </a:schemeClr>
+                </a:solidFill>
+                <a:sym typeface="+mn-ea"/>
+              </a:rPr>
+              <a:t>Rollup</a:t>
+            </a:r>
+            <a:r>
+              <a:rPr lang="zh-CN" altLang="en-US">
+                <a:solidFill>
+                  <a:schemeClr val="bg1">
+                    <a:lumMod val="50000"/>
+                  </a:schemeClr>
+                </a:solidFill>
+                <a:sym typeface="+mn-ea"/>
+              </a:rPr>
+              <a:t>（完全没听过）</a:t>
+            </a:r>
+            <a:endParaRPr lang="en-US" altLang="zh-CN">
+              <a:solidFill>
+                <a:schemeClr val="bg1">
+                  <a:lumMod val="50000"/>
+                </a:schemeClr>
+              </a:solidFill>
+            </a:endParaRPr>
+          </a:p>
+          <a:p>
+            <a:pPr marL="514350" indent="-514350">
+              <a:buAutoNum type="arabicPeriod"/>
+            </a:pPr>
+            <a:r>
+              <a:rPr lang="en-US" altLang="zh-CN">
+                <a:solidFill>
+                  <a:srgbClr val="FF0000"/>
+                </a:solidFill>
+              </a:rPr>
+              <a:t>Webpack</a:t>
+            </a:r>
+            <a:endParaRPr lang="en-US" altLang="zh-CN">
+              <a:solidFill>
+                <a:srgbClr val="FF0000"/>
+              </a:solidFill>
+            </a:endParaRPr>
+          </a:p>
+          <a:p>
+            <a:pPr marL="514350" indent="-514350"/>
+            <a:endParaRPr lang="en-US" altLang="zh-CN">
+              <a:solidFill>
+                <a:srgbClr val="FF0000"/>
+              </a:solidFill>
+            </a:endParaRPr>
+          </a:p>
+        </p:txBody>
+      </p:sp>
+    </p:spTree>
+  </p:cSld>
+  <p:clrMapOvr>
+    <a:masterClrMapping/>
+  </p:clrMapOvr>
+</p:sld>
+</file>
+
+<file path=ppt/slides/slide33.xml><?xml version="1.0" encoding="utf-8"?>
 <p:sld xmlns:a="http://schemas.openxmlformats.org/drawingml/2006/main" xmlns:r="http://schemas.openxmlformats.org/officeDocument/2006/relationships" xmlns:p="http://schemas.openxmlformats.org/presentationml/2006/main">
   <p:cSld>
     <p:spTree>
@@ -6552,7 +6786,7 @@
 </p:sld>
 </file>
 
-<file path=ppt/slides/slide33.xml><?xml version="1.0" encoding="utf-8"?>
+<file path=ppt/slides/slide34.xml><?xml version="1.0" encoding="utf-8"?>
 <p:sld xmlns:a="http://schemas.openxmlformats.org/drawingml/2006/main" xmlns:r="http://schemas.openxmlformats.org/officeDocument/2006/relationships" xmlns:p="http://schemas.openxmlformats.org/presentationml/2006/main">
   <p:cSld>
     <p:spTree>
@@ -6675,7 +6909,7 @@
 </p:sld>
 </file>
 
-<file path=ppt/slides/slide34.xml><?xml version="1.0" encoding="utf-8"?>
+<file path=ppt/slides/slide35.xml><?xml version="1.0" encoding="utf-8"?>
 <p:sld xmlns:a="http://schemas.openxmlformats.org/drawingml/2006/main" xmlns:r="http://schemas.openxmlformats.org/officeDocument/2006/relationships" xmlns:p="http://schemas.openxmlformats.org/presentationml/2006/main">
   <p:cSld>
     <p:spTree>
@@ -6757,7 +6991,7 @@
 </p:sld>
 </file>
 
-<file path=ppt/slides/slide35.xml><?xml version="1.0" encoding="utf-8"?>
+<file path=ppt/slides/slide36.xml><?xml version="1.0" encoding="utf-8"?>
 <p:sld xmlns:a="http://schemas.openxmlformats.org/drawingml/2006/main" xmlns:r="http://schemas.openxmlformats.org/officeDocument/2006/relationships" xmlns:p="http://schemas.openxmlformats.org/presentationml/2006/main">
   <p:cSld>
     <p:spTree>
@@ -6906,7 +7140,7 @@
 </p:sld>
 </file>
 
-<file path=ppt/slides/slide36.xml><?xml version="1.0" encoding="utf-8"?>
+<file path=ppt/slides/slide37.xml><?xml version="1.0" encoding="utf-8"?>
 <p:sld xmlns:a="http://schemas.openxmlformats.org/drawingml/2006/main" xmlns:r="http://schemas.openxmlformats.org/officeDocument/2006/relationships" xmlns:p="http://schemas.openxmlformats.org/presentationml/2006/main">
   <p:cSld>
     <p:spTree>
@@ -6992,7 +7226,7 @@
 </p:sld>
 </file>
 
-<file path=ppt/slides/slide37.xml><?xml version="1.0" encoding="utf-8"?>
+<file path=ppt/slides/slide38.xml><?xml version="1.0" encoding="utf-8"?>
 <p:sld xmlns:a="http://schemas.openxmlformats.org/drawingml/2006/main" xmlns:r="http://schemas.openxmlformats.org/officeDocument/2006/relationships" xmlns:p="http://schemas.openxmlformats.org/presentationml/2006/main">
   <p:cSld>
     <p:spTree>
@@ -7022,9 +7256,13 @@
             </a:r>
             <a:r>
               <a:rPr lang="zh-CN" altLang="en-US"/>
-              <a:t>Parcel</a:t>
-            </a:r>
-            <a:endParaRPr lang="zh-CN" altLang="en-US"/>
+              <a:t>Parcel  </a:t>
+            </a:r>
+            <a:r>
+              <a:rPr lang="zh-CN" altLang="en-US" sz="2000"/>
+              <a:t>/ˈpɑːrsl/ vt. 打包；捆扎</a:t>
+            </a:r>
+            <a:endParaRPr lang="zh-CN" altLang="en-US" sz="2000"/>
           </a:p>
         </p:txBody>
       </p:sp>
@@ -7078,7 +7316,7 @@
 </p:sld>
 </file>
 
-<file path=ppt/slides/slide38.xml><?xml version="1.0" encoding="utf-8"?>
+<file path=ppt/slides/slide39.xml><?xml version="1.0" encoding="utf-8"?>
 <p:sld xmlns:a="http://schemas.openxmlformats.org/drawingml/2006/main" xmlns:r="http://schemas.openxmlformats.org/officeDocument/2006/relationships" xmlns:p="http://schemas.openxmlformats.org/presentationml/2006/main">
   <p:cSld>
     <p:spTree>
@@ -7160,189 +7398,6 @@
 </p:sld>
 </file>
 
-<file path=ppt/slides/slide39.xml><?xml version="1.0" encoding="utf-8"?>
-<p:sld xmlns:a="http://schemas.openxmlformats.org/drawingml/2006/main" xmlns:r="http://schemas.openxmlformats.org/officeDocument/2006/relationships" xmlns:p="http://schemas.openxmlformats.org/presentationml/2006/main">
-  <p:cSld>
-    <p:spTree>
-      <p:nvGrpSpPr>
-        <p:cNvPr id="1" name=""/>
-        <p:cNvGrpSpPr/>
-        <p:nvPr/>
-      </p:nvGrpSpPr>
-      <p:grpSpPr/>
-      <p:sp>
-        <p:nvSpPr>
-          <p:cNvPr id="2" name="标题 1"/>
-          <p:cNvSpPr>
-            <a:spLocks noGrp="1"/>
-          </p:cNvSpPr>
-          <p:nvPr>
-            <p:ph type="title"/>
-          </p:nvPr>
-        </p:nvSpPr>
-        <p:spPr/>
-        <p:txBody>
-          <a:bodyPr>
-            <a:normAutofit fontScale="90000"/>
-          </a:bodyPr>
-          <a:p>
-            <a:r>
-              <a:rPr lang="en-US" altLang="zh-CN">
-                <a:sym typeface="+mn-ea"/>
-              </a:rPr>
-              <a:t>FIS3</a:t>
-            </a:r>
-            <a:br>
-              <a:rPr lang="en-US" altLang="zh-CN"/>
-            </a:br>
-            <a:endParaRPr lang="zh-CN" altLang="en-US"/>
-          </a:p>
-        </p:txBody>
-      </p:sp>
-      <p:sp>
-        <p:nvSpPr>
-          <p:cNvPr id="3" name="内容占位符 2"/>
-          <p:cNvSpPr>
-            <a:spLocks noGrp="1"/>
-          </p:cNvSpPr>
-          <p:nvPr>
-            <p:ph idx="1"/>
-          </p:nvPr>
-        </p:nvSpPr>
-        <p:spPr/>
-        <p:txBody>
-          <a:bodyPr/>
-          <a:p>
-            <a:r>
-              <a:rPr lang="zh-CN" altLang="en-US"/>
-              <a:t>Fis3是来自</a:t>
-            </a:r>
-            <a:r>
-              <a:rPr lang="zh-CN" altLang="en-US">
-                <a:solidFill>
-                  <a:srgbClr val="FF0000"/>
-                </a:solidFill>
-              </a:rPr>
-              <a:t>百度的国产构建工具</a:t>
-            </a:r>
-            <a:endParaRPr lang="zh-CN" altLang="en-US">
-              <a:solidFill>
-                <a:srgbClr val="FF0000"/>
-              </a:solidFill>
-            </a:endParaRPr>
-          </a:p>
-          <a:p>
-            <a:endParaRPr lang="zh-CN" altLang="en-US">
-              <a:solidFill>
-                <a:srgbClr val="FF0000"/>
-              </a:solidFill>
-            </a:endParaRPr>
-          </a:p>
-          <a:p>
-            <a:r>
-              <a:rPr lang="zh-CN" altLang="en-US">
-                <a:solidFill>
-                  <a:schemeClr val="tx1"/>
-                </a:solidFill>
-              </a:rPr>
-              <a:t>优点：</a:t>
-            </a:r>
-            <a:endParaRPr lang="zh-CN" altLang="en-US">
-              <a:solidFill>
-                <a:schemeClr val="tx1"/>
-              </a:solidFill>
-            </a:endParaRPr>
-          </a:p>
-          <a:p>
-            <a:pPr lvl="1"/>
-            <a:r>
-              <a:rPr lang="zh-CN" altLang="en-US">
-                <a:solidFill>
-                  <a:schemeClr val="tx1"/>
-                </a:solidFill>
-              </a:rPr>
-              <a:t>集成了各种 Web 开发所需的构建功能，</a:t>
-            </a:r>
-            <a:r>
-              <a:rPr lang="zh-CN" altLang="en-US">
-                <a:solidFill>
-                  <a:srgbClr val="FF0000"/>
-                </a:solidFill>
-              </a:rPr>
-              <a:t>配置简单开箱即用</a:t>
-            </a:r>
-            <a:r>
-              <a:rPr lang="zh-CN" altLang="en-US">
-                <a:solidFill>
-                  <a:schemeClr val="tx1"/>
-                </a:solidFill>
-              </a:rPr>
-              <a:t>。</a:t>
-            </a:r>
-            <a:endParaRPr lang="zh-CN" altLang="en-US">
-              <a:solidFill>
-                <a:schemeClr val="tx1"/>
-              </a:solidFill>
-            </a:endParaRPr>
-          </a:p>
-          <a:p>
-            <a:pPr lvl="0"/>
-            <a:r>
-              <a:rPr lang="zh-CN" altLang="en-US">
-                <a:solidFill>
-                  <a:schemeClr val="tx1"/>
-                </a:solidFill>
-              </a:rPr>
-              <a:t>缺点：</a:t>
-            </a:r>
-            <a:endParaRPr lang="zh-CN" altLang="en-US">
-              <a:solidFill>
-                <a:schemeClr val="tx1"/>
-              </a:solidFill>
-            </a:endParaRPr>
-          </a:p>
-          <a:p>
-            <a:pPr lvl="1"/>
-            <a:r>
-              <a:rPr lang="zh-CN" altLang="en-US">
-                <a:solidFill>
-                  <a:schemeClr val="tx1"/>
-                </a:solidFill>
-              </a:rPr>
-              <a:t>目前官方已经</a:t>
-            </a:r>
-            <a:r>
-              <a:rPr lang="zh-CN" altLang="en-US">
-                <a:solidFill>
-                  <a:srgbClr val="FF0000"/>
-                </a:solidFill>
-              </a:rPr>
-              <a:t>不再更新和维护</a:t>
-            </a:r>
-            <a:r>
-              <a:rPr lang="zh-CN" altLang="en-US">
-                <a:solidFill>
-                  <a:schemeClr val="tx1"/>
-                </a:solidFill>
-              </a:rPr>
-              <a:t>，不支持最新版本的 Node.js。</a:t>
-            </a:r>
-            <a:endParaRPr lang="zh-CN" altLang="en-US">
-              <a:solidFill>
-                <a:schemeClr val="tx1"/>
-              </a:solidFill>
-            </a:endParaRPr>
-          </a:p>
-        </p:txBody>
-      </p:sp>
-    </p:spTree>
-  </p:cSld>
-  <p:clrMapOvr>
-    <a:masterClrMapping/>
-  </p:clrMapOvr>
-</p:sld>
-</file>
-
 <file path=ppt/slides/slide4.xml><?xml version="1.0" encoding="utf-8"?>
 <p:sld xmlns:a="http://schemas.openxmlformats.org/drawingml/2006/main" xmlns:r="http://schemas.openxmlformats.org/officeDocument/2006/relationships" xmlns:p="http://schemas.openxmlformats.org/presentationml/2006/main">
   <p:cSld>
@@ -7399,6 +7454,189 @@
 </file>
 
 <file path=ppt/slides/slide40.xml><?xml version="1.0" encoding="utf-8"?>
+<p:sld xmlns:a="http://schemas.openxmlformats.org/drawingml/2006/main" xmlns:r="http://schemas.openxmlformats.org/officeDocument/2006/relationships" xmlns:p="http://schemas.openxmlformats.org/presentationml/2006/main">
+  <p:cSld>
+    <p:spTree>
+      <p:nvGrpSpPr>
+        <p:cNvPr id="1" name=""/>
+        <p:cNvGrpSpPr/>
+        <p:nvPr/>
+      </p:nvGrpSpPr>
+      <p:grpSpPr/>
+      <p:sp>
+        <p:nvSpPr>
+          <p:cNvPr id="2" name="标题 1"/>
+          <p:cNvSpPr>
+            <a:spLocks noGrp="1"/>
+          </p:cNvSpPr>
+          <p:nvPr>
+            <p:ph type="title"/>
+          </p:nvPr>
+        </p:nvSpPr>
+        <p:spPr/>
+        <p:txBody>
+          <a:bodyPr>
+            <a:normAutofit fontScale="90000"/>
+          </a:bodyPr>
+          <a:p>
+            <a:r>
+              <a:rPr lang="en-US" altLang="zh-CN">
+                <a:sym typeface="+mn-ea"/>
+              </a:rPr>
+              <a:t>FIS3</a:t>
+            </a:r>
+            <a:br>
+              <a:rPr lang="en-US" altLang="zh-CN"/>
+            </a:br>
+            <a:endParaRPr lang="zh-CN" altLang="en-US"/>
+          </a:p>
+        </p:txBody>
+      </p:sp>
+      <p:sp>
+        <p:nvSpPr>
+          <p:cNvPr id="3" name="内容占位符 2"/>
+          <p:cNvSpPr>
+            <a:spLocks noGrp="1"/>
+          </p:cNvSpPr>
+          <p:nvPr>
+            <p:ph idx="1"/>
+          </p:nvPr>
+        </p:nvSpPr>
+        <p:spPr/>
+        <p:txBody>
+          <a:bodyPr/>
+          <a:p>
+            <a:r>
+              <a:rPr lang="zh-CN" altLang="en-US"/>
+              <a:t>Fis3是来自</a:t>
+            </a:r>
+            <a:r>
+              <a:rPr lang="zh-CN" altLang="en-US">
+                <a:solidFill>
+                  <a:srgbClr val="FF0000"/>
+                </a:solidFill>
+              </a:rPr>
+              <a:t>百度的国产构建工具</a:t>
+            </a:r>
+            <a:endParaRPr lang="zh-CN" altLang="en-US">
+              <a:solidFill>
+                <a:srgbClr val="FF0000"/>
+              </a:solidFill>
+            </a:endParaRPr>
+          </a:p>
+          <a:p>
+            <a:endParaRPr lang="zh-CN" altLang="en-US">
+              <a:solidFill>
+                <a:srgbClr val="FF0000"/>
+              </a:solidFill>
+            </a:endParaRPr>
+          </a:p>
+          <a:p>
+            <a:r>
+              <a:rPr lang="zh-CN" altLang="en-US">
+                <a:solidFill>
+                  <a:schemeClr val="tx1"/>
+                </a:solidFill>
+              </a:rPr>
+              <a:t>优点：</a:t>
+            </a:r>
+            <a:endParaRPr lang="zh-CN" altLang="en-US">
+              <a:solidFill>
+                <a:schemeClr val="tx1"/>
+              </a:solidFill>
+            </a:endParaRPr>
+          </a:p>
+          <a:p>
+            <a:pPr lvl="1"/>
+            <a:r>
+              <a:rPr lang="zh-CN" altLang="en-US">
+                <a:solidFill>
+                  <a:schemeClr val="tx1"/>
+                </a:solidFill>
+              </a:rPr>
+              <a:t>集成了各种 Web 开发所需的构建功能，</a:t>
+            </a:r>
+            <a:r>
+              <a:rPr lang="zh-CN" altLang="en-US">
+                <a:solidFill>
+                  <a:srgbClr val="FF0000"/>
+                </a:solidFill>
+              </a:rPr>
+              <a:t>配置简单开箱即用</a:t>
+            </a:r>
+            <a:r>
+              <a:rPr lang="zh-CN" altLang="en-US">
+                <a:solidFill>
+                  <a:schemeClr val="tx1"/>
+                </a:solidFill>
+              </a:rPr>
+              <a:t>。</a:t>
+            </a:r>
+            <a:endParaRPr lang="zh-CN" altLang="en-US">
+              <a:solidFill>
+                <a:schemeClr val="tx1"/>
+              </a:solidFill>
+            </a:endParaRPr>
+          </a:p>
+          <a:p>
+            <a:pPr lvl="0"/>
+            <a:r>
+              <a:rPr lang="zh-CN" altLang="en-US">
+                <a:solidFill>
+                  <a:schemeClr val="tx1"/>
+                </a:solidFill>
+              </a:rPr>
+              <a:t>缺点：</a:t>
+            </a:r>
+            <a:endParaRPr lang="zh-CN" altLang="en-US">
+              <a:solidFill>
+                <a:schemeClr val="tx1"/>
+              </a:solidFill>
+            </a:endParaRPr>
+          </a:p>
+          <a:p>
+            <a:pPr lvl="1"/>
+            <a:r>
+              <a:rPr lang="zh-CN" altLang="en-US">
+                <a:solidFill>
+                  <a:schemeClr val="tx1"/>
+                </a:solidFill>
+              </a:rPr>
+              <a:t>目前官方已经</a:t>
+            </a:r>
+            <a:r>
+              <a:rPr lang="zh-CN" altLang="en-US">
+                <a:solidFill>
+                  <a:srgbClr val="FF0000"/>
+                </a:solidFill>
+              </a:rPr>
+              <a:t>不再更新和维护</a:t>
+            </a:r>
+            <a:r>
+              <a:rPr lang="zh-CN" altLang="en-US">
+                <a:solidFill>
+                  <a:schemeClr val="tx1"/>
+                </a:solidFill>
+              </a:rPr>
+              <a:t>，不支持最新版本的 Node.js。</a:t>
+            </a:r>
+            <a:endParaRPr lang="zh-CN" altLang="en-US">
+              <a:solidFill>
+                <a:schemeClr val="tx1"/>
+              </a:solidFill>
+            </a:endParaRPr>
+          </a:p>
+        </p:txBody>
+      </p:sp>
+    </p:spTree>
+  </p:cSld>
+  <p:clrMapOvr>
+    <a:masterClrMapping/>
+  </p:clrMapOvr>
+</p:sld>
+</file>
+
+<file path=ppt/slides/slide41.xml><?xml version="1.0" encoding="utf-8"?>
 <p:sld xmlns:a="http://schemas.openxmlformats.org/drawingml/2006/main" xmlns:r="http://schemas.openxmlformats.org/officeDocument/2006/relationships" xmlns:p="http://schemas.openxmlformats.org/presentationml/2006/main">
   <p:cSld>
     <p:spTree>
@@ -7484,7 +7722,7 @@
 </p:sld>
 </file>
 
-<file path=ppt/slides/slide41.xml><?xml version="1.0" encoding="utf-8"?>
+<file path=ppt/slides/slide42.xml><?xml version="1.0" encoding="utf-8"?>
 <p:sld xmlns:a="http://schemas.openxmlformats.org/drawingml/2006/main" xmlns:r="http://schemas.openxmlformats.org/officeDocument/2006/relationships" xmlns:p="http://schemas.openxmlformats.org/presentationml/2006/main">
   <p:cSld>
     <p:spTree>
@@ -7570,7 +7808,7 @@
 </p:sld>
 </file>
 
-<file path=ppt/slides/slide42.xml><?xml version="1.0" encoding="utf-8"?>
+<file path=ppt/slides/slide43.xml><?xml version="1.0" encoding="utf-8"?>
 <p:sld xmlns:a="http://schemas.openxmlformats.org/drawingml/2006/main" xmlns:r="http://schemas.openxmlformats.org/officeDocument/2006/relationships" xmlns:p="http://schemas.openxmlformats.org/presentationml/2006/main">
   <p:cSld>
     <p:spTree>
@@ -7693,7 +7931,7 @@
 </p:sld>
 </file>
 
-<file path=ppt/slides/slide43.xml><?xml version="1.0" encoding="utf-8"?>
+<file path=ppt/slides/slide44.xml><?xml version="1.0" encoding="utf-8"?>
 <p:sld xmlns:a="http://schemas.openxmlformats.org/drawingml/2006/main" xmlns:r="http://schemas.openxmlformats.org/officeDocument/2006/relationships" xmlns:p="http://schemas.openxmlformats.org/presentationml/2006/main">
   <p:cSld>
     <p:spTree>
@@ -7806,129 +8044,6 @@
 </p:sld>
 </file>
 
-<file path=ppt/slides/slide44.xml><?xml version="1.0" encoding="utf-8"?>
-<p:sld xmlns:a="http://schemas.openxmlformats.org/drawingml/2006/main" xmlns:r="http://schemas.openxmlformats.org/officeDocument/2006/relationships" xmlns:p="http://schemas.openxmlformats.org/presentationml/2006/main">
-  <p:cSld>
-    <p:spTree>
-      <p:nvGrpSpPr>
-        <p:cNvPr id="1" name=""/>
-        <p:cNvGrpSpPr/>
-        <p:nvPr/>
-      </p:nvGrpSpPr>
-      <p:grpSpPr/>
-      <p:sp>
-        <p:nvSpPr>
-          <p:cNvPr id="2" name="标题 1"/>
-          <p:cNvSpPr>
-            <a:spLocks noGrp="1"/>
-          </p:cNvSpPr>
-          <p:nvPr>
-            <p:ph type="title"/>
-          </p:nvPr>
-        </p:nvSpPr>
-        <p:spPr/>
-        <p:txBody>
-          <a:bodyPr/>
-          <a:p>
-            <a:r>
-              <a:rPr lang="en-US" altLang="zh-CN"/>
-              <a:t>Webpack</a:t>
-            </a:r>
-            <a:r>
-              <a:rPr lang="en-US" altLang="zh-CN" sz="2400"/>
-              <a:t>（</a:t>
-            </a:r>
-            <a:r>
-              <a:rPr lang="zh-CN" altLang="en-US" sz="2400"/>
-              <a:t>为什么用它</a:t>
-            </a:r>
-            <a:r>
-              <a:rPr lang="en-US" altLang="zh-CN" sz="2400"/>
-              <a:t>?</a:t>
-            </a:r>
-            <a:r>
-              <a:rPr lang="zh-CN" altLang="en-US" sz="2400"/>
-              <a:t>）</a:t>
-            </a:r>
-            <a:endParaRPr lang="zh-CN" altLang="en-US" sz="2400"/>
-          </a:p>
-        </p:txBody>
-      </p:sp>
-      <p:sp>
-        <p:nvSpPr>
-          <p:cNvPr id="3" name="内容占位符 2"/>
-          <p:cNvSpPr>
-            <a:spLocks noGrp="1"/>
-          </p:cNvSpPr>
-          <p:nvPr>
-            <p:ph idx="1"/>
-          </p:nvPr>
-        </p:nvSpPr>
-        <p:spPr/>
-        <p:txBody>
-          <a:bodyPr/>
-          <a:p>
-            <a:r>
-              <a:rPr lang="zh-CN" altLang="en-US"/>
-              <a:t>大多数团队在开发新项目时会采用紧跟时代的技术，这些技术几乎都会采用“模块化+新语言+新框架”，Webpack 可以为这些新项目提供一站式的解决方案；</a:t>
-            </a:r>
-            <a:endParaRPr lang="zh-CN" altLang="en-US"/>
-          </a:p>
-          <a:p>
-            <a:r>
-              <a:rPr lang="zh-CN" altLang="en-US"/>
-              <a:t>Webpack 有良好的生态链和</a:t>
-            </a:r>
-            <a:r>
-              <a:rPr lang="zh-CN" altLang="en-US">
-                <a:solidFill>
-                  <a:srgbClr val="FF0000"/>
-                </a:solidFill>
-              </a:rPr>
-              <a:t>维护团队</a:t>
-            </a:r>
-            <a:r>
-              <a:rPr lang="zh-CN" altLang="en-US"/>
-              <a:t>，能提供良好的开发体验和保证质量；</a:t>
-            </a:r>
-            <a:endParaRPr lang="zh-CN" altLang="en-US"/>
-          </a:p>
-          <a:p>
-            <a:r>
-              <a:rPr lang="zh-CN" altLang="en-US"/>
-              <a:t>Webpack 被全世界的大量 Web 开发者</a:t>
-            </a:r>
-            <a:r>
-              <a:rPr lang="zh-CN" altLang="en-US">
-                <a:solidFill>
-                  <a:srgbClr val="FF0000"/>
-                </a:solidFill>
-              </a:rPr>
-              <a:t>使用和验证</a:t>
-            </a:r>
-            <a:r>
-              <a:rPr lang="zh-CN" altLang="en-US"/>
-              <a:t>，能找到各个层面所需的教程和经验分享。</a:t>
-            </a:r>
-            <a:endParaRPr lang="zh-CN" altLang="en-US"/>
-          </a:p>
-          <a:p>
-            <a:r>
-              <a:rPr lang="zh-CN" altLang="en-US"/>
-              <a:t>可插拔：想用什么功能就配置什么功能，而不是强制的使用某些功能。</a:t>
-            </a:r>
-            <a:endParaRPr lang="zh-CN" altLang="en-US"/>
-          </a:p>
-        </p:txBody>
-      </p:sp>
-    </p:spTree>
-  </p:cSld>
-  <p:clrMapOvr>
-    <a:masterClrMapping/>
-  </p:clrMapOvr>
-</p:sld>
-</file>
-
 <file path=ppt/slides/slide45.xml><?xml version="1.0" encoding="utf-8"?>
 <p:sld xmlns:a="http://schemas.openxmlformats.org/drawingml/2006/main" xmlns:r="http://schemas.openxmlformats.org/officeDocument/2006/relationships" xmlns:p="http://schemas.openxmlformats.org/presentationml/2006/main">
   <p:cSld>
@@ -7953,7 +8068,27 @@
         <p:txBody>
           <a:bodyPr/>
           <a:p>
-            <a:endParaRPr lang="zh-CN" altLang="en-US"/>
+            <a:r>
+              <a:rPr lang="en-US" altLang="zh-CN"/>
+              <a:t>Webpack</a:t>
+            </a:r>
+            <a:r>
+              <a:rPr lang="en-US" altLang="zh-CN" sz="2400"/>
+              <a:t>（</a:t>
+            </a:r>
+            <a:r>
+              <a:rPr lang="zh-CN" altLang="en-US" sz="2400"/>
+              <a:t>为什么用它</a:t>
+            </a:r>
+            <a:r>
+              <a:rPr lang="en-US" altLang="zh-CN" sz="2400"/>
+              <a:t>?</a:t>
+            </a:r>
+            <a:r>
+              <a:rPr lang="zh-CN" altLang="en-US" sz="2400"/>
+              <a:t>）</a:t>
+            </a:r>
+            <a:endParaRPr lang="zh-CN" altLang="en-US" sz="2400"/>
           </a:p>
         </p:txBody>
       </p:sp>
@@ -7971,38 +8106,56 @@
         <p:txBody>
           <a:bodyPr/>
           <a:p>
-            <a:pPr marL="0" indent="0" algn="ctr">
-              <a:buNone/>
-            </a:pPr>
-            <a:endParaRPr lang="zh-CN" altLang="en-US" sz="4400">
-              <a:sym typeface="+mn-ea"/>
-            </a:endParaRPr>
-          </a:p>
-          <a:p>
-            <a:pPr marL="0" indent="0" algn="ctr">
-              <a:buNone/>
-            </a:pPr>
-            <a:r>
-              <a:rPr lang="zh-CN" altLang="en-US" sz="4400">
-                <a:sym typeface="+mn-ea"/>
-              </a:rPr>
-              <a:t>第三章</a:t>
-            </a:r>
-            <a:endParaRPr lang="en-US" altLang="zh-CN" sz="4400">
-              <a:sym typeface="+mn-ea"/>
-            </a:endParaRPr>
-          </a:p>
-          <a:p>
-            <a:pPr marL="0" indent="0" algn="ctr">
-              <a:buNone/>
-            </a:pPr>
-            <a:r>
-              <a:rPr lang="en-US" altLang="zh-CN" sz="4400">
-                <a:sym typeface="+mn-ea"/>
-              </a:rPr>
-              <a:t>webpack</a:t>
-            </a:r>
-            <a:endParaRPr lang="zh-CN" altLang="en-US" sz="4400"/>
+            <a:r>
+              <a:rPr lang="zh-CN" altLang="en-US"/>
+              <a:t>大多数团队在开发新项目时会采用紧跟时代的技术，这些技术几乎都会采用“模块化+新语言+新框架”，Webpack 可以为这些新项目提供一站式的解决方案；</a:t>
+            </a:r>
+            <a:endParaRPr lang="zh-CN" altLang="en-US"/>
+          </a:p>
+          <a:p>
+            <a:r>
+              <a:rPr lang="zh-CN" altLang="en-US"/>
+              <a:t>Webpack 有良好的生态链和</a:t>
+            </a:r>
+            <a:r>
+              <a:rPr lang="zh-CN" altLang="en-US">
+                <a:solidFill>
+                  <a:srgbClr val="FF0000"/>
+                </a:solidFill>
+              </a:rPr>
+              <a:t>维护团队</a:t>
+            </a:r>
+            <a:r>
+              <a:rPr lang="zh-CN" altLang="en-US"/>
+              <a:t>，能提供良好的开发体验和保证质量；</a:t>
+            </a:r>
+            <a:endParaRPr lang="zh-CN" altLang="en-US"/>
+          </a:p>
+          <a:p>
+            <a:r>
+              <a:rPr lang="zh-CN" altLang="en-US"/>
+              <a:t>Webpack 被全世界的大量 Web 开发者</a:t>
+            </a:r>
+            <a:r>
+              <a:rPr lang="zh-CN" altLang="en-US">
+                <a:solidFill>
+                  <a:srgbClr val="FF0000"/>
+                </a:solidFill>
+              </a:rPr>
+              <a:t>使用和验证</a:t>
+            </a:r>
+            <a:r>
+              <a:rPr lang="zh-CN" altLang="en-US"/>
+              <a:t>，能找到各个层面所需的教程和经验分享。</a:t>
+            </a:r>
+            <a:endParaRPr lang="zh-CN" altLang="en-US"/>
+          </a:p>
+          <a:p>
+            <a:r>
+              <a:rPr lang="zh-CN" altLang="en-US"/>
+              <a:t>可插拔：想用什么功能就配置什么功能，而不是强制的使用某些功能。</a:t>
+            </a:r>
+            <a:endParaRPr lang="zh-CN" altLang="en-US"/>
           </a:p>
         </p:txBody>
       </p:sp>
@@ -8038,6 +8191,99 @@
         <p:txBody>
           <a:bodyPr/>
           <a:p>
+            <a:endParaRPr lang="zh-CN" altLang="en-US"/>
+          </a:p>
+        </p:txBody>
+      </p:sp>
+      <p:sp>
+        <p:nvSpPr>
+          <p:cNvPr id="3" name="内容占位符 2"/>
+          <p:cNvSpPr>
+            <a:spLocks noGrp="1"/>
+          </p:cNvSpPr>
+          <p:nvPr>
+            <p:ph idx="1"/>
+          </p:nvPr>
+        </p:nvSpPr>
+        <p:spPr/>
+        <p:txBody>
+          <a:bodyPr/>
+          <a:p>
+            <a:pPr marL="0" indent="0" algn="ctr">
+              <a:buNone/>
+            </a:pPr>
+            <a:endParaRPr lang="zh-CN" altLang="en-US" sz="4400">
+              <a:sym typeface="+mn-ea"/>
+            </a:endParaRPr>
+          </a:p>
+          <a:p>
+            <a:pPr marL="0" indent="0" algn="ctr">
+              <a:buNone/>
+            </a:pPr>
+            <a:r>
+              <a:rPr lang="zh-CN" altLang="en-US" sz="4400">
+                <a:sym typeface="+mn-ea"/>
+              </a:rPr>
+              <a:t>第三章</a:t>
+            </a:r>
+            <a:endParaRPr lang="en-US" altLang="zh-CN" sz="4400">
+              <a:sym typeface="+mn-ea"/>
+            </a:endParaRPr>
+          </a:p>
+          <a:p>
+            <a:pPr marL="0" indent="0" algn="ctr">
+              <a:buNone/>
+            </a:pPr>
+            <a:r>
+              <a:rPr lang="en-US" altLang="zh-CN" sz="4400">
+                <a:sym typeface="+mn-ea"/>
+              </a:rPr>
+              <a:t>webpack</a:t>
+            </a:r>
+            <a:r>
+              <a:rPr lang="zh-CN" altLang="en-US" sz="4400">
+                <a:sym typeface="+mn-ea"/>
+              </a:rPr>
+              <a:t>原理</a:t>
+            </a:r>
+            <a:endParaRPr lang="zh-CN" altLang="en-US" sz="4400">
+              <a:sym typeface="+mn-ea"/>
+            </a:endParaRPr>
+          </a:p>
+        </p:txBody>
+      </p:sp>
+    </p:spTree>
+  </p:cSld>
+  <p:clrMapOvr>
+    <a:masterClrMapping/>
+  </p:clrMapOvr>
+</p:sld>
+</file>
+
+<file path=ppt/slides/slide47.xml><?xml version="1.0" encoding="utf-8"?>
+<p:sld xmlns:a="http://schemas.openxmlformats.org/drawingml/2006/main" xmlns:r="http://schemas.openxmlformats.org/officeDocument/2006/relationships" xmlns:p="http://schemas.openxmlformats.org/presentationml/2006/main">
+  <p:cSld>
+    <p:spTree>
+      <p:nvGrpSpPr>
+        <p:cNvPr id="1" name=""/>
+        <p:cNvGrpSpPr/>
+        <p:nvPr/>
+      </p:nvGrpSpPr>
+      <p:grpSpPr/>
+      <p:sp>
+        <p:nvSpPr>
+          <p:cNvPr id="2" name="标题 1"/>
+          <p:cNvSpPr>
+            <a:spLocks noGrp="1"/>
+          </p:cNvSpPr>
+          <p:nvPr>
+            <p:ph type="title"/>
+          </p:nvPr>
+        </p:nvSpPr>
+        <p:spPr/>
+        <p:txBody>
+          <a:bodyPr/>
+          <a:p>
             <a:r>
               <a:rPr lang="en-US" altLang="zh-CN"/>
               <a:t>3.1</a:t>
@@ -8079,17 +8325,9 @@
             <a:endParaRPr lang="en-US" altLang="zh-CN"/>
           </a:p>
           <a:p>
-            <a:endParaRPr lang="en-US" altLang="zh-CN"/>
-          </a:p>
-          <a:p>
-            <a:r>
-              <a:rPr lang="zh-CN" altLang="en-US" sz="2000">
-                <a:solidFill>
-                  <a:schemeClr val="accent1"/>
-                </a:solidFill>
-              </a:rPr>
-              <a:t>要说清楚，内容比较多</a:t>
-            </a:r>
+            <a:pPr marL="0" indent="0">
+              <a:buNone/>
+            </a:pPr>
             <a:endParaRPr lang="zh-CN" altLang="en-US" sz="2000">
               <a:solidFill>
                 <a:schemeClr val="accent1"/>
@@ -8154,7 +8392,7 @@
 </p:sld>
 </file>
 
-<file path=ppt/slides/slide47.xml><?xml version="1.0" encoding="utf-8"?>
+<file path=ppt/slides/slide48.xml><?xml version="1.0" encoding="utf-8"?>
 <p:sld xmlns:a="http://schemas.openxmlformats.org/drawingml/2006/main" xmlns:r="http://schemas.openxmlformats.org/officeDocument/2006/relationships" xmlns:p="http://schemas.openxmlformats.org/presentationml/2006/main">
   <p:cSld>
     <p:spTree>
@@ -8363,7 +8601,7 @@
 </p:sld>
 </file>
 
-<file path=ppt/slides/slide48.xml><?xml version="1.0" encoding="utf-8"?>
+<file path=ppt/slides/slide49.xml><?xml version="1.0" encoding="utf-8"?>
 <p:sld xmlns:a="http://schemas.openxmlformats.org/drawingml/2006/main" xmlns:r="http://schemas.openxmlformats.org/officeDocument/2006/relationships" xmlns:p="http://schemas.openxmlformats.org/presentationml/2006/main">
   <p:cSld>
     <p:spTree>
@@ -8441,97 +8679,6 @@
 </p:sld>
 </file>
 
-<file path=ppt/slides/slide49.xml><?xml version="1.0" encoding="utf-8"?>
-<p:sld xmlns:a="http://schemas.openxmlformats.org/drawingml/2006/main" xmlns:r="http://schemas.openxmlformats.org/officeDocument/2006/relationships" xmlns:p="http://schemas.openxmlformats.org/presentationml/2006/main">
-  <p:cSld>
-    <p:spTree>
-      <p:nvGrpSpPr>
-        <p:cNvPr id="1" name=""/>
-        <p:cNvGrpSpPr/>
-        <p:nvPr/>
-      </p:nvGrpSpPr>
-      <p:grpSpPr/>
-      <p:sp>
-        <p:nvSpPr>
-          <p:cNvPr id="2" name="标题 1"/>
-          <p:cNvSpPr>
-            <a:spLocks noGrp="1"/>
-          </p:cNvSpPr>
-          <p:nvPr>
-            <p:ph type="title"/>
-          </p:nvPr>
-        </p:nvSpPr>
-        <p:spPr>
-          <a:xfrm>
-            <a:off x="838200" y="365125"/>
-            <a:ext cx="10515600" cy="1325563"/>
-          </a:xfrm>
-        </p:spPr>
-        <p:txBody>
-          <a:bodyPr/>
-          <a:p>
-            <a:r>
-              <a:rPr lang="en-US" altLang="zh-CN"/>
-              <a:t>Webpack配</a:t>
-            </a:r>
-            <a:r>
-              <a:rPr lang="zh-CN" altLang="en-US"/>
-              <a:t>置</a:t>
-            </a:r>
-            <a:endParaRPr lang="zh-CN" altLang="en-US"/>
-          </a:p>
-        </p:txBody>
-      </p:sp>
-      <p:sp>
-        <p:nvSpPr>
-          <p:cNvPr id="3" name="内容占位符 2"/>
-          <p:cNvSpPr>
-            <a:spLocks noGrp="1"/>
-          </p:cNvSpPr>
-          <p:nvPr>
-            <p:ph sz="half" idx="1"/>
-          </p:nvPr>
-        </p:nvSpPr>
-        <p:spPr>
-          <a:xfrm>
-            <a:off x="838200" y="1825625"/>
-            <a:ext cx="10810240" cy="4351655"/>
-          </a:xfrm>
-        </p:spPr>
-        <p:txBody>
-          <a:bodyPr/>
-          <a:p>
-            <a:r>
-              <a:rPr lang="zh-CN" altLang="en-US"/>
-              <a:t>边看</a:t>
-            </a:r>
-            <a:r>
-              <a:rPr lang="en-US" altLang="zh-CN"/>
-              <a:t>webpack.config.js</a:t>
-            </a:r>
-            <a:r>
-              <a:rPr lang="zh-CN" altLang="en-US"/>
-              <a:t>文件，边讲</a:t>
-            </a:r>
-            <a:endParaRPr lang="zh-CN" altLang="en-US"/>
-          </a:p>
-          <a:p>
-            <a:r>
-              <a:rPr lang="zh-CN" altLang="en-US"/>
-              <a:t>https://webpack.docschina.org/concepts/</a:t>
-            </a:r>
-            <a:endParaRPr lang="zh-CN" altLang="en-US"/>
-          </a:p>
-        </p:txBody>
-      </p:sp>
-    </p:spTree>
-  </p:cSld>
-  <p:clrMapOvr>
-    <a:masterClrMapping/>
-  </p:clrMapOvr>
-</p:sld>
-</file>
-
 <file path=ppt/slides/slide5.xml><?xml version="1.0" encoding="utf-8"?>
 <p:sld xmlns:a="http://schemas.openxmlformats.org/drawingml/2006/main" xmlns:r="http://schemas.openxmlformats.org/officeDocument/2006/relationships" xmlns:p="http://schemas.openxmlformats.org/presentationml/2006/main">
   <p:cSld>
@@ -8593,7 +8740,11 @@
             </a:r>
             <a:r>
               <a:rPr lang="zh-CN" altLang="en-US"/>
-              <a:t>有没有（有没有对话框，有没有抽屉等）</a:t>
+              <a:t>元素</a:t>
+            </a:r>
+            <a:r>
+              <a:rPr lang="zh-CN" altLang="en-US"/>
+              <a:t>有没有</a:t>
             </a:r>
             <a:endParaRPr lang="en-US" altLang="zh-CN"/>
           </a:p>
@@ -8604,6 +8755,12 @@
                 <a:sym typeface="+mn-ea"/>
               </a:rPr>
               <a:t>CSS - </a:t>
+            </a:r>
+            <a:r>
+              <a:rPr lang="zh-CN" altLang="en-US">
+                <a:sym typeface="+mn-ea"/>
+              </a:rPr>
+              <a:t>元素</a:t>
             </a:r>
             <a:r>
               <a:rPr lang="zh-CN" altLang="en-US">
@@ -8681,8 +8838,32 @@
         </p:blipFill>
         <p:spPr>
           <a:xfrm>
-            <a:off x="3643630" y="3705860"/>
+            <a:off x="6918325" y="3628390"/>
             <a:ext cx="3860165" cy="2273935"/>
+          </a:xfrm>
+          <a:prstGeom prst="rect">
+            <a:avLst/>
+          </a:prstGeom>
+        </p:spPr>
+      </p:pic>
+      <p:pic>
+        <p:nvPicPr>
+          <p:cNvPr id="5" name="图片 4"/>
+          <p:cNvPicPr>
+            <a:picLocks noChangeAspect="1"/>
+          </p:cNvPicPr>
+          <p:nvPr/>
+        </p:nvPicPr>
+        <p:blipFill>
+          <a:blip r:embed="rId2"/>
+          <a:stretch>
+            <a:fillRect/>
+          </a:stretch>
+        </p:blipFill>
+        <p:spPr>
+          <a:xfrm>
+            <a:off x="838200" y="3716655"/>
+            <a:ext cx="2868295" cy="2105025"/>
           </a:xfrm>
           <a:prstGeom prst="rect">
             <a:avLst/>
@@ -8698,6 +8879,123 @@
 </file>
 
 <file path=ppt/slides/slide50.xml><?xml version="1.0" encoding="utf-8"?>
+<p:sld xmlns:a="http://schemas.openxmlformats.org/drawingml/2006/main" xmlns:r="http://schemas.openxmlformats.org/officeDocument/2006/relationships" xmlns:p="http://schemas.openxmlformats.org/presentationml/2006/main">
+  <p:cSld>
+    <p:spTree>
+      <p:nvGrpSpPr>
+        <p:cNvPr id="1" name=""/>
+        <p:cNvGrpSpPr/>
+        <p:nvPr/>
+      </p:nvGrpSpPr>
+      <p:grpSpPr/>
+      <p:sp>
+        <p:nvSpPr>
+          <p:cNvPr id="2" name="标题 1"/>
+          <p:cNvSpPr>
+            <a:spLocks noGrp="1"/>
+          </p:cNvSpPr>
+          <p:nvPr>
+            <p:ph type="title"/>
+          </p:nvPr>
+        </p:nvSpPr>
+        <p:spPr>
+          <a:xfrm>
+            <a:off x="838200" y="365125"/>
+            <a:ext cx="10515600" cy="1325563"/>
+          </a:xfrm>
+        </p:spPr>
+        <p:txBody>
+          <a:bodyPr/>
+          <a:p>
+            <a:endParaRPr lang="zh-CN" altLang="en-US"/>
+          </a:p>
+        </p:txBody>
+      </p:sp>
+      <p:sp>
+        <p:nvSpPr>
+          <p:cNvPr id="3" name="内容占位符 2"/>
+          <p:cNvSpPr>
+            <a:spLocks noGrp="1"/>
+          </p:cNvSpPr>
+          <p:nvPr>
+            <p:ph sz="half" idx="1"/>
+          </p:nvPr>
+        </p:nvSpPr>
+        <p:spPr>
+          <a:xfrm>
+            <a:off x="838200" y="1825625"/>
+            <a:ext cx="10810240" cy="4351655"/>
+          </a:xfrm>
+        </p:spPr>
+        <p:txBody>
+          <a:bodyPr/>
+          <a:p>
+            <a:endParaRPr lang="zh-CN" altLang="en-US"/>
+          </a:p>
+          <a:p>
+            <a:pPr marL="0" indent="0" algn="ctr">
+              <a:buNone/>
+            </a:pPr>
+            <a:r>
+              <a:rPr lang="zh-CN" altLang="en-US" sz="4400">
+                <a:sym typeface="+mn-ea"/>
+              </a:rPr>
+              <a:t>第四章</a:t>
+            </a:r>
+            <a:endParaRPr lang="en-US" altLang="zh-CN" sz="4400">
+              <a:sym typeface="+mn-ea"/>
+            </a:endParaRPr>
+          </a:p>
+          <a:p>
+            <a:pPr marL="0" indent="0" algn="ctr">
+              <a:buNone/>
+            </a:pPr>
+            <a:r>
+              <a:rPr lang="en-US" altLang="zh-CN" sz="4400">
+                <a:sym typeface="+mn-ea"/>
+              </a:rPr>
+              <a:t>Webpack配</a:t>
+            </a:r>
+            <a:r>
+              <a:rPr lang="zh-CN" altLang="en-US" sz="4400">
+                <a:sym typeface="+mn-ea"/>
+              </a:rPr>
+              <a:t>置</a:t>
+            </a:r>
+            <a:endParaRPr lang="zh-CN" altLang="en-US"/>
+          </a:p>
+          <a:p>
+            <a:pPr marL="0" indent="0" algn="ctr">
+              <a:buNone/>
+            </a:pPr>
+            <a:r>
+              <a:rPr lang="zh-CN" altLang="en-US" sz="1600"/>
+              <a:t>边看</a:t>
+            </a:r>
+            <a:r>
+              <a:rPr lang="en-US" altLang="zh-CN" sz="1600"/>
+              <a:t>webpack.config.js</a:t>
+            </a:r>
+            <a:r>
+              <a:rPr lang="zh-CN" altLang="en-US" sz="1600"/>
+              <a:t>文件，边讲</a:t>
+            </a:r>
+            <a:endParaRPr lang="zh-CN" altLang="en-US" sz="1600"/>
+          </a:p>
+          <a:p>
+            <a:endParaRPr lang="zh-CN" altLang="en-US" sz="1600"/>
+          </a:p>
+        </p:txBody>
+      </p:sp>
+    </p:spTree>
+  </p:cSld>
+  <p:clrMapOvr>
+    <a:masterClrMapping/>
+  </p:clrMapOvr>
+</p:sld>
+</file>
+
+<file path=ppt/slides/slide51.xml><?xml version="1.0" encoding="utf-8"?>
 <p:sld xmlns:a="http://schemas.openxmlformats.org/drawingml/2006/main" xmlns:r="http://schemas.openxmlformats.org/officeDocument/2006/relationships" xmlns:p="http://schemas.openxmlformats.org/presentationml/2006/main">
   <p:cSld>
     <p:spTree>
@@ -8813,7 +9111,7 @@
 </p:sld>
 </file>
 
-<file path=ppt/slides/slide51.xml><?xml version="1.0" encoding="utf-8"?>
+<file path=ppt/slides/slide52.xml><?xml version="1.0" encoding="utf-8"?>
 <p:sld xmlns:a="http://schemas.openxmlformats.org/drawingml/2006/main" xmlns:r="http://schemas.openxmlformats.org/officeDocument/2006/relationships" xmlns:p="http://schemas.openxmlformats.org/presentationml/2006/main">
   <p:cSld>
     <p:spTree>
@@ -8911,7 +9209,7 @@
 </p:sld>
 </file>
 
-<file path=ppt/slides/slide52.xml><?xml version="1.0" encoding="utf-8"?>
+<file path=ppt/slides/slide53.xml><?xml version="1.0" encoding="utf-8"?>
 <p:sld xmlns:a="http://schemas.openxmlformats.org/drawingml/2006/main" xmlns:r="http://schemas.openxmlformats.org/officeDocument/2006/relationships" xmlns:p="http://schemas.openxmlformats.org/presentationml/2006/main">
   <p:cSld>
     <p:spTree>
@@ -9179,7 +9477,7 @@
 </p:sld>
 </file>
 
-<file path=ppt/slides/slide53.xml><?xml version="1.0" encoding="utf-8"?>
+<file path=ppt/slides/slide54.xml><?xml version="1.0" encoding="utf-8"?>
 <p:sld xmlns:a="http://schemas.openxmlformats.org/drawingml/2006/main" xmlns:r="http://schemas.openxmlformats.org/officeDocument/2006/relationships" xmlns:p="http://schemas.openxmlformats.org/presentationml/2006/main">
   <p:cSld>
     <p:spTree>
@@ -9244,7 +9542,7 @@
 </p:sld>
 </file>
 
-<file path=ppt/slides/slide54.xml><?xml version="1.0" encoding="utf-8"?>
+<file path=ppt/slides/slide55.xml><?xml version="1.0" encoding="utf-8"?>
 <p:sld xmlns:a="http://schemas.openxmlformats.org/drawingml/2006/main" xmlns:r="http://schemas.openxmlformats.org/officeDocument/2006/relationships" xmlns:p="http://schemas.openxmlformats.org/presentationml/2006/main">
   <p:cSld>
     <p:spTree>
@@ -9710,7 +10008,7 @@
 </p:sld>
 </file>
 
-<file path=ppt/slides/slide55.xml><?xml version="1.0" encoding="utf-8"?>
+<file path=ppt/slides/slide56.xml><?xml version="1.0" encoding="utf-8"?>
 <p:sld xmlns:a="http://schemas.openxmlformats.org/drawingml/2006/main" xmlns:r="http://schemas.openxmlformats.org/officeDocument/2006/relationships" xmlns:p="http://schemas.openxmlformats.org/presentationml/2006/main">
   <p:cSld>
     <p:spTree>
@@ -9833,7 +10131,7 @@
 </p:sld>
 </file>
 
-<file path=ppt/slides/slide56.xml><?xml version="1.0" encoding="utf-8"?>
+<file path=ppt/slides/slide57.xml><?xml version="1.0" encoding="utf-8"?>
 <p:sld xmlns:a="http://schemas.openxmlformats.org/drawingml/2006/main" xmlns:r="http://schemas.openxmlformats.org/officeDocument/2006/relationships" xmlns:p="http://schemas.openxmlformats.org/presentationml/2006/main">
   <p:cSld>
     <p:spTree>
@@ -9955,11 +10253,18 @@
           <a:p>
             <a:r>
               <a:rPr lang="zh-CN" altLang="en-US" sz="2500">
+                <a:solidFill>
+                  <a:srgbClr val="FF0000"/>
+                </a:solidFill>
                 <a:sym typeface="+mn-ea"/>
               </a:rPr>
               <a:t>extract-text-webpack-plugin：提取 JavaScript 中的 CSS 代码到单独的文件中，在1-5使用 Plugin 中有介绍。</a:t>
             </a:r>
-            <a:endParaRPr lang="zh-CN" altLang="en-US" sz="2500"/>
+            <a:endParaRPr lang="zh-CN" altLang="en-US" sz="2500">
+              <a:solidFill>
+                <a:srgbClr val="FF0000"/>
+              </a:solidFill>
+            </a:endParaRPr>
           </a:p>
           <a:p>
             <a:r>
@@ -10121,7 +10426,7 @@
 </p:sld>
 </file>
 
-<file path=ppt/slides/slide57.xml><?xml version="1.0" encoding="utf-8"?>
+<file path=ppt/slides/slide58.xml><?xml version="1.0" encoding="utf-8"?>
 <p:sld xmlns:a="http://schemas.openxmlformats.org/drawingml/2006/main" xmlns:r="http://schemas.openxmlformats.org/officeDocument/2006/relationships" xmlns:p="http://schemas.openxmlformats.org/presentationml/2006/main">
   <p:cSld>
     <p:spTree>
@@ -10245,134 +10550,6 @@
 </p:sld>
 </file>
 
-<file path=ppt/slides/slide58.xml><?xml version="1.0" encoding="utf-8"?>
-<p:sld xmlns:a="http://schemas.openxmlformats.org/drawingml/2006/main" xmlns:r="http://schemas.openxmlformats.org/officeDocument/2006/relationships" xmlns:p="http://schemas.openxmlformats.org/presentationml/2006/main">
-  <p:cSld>
-    <p:spTree>
-      <p:nvGrpSpPr>
-        <p:cNvPr id="1" name=""/>
-        <p:cNvGrpSpPr/>
-        <p:nvPr/>
-      </p:nvGrpSpPr>
-      <p:grpSpPr/>
-      <p:sp>
-        <p:nvSpPr>
-          <p:cNvPr id="2" name="标题 1"/>
-          <p:cNvSpPr>
-            <a:spLocks noGrp="1"/>
-          </p:cNvSpPr>
-          <p:nvPr>
-            <p:ph type="title"/>
-          </p:nvPr>
-        </p:nvSpPr>
-        <p:spPr/>
-        <p:txBody>
-          <a:bodyPr/>
-          <a:p>
-            <a:r>
-              <a:rPr lang="en-US" altLang="zh-CN"/>
-              <a:t>devtool</a:t>
-            </a:r>
-            <a:r>
-              <a:rPr lang="zh-CN" altLang="en-US" sz="2400"/>
-              <a:t>（</a:t>
-            </a:r>
-            <a:r>
-              <a:rPr lang="en-US" altLang="zh-CN" sz="2400">
-                <a:sym typeface="+mn-ea"/>
-              </a:rPr>
-              <a:t>source-map</a:t>
-            </a:r>
-            <a:r>
-              <a:rPr lang="zh-CN" altLang="en-US" sz="2400"/>
-              <a:t>）</a:t>
-            </a:r>
-            <a:endParaRPr lang="en-US" altLang="zh-CN" sz="2400"/>
-          </a:p>
-        </p:txBody>
-      </p:sp>
-      <p:sp>
-        <p:nvSpPr>
-          <p:cNvPr id="3" name="内容占位符 2"/>
-          <p:cNvSpPr>
-            <a:spLocks noGrp="1"/>
-          </p:cNvSpPr>
-          <p:nvPr>
-            <p:ph sz="half" idx="1"/>
-          </p:nvPr>
-        </p:nvSpPr>
-        <p:spPr>
-          <a:xfrm>
-            <a:off x="838200" y="1825625"/>
-            <a:ext cx="10515600" cy="4351655"/>
-          </a:xfrm>
-        </p:spPr>
-        <p:txBody>
-          <a:bodyPr>
-            <a:normAutofit/>
-          </a:bodyPr>
-          <a:p>
-            <a:r>
-              <a:rPr lang="zh-CN" altLang="en-US" sz="1555"/>
-              <a:t>其实以上表格只是列举了 devtool 可能取值的一部分， 它的取值其实可以由 source-map、eval、inline、hidden、cheap、module 这六个关键字随意组合而成。 这六个关键字每个都代表一种特性，它们的含义分别是：</a:t>
-            </a:r>
-            <a:endParaRPr lang="zh-CN" altLang="en-US" sz="1555"/>
-          </a:p>
-          <a:p>
-            <a:endParaRPr lang="zh-CN" altLang="en-US" sz="1555"/>
-          </a:p>
-          <a:p>
-            <a:r>
-              <a:rPr lang="zh-CN" altLang="en-US" sz="1555"/>
-              <a:t>eval：用 eval 语句包裹需要安装的模块；</a:t>
-            </a:r>
-            <a:endParaRPr lang="zh-CN" altLang="en-US" sz="1555"/>
-          </a:p>
-          <a:p>
-            <a:r>
-              <a:rPr lang="zh-CN" altLang="en-US" sz="1555"/>
-              <a:t>source-map：生成独立的 Source Map 文件；</a:t>
-            </a:r>
-            <a:endParaRPr lang="zh-CN" altLang="en-US" sz="1555"/>
-          </a:p>
-          <a:p>
-            <a:r>
-              <a:rPr lang="zh-CN" altLang="en-US" sz="1555"/>
-              <a:t>hidden：不在 JavaScript 文件中指出 Source Map 文件所在，这样浏览器就不会自动加载 Source Map；</a:t>
-            </a:r>
-            <a:endParaRPr lang="zh-CN" altLang="en-US" sz="1555"/>
-          </a:p>
-          <a:p>
-            <a:r>
-              <a:rPr lang="zh-CN" altLang="en-US" sz="1555"/>
-              <a:t>inline：把生成的 Source Map 转换成 base64 格式内嵌在 JavaScript 文件中；</a:t>
-            </a:r>
-            <a:endParaRPr lang="zh-CN" altLang="en-US" sz="1555"/>
-          </a:p>
-          <a:p>
-            <a:r>
-              <a:rPr lang="zh-CN" altLang="en-US" sz="1555"/>
-              <a:t>cheap：生成的 Source Map 中不会包含列信息，这样计算量更小，输出的 Source Map 文件更小；同时 Loader 输出的 Source Map 不会被采用；</a:t>
-            </a:r>
-            <a:endParaRPr lang="zh-CN" altLang="en-US" sz="1555"/>
-          </a:p>
-          <a:p>
-            <a:r>
-              <a:rPr lang="zh-CN" altLang="en-US" sz="1555"/>
-              <a:t>module：来自 Loader 的 Source Map 被简单处理成每行一个模块；</a:t>
-            </a:r>
-            <a:endParaRPr lang="zh-CN" altLang="en-US" sz="1555"/>
-          </a:p>
-        </p:txBody>
-      </p:sp>
-    </p:spTree>
-  </p:cSld>
-  <p:clrMapOvr>
-    <a:masterClrMapping/>
-  </p:clrMapOvr>
-</p:sld>
-</file>
-
 <file path=ppt/slides/slide59.xml><?xml version="1.0" encoding="utf-8"?>
 <p:sld xmlns:a="http://schemas.openxmlformats.org/drawingml/2006/main" xmlns:r="http://schemas.openxmlformats.org/officeDocument/2006/relationships" xmlns:p="http://schemas.openxmlformats.org/presentationml/2006/main">
   <p:cSld>
@@ -10399,13 +10576,23 @@
           <a:p>
             <a:r>
               <a:rPr lang="en-US" altLang="zh-CN"/>
-              <a:t>4.2 - </a:t>
-            </a:r>
-            <a:r>
-              <a:rPr lang="zh-CN" altLang="en-US"/>
-              <a:t>功能</a:t>
-            </a:r>
-            <a:endParaRPr lang="zh-CN" altLang="en-US"/>
+              <a:t>devtool</a:t>
+            </a:r>
+            <a:r>
+              <a:rPr lang="zh-CN" altLang="en-US" sz="2400"/>
+              <a:t>（</a:t>
+            </a:r>
+            <a:r>
+              <a:rPr lang="en-US" altLang="zh-CN" sz="2400">
+                <a:sym typeface="+mn-ea"/>
+              </a:rPr>
+              <a:t>source-map: 源程序映射</a:t>
+            </a:r>
+            <a:r>
+              <a:rPr lang="zh-CN" altLang="en-US" sz="2400"/>
+              <a:t>）</a:t>
+            </a:r>
+            <a:endParaRPr lang="en-US" altLang="zh-CN" sz="2400"/>
           </a:p>
         </p:txBody>
       </p:sp>
@@ -10416,47 +10603,70 @@
             <a:spLocks noGrp="1"/>
           </p:cNvSpPr>
           <p:nvPr>
-            <p:ph idx="1"/>
-          </p:nvPr>
-        </p:nvSpPr>
-        <p:spPr/>
-        <p:txBody>
-          <a:bodyPr/>
-          <a:p>
-            <a:r>
-              <a:rPr lang="zh-CN" altLang="en-US"/>
-              <a:t>webpack-dev-server是webpack官方提供的一个小型Express</a:t>
-            </a:r>
-            <a:r>
-              <a:rPr lang="zh-CN" altLang="en-US">
-                <a:solidFill>
-                  <a:srgbClr val="FF0000"/>
-                </a:solidFill>
-              </a:rPr>
-              <a:t>服务器</a:t>
-            </a:r>
-            <a:r>
-              <a:rPr lang="zh-CN" altLang="en-US"/>
-              <a:t>。使用它可以为webpack打包生成的资源文件提供web服务。</a:t>
-            </a:r>
-            <a:endParaRPr lang="zh-CN" altLang="en-US"/>
-          </a:p>
-          <a:p>
-            <a:endParaRPr lang="zh-CN" altLang="en-US"/>
-          </a:p>
-          <a:p>
-            <a:r>
-              <a:rPr lang="zh-CN" altLang="en-US"/>
-              <a:t>为静态文件提供服务</a:t>
-            </a:r>
-            <a:endParaRPr lang="zh-CN" altLang="en-US"/>
-          </a:p>
-          <a:p>
-            <a:r>
-              <a:rPr lang="zh-CN" altLang="en-US"/>
-              <a:t>自动刷新和热替换(HMR)</a:t>
-            </a:r>
-            <a:endParaRPr lang="zh-CN" altLang="en-US"/>
+            <p:ph sz="half" idx="1"/>
+          </p:nvPr>
+        </p:nvSpPr>
+        <p:spPr>
+          <a:xfrm>
+            <a:off x="838200" y="1825625"/>
+            <a:ext cx="10515600" cy="4351655"/>
+          </a:xfrm>
+        </p:spPr>
+        <p:txBody>
+          <a:bodyPr>
+            <a:normAutofit/>
+          </a:bodyPr>
+          <a:p>
+            <a:r>
+              <a:rPr lang="zh-CN" altLang="en-US" sz="1555"/>
+              <a:t>其实以上表格只是列举了 devtool 可能取值的一部分， 它的取值其实可以由 source-map、eval、inline、hidden、cheap、module 这六个关键字随意组合而成。 这六个关键字每个都代表一种特性，它们的含义分别是：</a:t>
+            </a:r>
+            <a:endParaRPr lang="zh-CN" altLang="en-US" sz="1555"/>
+          </a:p>
+          <a:p>
+            <a:endParaRPr lang="zh-CN" altLang="en-US" sz="1555"/>
+          </a:p>
+          <a:p>
+            <a:r>
+              <a:rPr lang="zh-CN" altLang="en-US" sz="1555"/>
+              <a:t>eval：用 eval 语句包裹需要安装的模块；</a:t>
+            </a:r>
+            <a:endParaRPr lang="zh-CN" altLang="en-US" sz="1555"/>
+          </a:p>
+          <a:p>
+            <a:r>
+              <a:rPr lang="zh-CN" altLang="en-US" sz="1555"/>
+              <a:t>source-map：生成独立的 Source Map 文件；</a:t>
+            </a:r>
+            <a:endParaRPr lang="zh-CN" altLang="en-US" sz="1555"/>
+          </a:p>
+          <a:p>
+            <a:r>
+              <a:rPr lang="zh-CN" altLang="en-US" sz="1555"/>
+              <a:t>hidden：不在 JavaScript 文件中指出 Source Map 文件所在，这样浏览器就不会自动加载 Source Map；</a:t>
+            </a:r>
+            <a:endParaRPr lang="zh-CN" altLang="en-US" sz="1555"/>
+          </a:p>
+          <a:p>
+            <a:r>
+              <a:rPr lang="zh-CN" altLang="en-US" sz="1555"/>
+              <a:t>inline：把生成的 Source Map 转换成 base64 格式内嵌在 JavaScript 文件中；</a:t>
+            </a:r>
+            <a:endParaRPr lang="zh-CN" altLang="en-US" sz="1555"/>
+          </a:p>
+          <a:p>
+            <a:r>
+              <a:rPr lang="zh-CN" altLang="en-US" sz="1555"/>
+              <a:t>cheap：生成的 Source Map 中不会包含列信息，这样计算量更小，输出的 Source Map 文件更小；同时 Loader 输出的 Source Map 不会被采用；</a:t>
+            </a:r>
+            <a:endParaRPr lang="zh-CN" altLang="en-US" sz="1555"/>
+          </a:p>
+          <a:p>
+            <a:r>
+              <a:rPr lang="zh-CN" altLang="en-US" sz="1555"/>
+              <a:t>module：来自 Loader 的 Source Map 被简单处理成每行一个模块；</a:t>
+            </a:r>
+            <a:endParaRPr lang="zh-CN" altLang="en-US" sz="1555"/>
           </a:p>
         </p:txBody>
       </p:sp>
@@ -11087,8 +11297,8 @@
           <a:bodyPr/>
           <a:p>
             <a:r>
-              <a:rPr lang="zh-CN" altLang="en-US"/>
-              <a:t>未完待续</a:t>
+              <a:rPr lang="en-US" altLang="zh-CN"/>
+              <a:t>devServer</a:t>
             </a:r>
             <a:endParaRPr lang="zh-CN" altLang="en-US"/>
           </a:p>
@@ -11109,44 +11319,10 @@
           <a:bodyPr/>
           <a:p>
             <a:r>
-              <a:rPr lang="en-US" altLang="zh-CN"/>
-              <a:t>webpack </a:t>
-            </a:r>
-            <a:r>
-              <a:rPr lang="zh-CN" altLang="en-US"/>
-              <a:t>和 </a:t>
-            </a:r>
-            <a:r>
-              <a:rPr lang="en-US" altLang="zh-CN"/>
-              <a:t>vue-cli</a:t>
-            </a:r>
-            <a:r>
-              <a:rPr lang="zh-CN" altLang="en-US"/>
-              <a:t>？</a:t>
+              <a:rPr lang="zh-CN" altLang="en-US"/>
+              <a:t>webpack-dev-server是一个小型的Node.js Express服务器。</a:t>
             </a:r>
             <a:endParaRPr lang="en-US" altLang="zh-CN"/>
-          </a:p>
-          <a:p>
-            <a:r>
-              <a:rPr lang="en-US" altLang="zh-CN"/>
-              <a:t>webpack4.0 </a:t>
-            </a:r>
-            <a:r>
-              <a:rPr lang="zh-CN" altLang="en-US"/>
-              <a:t>区别？</a:t>
-            </a:r>
-            <a:endParaRPr lang="zh-CN" altLang="en-US"/>
-          </a:p>
-          <a:p>
-            <a:r>
-              <a:rPr lang="en-US" altLang="zh-CN"/>
-              <a:t>wepack</a:t>
-            </a:r>
-            <a:r>
-              <a:rPr lang="zh-CN" altLang="en-US"/>
-              <a:t>优化？</a:t>
-            </a:r>
-            <a:endParaRPr lang="zh-CN" altLang="en-US"/>
           </a:p>
         </p:txBody>
       </p:sp>
@@ -11159,6 +11335,337 @@
 </file>
 
 <file path=ppt/slides/slide61.xml><?xml version="1.0" encoding="utf-8"?>
+<p:sld xmlns:a="http://schemas.openxmlformats.org/drawingml/2006/main" xmlns:r="http://schemas.openxmlformats.org/officeDocument/2006/relationships" xmlns:p="http://schemas.openxmlformats.org/presentationml/2006/main">
+  <p:cSld>
+    <p:spTree>
+      <p:nvGrpSpPr>
+        <p:cNvPr id="1" name=""/>
+        <p:cNvGrpSpPr/>
+        <p:nvPr/>
+      </p:nvGrpSpPr>
+      <p:grpSpPr/>
+      <p:sp>
+        <p:nvSpPr>
+          <p:cNvPr id="2" name="标题 1"/>
+          <p:cNvSpPr>
+            <a:spLocks noGrp="1"/>
+          </p:cNvSpPr>
+          <p:nvPr>
+            <p:ph type="title"/>
+          </p:nvPr>
+        </p:nvSpPr>
+        <p:spPr/>
+        <p:txBody>
+          <a:bodyPr/>
+          <a:p>
+            <a:r>
+              <a:rPr lang="en-US" altLang="zh-CN"/>
+              <a:t>devServer.proxy</a:t>
+            </a:r>
+            <a:endParaRPr lang="en-US" altLang="zh-CN"/>
+          </a:p>
+        </p:txBody>
+      </p:sp>
+      <p:pic>
+        <p:nvPicPr>
+          <p:cNvPr id="4" name="内容占位符 3" descr="proxy"/>
+          <p:cNvPicPr>
+            <a:picLocks noChangeAspect="1"/>
+          </p:cNvPicPr>
+          <p:nvPr>
+            <p:ph idx="1"/>
+          </p:nvPr>
+        </p:nvPicPr>
+        <p:blipFill>
+          <a:blip r:embed="rId1"/>
+          <a:stretch>
+            <a:fillRect/>
+          </a:stretch>
+        </p:blipFill>
+        <p:spPr>
+          <a:xfrm>
+            <a:off x="519430" y="1691005"/>
+            <a:ext cx="11153140" cy="4405630"/>
+          </a:xfrm>
+          <a:prstGeom prst="rect">
+            <a:avLst/>
+          </a:prstGeom>
+        </p:spPr>
+      </p:pic>
+    </p:spTree>
+  </p:cSld>
+  <p:clrMapOvr>
+    <a:masterClrMapping/>
+  </p:clrMapOvr>
+</p:sld>
+</file>
+
+<file path=ppt/slides/slide62.xml><?xml version="1.0" encoding="utf-8"?>
+<p:sld xmlns:a="http://schemas.openxmlformats.org/drawingml/2006/main" xmlns:r="http://schemas.openxmlformats.org/officeDocument/2006/relationships" xmlns:p="http://schemas.openxmlformats.org/presentationml/2006/main">
+  <p:cSld>
+    <p:spTree>
+      <p:nvGrpSpPr>
+        <p:cNvPr id="1" name=""/>
+        <p:cNvGrpSpPr/>
+        <p:nvPr/>
+      </p:nvGrpSpPr>
+      <p:grpSpPr/>
+      <p:sp>
+        <p:nvSpPr>
+          <p:cNvPr id="2" name="标题 1"/>
+          <p:cNvSpPr>
+            <a:spLocks noGrp="1"/>
+          </p:cNvSpPr>
+          <p:nvPr>
+            <p:ph type="title"/>
+          </p:nvPr>
+        </p:nvSpPr>
+        <p:spPr/>
+        <p:txBody>
+          <a:bodyPr/>
+          <a:p>
+            <a:endParaRPr lang="zh-CN" altLang="en-US"/>
+          </a:p>
+        </p:txBody>
+      </p:sp>
+      <p:sp>
+        <p:nvSpPr>
+          <p:cNvPr id="3" name="内容占位符 2"/>
+          <p:cNvSpPr>
+            <a:spLocks noGrp="1"/>
+          </p:cNvSpPr>
+          <p:nvPr>
+            <p:ph idx="1"/>
+          </p:nvPr>
+        </p:nvSpPr>
+        <p:spPr/>
+        <p:txBody>
+          <a:bodyPr>
+            <a:normAutofit fontScale="30000"/>
+          </a:bodyPr>
+          <a:p>
+            <a:r>
+              <a:rPr lang="zh-CN" altLang="en-US"/>
+              <a:t>// 网关地址</a:t>
+            </a:r>
+            <a:endParaRPr lang="zh-CN" altLang="en-US"/>
+          </a:p>
+          <a:p>
+            <a:r>
+              <a:rPr lang="zh-CN" altLang="en-US"/>
+              <a:t>const GATEWAY_HOST = process.env.GATEWAY_HOST || '192.168.0.106'</a:t>
+            </a:r>
+            <a:endParaRPr lang="zh-CN" altLang="en-US"/>
+          </a:p>
+          <a:p>
+            <a:r>
+              <a:rPr lang="zh-CN" altLang="en-US"/>
+              <a:t>const GATEWAY_PORT = process.env.GATEWAY_PORT || '9180'</a:t>
+            </a:r>
+            <a:endParaRPr lang="zh-CN" altLang="en-US"/>
+          </a:p>
+          <a:p>
+            <a:endParaRPr lang="zh-CN" altLang="en-US"/>
+          </a:p>
+          <a:p>
+            <a:r>
+              <a:rPr lang="zh-CN" altLang="en-US"/>
+              <a:t>// 转发配置</a:t>
+            </a:r>
+            <a:endParaRPr lang="zh-CN" altLang="en-US"/>
+          </a:p>
+          <a:p>
+            <a:r>
+              <a:rPr lang="zh-CN" altLang="en-US"/>
+              <a:t>module.exports = {</a:t>
+            </a:r>
+            <a:endParaRPr lang="zh-CN" altLang="en-US"/>
+          </a:p>
+          <a:p>
+            <a:r>
+              <a:rPr lang="zh-CN" altLang="en-US"/>
+              <a:t>  proxyList: {</a:t>
+            </a:r>
+            <a:endParaRPr lang="zh-CN" altLang="en-US"/>
+          </a:p>
+          <a:p>
+            <a:r>
+              <a:rPr lang="zh-CN" altLang="en-US"/>
+              <a:t>    '/api': {</a:t>
+            </a:r>
+            <a:endParaRPr lang="zh-CN" altLang="en-US"/>
+          </a:p>
+          <a:p>
+            <a:r>
+              <a:rPr lang="zh-CN" altLang="en-US"/>
+              <a:t>      target: 'http://' + GATEWAY_HOST + ':' + GATEWAY_PORT,</a:t>
+            </a:r>
+            <a:endParaRPr lang="zh-CN" altLang="en-US"/>
+          </a:p>
+          <a:p>
+            <a:r>
+              <a:rPr lang="zh-CN" altLang="en-US"/>
+              <a:t>      changeOrigin: true,</a:t>
+            </a:r>
+            <a:endParaRPr lang="zh-CN" altLang="en-US"/>
+          </a:p>
+          <a:p>
+            <a:r>
+              <a:rPr lang="zh-CN" altLang="en-US"/>
+              <a:t>      pathRewrite: {</a:t>
+            </a:r>
+            <a:endParaRPr lang="zh-CN" altLang="en-US"/>
+          </a:p>
+          <a:p>
+            <a:r>
+              <a:rPr lang="zh-CN" altLang="en-US"/>
+              <a:t>        '^/api': '/api'</a:t>
+            </a:r>
+            <a:endParaRPr lang="zh-CN" altLang="en-US"/>
+          </a:p>
+          <a:p>
+            <a:r>
+              <a:rPr lang="zh-CN" altLang="en-US"/>
+              <a:t>      }</a:t>
+            </a:r>
+            <a:endParaRPr lang="zh-CN" altLang="en-US"/>
+          </a:p>
+          <a:p>
+            <a:r>
+              <a:rPr lang="zh-CN" altLang="en-US"/>
+              <a:t>    }</a:t>
+            </a:r>
+            <a:endParaRPr lang="zh-CN" altLang="en-US"/>
+          </a:p>
+          <a:p>
+            <a:r>
+              <a:rPr lang="zh-CN" altLang="en-US"/>
+              <a:t>  }</a:t>
+            </a:r>
+            <a:endParaRPr lang="zh-CN" altLang="en-US"/>
+          </a:p>
+          <a:p>
+            <a:r>
+              <a:rPr lang="zh-CN" altLang="en-US"/>
+              <a:t>}</a:t>
+            </a:r>
+            <a:endParaRPr lang="zh-CN" altLang="en-US"/>
+          </a:p>
+        </p:txBody>
+      </p:sp>
+    </p:spTree>
+  </p:cSld>
+  <p:clrMapOvr>
+    <a:masterClrMapping/>
+  </p:clrMapOvr>
+</p:sld>
+</file>
+
+<file path=ppt/slides/slide63.xml><?xml version="1.0" encoding="utf-8"?>
+<p:sld xmlns:a="http://schemas.openxmlformats.org/drawingml/2006/main" xmlns:r="http://schemas.openxmlformats.org/officeDocument/2006/relationships" xmlns:p="http://schemas.openxmlformats.org/presentationml/2006/main">
+  <p:cSld>
+    <p:spTree>
+      <p:nvGrpSpPr>
+        <p:cNvPr id="1" name=""/>
+        <p:cNvGrpSpPr/>
+        <p:nvPr/>
+      </p:nvGrpSpPr>
+      <p:grpSpPr/>
+      <p:sp>
+        <p:nvSpPr>
+          <p:cNvPr id="2" name="标题 1"/>
+          <p:cNvSpPr>
+            <a:spLocks noGrp="1"/>
+          </p:cNvSpPr>
+          <p:nvPr>
+            <p:ph type="title"/>
+          </p:nvPr>
+        </p:nvSpPr>
+        <p:spPr/>
+        <p:txBody>
+          <a:bodyPr/>
+          <a:p>
+            <a:r>
+              <a:rPr lang="zh-CN" altLang="en-US"/>
+              <a:t>未完待续</a:t>
+            </a:r>
+            <a:endParaRPr lang="zh-CN" altLang="en-US"/>
+          </a:p>
+        </p:txBody>
+      </p:sp>
+      <p:sp>
+        <p:nvSpPr>
+          <p:cNvPr id="3" name="内容占位符 2"/>
+          <p:cNvSpPr>
+            <a:spLocks noGrp="1"/>
+          </p:cNvSpPr>
+          <p:nvPr>
+            <p:ph idx="1"/>
+          </p:nvPr>
+        </p:nvSpPr>
+        <p:spPr/>
+        <p:txBody>
+          <a:bodyPr/>
+          <a:p>
+            <a:r>
+              <a:rPr lang="en-US" altLang="zh-CN"/>
+              <a:t>webpack </a:t>
+            </a:r>
+            <a:r>
+              <a:rPr lang="zh-CN" altLang="en-US"/>
+              <a:t>和 </a:t>
+            </a:r>
+            <a:r>
+              <a:rPr lang="en-US" altLang="zh-CN"/>
+              <a:t>vue-cli</a:t>
+            </a:r>
+            <a:r>
+              <a:rPr lang="zh-CN" altLang="en-US"/>
+              <a:t>？</a:t>
+            </a:r>
+            <a:endParaRPr lang="en-US" altLang="zh-CN"/>
+          </a:p>
+          <a:p>
+            <a:r>
+              <a:rPr lang="en-US" altLang="zh-CN"/>
+              <a:t>webpack4.0 </a:t>
+            </a:r>
+            <a:r>
+              <a:rPr lang="zh-CN" altLang="en-US"/>
+              <a:t>区别？</a:t>
+            </a:r>
+            <a:endParaRPr lang="zh-CN" altLang="en-US"/>
+          </a:p>
+          <a:p>
+            <a:pPr lvl="1"/>
+            <a:r>
+              <a:rPr lang="zh-CN" altLang="en-US"/>
+              <a:t>webpack 4默认不需要配置文件。可以通过mode选项为webpack指定一些默认的配置。</a:t>
+            </a:r>
+            <a:endParaRPr lang="zh-CN" altLang="en-US"/>
+          </a:p>
+          <a:p>
+            <a:r>
+              <a:rPr lang="en-US" altLang="zh-CN"/>
+              <a:t>wepack</a:t>
+            </a:r>
+            <a:r>
+              <a:rPr lang="zh-CN" altLang="en-US"/>
+              <a:t>优化？</a:t>
+            </a:r>
+            <a:endParaRPr lang="zh-CN" altLang="en-US"/>
+          </a:p>
+        </p:txBody>
+      </p:sp>
+    </p:spTree>
+  </p:cSld>
+  <p:clrMapOvr>
+    <a:masterClrMapping/>
+  </p:clrMapOvr>
+</p:sld>
+</file>
+
+<file path=ppt/slides/slide64.xml><?xml version="1.0" encoding="utf-8"?>
 <p:sld xmlns:a="http://schemas.openxmlformats.org/drawingml/2006/main" xmlns:r="http://schemas.openxmlformats.org/officeDocument/2006/relationships" xmlns:p="http://schemas.openxmlformats.org/presentationml/2006/main">
   <p:cSld>
     <p:spTree>
@@ -11303,186 +11810,6 @@
       <p:grpSpPr/>
       <p:sp>
         <p:nvSpPr>
-          <p:cNvPr id="2" name="标题 1"/>
-          <p:cNvSpPr>
-            <a:spLocks noGrp="1"/>
-          </p:cNvSpPr>
-          <p:nvPr>
-            <p:ph type="title"/>
-          </p:nvPr>
-        </p:nvSpPr>
-        <p:spPr/>
-        <p:txBody>
-          <a:bodyPr/>
-          <a:p>
-            <a:r>
-              <a:rPr lang="zh-CN" altLang="en-US"/>
-              <a:t>传统网页的缺点，如下：</a:t>
-            </a:r>
-            <a:endParaRPr lang="zh-CN" altLang="en-US"/>
-          </a:p>
-        </p:txBody>
-      </p:sp>
-      <p:sp>
-        <p:nvSpPr>
-          <p:cNvPr id="3" name="内容占位符 2"/>
-          <p:cNvSpPr>
-            <a:spLocks noGrp="1"/>
-          </p:cNvSpPr>
-          <p:nvPr>
-            <p:ph idx="1"/>
-          </p:nvPr>
-        </p:nvSpPr>
-        <p:spPr/>
-        <p:txBody>
-          <a:bodyPr/>
-          <a:p>
-            <a:r>
-              <a:rPr lang="en-US" altLang="zh-CN"/>
-              <a:t>CSS</a:t>
-            </a:r>
-            <a:endParaRPr lang="en-US" altLang="zh-CN"/>
-          </a:p>
-          <a:p>
-            <a:pPr lvl="1"/>
-            <a:r>
-              <a:rPr lang="zh-CN" altLang="en-US"/>
-              <a:t>没有预处理语言</a:t>
-            </a:r>
-            <a:endParaRPr lang="zh-CN" altLang="en-US"/>
-          </a:p>
-          <a:p>
-            <a:r>
-              <a:rPr lang="en-US" altLang="zh-CN"/>
-              <a:t>JS</a:t>
-            </a:r>
-            <a:endParaRPr lang="zh-CN" altLang="en-US"/>
-          </a:p>
-          <a:p>
-            <a:pPr lvl="1"/>
-            <a:r>
-              <a:rPr lang="zh-CN" altLang="en-US"/>
-              <a:t>文件依赖关系 </a:t>
-            </a:r>
-            <a:r>
-              <a:rPr lang="en-US" altLang="zh-CN"/>
-              <a:t>- </a:t>
-            </a:r>
-            <a:r>
-              <a:rPr lang="zh-CN" altLang="en-US"/>
-              <a:t>很累心</a:t>
-            </a:r>
-            <a:endParaRPr lang="zh-CN" altLang="en-US"/>
-          </a:p>
-          <a:p>
-            <a:pPr lvl="1"/>
-            <a:r>
-              <a:rPr lang="zh-CN" altLang="en-US"/>
-              <a:t>加载文件多  </a:t>
-            </a:r>
-            <a:r>
-              <a:rPr lang="en-US" altLang="zh-CN"/>
-              <a:t>- </a:t>
-            </a:r>
-            <a:r>
-              <a:rPr lang="zh-CN" altLang="en-US"/>
-              <a:t>影响性能</a:t>
-            </a:r>
-            <a:endParaRPr lang="zh-CN" altLang="en-US"/>
-          </a:p>
-          <a:p>
-            <a:pPr lvl="1"/>
-            <a:r>
-              <a:rPr lang="zh-CN" altLang="en-US"/>
-              <a:t>作用域</a:t>
-            </a:r>
-            <a:endParaRPr lang="zh-CN" altLang="en-US"/>
-          </a:p>
-          <a:p>
-            <a:pPr lvl="1"/>
-            <a:r>
-              <a:rPr lang="zh-CN" altLang="en-US">
-                <a:sym typeface="+mn-ea"/>
-              </a:rPr>
-              <a:t>命名空间 </a:t>
-            </a:r>
-            <a:r>
-              <a:rPr lang="en-US" altLang="zh-CN">
-                <a:sym typeface="+mn-ea"/>
-              </a:rPr>
-              <a:t>- </a:t>
-            </a:r>
-            <a:r>
-              <a:rPr lang="zh-CN" altLang="en-US">
-                <a:sym typeface="+mn-ea"/>
-              </a:rPr>
-              <a:t>网页内容稍微多点，命名就混乱</a:t>
-            </a:r>
-            <a:endParaRPr lang="zh-CN" altLang="en-US">
-              <a:sym typeface="+mn-ea"/>
-            </a:endParaRPr>
-          </a:p>
-          <a:p>
-            <a:pPr lvl="1"/>
-            <a:endParaRPr lang="zh-CN" altLang="en-US">
-              <a:sym typeface="+mn-ea"/>
-            </a:endParaRPr>
-          </a:p>
-          <a:p>
-            <a:pPr marL="457200" lvl="1" indent="0">
-              <a:buNone/>
-            </a:pPr>
-            <a:r>
-              <a:rPr lang="en-US" altLang="zh-CN">
-                <a:solidFill>
-                  <a:schemeClr val="accent1"/>
-                </a:solidFill>
-              </a:rPr>
-              <a:t>	</a:t>
-            </a:r>
-            <a:r>
-              <a:rPr lang="zh-CN" altLang="en-US">
-                <a:solidFill>
-                  <a:schemeClr val="accent1"/>
-                </a:solidFill>
-              </a:rPr>
-              <a:t>接下来举例说明</a:t>
-            </a:r>
-            <a:endParaRPr lang="zh-CN" altLang="en-US">
-              <a:solidFill>
-                <a:schemeClr val="accent1"/>
-              </a:solidFill>
-            </a:endParaRPr>
-          </a:p>
-          <a:p>
-            <a:endParaRPr lang="zh-CN" altLang="en-US">
-              <a:solidFill>
-                <a:schemeClr val="accent1"/>
-              </a:solidFill>
-            </a:endParaRPr>
-          </a:p>
-        </p:txBody>
-      </p:sp>
-    </p:spTree>
-  </p:cSld>
-  <p:clrMapOvr>
-    <a:masterClrMapping/>
-  </p:clrMapOvr>
-</p:sld>
-</file>
-
-<file path=ppt/slides/slide9.xml><?xml version="1.0" encoding="utf-8"?>
-<p:sld xmlns:a="http://schemas.openxmlformats.org/drawingml/2006/main" xmlns:r="http://schemas.openxmlformats.org/officeDocument/2006/relationships" xmlns:p="http://schemas.openxmlformats.org/presentationml/2006/main">
-  <p:cSld>
-    <p:spTree>
-      <p:nvGrpSpPr>
-        <p:cNvPr id="1" name=""/>
-        <p:cNvGrpSpPr/>
-        <p:nvPr/>
-      </p:nvGrpSpPr>
-      <p:grpSpPr/>
-      <p:sp>
-        <p:nvSpPr>
           <p:cNvPr id="3" name="内容占位符 2"/>
           <p:cNvSpPr>
             <a:spLocks noGrp="1"/>
@@ -11525,7 +11852,7 @@
             <a:r>
               <a:rPr lang="zh-CN" altLang="en-US">
                 <a:solidFill>
-                  <a:schemeClr val="accent1"/>
+                  <a:srgbClr val="FF0000"/>
                 </a:solidFill>
                 <a:sym typeface="+mn-ea"/>
               </a:rPr>
@@ -11573,6 +11900,170 @@
           </a:prstGeom>
         </p:spPr>
       </p:pic>
+    </p:spTree>
+  </p:cSld>
+  <p:clrMapOvr>
+    <a:masterClrMapping/>
+  </p:clrMapOvr>
+</p:sld>
+</file>
+
+<file path=ppt/slides/slide9.xml><?xml version="1.0" encoding="utf-8"?>
+<p:sld xmlns:a="http://schemas.openxmlformats.org/drawingml/2006/main" xmlns:r="http://schemas.openxmlformats.org/officeDocument/2006/relationships" xmlns:p="http://schemas.openxmlformats.org/presentationml/2006/main">
+  <p:cSld>
+    <p:spTree>
+      <p:nvGrpSpPr>
+        <p:cNvPr id="1" name=""/>
+        <p:cNvGrpSpPr/>
+        <p:nvPr/>
+      </p:nvGrpSpPr>
+      <p:grpSpPr/>
+      <p:sp>
+        <p:nvSpPr>
+          <p:cNvPr id="2" name="标题 1"/>
+          <p:cNvSpPr>
+            <a:spLocks noGrp="1"/>
+          </p:cNvSpPr>
+          <p:nvPr>
+            <p:ph type="title"/>
+          </p:nvPr>
+        </p:nvSpPr>
+        <p:spPr/>
+        <p:txBody>
+          <a:bodyPr/>
+          <a:p>
+            <a:r>
+              <a:rPr lang="zh-CN" altLang="en-US"/>
+              <a:t>传统网页的缺点，如下：</a:t>
+            </a:r>
+            <a:endParaRPr lang="zh-CN" altLang="en-US"/>
+          </a:p>
+        </p:txBody>
+      </p:sp>
+      <p:sp>
+        <p:nvSpPr>
+          <p:cNvPr id="3" name="内容占位符 2"/>
+          <p:cNvSpPr>
+            <a:spLocks noGrp="1"/>
+          </p:cNvSpPr>
+          <p:nvPr>
+            <p:ph idx="1"/>
+          </p:nvPr>
+        </p:nvSpPr>
+        <p:spPr/>
+        <p:txBody>
+          <a:bodyPr/>
+          <a:p>
+            <a:r>
+              <a:rPr lang="en-US" altLang="zh-CN"/>
+              <a:t>CSS</a:t>
+            </a:r>
+            <a:endParaRPr lang="en-US" altLang="zh-CN"/>
+          </a:p>
+          <a:p>
+            <a:pPr lvl="1"/>
+            <a:r>
+              <a:rPr lang="zh-CN" altLang="en-US"/>
+              <a:t>没有预处理语言</a:t>
+            </a:r>
+            <a:endParaRPr lang="zh-CN" altLang="en-US"/>
+          </a:p>
+          <a:p>
+            <a:r>
+              <a:rPr lang="en-US" altLang="zh-CN"/>
+              <a:t>JS</a:t>
+            </a:r>
+            <a:endParaRPr lang="zh-CN" altLang="en-US"/>
+          </a:p>
+          <a:p>
+            <a:pPr lvl="1"/>
+            <a:r>
+              <a:rPr lang="zh-CN" altLang="en-US"/>
+              <a:t>文件依赖关系，很麻烦。</a:t>
+            </a:r>
+            <a:endParaRPr lang="zh-CN" altLang="en-US"/>
+          </a:p>
+          <a:p>
+            <a:pPr lvl="1"/>
+            <a:r>
+              <a:rPr lang="zh-CN" altLang="en-US"/>
+              <a:t>加载文件多，影响性能</a:t>
+            </a:r>
+            <a:endParaRPr lang="zh-CN" altLang="en-US"/>
+          </a:p>
+          <a:p>
+            <a:pPr lvl="1"/>
+            <a:r>
+              <a:rPr lang="zh-CN" altLang="en-US"/>
+              <a:t>作用域问题</a:t>
+            </a:r>
+            <a:endParaRPr lang="zh-CN" altLang="en-US"/>
+          </a:p>
+          <a:p>
+            <a:pPr lvl="1"/>
+            <a:r>
+              <a:rPr lang="zh-CN" altLang="en-US">
+                <a:sym typeface="+mn-ea"/>
+              </a:rPr>
+              <a:t>命名空间 </a:t>
+            </a:r>
+            <a:r>
+              <a:rPr lang="en-US" altLang="zh-CN">
+                <a:sym typeface="+mn-ea"/>
+              </a:rPr>
+              <a:t>- </a:t>
+            </a:r>
+            <a:r>
+              <a:rPr lang="zh-CN" altLang="en-US">
+                <a:sym typeface="+mn-ea"/>
+              </a:rPr>
+              <a:t>网页内容稍微多点，命名就混乱</a:t>
+            </a:r>
+            <a:endParaRPr lang="zh-CN" altLang="en-US">
+              <a:sym typeface="+mn-ea"/>
+            </a:endParaRPr>
+          </a:p>
+          <a:p>
+            <a:pPr lvl="1"/>
+            <a:endParaRPr lang="zh-CN" altLang="en-US">
+              <a:sym typeface="+mn-ea"/>
+            </a:endParaRPr>
+          </a:p>
+          <a:p>
+            <a:pPr marL="457200" lvl="1" indent="0">
+              <a:buNone/>
+            </a:pPr>
+            <a:r>
+              <a:rPr lang="en-US" altLang="zh-CN">
+                <a:solidFill>
+                  <a:schemeClr val="accent1"/>
+                </a:solidFill>
+              </a:rPr>
+              <a:t>	</a:t>
+            </a:r>
+            <a:r>
+              <a:rPr lang="zh-CN" altLang="en-US">
+                <a:solidFill>
+                  <a:schemeClr val="accent1"/>
+                </a:solidFill>
+              </a:rPr>
+              <a:t>接下来举例说明</a:t>
+            </a:r>
+            <a:endParaRPr lang="zh-CN" altLang="en-US">
+              <a:solidFill>
+                <a:schemeClr val="accent1"/>
+              </a:solidFill>
+            </a:endParaRPr>
+          </a:p>
+          <a:p>
+            <a:endParaRPr lang="zh-CN" altLang="en-US">
+              <a:solidFill>
+                <a:schemeClr val="accent1"/>
+              </a:solidFill>
+            </a:endParaRPr>
+          </a:p>
+        </p:txBody>
+      </p:sp>
     </p:spTree>
   </p:cSld>
   <p:clrMapOvr>
@@ -11645,6 +12136,12 @@
 </file>
 
 <file path=ppt/tags/tag5.xml><?xml version="1.0" encoding="utf-8"?>
+<p:tagLst xmlns:p="http://schemas.openxmlformats.org/presentationml/2006/main">
+  <p:tag name="KSO_WM_UNIT_PLACING_PICTURE_USER_VIEWPORT" val="{&quot;height&quot;:4710,&quot;width&quot;:9600}"/>
+</p:tagLst>
+</file>
+
+<file path=ppt/tags/tag6.xml><?xml version="1.0" encoding="utf-8"?>
 <p:tagLst xmlns:p="http://schemas.openxmlformats.org/presentationml/2006/main">
   <p:tag name="KSO_WM_UNIT_PLACING_PICTURE_USER_VIEWPORT" val="{&quot;height&quot;:5573,&quot;width&quot;:8160}"/>
 </p:tagLst>
